--- a/20Y005-Review 1.pptx
+++ b/20Y005-Review 1.pptx
@@ -2,7 +2,7 @@
 <file path=ppt/presentation.xml><?xml version="1.0" encoding="utf-8"?>
 <p:presentation xmlns:a="http://schemas.openxmlformats.org/drawingml/2006/main" xmlns:r="http://schemas.openxmlformats.org/officeDocument/2006/relationships" xmlns:p="http://schemas.openxmlformats.org/presentationml/2006/main" autoCompressPictures="0">
   <p:sldMasterIdLst>
-    <p:sldMasterId id="2147483648" r:id="rId1"/>
+    <p:sldMasterId id="2147483982" r:id="rId1"/>
   </p:sldMasterIdLst>
   <p:sldIdLst>
     <p:sldId id="256" r:id="rId2"/>
@@ -10,11 +10,17 @@
     <p:sldId id="258" r:id="rId4"/>
     <p:sldId id="259" r:id="rId5"/>
     <p:sldId id="260" r:id="rId6"/>
-    <p:sldId id="261" r:id="rId7"/>
-    <p:sldId id="262" r:id="rId8"/>
-    <p:sldId id="263" r:id="rId9"/>
-    <p:sldId id="264" r:id="rId10"/>
-    <p:sldId id="265" r:id="rId11"/>
+    <p:sldId id="266" r:id="rId7"/>
+    <p:sldId id="261" r:id="rId8"/>
+    <p:sldId id="267" r:id="rId9"/>
+    <p:sldId id="268" r:id="rId10"/>
+    <p:sldId id="269" r:id="rId11"/>
+    <p:sldId id="270" r:id="rId12"/>
+    <p:sldId id="271" r:id="rId13"/>
+    <p:sldId id="272" r:id="rId14"/>
+    <p:sldId id="273" r:id="rId15"/>
+    <p:sldId id="264" r:id="rId16"/>
+    <p:sldId id="265" r:id="rId17"/>
   </p:sldIdLst>
   <p:sldSz cx="12192000" cy="6858000"/>
   <p:notesSz cx="6858000" cy="9144000"/>
@@ -253,8 +259,8 @@
           <a:lstStyle/>
           <a:p>
             <a:fld id="{48A87A34-81AB-432B-8DAE-1953F412C126}" type="datetimeFigureOut">
-              <a:rPr lang="en-US" dirty="0"/>
-              <a:t>2/8/2022</a:t>
+              <a:rPr lang="en-US" smtClean="0"/>
+              <a:t>3/23/2022</a:t>
             </a:fld>
             <a:endParaRPr lang="en-US" dirty="0"/>
           </a:p>
@@ -295,7 +301,7 @@
           <a:lstStyle/>
           <a:p>
             <a:fld id="{6D22F896-40B5-4ADD-8801-0D06FADFA095}" type="slidenum">
-              <a:rPr lang="en-US" dirty="0"/>
+              <a:rPr lang="en-US" smtClean="0"/>
               <a:t>‹#›</a:t>
             </a:fld>
             <a:endParaRPr lang="en-US" dirty="0"/>
@@ -303,6 +309,11 @@
         </p:txBody>
       </p:sp>
     </p:spTree>
+    <p:extLst>
+      <p:ext uri="{BB962C8B-B14F-4D97-AF65-F5344CB8AC3E}">
+        <p14:creationId xmlns:p14="http://schemas.microsoft.com/office/powerpoint/2010/main" val="2762413811"/>
+      </p:ext>
+    </p:extLst>
   </p:cSld>
   <p:clrMapOvr>
     <a:masterClrMapping/>
@@ -535,8 +546,9 @@
           <a:lstStyle/>
           <a:p>
             <a:fld id="{48A87A34-81AB-432B-8DAE-1953F412C126}" type="datetimeFigureOut">
-              <a:rPr lang="en-US" dirty="0"/>
-              <a:t>2/8/2022</a:t>
+              <a:rPr lang="en-US" smtClean="0"/>
+              <a:pPr/>
+              <a:t>3/23/2022</a:t>
             </a:fld>
             <a:endParaRPr lang="en-US" dirty="0"/>
           </a:p>
@@ -577,7 +589,8 @@
           <a:lstStyle/>
           <a:p>
             <a:fld id="{6D22F896-40B5-4ADD-8801-0D06FADFA095}" type="slidenum">
-              <a:rPr lang="en-US" dirty="0"/>
+              <a:rPr lang="en-US" smtClean="0"/>
+              <a:pPr/>
               <a:t>‹#›</a:t>
             </a:fld>
             <a:endParaRPr lang="en-US" dirty="0"/>
@@ -585,6 +598,11 @@
         </p:txBody>
       </p:sp>
     </p:spTree>
+    <p:extLst>
+      <p:ext uri="{BB962C8B-B14F-4D97-AF65-F5344CB8AC3E}">
+        <p14:creationId xmlns:p14="http://schemas.microsoft.com/office/powerpoint/2010/main" val="1122193261"/>
+      </p:ext>
+    </p:extLst>
   </p:cSld>
   <p:clrMapOvr>
     <a:masterClrMapping/>
@@ -722,8 +740,9 @@
           <a:lstStyle/>
           <a:p>
             <a:fld id="{48A87A34-81AB-432B-8DAE-1953F412C126}" type="datetimeFigureOut">
-              <a:rPr lang="en-US" dirty="0"/>
-              <a:t>2/8/2022</a:t>
+              <a:rPr lang="en-US" smtClean="0"/>
+              <a:pPr/>
+              <a:t>3/23/2022</a:t>
             </a:fld>
             <a:endParaRPr lang="en-US" dirty="0"/>
           </a:p>
@@ -764,7 +783,8 @@
           <a:lstStyle/>
           <a:p>
             <a:fld id="{6D22F896-40B5-4ADD-8801-0D06FADFA095}" type="slidenum">
-              <a:rPr lang="en-US" dirty="0"/>
+              <a:rPr lang="en-US" smtClean="0"/>
+              <a:pPr/>
               <a:t>‹#›</a:t>
             </a:fld>
             <a:endParaRPr lang="en-US" dirty="0"/>
@@ -772,6 +792,11 @@
         </p:txBody>
       </p:sp>
     </p:spTree>
+    <p:extLst>
+      <p:ext uri="{BB962C8B-B14F-4D97-AF65-F5344CB8AC3E}">
+        <p14:creationId xmlns:p14="http://schemas.microsoft.com/office/powerpoint/2010/main" val="928393079"/>
+      </p:ext>
+    </p:extLst>
   </p:cSld>
   <p:clrMapOvr>
     <a:masterClrMapping/>
@@ -978,8 +1003,9 @@
           <a:lstStyle/>
           <a:p>
             <a:fld id="{48A87A34-81AB-432B-8DAE-1953F412C126}" type="datetimeFigureOut">
-              <a:rPr lang="en-US" dirty="0"/>
-              <a:t>2/8/2022</a:t>
+              <a:rPr lang="en-US" smtClean="0"/>
+              <a:pPr/>
+              <a:t>3/23/2022</a:t>
             </a:fld>
             <a:endParaRPr lang="en-US" dirty="0"/>
           </a:p>
@@ -1020,7 +1046,8 @@
           <a:lstStyle/>
           <a:p>
             <a:fld id="{6D22F896-40B5-4ADD-8801-0D06FADFA095}" type="slidenum">
-              <a:rPr lang="en-US" dirty="0"/>
+              <a:rPr lang="en-US" smtClean="0"/>
+              <a:pPr/>
               <a:t>‹#›</a:t>
             </a:fld>
             <a:endParaRPr lang="en-US" dirty="0"/>
@@ -1260,6 +1287,11 @@
         </p:txBody>
       </p:sp>
     </p:spTree>
+    <p:extLst>
+      <p:ext uri="{BB962C8B-B14F-4D97-AF65-F5344CB8AC3E}">
+        <p14:creationId xmlns:p14="http://schemas.microsoft.com/office/powerpoint/2010/main" val="822285444"/>
+      </p:ext>
+    </p:extLst>
   </p:cSld>
   <p:clrMapOvr>
     <a:masterClrMapping/>
@@ -1397,8 +1429,9 @@
           <a:lstStyle/>
           <a:p>
             <a:fld id="{48A87A34-81AB-432B-8DAE-1953F412C126}" type="datetimeFigureOut">
-              <a:rPr lang="en-US" dirty="0"/>
-              <a:t>2/8/2022</a:t>
+              <a:rPr lang="en-US" smtClean="0"/>
+              <a:pPr/>
+              <a:t>3/23/2022</a:t>
             </a:fld>
             <a:endParaRPr lang="en-US" dirty="0"/>
           </a:p>
@@ -1439,7 +1472,8 @@
           <a:lstStyle/>
           <a:p>
             <a:fld id="{6D22F896-40B5-4ADD-8801-0D06FADFA095}" type="slidenum">
-              <a:rPr lang="en-US" dirty="0"/>
+              <a:rPr lang="en-US" smtClean="0"/>
+              <a:pPr/>
               <a:t>‹#›</a:t>
             </a:fld>
             <a:endParaRPr lang="en-US" dirty="0"/>
@@ -1447,6 +1481,11 @@
         </p:txBody>
       </p:sp>
     </p:spTree>
+    <p:extLst>
+      <p:ext uri="{BB962C8B-B14F-4D97-AF65-F5344CB8AC3E}">
+        <p14:creationId xmlns:p14="http://schemas.microsoft.com/office/powerpoint/2010/main" val="1091873031"/>
+      </p:ext>
+    </p:extLst>
   </p:cSld>
   <p:clrMapOvr>
     <a:masterClrMapping/>
@@ -1938,8 +1977,9 @@
           <a:lstStyle/>
           <a:p>
             <a:fld id="{48A87A34-81AB-432B-8DAE-1953F412C126}" type="datetimeFigureOut">
-              <a:rPr lang="en-US" dirty="0"/>
-              <a:t>2/8/2022</a:t>
+              <a:rPr lang="en-US" smtClean="0"/>
+              <a:pPr/>
+              <a:t>3/23/2022</a:t>
             </a:fld>
             <a:endParaRPr lang="en-US" dirty="0"/>
           </a:p>
@@ -1980,7 +2020,8 @@
           <a:lstStyle/>
           <a:p>
             <a:fld id="{6D22F896-40B5-4ADD-8801-0D06FADFA095}" type="slidenum">
-              <a:rPr lang="en-US" dirty="0"/>
+              <a:rPr lang="en-US" smtClean="0"/>
+              <a:pPr/>
               <a:t>‹#›</a:t>
             </a:fld>
             <a:endParaRPr lang="en-US" dirty="0"/>
@@ -1988,6 +2029,11 @@
         </p:txBody>
       </p:sp>
     </p:spTree>
+    <p:extLst>
+      <p:ext uri="{BB962C8B-B14F-4D97-AF65-F5344CB8AC3E}">
+        <p14:creationId xmlns:p14="http://schemas.microsoft.com/office/powerpoint/2010/main" val="1508918267"/>
+      </p:ext>
+    </p:extLst>
   </p:cSld>
   <p:clrMapOvr>
     <a:masterClrMapping/>
@@ -2773,8 +2819,9 @@
           <a:lstStyle/>
           <a:p>
             <a:fld id="{48A87A34-81AB-432B-8DAE-1953F412C126}" type="datetimeFigureOut">
-              <a:rPr lang="en-US" dirty="0"/>
-              <a:t>2/8/2022</a:t>
+              <a:rPr lang="en-US" smtClean="0"/>
+              <a:pPr/>
+              <a:t>3/23/2022</a:t>
             </a:fld>
             <a:endParaRPr lang="en-US" dirty="0"/>
           </a:p>
@@ -2815,7 +2862,8 @@
           <a:lstStyle/>
           <a:p>
             <a:fld id="{6D22F896-40B5-4ADD-8801-0D06FADFA095}" type="slidenum">
-              <a:rPr lang="en-US" dirty="0"/>
+              <a:rPr lang="en-US" smtClean="0"/>
+              <a:pPr/>
               <a:t>‹#›</a:t>
             </a:fld>
             <a:endParaRPr lang="en-US" dirty="0"/>
@@ -2823,6 +2871,11 @@
         </p:txBody>
       </p:sp>
     </p:spTree>
+    <p:extLst>
+      <p:ext uri="{BB962C8B-B14F-4D97-AF65-F5344CB8AC3E}">
+        <p14:creationId xmlns:p14="http://schemas.microsoft.com/office/powerpoint/2010/main" val="598762269"/>
+      </p:ext>
+    </p:extLst>
   </p:cSld>
   <p:clrMapOvr>
     <a:masterClrMapping/>
@@ -2938,8 +2991,8 @@
           <a:lstStyle/>
           <a:p>
             <a:fld id="{48A87A34-81AB-432B-8DAE-1953F412C126}" type="datetimeFigureOut">
-              <a:rPr lang="en-US" dirty="0"/>
-              <a:t>2/8/2022</a:t>
+              <a:rPr lang="en-US" smtClean="0"/>
+              <a:t>3/23/2022</a:t>
             </a:fld>
             <a:endParaRPr lang="en-US" dirty="0"/>
           </a:p>
@@ -2980,7 +3033,7 @@
           <a:lstStyle/>
           <a:p>
             <a:fld id="{6D22F896-40B5-4ADD-8801-0D06FADFA095}" type="slidenum">
-              <a:rPr lang="en-US" dirty="0"/>
+              <a:rPr lang="en-US" smtClean="0"/>
               <a:t>‹#›</a:t>
             </a:fld>
             <a:endParaRPr lang="en-US" dirty="0"/>
@@ -2988,6 +3041,11 @@
         </p:txBody>
       </p:sp>
     </p:spTree>
+    <p:extLst>
+      <p:ext uri="{BB962C8B-B14F-4D97-AF65-F5344CB8AC3E}">
+        <p14:creationId xmlns:p14="http://schemas.microsoft.com/office/powerpoint/2010/main" val="286539178"/>
+      </p:ext>
+    </p:extLst>
   </p:cSld>
   <p:clrMapOvr>
     <a:masterClrMapping/>
@@ -3117,8 +3175,8 @@
           <a:lstStyle/>
           <a:p>
             <a:fld id="{48A87A34-81AB-432B-8DAE-1953F412C126}" type="datetimeFigureOut">
-              <a:rPr lang="en-US" dirty="0"/>
-              <a:t>2/8/2022</a:t>
+              <a:rPr lang="en-US" smtClean="0"/>
+              <a:t>3/23/2022</a:t>
             </a:fld>
             <a:endParaRPr lang="en-US" dirty="0"/>
           </a:p>
@@ -3159,7 +3217,7 @@
           <a:lstStyle/>
           <a:p>
             <a:fld id="{6D22F896-40B5-4ADD-8801-0D06FADFA095}" type="slidenum">
-              <a:rPr lang="en-US" dirty="0"/>
+              <a:rPr lang="en-US" smtClean="0"/>
               <a:t>‹#›</a:t>
             </a:fld>
             <a:endParaRPr lang="en-US" dirty="0"/>
@@ -3167,6 +3225,11 @@
         </p:txBody>
       </p:sp>
     </p:spTree>
+    <p:extLst>
+      <p:ext uri="{BB962C8B-B14F-4D97-AF65-F5344CB8AC3E}">
+        <p14:creationId xmlns:p14="http://schemas.microsoft.com/office/powerpoint/2010/main" val="1497611593"/>
+      </p:ext>
+    </p:extLst>
   </p:cSld>
   <p:clrMapOvr>
     <a:masterClrMapping/>
@@ -3282,8 +3345,8 @@
           <a:lstStyle/>
           <a:p>
             <a:fld id="{48A87A34-81AB-432B-8DAE-1953F412C126}" type="datetimeFigureOut">
-              <a:rPr lang="en-US" dirty="0"/>
-              <a:t>2/8/2022</a:t>
+              <a:rPr lang="en-US" smtClean="0"/>
+              <a:t>3/23/2022</a:t>
             </a:fld>
             <a:endParaRPr lang="en-US" dirty="0"/>
           </a:p>
@@ -3324,7 +3387,7 @@
           <a:lstStyle/>
           <a:p>
             <a:fld id="{6D22F896-40B5-4ADD-8801-0D06FADFA095}" type="slidenum">
-              <a:rPr lang="en-US" dirty="0"/>
+              <a:rPr lang="en-US" smtClean="0"/>
               <a:t>‹#›</a:t>
             </a:fld>
             <a:endParaRPr lang="en-US" dirty="0"/>
@@ -3332,6 +3395,11 @@
         </p:txBody>
       </p:sp>
     </p:spTree>
+    <p:extLst>
+      <p:ext uri="{BB962C8B-B14F-4D97-AF65-F5344CB8AC3E}">
+        <p14:creationId xmlns:p14="http://schemas.microsoft.com/office/powerpoint/2010/main" val="2502756822"/>
+      </p:ext>
+    </p:extLst>
   </p:cSld>
   <p:clrMapOvr>
     <a:masterClrMapping/>
@@ -3525,8 +3593,8 @@
           <a:lstStyle/>
           <a:p>
             <a:fld id="{48A87A34-81AB-432B-8DAE-1953F412C126}" type="datetimeFigureOut">
-              <a:rPr lang="en-US" dirty="0"/>
-              <a:t>2/8/2022</a:t>
+              <a:rPr lang="en-US" smtClean="0"/>
+              <a:t>3/23/2022</a:t>
             </a:fld>
             <a:endParaRPr lang="en-US" dirty="0"/>
           </a:p>
@@ -3567,7 +3635,7 @@
           <a:lstStyle/>
           <a:p>
             <a:fld id="{6D22F896-40B5-4ADD-8801-0D06FADFA095}" type="slidenum">
-              <a:rPr lang="en-US" dirty="0"/>
+              <a:rPr lang="en-US" smtClean="0"/>
               <a:t>‹#›</a:t>
             </a:fld>
             <a:endParaRPr lang="en-US" dirty="0"/>
@@ -3575,6 +3643,11 @@
         </p:txBody>
       </p:sp>
     </p:spTree>
+    <p:extLst>
+      <p:ext uri="{BB962C8B-B14F-4D97-AF65-F5344CB8AC3E}">
+        <p14:creationId xmlns:p14="http://schemas.microsoft.com/office/powerpoint/2010/main" val="3876770471"/>
+      </p:ext>
+    </p:extLst>
   </p:cSld>
   <p:clrMapOvr>
     <a:masterClrMapping/>
@@ -3757,8 +3830,8 @@
           <a:lstStyle/>
           <a:p>
             <a:fld id="{48A87A34-81AB-432B-8DAE-1953F412C126}" type="datetimeFigureOut">
-              <a:rPr lang="en-US" dirty="0"/>
-              <a:t>2/8/2022</a:t>
+              <a:rPr lang="en-US" smtClean="0"/>
+              <a:t>3/23/2022</a:t>
             </a:fld>
             <a:endParaRPr lang="en-US" dirty="0"/>
           </a:p>
@@ -3799,7 +3872,7 @@
           <a:lstStyle/>
           <a:p>
             <a:fld id="{6D22F896-40B5-4ADD-8801-0D06FADFA095}" type="slidenum">
-              <a:rPr lang="en-US" dirty="0"/>
+              <a:rPr lang="en-US" smtClean="0"/>
               <a:t>‹#›</a:t>
             </a:fld>
             <a:endParaRPr lang="en-US" dirty="0"/>
@@ -3807,6 +3880,11 @@
         </p:txBody>
       </p:sp>
     </p:spTree>
+    <p:extLst>
+      <p:ext uri="{BB962C8B-B14F-4D97-AF65-F5344CB8AC3E}">
+        <p14:creationId xmlns:p14="http://schemas.microsoft.com/office/powerpoint/2010/main" val="1623786782"/>
+      </p:ext>
+    </p:extLst>
   </p:cSld>
   <p:clrMapOvr>
     <a:masterClrMapping/>
@@ -4125,8 +4203,8 @@
           <a:lstStyle/>
           <a:p>
             <a:fld id="{48A87A34-81AB-432B-8DAE-1953F412C126}" type="datetimeFigureOut">
-              <a:rPr lang="en-US" dirty="0"/>
-              <a:t>2/8/2022</a:t>
+              <a:rPr lang="en-US" smtClean="0"/>
+              <a:t>3/23/2022</a:t>
             </a:fld>
             <a:endParaRPr lang="en-US" dirty="0"/>
           </a:p>
@@ -4167,7 +4245,7 @@
           <a:lstStyle/>
           <a:p>
             <a:fld id="{6D22F896-40B5-4ADD-8801-0D06FADFA095}" type="slidenum">
-              <a:rPr lang="en-US" dirty="0"/>
+              <a:rPr lang="en-US" smtClean="0"/>
               <a:t>‹#›</a:t>
             </a:fld>
             <a:endParaRPr lang="en-US" dirty="0"/>
@@ -4175,6 +4253,11 @@
         </p:txBody>
       </p:sp>
     </p:spTree>
+    <p:extLst>
+      <p:ext uri="{BB962C8B-B14F-4D97-AF65-F5344CB8AC3E}">
+        <p14:creationId xmlns:p14="http://schemas.microsoft.com/office/powerpoint/2010/main" val="3059697700"/>
+      </p:ext>
+    </p:extLst>
   </p:cSld>
   <p:clrMapOvr>
     <a:masterClrMapping/>
@@ -4238,8 +4321,8 @@
           <a:lstStyle/>
           <a:p>
             <a:fld id="{48A87A34-81AB-432B-8DAE-1953F412C126}" type="datetimeFigureOut">
-              <a:rPr lang="en-US" dirty="0"/>
-              <a:t>2/8/2022</a:t>
+              <a:rPr lang="en-US" smtClean="0"/>
+              <a:t>3/23/2022</a:t>
             </a:fld>
             <a:endParaRPr lang="en-US" dirty="0"/>
           </a:p>
@@ -4280,7 +4363,7 @@
           <a:lstStyle/>
           <a:p>
             <a:fld id="{6D22F896-40B5-4ADD-8801-0D06FADFA095}" type="slidenum">
-              <a:rPr lang="en-US" dirty="0"/>
+              <a:rPr lang="en-US" smtClean="0"/>
               <a:t>‹#›</a:t>
             </a:fld>
             <a:endParaRPr lang="en-US" dirty="0"/>
@@ -4288,6 +4371,11 @@
         </p:txBody>
       </p:sp>
     </p:spTree>
+    <p:extLst>
+      <p:ext uri="{BB962C8B-B14F-4D97-AF65-F5344CB8AC3E}">
+        <p14:creationId xmlns:p14="http://schemas.microsoft.com/office/powerpoint/2010/main" val="2219227023"/>
+      </p:ext>
+    </p:extLst>
   </p:cSld>
   <p:clrMapOvr>
     <a:masterClrMapping/>
@@ -4328,8 +4416,8 @@
           <a:lstStyle/>
           <a:p>
             <a:fld id="{48A87A34-81AB-432B-8DAE-1953F412C126}" type="datetimeFigureOut">
-              <a:rPr lang="en-US" dirty="0"/>
-              <a:t>2/8/2022</a:t>
+              <a:rPr lang="en-US" smtClean="0"/>
+              <a:t>3/23/2022</a:t>
             </a:fld>
             <a:endParaRPr lang="en-US" dirty="0"/>
           </a:p>
@@ -4370,7 +4458,7 @@
           <a:lstStyle/>
           <a:p>
             <a:fld id="{6D22F896-40B5-4ADD-8801-0D06FADFA095}" type="slidenum">
-              <a:rPr lang="en-US" dirty="0"/>
+              <a:rPr lang="en-US" smtClean="0"/>
               <a:t>‹#›</a:t>
             </a:fld>
             <a:endParaRPr lang="en-US" dirty="0"/>
@@ -4378,6 +4466,11 @@
         </p:txBody>
       </p:sp>
     </p:spTree>
+    <p:extLst>
+      <p:ext uri="{BB962C8B-B14F-4D97-AF65-F5344CB8AC3E}">
+        <p14:creationId xmlns:p14="http://schemas.microsoft.com/office/powerpoint/2010/main" val="4196466577"/>
+      </p:ext>
+    </p:extLst>
   </p:cSld>
   <p:clrMapOvr>
     <a:masterClrMapping/>
@@ -4574,8 +4667,8 @@
           <a:lstStyle/>
           <a:p>
             <a:fld id="{48A87A34-81AB-432B-8DAE-1953F412C126}" type="datetimeFigureOut">
-              <a:rPr lang="en-US" dirty="0"/>
-              <a:t>2/8/2022</a:t>
+              <a:rPr lang="en-US" smtClean="0"/>
+              <a:t>3/23/2022</a:t>
             </a:fld>
             <a:endParaRPr lang="en-US" dirty="0"/>
           </a:p>
@@ -4616,7 +4709,7 @@
           <a:lstStyle/>
           <a:p>
             <a:fld id="{6D22F896-40B5-4ADD-8801-0D06FADFA095}" type="slidenum">
-              <a:rPr lang="en-US" dirty="0"/>
+              <a:rPr lang="en-US" smtClean="0"/>
               <a:t>‹#›</a:t>
             </a:fld>
             <a:endParaRPr lang="en-US" dirty="0"/>
@@ -4624,6 +4717,11 @@
         </p:txBody>
       </p:sp>
     </p:spTree>
+    <p:extLst>
+      <p:ext uri="{BB962C8B-B14F-4D97-AF65-F5344CB8AC3E}">
+        <p14:creationId xmlns:p14="http://schemas.microsoft.com/office/powerpoint/2010/main" val="324449198"/>
+      </p:ext>
+    </p:extLst>
   </p:cSld>
   <p:clrMapOvr>
     <a:masterClrMapping/>
@@ -4856,8 +4954,8 @@
           <a:lstStyle/>
           <a:p>
             <a:fld id="{48A87A34-81AB-432B-8DAE-1953F412C126}" type="datetimeFigureOut">
-              <a:rPr lang="en-US" dirty="0"/>
-              <a:t>2/8/2022</a:t>
+              <a:rPr lang="en-US" smtClean="0"/>
+              <a:t>3/23/2022</a:t>
             </a:fld>
             <a:endParaRPr lang="en-US" dirty="0"/>
           </a:p>
@@ -4898,7 +4996,7 @@
           <a:lstStyle/>
           <a:p>
             <a:fld id="{6D22F896-40B5-4ADD-8801-0D06FADFA095}" type="slidenum">
-              <a:rPr lang="en-US" dirty="0"/>
+              <a:rPr lang="en-US" smtClean="0"/>
               <a:t>‹#›</a:t>
             </a:fld>
             <a:endParaRPr lang="en-US" dirty="0"/>
@@ -4906,6 +5004,11 @@
         </p:txBody>
       </p:sp>
     </p:spTree>
+    <p:extLst>
+      <p:ext uri="{BB962C8B-B14F-4D97-AF65-F5344CB8AC3E}">
+        <p14:creationId xmlns:p14="http://schemas.microsoft.com/office/powerpoint/2010/main" val="2965651045"/>
+      </p:ext>
+    </p:extLst>
   </p:cSld>
   <p:clrMapOvr>
     <a:masterClrMapping/>
@@ -5064,9 +5167,9 @@
           </a:lstStyle>
           <a:p>
             <a:fld id="{48A87A34-81AB-432B-8DAE-1953F412C126}" type="datetimeFigureOut">
-              <a:rPr lang="en-US" dirty="0"/>
+              <a:rPr lang="en-US" smtClean="0"/>
               <a:pPr/>
-              <a:t>2/8/2022</a:t>
+              <a:t>3/23/2022</a:t>
             </a:fld>
             <a:endParaRPr lang="en-US" dirty="0"/>
           </a:p>
@@ -5143,7 +5246,7 @@
           </a:lstStyle>
           <a:p>
             <a:fld id="{6D22F896-40B5-4ADD-8801-0D06FADFA095}" type="slidenum">
-              <a:rPr lang="en-US" dirty="0"/>
+              <a:rPr lang="en-US" smtClean="0"/>
               <a:pPr/>
               <a:t>‹#›</a:t>
             </a:fld>
@@ -5152,26 +5255,31 @@
         </p:txBody>
       </p:sp>
     </p:spTree>
+    <p:extLst>
+      <p:ext uri="{BB962C8B-B14F-4D97-AF65-F5344CB8AC3E}">
+        <p14:creationId xmlns:p14="http://schemas.microsoft.com/office/powerpoint/2010/main" val="2609976738"/>
+      </p:ext>
+    </p:extLst>
   </p:cSld>
   <p:clrMap bg1="dk1" tx1="lt1" bg2="dk2" tx2="lt2" accent1="accent1" accent2="accent2" accent3="accent3" accent4="accent4" accent5="accent5" accent6="accent6" hlink="hlink" folHlink="folHlink"/>
   <p:sldLayoutIdLst>
-    <p:sldLayoutId id="2147483649" r:id="rId1"/>
-    <p:sldLayoutId id="2147483650" r:id="rId2"/>
-    <p:sldLayoutId id="2147483651" r:id="rId3"/>
-    <p:sldLayoutId id="2147483652" r:id="rId4"/>
-    <p:sldLayoutId id="2147483653" r:id="rId5"/>
-    <p:sldLayoutId id="2147483654" r:id="rId6"/>
-    <p:sldLayoutId id="2147483655" r:id="rId7"/>
-    <p:sldLayoutId id="2147483656" r:id="rId8"/>
-    <p:sldLayoutId id="2147483657" r:id="rId9"/>
-    <p:sldLayoutId id="2147483660" r:id="rId10"/>
-    <p:sldLayoutId id="2147483661" r:id="rId11"/>
-    <p:sldLayoutId id="2147483666" r:id="rId12"/>
-    <p:sldLayoutId id="2147483663" r:id="rId13"/>
-    <p:sldLayoutId id="2147483667" r:id="rId14"/>
-    <p:sldLayoutId id="2147483668" r:id="rId15"/>
-    <p:sldLayoutId id="2147483658" r:id="rId16"/>
-    <p:sldLayoutId id="2147483659" r:id="rId17"/>
+    <p:sldLayoutId id="2147483983" r:id="rId1"/>
+    <p:sldLayoutId id="2147483984" r:id="rId2"/>
+    <p:sldLayoutId id="2147483985" r:id="rId3"/>
+    <p:sldLayoutId id="2147483986" r:id="rId4"/>
+    <p:sldLayoutId id="2147483987" r:id="rId5"/>
+    <p:sldLayoutId id="2147483988" r:id="rId6"/>
+    <p:sldLayoutId id="2147483989" r:id="rId7"/>
+    <p:sldLayoutId id="2147483990" r:id="rId8"/>
+    <p:sldLayoutId id="2147483991" r:id="rId9"/>
+    <p:sldLayoutId id="2147483992" r:id="rId10"/>
+    <p:sldLayoutId id="2147483993" r:id="rId11"/>
+    <p:sldLayoutId id="2147483994" r:id="rId12"/>
+    <p:sldLayoutId id="2147483995" r:id="rId13"/>
+    <p:sldLayoutId id="2147483996" r:id="rId14"/>
+    <p:sldLayoutId id="2147483997" r:id="rId15"/>
+    <p:sldLayoutId id="2147483998" r:id="rId16"/>
+    <p:sldLayoutId id="2147483999" r:id="rId17"/>
   </p:sldLayoutIdLst>
   <p:txStyles>
     <p:titleStyle>
@@ -5573,11 +5681,7 @@
           <a:p>
             <a:r>
               <a:rPr lang="en-US" sz="3600" dirty="0"/>
-              <a:t>Location Based Management system for </a:t>
-            </a:r>
-            <a:r>
-              <a:rPr lang="en-US" sz="3600" dirty="0" err="1"/>
-              <a:t>madurai</a:t>
+              <a:t>Location Based Management system</a:t>
             </a:r>
             <a:endParaRPr lang="en-IN" sz="3600" dirty="0"/>
           </a:p>
@@ -5614,47 +5718,36 @@
             <a:pPr algn="ctr"/>
             <a:r>
               <a:rPr lang="en-US" sz="1600" b="1" dirty="0">
+                <a:latin typeface="Times New Roman" pitchFamily="18" charset="0"/>
+                <a:cs typeface="Times New Roman" pitchFamily="18" charset="0"/>
+              </a:rPr>
+              <a:t>Presented By :</a:t>
+            </a:r>
+          </a:p>
+          <a:p>
+            <a:pPr algn="ctr"/>
+            <a:r>
+              <a:rPr lang="en-US" sz="1600" dirty="0">
                 <a:solidFill>
-                  <a:schemeClr val="accent1"/>
+                  <a:schemeClr val="tx1"/>
                 </a:solidFill>
                 <a:latin typeface="Times New Roman" pitchFamily="18" charset="0"/>
                 <a:cs typeface="Times New Roman" pitchFamily="18" charset="0"/>
               </a:rPr>
-              <a:t>Presented By :</a:t>
+              <a:t>BALAJI J</a:t>
             </a:r>
           </a:p>
           <a:p>
             <a:pPr algn="ctr"/>
             <a:r>
               <a:rPr lang="en-US" sz="1600" dirty="0">
+                <a:solidFill>
+                  <a:schemeClr val="tx1"/>
+                </a:solidFill>
                 <a:latin typeface="Times New Roman" pitchFamily="18" charset="0"/>
                 <a:cs typeface="Times New Roman" pitchFamily="18" charset="0"/>
               </a:rPr>
-              <a:t>BALAJI J</a:t>
-            </a:r>
-          </a:p>
-          <a:p>
-            <a:pPr algn="ctr"/>
-            <a:r>
-              <a:rPr lang="en-US" sz="1600" dirty="0">
-                <a:latin typeface="Times New Roman" pitchFamily="18" charset="0"/>
-                <a:cs typeface="Times New Roman" pitchFamily="18" charset="0"/>
-              </a:rPr>
-              <a:t>(</a:t>
-            </a:r>
-            <a:r>
-              <a:rPr lang="en-US" sz="1600" dirty="0" err="1">
-                <a:latin typeface="Times New Roman" pitchFamily="18" charset="0"/>
-                <a:cs typeface="Times New Roman" pitchFamily="18" charset="0"/>
-              </a:rPr>
-              <a:t>Reg.No</a:t>
-            </a:r>
-            <a:r>
-              <a:rPr lang="en-US" sz="1600" dirty="0">
-                <a:latin typeface="Times New Roman" pitchFamily="18" charset="0"/>
-                <a:cs typeface="Times New Roman" pitchFamily="18" charset="0"/>
-              </a:rPr>
-              <a:t> : 20Y005)</a:t>
+              <a:t>(Reg.no : 20Y005)</a:t>
             </a:r>
           </a:p>
           <a:p>
@@ -5665,9 +5758,6 @@
             <a:pPr algn="l"/>
             <a:r>
               <a:rPr lang="en-US" sz="1600" b="1" dirty="0">
-                <a:solidFill>
-                  <a:schemeClr val="accent1"/>
-                </a:solidFill>
                 <a:latin typeface="Times New Roman" pitchFamily="18" charset="0"/>
                 <a:cs typeface="Times New Roman" pitchFamily="18" charset="0"/>
               </a:rPr>
@@ -5681,13 +5771,10 @@
                 <a:latin typeface="Times New Roman" pitchFamily="18" charset="0"/>
                 <a:cs typeface="Times New Roman" pitchFamily="18" charset="0"/>
               </a:rPr>
-              <a:t>		</a:t>
+              <a:t>	                                       </a:t>
             </a:r>
             <a:r>
               <a:rPr lang="en-US" sz="1600" b="1" dirty="0">
-                <a:solidFill>
-                  <a:schemeClr val="accent1"/>
-                </a:solidFill>
                 <a:latin typeface="Times New Roman" pitchFamily="18" charset="0"/>
                 <a:cs typeface="Times New Roman" pitchFamily="18" charset="0"/>
               </a:rPr>
@@ -5733,22 +5820,22 @@
                 <a:latin typeface="Times New Roman" pitchFamily="18" charset="0"/>
                 <a:cs typeface="Times New Roman" pitchFamily="18" charset="0"/>
               </a:rPr>
-              <a:t>,                                                                   		</a:t>
+              <a:t>,                                                                   	                                       </a:t>
             </a:r>
             <a:r>
               <a:rPr lang="en-US" sz="1600" b="1" dirty="0" err="1">
                 <a:solidFill>
-                  <a:srgbClr val="C00000"/>
+                  <a:schemeClr val="tx1"/>
                 </a:solidFill>
                 <a:latin typeface="Times New Roman" pitchFamily="18" charset="0"/>
                 <a:cs typeface="Times New Roman" pitchFamily="18" charset="0"/>
               </a:rPr>
-              <a:t>E.Chinthana</a:t>
+              <a:t>V.Prabhu</a:t>
             </a:r>
             <a:r>
               <a:rPr lang="en-US" sz="1600" b="1" dirty="0">
                 <a:solidFill>
-                  <a:srgbClr val="C00000"/>
+                  <a:schemeClr val="tx1"/>
                 </a:solidFill>
                 <a:latin typeface="Times New Roman" pitchFamily="18" charset="0"/>
                 <a:cs typeface="Times New Roman" pitchFamily="18" charset="0"/>
@@ -5769,12 +5856,12 @@
                 <a:latin typeface="Times New Roman" pitchFamily="18" charset="0"/>
                 <a:cs typeface="Times New Roman" pitchFamily="18" charset="0"/>
               </a:rPr>
-              <a:t>Assistant Professor,                                                                     		</a:t>
+              <a:t>Assistant Professor,                                                                                                            </a:t>
             </a:r>
             <a:r>
               <a:rPr lang="en-US" sz="1600" b="1" dirty="0">
                 <a:solidFill>
-                  <a:srgbClr val="C00000"/>
+                  <a:schemeClr val="tx1"/>
                 </a:solidFill>
                 <a:latin typeface="Times New Roman" pitchFamily="18" charset="0"/>
                 <a:cs typeface="Times New Roman" pitchFamily="18" charset="0"/>
@@ -5795,7 +5882,7 @@
                 <a:latin typeface="Times New Roman" pitchFamily="18" charset="0"/>
                 <a:cs typeface="Times New Roman" pitchFamily="18" charset="0"/>
               </a:rPr>
-              <a:t>Department Of Computer Application,                                                          </a:t>
+              <a:t>Department Of Computer Application,                                                                            </a:t>
             </a:r>
             <a:r>
               <a:rPr lang="en-US" sz="1600" b="1" dirty="0" err="1">
@@ -5860,7 +5947,7 @@
                 <a:latin typeface="Times New Roman" pitchFamily="18" charset="0"/>
                 <a:cs typeface="Times New Roman" pitchFamily="18" charset="0"/>
               </a:rPr>
-              <a:t>                                          	</a:t>
+              <a:t>                                                                                </a:t>
             </a:r>
             <a:r>
               <a:rPr lang="en-US" sz="1600" b="1" dirty="0" err="1">
@@ -5902,7 +5989,7 @@
                 <a:latin typeface="Times New Roman" pitchFamily="18" charset="0"/>
                 <a:cs typeface="Times New Roman" pitchFamily="18" charset="0"/>
               </a:rPr>
-              <a:t>Madurai.                                                                                                            Madurai.</a:t>
+              <a:t>Madurai.                                                                                                                              Madurai.</a:t>
             </a:r>
           </a:p>
           <a:p>
@@ -5952,6 +6039,611 @@
           <p:cNvPr id="2" name="Title 1">
             <a:extLst>
               <a:ext uri="{FF2B5EF4-FFF2-40B4-BE49-F238E27FC236}">
+                <a16:creationId xmlns:a16="http://schemas.microsoft.com/office/drawing/2014/main" id="{073B57EE-5447-4E08-A34A-FAD43370C5E6}"/>
+              </a:ext>
+            </a:extLst>
+          </p:cNvPr>
+          <p:cNvSpPr>
+            <a:spLocks noGrp="1"/>
+          </p:cNvSpPr>
+          <p:nvPr>
+            <p:ph type="title"/>
+          </p:nvPr>
+        </p:nvSpPr>
+        <p:spPr>
+          <a:xfrm>
+            <a:off x="0" y="0"/>
+            <a:ext cx="3485322" cy="1311965"/>
+          </a:xfrm>
+        </p:spPr>
+        <p:txBody>
+          <a:bodyPr/>
+          <a:lstStyle/>
+          <a:p>
+            <a:r>
+              <a:rPr lang="en-IN" dirty="0"/>
+              <a:t>ER DIAGRAM</a:t>
+            </a:r>
+            <a:endParaRPr lang="en-US" dirty="0"/>
+          </a:p>
+        </p:txBody>
+      </p:sp>
+      <p:pic>
+        <p:nvPicPr>
+          <p:cNvPr id="4" name="Picture 3">
+            <a:extLst>
+              <a:ext uri="{FF2B5EF4-FFF2-40B4-BE49-F238E27FC236}">
+                <a16:creationId xmlns:a16="http://schemas.microsoft.com/office/drawing/2014/main" id="{F43ACC9B-0C66-4B30-927E-85D1619DAF35}"/>
+              </a:ext>
+            </a:extLst>
+          </p:cNvPr>
+          <p:cNvPicPr>
+            <a:picLocks noChangeAspect="1"/>
+          </p:cNvPicPr>
+          <p:nvPr/>
+        </p:nvPicPr>
+        <p:blipFill>
+          <a:blip r:embed="rId2"/>
+          <a:stretch>
+            <a:fillRect/>
+          </a:stretch>
+        </p:blipFill>
+        <p:spPr>
+          <a:xfrm>
+            <a:off x="1471233" y="1311965"/>
+            <a:ext cx="9249534" cy="5221691"/>
+          </a:xfrm>
+          <a:prstGeom prst="rect">
+            <a:avLst/>
+          </a:prstGeom>
+        </p:spPr>
+      </p:pic>
+    </p:spTree>
+    <p:extLst>
+      <p:ext uri="{BB962C8B-B14F-4D97-AF65-F5344CB8AC3E}">
+        <p14:creationId xmlns:p14="http://schemas.microsoft.com/office/powerpoint/2010/main" val="4270451234"/>
+      </p:ext>
+    </p:extLst>
+  </p:cSld>
+  <p:clrMapOvr>
+    <a:masterClrMapping/>
+  </p:clrMapOvr>
+</p:sld>
+</file>
+
+<file path=ppt/slides/slide11.xml><?xml version="1.0" encoding="utf-8"?>
+<p:sld xmlns:a="http://schemas.openxmlformats.org/drawingml/2006/main" xmlns:r="http://schemas.openxmlformats.org/officeDocument/2006/relationships" xmlns:p="http://schemas.openxmlformats.org/presentationml/2006/main">
+  <p:cSld>
+    <p:spTree>
+      <p:nvGrpSpPr>
+        <p:cNvPr id="1" name=""/>
+        <p:cNvGrpSpPr/>
+        <p:nvPr/>
+      </p:nvGrpSpPr>
+      <p:grpSpPr>
+        <a:xfrm>
+          <a:off x="0" y="0"/>
+          <a:ext cx="0" cy="0"/>
+          <a:chOff x="0" y="0"/>
+          <a:chExt cx="0" cy="0"/>
+        </a:xfrm>
+      </p:grpSpPr>
+      <p:sp>
+        <p:nvSpPr>
+          <p:cNvPr id="2" name="Title 1">
+            <a:extLst>
+              <a:ext uri="{FF2B5EF4-FFF2-40B4-BE49-F238E27FC236}">
+                <a16:creationId xmlns:a16="http://schemas.microsoft.com/office/drawing/2014/main" id="{D863AD4E-5012-48B9-9CD4-CC931CDFDF48}"/>
+              </a:ext>
+            </a:extLst>
+          </p:cNvPr>
+          <p:cNvSpPr>
+            <a:spLocks noGrp="1"/>
+          </p:cNvSpPr>
+          <p:nvPr>
+            <p:ph type="title"/>
+          </p:nvPr>
+        </p:nvSpPr>
+        <p:spPr>
+          <a:xfrm>
+            <a:off x="0" y="0"/>
+            <a:ext cx="3236739" cy="450574"/>
+          </a:xfrm>
+        </p:spPr>
+        <p:txBody>
+          <a:bodyPr>
+            <a:normAutofit fontScale="90000"/>
+          </a:bodyPr>
+          <a:lstStyle/>
+          <a:p>
+            <a:r>
+              <a:rPr lang="en-IN" dirty="0"/>
+              <a:t>DFD LEVEL 0</a:t>
+            </a:r>
+            <a:endParaRPr lang="en-US" dirty="0"/>
+          </a:p>
+        </p:txBody>
+      </p:sp>
+      <p:pic>
+        <p:nvPicPr>
+          <p:cNvPr id="4" name="Picture 3">
+            <a:extLst>
+              <a:ext uri="{FF2B5EF4-FFF2-40B4-BE49-F238E27FC236}">
+                <a16:creationId xmlns:a16="http://schemas.microsoft.com/office/drawing/2014/main" id="{0C9FB40E-FA49-4CDA-85AA-436905290DC0}"/>
+              </a:ext>
+            </a:extLst>
+          </p:cNvPr>
+          <p:cNvPicPr>
+            <a:picLocks noChangeAspect="1"/>
+          </p:cNvPicPr>
+          <p:nvPr/>
+        </p:nvPicPr>
+        <p:blipFill>
+          <a:blip r:embed="rId2"/>
+          <a:stretch>
+            <a:fillRect/>
+          </a:stretch>
+        </p:blipFill>
+        <p:spPr>
+          <a:xfrm>
+            <a:off x="1040296" y="659296"/>
+            <a:ext cx="10111408" cy="5539408"/>
+          </a:xfrm>
+          <a:prstGeom prst="rect">
+            <a:avLst/>
+          </a:prstGeom>
+        </p:spPr>
+      </p:pic>
+    </p:spTree>
+    <p:extLst>
+      <p:ext uri="{BB962C8B-B14F-4D97-AF65-F5344CB8AC3E}">
+        <p14:creationId xmlns:p14="http://schemas.microsoft.com/office/powerpoint/2010/main" val="2423191980"/>
+      </p:ext>
+    </p:extLst>
+  </p:cSld>
+  <p:clrMapOvr>
+    <a:masterClrMapping/>
+  </p:clrMapOvr>
+</p:sld>
+</file>
+
+<file path=ppt/slides/slide12.xml><?xml version="1.0" encoding="utf-8"?>
+<p:sld xmlns:a="http://schemas.openxmlformats.org/drawingml/2006/main" xmlns:r="http://schemas.openxmlformats.org/officeDocument/2006/relationships" xmlns:p="http://schemas.openxmlformats.org/presentationml/2006/main">
+  <p:cSld>
+    <p:spTree>
+      <p:nvGrpSpPr>
+        <p:cNvPr id="1" name=""/>
+        <p:cNvGrpSpPr/>
+        <p:nvPr/>
+      </p:nvGrpSpPr>
+      <p:grpSpPr>
+        <a:xfrm>
+          <a:off x="0" y="0"/>
+          <a:ext cx="0" cy="0"/>
+          <a:chOff x="0" y="0"/>
+          <a:chExt cx="0" cy="0"/>
+        </a:xfrm>
+      </p:grpSpPr>
+      <p:sp>
+        <p:nvSpPr>
+          <p:cNvPr id="2" name="Title 1">
+            <a:extLst>
+              <a:ext uri="{FF2B5EF4-FFF2-40B4-BE49-F238E27FC236}">
+                <a16:creationId xmlns:a16="http://schemas.microsoft.com/office/drawing/2014/main" id="{14CE2081-52A1-4D1D-887A-129ECB7F61E7}"/>
+              </a:ext>
+            </a:extLst>
+          </p:cNvPr>
+          <p:cNvSpPr>
+            <a:spLocks noGrp="1"/>
+          </p:cNvSpPr>
+          <p:nvPr>
+            <p:ph type="title"/>
+          </p:nvPr>
+        </p:nvSpPr>
+        <p:spPr>
+          <a:xfrm>
+            <a:off x="0" y="0"/>
+            <a:ext cx="3263242" cy="675861"/>
+          </a:xfrm>
+        </p:spPr>
+        <p:txBody>
+          <a:bodyPr/>
+          <a:lstStyle/>
+          <a:p>
+            <a:r>
+              <a:rPr lang="en-IN" dirty="0"/>
+              <a:t>DFD LEVEL 1</a:t>
+            </a:r>
+            <a:endParaRPr lang="en-US" dirty="0"/>
+          </a:p>
+        </p:txBody>
+      </p:sp>
+      <p:pic>
+        <p:nvPicPr>
+          <p:cNvPr id="4" name="Picture 3">
+            <a:extLst>
+              <a:ext uri="{FF2B5EF4-FFF2-40B4-BE49-F238E27FC236}">
+                <a16:creationId xmlns:a16="http://schemas.microsoft.com/office/drawing/2014/main" id="{FF8CDB2C-FC4C-4E46-A462-7035586F40DE}"/>
+              </a:ext>
+            </a:extLst>
+          </p:cNvPr>
+          <p:cNvPicPr>
+            <a:picLocks noChangeAspect="1"/>
+          </p:cNvPicPr>
+          <p:nvPr/>
+        </p:nvPicPr>
+        <p:blipFill>
+          <a:blip r:embed="rId2"/>
+          <a:stretch>
+            <a:fillRect/>
+          </a:stretch>
+        </p:blipFill>
+        <p:spPr>
+          <a:xfrm>
+            <a:off x="1583634" y="714013"/>
+            <a:ext cx="9024731" cy="5429974"/>
+          </a:xfrm>
+          <a:prstGeom prst="rect">
+            <a:avLst/>
+          </a:prstGeom>
+        </p:spPr>
+      </p:pic>
+    </p:spTree>
+    <p:extLst>
+      <p:ext uri="{BB962C8B-B14F-4D97-AF65-F5344CB8AC3E}">
+        <p14:creationId xmlns:p14="http://schemas.microsoft.com/office/powerpoint/2010/main" val="1230898168"/>
+      </p:ext>
+    </p:extLst>
+  </p:cSld>
+  <p:clrMapOvr>
+    <a:masterClrMapping/>
+  </p:clrMapOvr>
+</p:sld>
+</file>
+
+<file path=ppt/slides/slide13.xml><?xml version="1.0" encoding="utf-8"?>
+<p:sld xmlns:a="http://schemas.openxmlformats.org/drawingml/2006/main" xmlns:r="http://schemas.openxmlformats.org/officeDocument/2006/relationships" xmlns:p="http://schemas.openxmlformats.org/presentationml/2006/main">
+  <p:cSld>
+    <p:spTree>
+      <p:nvGrpSpPr>
+        <p:cNvPr id="1" name=""/>
+        <p:cNvGrpSpPr/>
+        <p:nvPr/>
+      </p:nvGrpSpPr>
+      <p:grpSpPr>
+        <a:xfrm>
+          <a:off x="0" y="0"/>
+          <a:ext cx="0" cy="0"/>
+          <a:chOff x="0" y="0"/>
+          <a:chExt cx="0" cy="0"/>
+        </a:xfrm>
+      </p:grpSpPr>
+      <p:sp>
+        <p:nvSpPr>
+          <p:cNvPr id="2" name="Title 1">
+            <a:extLst>
+              <a:ext uri="{FF2B5EF4-FFF2-40B4-BE49-F238E27FC236}">
+                <a16:creationId xmlns:a16="http://schemas.microsoft.com/office/drawing/2014/main" id="{9145167E-4544-4942-8923-6DD080F431A6}"/>
+              </a:ext>
+            </a:extLst>
+          </p:cNvPr>
+          <p:cNvSpPr>
+            <a:spLocks noGrp="1"/>
+          </p:cNvSpPr>
+          <p:nvPr>
+            <p:ph type="title"/>
+          </p:nvPr>
+        </p:nvSpPr>
+        <p:spPr>
+          <a:xfrm>
+            <a:off x="0" y="0"/>
+            <a:ext cx="3287144" cy="755374"/>
+          </a:xfrm>
+        </p:spPr>
+        <p:txBody>
+          <a:bodyPr/>
+          <a:lstStyle/>
+          <a:p>
+            <a:r>
+              <a:rPr lang="en-IN" dirty="0"/>
+              <a:t>DFD LEVEL 2</a:t>
+            </a:r>
+            <a:endParaRPr lang="en-US" dirty="0"/>
+          </a:p>
+        </p:txBody>
+      </p:sp>
+      <p:pic>
+        <p:nvPicPr>
+          <p:cNvPr id="4" name="Picture 3">
+            <a:extLst>
+              <a:ext uri="{FF2B5EF4-FFF2-40B4-BE49-F238E27FC236}">
+                <a16:creationId xmlns:a16="http://schemas.microsoft.com/office/drawing/2014/main" id="{624368A0-A36B-4848-88A8-0C932A9C9236}"/>
+              </a:ext>
+            </a:extLst>
+          </p:cNvPr>
+          <p:cNvPicPr>
+            <a:picLocks noChangeAspect="1"/>
+          </p:cNvPicPr>
+          <p:nvPr/>
+        </p:nvPicPr>
+        <p:blipFill>
+          <a:blip r:embed="rId2"/>
+          <a:stretch>
+            <a:fillRect/>
+          </a:stretch>
+        </p:blipFill>
+        <p:spPr>
+          <a:xfrm>
+            <a:off x="132518" y="868492"/>
+            <a:ext cx="11926964" cy="5625074"/>
+          </a:xfrm>
+          <a:prstGeom prst="rect">
+            <a:avLst/>
+          </a:prstGeom>
+        </p:spPr>
+      </p:pic>
+    </p:spTree>
+    <p:extLst>
+      <p:ext uri="{BB962C8B-B14F-4D97-AF65-F5344CB8AC3E}">
+        <p14:creationId xmlns:p14="http://schemas.microsoft.com/office/powerpoint/2010/main" val="1604230660"/>
+      </p:ext>
+    </p:extLst>
+  </p:cSld>
+  <p:clrMapOvr>
+    <a:masterClrMapping/>
+  </p:clrMapOvr>
+</p:sld>
+</file>
+
+<file path=ppt/slides/slide14.xml><?xml version="1.0" encoding="utf-8"?>
+<p:sld xmlns:a="http://schemas.openxmlformats.org/drawingml/2006/main" xmlns:r="http://schemas.openxmlformats.org/officeDocument/2006/relationships" xmlns:p="http://schemas.openxmlformats.org/presentationml/2006/main">
+  <p:cSld>
+    <p:spTree>
+      <p:nvGrpSpPr>
+        <p:cNvPr id="1" name=""/>
+        <p:cNvGrpSpPr/>
+        <p:nvPr/>
+      </p:nvGrpSpPr>
+      <p:grpSpPr>
+        <a:xfrm>
+          <a:off x="0" y="0"/>
+          <a:ext cx="0" cy="0"/>
+          <a:chOff x="0" y="0"/>
+          <a:chExt cx="0" cy="0"/>
+        </a:xfrm>
+      </p:grpSpPr>
+      <p:sp>
+        <p:nvSpPr>
+          <p:cNvPr id="2" name="Title 1">
+            <a:extLst>
+              <a:ext uri="{FF2B5EF4-FFF2-40B4-BE49-F238E27FC236}">
+                <a16:creationId xmlns:a16="http://schemas.microsoft.com/office/drawing/2014/main" id="{33FDA835-EE9D-42C8-A800-10C252521DB5}"/>
+              </a:ext>
+            </a:extLst>
+          </p:cNvPr>
+          <p:cNvSpPr>
+            <a:spLocks noGrp="1"/>
+          </p:cNvSpPr>
+          <p:nvPr>
+            <p:ph type="title"/>
+          </p:nvPr>
+        </p:nvSpPr>
+        <p:spPr>
+          <a:xfrm>
+            <a:off x="0" y="0"/>
+            <a:ext cx="4837648" cy="848139"/>
+          </a:xfrm>
+        </p:spPr>
+        <p:txBody>
+          <a:bodyPr/>
+          <a:lstStyle/>
+          <a:p>
+            <a:r>
+              <a:rPr lang="en-IN" dirty="0"/>
+              <a:t>USE CASE DIAGRAM</a:t>
+            </a:r>
+            <a:endParaRPr lang="en-US" dirty="0"/>
+          </a:p>
+        </p:txBody>
+      </p:sp>
+      <p:pic>
+        <p:nvPicPr>
+          <p:cNvPr id="4" name="Picture 3">
+            <a:extLst>
+              <a:ext uri="{FF2B5EF4-FFF2-40B4-BE49-F238E27FC236}">
+                <a16:creationId xmlns:a16="http://schemas.microsoft.com/office/drawing/2014/main" id="{25737F0F-9363-4862-AF37-E7D4DDCAFA9F}"/>
+              </a:ext>
+            </a:extLst>
+          </p:cNvPr>
+          <p:cNvPicPr>
+            <a:picLocks noChangeAspect="1"/>
+          </p:cNvPicPr>
+          <p:nvPr/>
+        </p:nvPicPr>
+        <p:blipFill>
+          <a:blip r:embed="rId2"/>
+          <a:stretch>
+            <a:fillRect/>
+          </a:stretch>
+        </p:blipFill>
+        <p:spPr>
+          <a:xfrm>
+            <a:off x="1901687" y="848139"/>
+            <a:ext cx="8388625" cy="5924533"/>
+          </a:xfrm>
+          <a:prstGeom prst="rect">
+            <a:avLst/>
+          </a:prstGeom>
+        </p:spPr>
+      </p:pic>
+    </p:spTree>
+    <p:extLst>
+      <p:ext uri="{BB962C8B-B14F-4D97-AF65-F5344CB8AC3E}">
+        <p14:creationId xmlns:p14="http://schemas.microsoft.com/office/powerpoint/2010/main" val="3820335534"/>
+      </p:ext>
+    </p:extLst>
+  </p:cSld>
+  <p:clrMapOvr>
+    <a:masterClrMapping/>
+  </p:clrMapOvr>
+</p:sld>
+</file>
+
+<file path=ppt/slides/slide15.xml><?xml version="1.0" encoding="utf-8"?>
+<p:sld xmlns:a="http://schemas.openxmlformats.org/drawingml/2006/main" xmlns:r="http://schemas.openxmlformats.org/officeDocument/2006/relationships" xmlns:p="http://schemas.openxmlformats.org/presentationml/2006/main">
+  <p:cSld>
+    <p:spTree>
+      <p:nvGrpSpPr>
+        <p:cNvPr id="1" name=""/>
+        <p:cNvGrpSpPr/>
+        <p:nvPr/>
+      </p:nvGrpSpPr>
+      <p:grpSpPr>
+        <a:xfrm>
+          <a:off x="0" y="0"/>
+          <a:ext cx="0" cy="0"/>
+          <a:chOff x="0" y="0"/>
+          <a:chExt cx="0" cy="0"/>
+        </a:xfrm>
+      </p:grpSpPr>
+      <p:sp>
+        <p:nvSpPr>
+          <p:cNvPr id="2" name="Title 1">
+            <a:extLst>
+              <a:ext uri="{FF2B5EF4-FFF2-40B4-BE49-F238E27FC236}">
+                <a16:creationId xmlns:a16="http://schemas.microsoft.com/office/drawing/2014/main" id="{77B1A621-66E4-4BD4-BB96-3A1E58B116E7}"/>
+              </a:ext>
+            </a:extLst>
+          </p:cNvPr>
+          <p:cNvSpPr>
+            <a:spLocks noGrp="1"/>
+          </p:cNvSpPr>
+          <p:nvPr>
+            <p:ph type="ctrTitle"/>
+          </p:nvPr>
+        </p:nvSpPr>
+        <p:spPr>
+          <a:xfrm>
+            <a:off x="716380" y="359469"/>
+            <a:ext cx="9001462" cy="892868"/>
+          </a:xfrm>
+        </p:spPr>
+        <p:txBody>
+          <a:bodyPr>
+            <a:normAutofit/>
+          </a:bodyPr>
+          <a:lstStyle/>
+          <a:p>
+            <a:pPr algn="l"/>
+            <a:r>
+              <a:rPr lang="en-US" dirty="0"/>
+              <a:t>EXPECTED OUTCOMES</a:t>
+            </a:r>
+            <a:endParaRPr lang="en-IN" dirty="0"/>
+          </a:p>
+        </p:txBody>
+      </p:sp>
+      <p:sp>
+        <p:nvSpPr>
+          <p:cNvPr id="3" name="Subtitle 2">
+            <a:extLst>
+              <a:ext uri="{FF2B5EF4-FFF2-40B4-BE49-F238E27FC236}">
+                <a16:creationId xmlns:a16="http://schemas.microsoft.com/office/drawing/2014/main" id="{944E8CED-E341-4EA0-8A50-D49607D784C8}"/>
+              </a:ext>
+            </a:extLst>
+          </p:cNvPr>
+          <p:cNvSpPr>
+            <a:spLocks noGrp="1"/>
+          </p:cNvSpPr>
+          <p:nvPr>
+            <p:ph type="subTitle" idx="1"/>
+          </p:nvPr>
+        </p:nvSpPr>
+        <p:spPr>
+          <a:xfrm>
+            <a:off x="840667" y="1773238"/>
+            <a:ext cx="9001462" cy="4725293"/>
+          </a:xfrm>
+        </p:spPr>
+        <p:txBody>
+          <a:bodyPr/>
+          <a:lstStyle/>
+          <a:p>
+            <a:pPr algn="l"/>
+            <a:r>
+              <a:rPr lang="en-US" sz="2400" dirty="0">
+                <a:latin typeface="Times New Roman" pitchFamily="18" charset="0"/>
+                <a:cs typeface="Times New Roman" pitchFamily="18" charset="0"/>
+              </a:rPr>
+              <a:t>User friendly way to submit all the information needed for a record and a platform to access all the listing by admin.</a:t>
+            </a:r>
+            <a:endParaRPr lang="en-IN" dirty="0"/>
+          </a:p>
+          <a:p>
+            <a:pPr algn="l"/>
+            <a:endParaRPr lang="en-IN" dirty="0"/>
+          </a:p>
+          <a:p>
+            <a:pPr algn="l"/>
+            <a:endParaRPr lang="en-IN" dirty="0"/>
+          </a:p>
+          <a:p>
+            <a:pPr algn="l"/>
+            <a:endParaRPr lang="en-IN" dirty="0"/>
+          </a:p>
+          <a:p>
+            <a:pPr algn="l"/>
+            <a:endParaRPr lang="en-IN" dirty="0"/>
+          </a:p>
+          <a:p>
+            <a:pPr algn="l"/>
+            <a:endParaRPr lang="en-IN" dirty="0"/>
+          </a:p>
+          <a:p>
+            <a:pPr algn="l"/>
+            <a:endParaRPr lang="en-IN" dirty="0"/>
+          </a:p>
+          <a:p>
+            <a:pPr algn="l"/>
+            <a:endParaRPr lang="en-IN" dirty="0"/>
+          </a:p>
+        </p:txBody>
+      </p:sp>
+    </p:spTree>
+    <p:extLst>
+      <p:ext uri="{BB962C8B-B14F-4D97-AF65-F5344CB8AC3E}">
+        <p14:creationId xmlns:p14="http://schemas.microsoft.com/office/powerpoint/2010/main" val="3672262143"/>
+      </p:ext>
+    </p:extLst>
+  </p:cSld>
+  <p:clrMapOvr>
+    <a:masterClrMapping/>
+  </p:clrMapOvr>
+</p:sld>
+</file>
+
+<file path=ppt/slides/slide16.xml><?xml version="1.0" encoding="utf-8"?>
+<p:sld xmlns:a="http://schemas.openxmlformats.org/drawingml/2006/main" xmlns:r="http://schemas.openxmlformats.org/officeDocument/2006/relationships" xmlns:p="http://schemas.openxmlformats.org/presentationml/2006/main">
+  <p:cSld>
+    <p:spTree>
+      <p:nvGrpSpPr>
+        <p:cNvPr id="1" name=""/>
+        <p:cNvGrpSpPr/>
+        <p:nvPr/>
+      </p:nvGrpSpPr>
+      <p:grpSpPr>
+        <a:xfrm>
+          <a:off x="0" y="0"/>
+          <a:ext cx="0" cy="0"/>
+          <a:chOff x="0" y="0"/>
+          <a:chExt cx="0" cy="0"/>
+        </a:xfrm>
+      </p:grpSpPr>
+      <p:sp>
+        <p:nvSpPr>
+          <p:cNvPr id="2" name="Title 1">
+            <a:extLst>
+              <a:ext uri="{FF2B5EF4-FFF2-40B4-BE49-F238E27FC236}">
                 <a16:creationId xmlns:a16="http://schemas.microsoft.com/office/drawing/2014/main" id="{C935CCFD-ADCA-46EF-B716-BE78B70A516C}"/>
               </a:ext>
             </a:extLst>
@@ -5970,7 +6662,9 @@
           </a:xfrm>
         </p:spPr>
         <p:txBody>
-          <a:bodyPr/>
+          <a:bodyPr>
+            <a:normAutofit/>
+          </a:bodyPr>
           <a:lstStyle/>
           <a:p>
             <a:pPr algn="l"/>
@@ -6005,8 +6699,22 @@
           </a:xfrm>
         </p:spPr>
         <p:txBody>
-          <a:bodyPr/>
-          <a:lstStyle/>
+          <a:bodyPr>
+            <a:normAutofit lnSpcReduction="10000"/>
+          </a:bodyPr>
+          <a:lstStyle/>
+          <a:p>
+            <a:pPr marL="342900" indent="-342900" algn="l">
+              <a:buFont typeface="Wingdings" panose="05000000000000000000" pitchFamily="2" charset="2"/>
+              <a:buChar char="v"/>
+            </a:pPr>
+            <a:r>
+              <a:rPr lang="en-US" dirty="0">
+                <a:hlinkClick r:id="rId2"/>
+              </a:rPr>
+              <a:t>https://codeigniter.com/userguide3/tutorial/index.html</a:t>
+            </a:r>
+          </a:p>
           <a:p>
             <a:pPr marL="342900" indent="-342900" algn="l">
               <a:buFont typeface="Wingdings" panose="05000000000000000000" pitchFamily="2" charset="2"/>
@@ -6105,12 +6813,14 @@
         </p:nvSpPr>
         <p:spPr>
           <a:xfrm>
-            <a:off x="920566" y="261229"/>
-            <a:ext cx="9001462" cy="928379"/>
-          </a:xfrm>
-        </p:spPr>
-        <p:txBody>
-          <a:bodyPr/>
+            <a:off x="0" y="0"/>
+            <a:ext cx="3770704" cy="928379"/>
+          </a:xfrm>
+        </p:spPr>
+        <p:txBody>
+          <a:bodyPr>
+            <a:normAutofit/>
+          </a:bodyPr>
           <a:lstStyle/>
           <a:p>
             <a:pPr algn="l"/>
@@ -6140,7 +6850,7 @@
         </p:nvSpPr>
         <p:spPr>
           <a:xfrm>
-            <a:off x="920566" y="1435885"/>
+            <a:off x="867557" y="928379"/>
             <a:ext cx="9001462" cy="5160885"/>
           </a:xfrm>
         </p:spPr>
@@ -6185,7 +6895,20 @@
                 <a:latin typeface="Times New Roman" pitchFamily="18" charset="0"/>
                 <a:cs typeface="Times New Roman" pitchFamily="18" charset="0"/>
               </a:rPr>
-              <a:t>Introduction</a:t>
+              <a:t>Introduction </a:t>
+            </a:r>
+          </a:p>
+          <a:p>
+            <a:pPr marL="342900" indent="-342900" algn="l">
+              <a:buFont typeface="Wingdings" panose="05000000000000000000" pitchFamily="2" charset="2"/>
+              <a:buChar char="v"/>
+            </a:pPr>
+            <a:r>
+              <a:rPr lang="en-US" sz="2400" dirty="0">
+                <a:latin typeface="Times New Roman" pitchFamily="18" charset="0"/>
+                <a:cs typeface="Times New Roman" pitchFamily="18" charset="0"/>
+              </a:rPr>
+              <a:t>Proposed System</a:t>
             </a:r>
           </a:p>
           <a:p>
@@ -6211,7 +6934,7 @@
                 <a:latin typeface="Times New Roman" pitchFamily="18" charset="0"/>
                 <a:cs typeface="Times New Roman" pitchFamily="18" charset="0"/>
               </a:rPr>
-              <a:t>Gantt Chart</a:t>
+              <a:t>Gantt Chart and Architectural Design</a:t>
             </a:r>
           </a:p>
           <a:p>
@@ -6224,20 +6947,7 @@
                 <a:latin typeface="Times New Roman" pitchFamily="18" charset="0"/>
                 <a:cs typeface="Times New Roman" pitchFamily="18" charset="0"/>
               </a:rPr>
-              <a:t>UML Diagrams</a:t>
-            </a:r>
-          </a:p>
-          <a:p>
-            <a:pPr marL="342900" indent="-342900" algn="l">
-              <a:buFont typeface="Wingdings" panose="05000000000000000000" pitchFamily="2" charset="2"/>
-              <a:buChar char="v"/>
-            </a:pPr>
-            <a:r>
-              <a:rPr lang="en-US" sz="2400" dirty="0">
-                <a:latin typeface="Times New Roman" pitchFamily="18" charset="0"/>
-                <a:cs typeface="Times New Roman" pitchFamily="18" charset="0"/>
-              </a:rPr>
-              <a:t>Algorithm</a:t>
+              <a:t>ER Diagram, DFD, Use Case Diagram</a:t>
             </a:r>
           </a:p>
           <a:p>
@@ -6331,10 +7041,10 @@
           <a:lstStyle/>
           <a:p>
             <a:r>
-              <a:rPr lang="en-US" dirty="0"/>
+              <a:rPr lang="en-US" sz="4900" dirty="0"/>
               <a:t>ABOUT THE ORGANIZATION</a:t>
             </a:r>
-            <a:endParaRPr lang="en-IN" dirty="0"/>
+            <a:endParaRPr lang="en-IN" sz="4900" dirty="0"/>
           </a:p>
         </p:txBody>
       </p:sp>
@@ -6356,8 +7066,8 @@
         </p:nvSpPr>
         <p:spPr>
           <a:xfrm>
-            <a:off x="671991" y="1577929"/>
-            <a:ext cx="9001462" cy="5027720"/>
+            <a:off x="671990" y="1577929"/>
+            <a:ext cx="11095939" cy="4332541"/>
           </a:xfrm>
         </p:spPr>
         <p:txBody>
@@ -6384,7 +7094,7 @@
                 <a:latin typeface="Times New Roman" panose="02020603050405020304" pitchFamily="18" charset="0"/>
                 <a:cs typeface="Times New Roman" panose="02020603050405020304" pitchFamily="18" charset="0"/>
               </a:rPr>
-              <a:t> is a software company in Madurai that expertise in custom design and apps development services for the US and Western European markets.</a:t>
+              <a:t> is a software company in Madurai that expertise in custom design and apps development services.</a:t>
             </a:r>
           </a:p>
           <a:p>
@@ -6412,7 +7122,7 @@
                 <a:latin typeface="Times New Roman" panose="02020603050405020304" pitchFamily="18" charset="0"/>
                 <a:cs typeface="Times New Roman" panose="02020603050405020304" pitchFamily="18" charset="0"/>
               </a:rPr>
-              <a:t>Our mission is to provide innovative software solutions for excellence and                       enterprise  </a:t>
+              <a:t>Our mission is to provide innovative software solutions for excellence and enterprise  </a:t>
             </a:r>
             <a:r>
               <a:rPr lang="en-US" sz="2000" dirty="0" err="1">
@@ -6816,7 +7526,7 @@
           <p:cNvPr id="2" name="Title 1">
             <a:extLst>
               <a:ext uri="{FF2B5EF4-FFF2-40B4-BE49-F238E27FC236}">
-                <a16:creationId xmlns:a16="http://schemas.microsoft.com/office/drawing/2014/main" id="{14857150-13CE-40C2-B6FA-64649F8AFEB1}"/>
+                <a16:creationId xmlns:a16="http://schemas.microsoft.com/office/drawing/2014/main" id="{ACFAEBD2-43C4-4233-8100-6EA71C2F6E3B}"/>
               </a:ext>
             </a:extLst>
           </p:cNvPr>
@@ -6824,34 +7534,36 @@
             <a:spLocks noGrp="1"/>
           </p:cNvSpPr>
           <p:nvPr>
-            <p:ph type="ctrTitle"/>
-          </p:nvPr>
-        </p:nvSpPr>
-        <p:spPr>
-          <a:xfrm>
-            <a:off x="698625" y="323373"/>
-            <a:ext cx="9001462" cy="1070421"/>
+            <p:ph type="title"/>
+          </p:nvPr>
+        </p:nvSpPr>
+        <p:spPr>
+          <a:xfrm>
+            <a:off x="0" y="0"/>
+            <a:ext cx="4823791" cy="1046922"/>
           </a:xfrm>
         </p:spPr>
         <p:txBody>
           <a:bodyPr/>
           <a:lstStyle/>
           <a:p>
-            <a:pPr algn="l"/>
-            <a:r>
-              <a:rPr lang="en-US" dirty="0"/>
-              <a:t>modules</a:t>
-            </a:r>
-            <a:endParaRPr lang="en-IN" dirty="0"/>
-          </a:p>
-        </p:txBody>
-      </p:sp>
-      <p:sp>
-        <p:nvSpPr>
-          <p:cNvPr id="3" name="Subtitle 2">
+            <a:r>
+              <a:rPr lang="en-US" b="1" dirty="0">
+                <a:latin typeface="Times New Roman" pitchFamily="18" charset="0"/>
+                <a:cs typeface="Times New Roman" pitchFamily="18" charset="0"/>
+              </a:rPr>
+              <a:t> Proposed System</a:t>
+            </a:r>
+            <a:endParaRPr lang="en-US" dirty="0"/>
+          </a:p>
+        </p:txBody>
+      </p:sp>
+      <p:sp>
+        <p:nvSpPr>
+          <p:cNvPr id="3" name="Content Placeholder 2">
             <a:extLst>
               <a:ext uri="{FF2B5EF4-FFF2-40B4-BE49-F238E27FC236}">
-                <a16:creationId xmlns:a16="http://schemas.microsoft.com/office/drawing/2014/main" id="{76DBC43D-74ED-4633-9258-7AE6686FAFF7}"/>
+                <a16:creationId xmlns:a16="http://schemas.microsoft.com/office/drawing/2014/main" id="{5997AF78-277C-491B-9207-CE992B67F3AD}"/>
               </a:ext>
             </a:extLst>
           </p:cNvPr>
@@ -6859,114 +7571,121 @@
             <a:spLocks noGrp="1"/>
           </p:cNvSpPr>
           <p:nvPr>
-            <p:ph type="subTitle" idx="1"/>
-          </p:nvPr>
-        </p:nvSpPr>
-        <p:spPr>
-          <a:xfrm>
-            <a:off x="698625" y="1773238"/>
-            <a:ext cx="10735814" cy="4627562"/>
-          </a:xfrm>
-        </p:spPr>
-        <p:txBody>
-          <a:bodyPr/>
-          <a:lstStyle/>
-          <a:p>
-            <a:pPr marL="342900" indent="-342900" algn="l">
+            <p:ph idx="1"/>
+          </p:nvPr>
+        </p:nvSpPr>
+        <p:spPr>
+          <a:xfrm>
+            <a:off x="0" y="1139688"/>
+            <a:ext cx="12006470" cy="5605670"/>
+          </a:xfrm>
+        </p:spPr>
+        <p:txBody>
+          <a:bodyPr>
+            <a:normAutofit/>
+          </a:bodyPr>
+          <a:lstStyle/>
+          <a:p>
+            <a:pPr marL="681355" marR="3175" indent="-342900" algn="just">
+              <a:lnSpc>
+                <a:spcPct val="148000"/>
+              </a:lnSpc>
+              <a:spcAft>
+                <a:spcPts val="45"/>
+              </a:spcAft>
               <a:buFont typeface="Wingdings" panose="05000000000000000000" pitchFamily="2" charset="2"/>
               <a:buChar char="v"/>
             </a:pPr>
             <a:r>
-              <a:rPr lang="en-US" sz="2400" dirty="0">
-                <a:latin typeface="Times New Roman" pitchFamily="18" charset="0"/>
-                <a:cs typeface="Times New Roman" pitchFamily="18" charset="0"/>
+              <a:rPr lang="en-IN" sz="2400" dirty="0">
+                <a:effectLst/>
+                <a:latin typeface="Times New Roman" panose="02020603050405020304" pitchFamily="18" charset="0"/>
+                <a:ea typeface="Times New Roman" panose="02020603050405020304" pitchFamily="18" charset="0"/>
               </a:rPr>
-              <a:t>ADMIN MODULE - Deals with login page UX design template.</a:t>
-            </a:r>
-          </a:p>
-          <a:p>
-            <a:pPr marL="342900" indent="-342900" algn="l">
+              <a:t>The motive of the proposed system is to provide a suggestion-based system determines the similarity  to users or items and produces a prediction for the user by taking the weighted average of all the ratings.  </a:t>
+            </a:r>
+          </a:p>
+          <a:p>
+            <a:pPr marL="681355" marR="3175" indent="-342900" algn="just">
+              <a:lnSpc>
+                <a:spcPct val="148000"/>
+              </a:lnSpc>
+              <a:spcAft>
+                <a:spcPts val="45"/>
+              </a:spcAft>
               <a:buFont typeface="Wingdings" panose="05000000000000000000" pitchFamily="2" charset="2"/>
               <a:buChar char="v"/>
             </a:pPr>
             <a:r>
-              <a:rPr lang="en-US" dirty="0">
-                <a:latin typeface="Times New Roman" pitchFamily="18" charset="0"/>
-                <a:cs typeface="Times New Roman" pitchFamily="18" charset="0"/>
+              <a:rPr lang="en-IN" sz="2400" dirty="0">
+                <a:effectLst/>
+                <a:latin typeface="Times New Roman" panose="02020603050405020304" pitchFamily="18" charset="0"/>
+                <a:ea typeface="Times New Roman" panose="02020603050405020304" pitchFamily="18" charset="0"/>
               </a:rPr>
-              <a:t>DASHBOARD - It deals with the details of how many listings have published and how many of them are in pending.</a:t>
-            </a:r>
-          </a:p>
-          <a:p>
-            <a:pPr marL="342900" indent="-342900" algn="l">
+              <a:t>Therefore, we use some indexes which are appropriate to evaluate our approaches, such direction, Contact information ,reviews, updates. Then, we design several evaluation methods to </a:t>
+            </a:r>
+            <a:r>
+              <a:rPr lang="en-IN" sz="2400" dirty="0" err="1">
+                <a:effectLst/>
+                <a:latin typeface="Times New Roman" panose="02020603050405020304" pitchFamily="18" charset="0"/>
+                <a:ea typeface="Times New Roman" panose="02020603050405020304" pitchFamily="18" charset="0"/>
+              </a:rPr>
+              <a:t>analyze</a:t>
+            </a:r>
+            <a:r>
+              <a:rPr lang="en-IN" sz="2400" dirty="0">
+                <a:effectLst/>
+                <a:latin typeface="Times New Roman" panose="02020603050405020304" pitchFamily="18" charset="0"/>
+                <a:ea typeface="Times New Roman" panose="02020603050405020304" pitchFamily="18" charset="0"/>
+              </a:rPr>
+              <a:t> performance.  </a:t>
+            </a:r>
+          </a:p>
+          <a:p>
+            <a:pPr marL="681355" marR="3175" indent="-342900" algn="just">
+              <a:lnSpc>
+                <a:spcPct val="148000"/>
+              </a:lnSpc>
+              <a:spcAft>
+                <a:spcPts val="45"/>
+              </a:spcAft>
               <a:buFont typeface="Wingdings" panose="05000000000000000000" pitchFamily="2" charset="2"/>
               <a:buChar char="v"/>
             </a:pPr>
             <a:r>
-              <a:rPr lang="en-US" sz="2400" dirty="0">
-                <a:latin typeface="Times New Roman" pitchFamily="18" charset="0"/>
-                <a:cs typeface="Times New Roman" pitchFamily="18" charset="0"/>
+              <a:rPr lang="en-IN" sz="2400" dirty="0">
+                <a:effectLst/>
+                <a:latin typeface="Times New Roman" panose="02020603050405020304" pitchFamily="18" charset="0"/>
+                <a:ea typeface="Times New Roman" panose="02020603050405020304" pitchFamily="18" charset="0"/>
               </a:rPr>
-              <a:t>EDIT PROFILE – It is used to change the </a:t>
-            </a:r>
-            <a:r>
-              <a:rPr lang="en-US" sz="2400" dirty="0" err="1">
-                <a:latin typeface="Times New Roman" pitchFamily="18" charset="0"/>
-                <a:cs typeface="Times New Roman" pitchFamily="18" charset="0"/>
+              <a:t>To predict a rating for an </a:t>
+            </a:r>
+            <a:r>
+              <a:rPr lang="en-IN" sz="2400" dirty="0" err="1">
+                <a:effectLst/>
+                <a:latin typeface="Times New Roman" panose="02020603050405020304" pitchFamily="18" charset="0"/>
+                <a:ea typeface="Times New Roman" panose="02020603050405020304" pitchFamily="18" charset="0"/>
               </a:rPr>
-              <a:t>gmail</a:t>
-            </a:r>
-            <a:r>
-              <a:rPr lang="en-US" sz="2400" dirty="0">
-                <a:latin typeface="Times New Roman" pitchFamily="18" charset="0"/>
-                <a:cs typeface="Times New Roman" pitchFamily="18" charset="0"/>
+              <a:t>place,we</a:t>
+            </a:r>
+            <a:r>
+              <a:rPr lang="en-IN" sz="2400" dirty="0">
+                <a:effectLst/>
+                <a:latin typeface="Times New Roman" panose="02020603050405020304" pitchFamily="18" charset="0"/>
+                <a:ea typeface="Times New Roman" panose="02020603050405020304" pitchFamily="18" charset="0"/>
               </a:rPr>
-              <a:t> and phone number.</a:t>
-            </a:r>
-          </a:p>
-          <a:p>
-            <a:pPr marL="342900" indent="-342900" algn="l">
-              <a:buFont typeface="Wingdings" panose="05000000000000000000" pitchFamily="2" charset="2"/>
-              <a:buChar char="v"/>
-            </a:pPr>
-            <a:r>
-              <a:rPr lang="en-US" dirty="0">
-                <a:latin typeface="Times New Roman" pitchFamily="18" charset="0"/>
-                <a:cs typeface="Times New Roman" pitchFamily="18" charset="0"/>
-              </a:rPr>
-              <a:t>CHANGE PASSWORD – Used to change the current password to a new one.</a:t>
-            </a:r>
-          </a:p>
-          <a:p>
-            <a:pPr marL="342900" indent="-342900" algn="l">
-              <a:buFont typeface="Wingdings" panose="05000000000000000000" pitchFamily="2" charset="2"/>
-              <a:buChar char="v"/>
-            </a:pPr>
-            <a:r>
-              <a:rPr lang="en-US" sz="2400" dirty="0">
-                <a:latin typeface="Times New Roman" pitchFamily="18" charset="0"/>
-                <a:cs typeface="Times New Roman" pitchFamily="18" charset="0"/>
-              </a:rPr>
-              <a:t>M</a:t>
-            </a:r>
-            <a:r>
-              <a:rPr lang="en-US" dirty="0">
-                <a:latin typeface="Times New Roman" pitchFamily="18" charset="0"/>
-                <a:cs typeface="Times New Roman" pitchFamily="18" charset="0"/>
-              </a:rPr>
-              <a:t>Y LISTING – It is used to show all the listings that the admin has entered and the listings that are published.</a:t>
-            </a:r>
-            <a:endParaRPr lang="en-US" sz="2400" dirty="0">
-              <a:latin typeface="Times New Roman" pitchFamily="18" charset="0"/>
-              <a:cs typeface="Times New Roman" pitchFamily="18" charset="0"/>
-            </a:endParaRPr>
+              <a:t> calculate the overall review such as like comments. This enables users to find not only content items they are currently interested in, but also those in which they might become interested.  </a:t>
+            </a:r>
+          </a:p>
+          <a:p>
+            <a:endParaRPr lang="en-US" dirty="0"/>
           </a:p>
         </p:txBody>
       </p:sp>
     </p:spTree>
     <p:extLst>
       <p:ext uri="{BB962C8B-B14F-4D97-AF65-F5344CB8AC3E}">
-        <p14:creationId xmlns:p14="http://schemas.microsoft.com/office/powerpoint/2010/main" val="85455474"/>
+        <p14:creationId xmlns:p14="http://schemas.microsoft.com/office/powerpoint/2010/main" val="1574183989"/>
       </p:ext>
     </p:extLst>
   </p:cSld>
@@ -6998,7 +7717,7 @@
           <p:cNvPr id="2" name="Title 1">
             <a:extLst>
               <a:ext uri="{FF2B5EF4-FFF2-40B4-BE49-F238E27FC236}">
-                <a16:creationId xmlns:a16="http://schemas.microsoft.com/office/drawing/2014/main" id="{016F8C75-E488-4E26-BFB3-CD11830D9455}"/>
+                <a16:creationId xmlns:a16="http://schemas.microsoft.com/office/drawing/2014/main" id="{14857150-13CE-40C2-B6FA-64649F8AFEB1}"/>
               </a:ext>
             </a:extLst>
           </p:cNvPr>
@@ -7011,14 +7730,21 @@
         </p:nvSpPr>
         <p:spPr>
           <a:xfrm>
-            <a:off x="760768" y="0"/>
-            <a:ext cx="9001462" cy="807868"/>
-          </a:xfrm>
-        </p:spPr>
-        <p:txBody>
-          <a:bodyPr/>
-          <a:lstStyle/>
-          <a:p>
+            <a:off x="0" y="0"/>
+            <a:ext cx="3833618" cy="1070421"/>
+          </a:xfrm>
+        </p:spPr>
+        <p:txBody>
+          <a:bodyPr>
+            <a:normAutofit/>
+          </a:bodyPr>
+          <a:lstStyle/>
+          <a:p>
+            <a:pPr algn="l"/>
+            <a:r>
+              <a:rPr lang="en-US" dirty="0"/>
+              <a:t>modules</a:t>
+            </a:r>
             <a:endParaRPr lang="en-IN" dirty="0"/>
           </a:p>
         </p:txBody>
@@ -7028,7 +7754,7 @@
           <p:cNvPr id="3" name="Subtitle 2">
             <a:extLst>
               <a:ext uri="{FF2B5EF4-FFF2-40B4-BE49-F238E27FC236}">
-                <a16:creationId xmlns:a16="http://schemas.microsoft.com/office/drawing/2014/main" id="{AB5C6E3A-5254-4E1C-8B29-1687F39CA8D6}"/>
+                <a16:creationId xmlns:a16="http://schemas.microsoft.com/office/drawing/2014/main" id="{76DBC43D-74ED-4633-9258-7AE6686FAFF7}"/>
               </a:ext>
             </a:extLst>
           </p:cNvPr>
@@ -7041,12 +7767,14 @@
         </p:nvSpPr>
         <p:spPr>
           <a:xfrm>
-            <a:off x="760768" y="1364866"/>
-            <a:ext cx="9001462" cy="4600928"/>
-          </a:xfrm>
-        </p:spPr>
-        <p:txBody>
-          <a:bodyPr/>
+            <a:off x="0" y="1070421"/>
+            <a:ext cx="11434439" cy="5330379"/>
+          </a:xfrm>
+        </p:spPr>
+        <p:txBody>
+          <a:bodyPr>
+            <a:normAutofit/>
+          </a:bodyPr>
           <a:lstStyle/>
           <a:p>
             <a:pPr marL="342900" indent="-342900" algn="l">
@@ -7054,49 +7782,114 @@
               <a:buChar char="v"/>
             </a:pPr>
             <a:r>
-              <a:rPr lang="en-US" sz="2400" dirty="0">
+              <a:rPr lang="en-US" sz="2200" dirty="0">
+                <a:latin typeface="Times New Roman" pitchFamily="18" charset="0"/>
+                <a:cs typeface="Times New Roman" pitchFamily="18" charset="0"/>
+              </a:rPr>
+              <a:t>ADMIN MODULE - Deals with login page UX design template.</a:t>
+            </a:r>
+          </a:p>
+          <a:p>
+            <a:pPr marL="342900" indent="-342900" algn="l">
+              <a:buFont typeface="Wingdings" panose="05000000000000000000" pitchFamily="2" charset="2"/>
+              <a:buChar char="v"/>
+            </a:pPr>
+            <a:r>
+              <a:rPr lang="en-US" sz="2200" dirty="0">
+                <a:latin typeface="Times New Roman" pitchFamily="18" charset="0"/>
+                <a:cs typeface="Times New Roman" pitchFamily="18" charset="0"/>
+              </a:rPr>
+              <a:t>DASHBOARD - It deals with the details of how many listings have published and how many of them are in pending.</a:t>
+            </a:r>
+          </a:p>
+          <a:p>
+            <a:pPr marL="342900" indent="-342900" algn="l">
+              <a:buFont typeface="Wingdings" panose="05000000000000000000" pitchFamily="2" charset="2"/>
+              <a:buChar char="v"/>
+            </a:pPr>
+            <a:r>
+              <a:rPr lang="en-US" sz="2200" dirty="0">
+                <a:latin typeface="Times New Roman" pitchFamily="18" charset="0"/>
+                <a:cs typeface="Times New Roman" pitchFamily="18" charset="0"/>
+              </a:rPr>
+              <a:t>EDIT PROFILE – It is used to change the </a:t>
+            </a:r>
+            <a:r>
+              <a:rPr lang="en-US" sz="2200" dirty="0" err="1">
+                <a:latin typeface="Times New Roman" pitchFamily="18" charset="0"/>
+                <a:cs typeface="Times New Roman" pitchFamily="18" charset="0"/>
+              </a:rPr>
+              <a:t>gmail</a:t>
+            </a:r>
+            <a:r>
+              <a:rPr lang="en-US" sz="2200" dirty="0">
+                <a:latin typeface="Times New Roman" pitchFamily="18" charset="0"/>
+                <a:cs typeface="Times New Roman" pitchFamily="18" charset="0"/>
+              </a:rPr>
+              <a:t> and phone number.</a:t>
+            </a:r>
+          </a:p>
+          <a:p>
+            <a:pPr marL="342900" indent="-342900" algn="l">
+              <a:buFont typeface="Wingdings" panose="05000000000000000000" pitchFamily="2" charset="2"/>
+              <a:buChar char="v"/>
+            </a:pPr>
+            <a:r>
+              <a:rPr lang="en-US" sz="2200" dirty="0">
+                <a:latin typeface="Times New Roman" pitchFamily="18" charset="0"/>
+                <a:cs typeface="Times New Roman" pitchFamily="18" charset="0"/>
+              </a:rPr>
+              <a:t>CHANGE PASSWORD – Used to change the current password to a new one.</a:t>
+            </a:r>
+          </a:p>
+          <a:p>
+            <a:pPr marL="342900" indent="-342900" algn="l">
+              <a:buFont typeface="Wingdings" panose="05000000000000000000" pitchFamily="2" charset="2"/>
+              <a:buChar char="v"/>
+            </a:pPr>
+            <a:r>
+              <a:rPr lang="en-US" sz="2200" dirty="0">
+                <a:latin typeface="Times New Roman" pitchFamily="18" charset="0"/>
+                <a:cs typeface="Times New Roman" pitchFamily="18" charset="0"/>
+              </a:rPr>
+              <a:t>MY LISTING – It is used to show all the listings that the admin has entered and the listings that are published.</a:t>
+            </a:r>
+          </a:p>
+          <a:p>
+            <a:pPr marL="342900" indent="-342900" algn="l">
+              <a:buFont typeface="Wingdings" panose="05000000000000000000" pitchFamily="2" charset="2"/>
+              <a:buChar char="v"/>
+            </a:pPr>
+            <a:r>
+              <a:rPr lang="en-US" sz="2200" dirty="0">
                 <a:latin typeface="Times New Roman" pitchFamily="18" charset="0"/>
                 <a:cs typeface="Times New Roman" pitchFamily="18" charset="0"/>
               </a:rPr>
               <a:t>SUBMIT LISTING  - This Module needs </a:t>
             </a:r>
             <a:r>
-              <a:rPr lang="en-US" sz="2400" dirty="0" err="1">
+              <a:rPr lang="en-US" sz="2200" dirty="0" err="1">
                 <a:latin typeface="Times New Roman" pitchFamily="18" charset="0"/>
                 <a:cs typeface="Times New Roman" pitchFamily="18" charset="0"/>
               </a:rPr>
               <a:t>informations</a:t>
             </a:r>
             <a:r>
-              <a:rPr lang="en-US" sz="2400" dirty="0">
+              <a:rPr lang="en-US" sz="2200" dirty="0">
                 <a:latin typeface="Times New Roman" pitchFamily="18" charset="0"/>
                 <a:cs typeface="Times New Roman" pitchFamily="18" charset="0"/>
               </a:rPr>
-              <a:t> about a specific place like Title, Description, Logo, </a:t>
-            </a:r>
-            <a:r>
-              <a:rPr lang="en-US" sz="2400" dirty="0" err="1">
-                <a:latin typeface="Times New Roman" pitchFamily="18" charset="0"/>
-                <a:cs typeface="Times New Roman" pitchFamily="18" charset="0"/>
-              </a:rPr>
-              <a:t>Locattion</a:t>
-            </a:r>
-            <a:r>
-              <a:rPr lang="en-US" sz="2400" dirty="0">
-                <a:latin typeface="Times New Roman" pitchFamily="18" charset="0"/>
-                <a:cs typeface="Times New Roman" pitchFamily="18" charset="0"/>
-              </a:rPr>
-              <a:t>, Latitude and </a:t>
-            </a:r>
-            <a:r>
-              <a:rPr lang="en-US" sz="2400" dirty="0" err="1">
+              <a:t> about a specific place like Title, Description, Logo, Location, Latitude and </a:t>
+            </a:r>
+            <a:r>
+              <a:rPr lang="en-US" sz="2200" dirty="0" err="1">
                 <a:latin typeface="Times New Roman" pitchFamily="18" charset="0"/>
                 <a:cs typeface="Times New Roman" pitchFamily="18" charset="0"/>
               </a:rPr>
               <a:t>Longitute</a:t>
             </a:r>
             <a:r>
-              <a:rPr lang="en-US" sz="2400" dirty="0">
+              <a:rPr lang="en-US" sz="2200" dirty="0">
                 <a:latin typeface="Times New Roman" pitchFamily="18" charset="0"/>
                 <a:cs typeface="Times New Roman" pitchFamily="18" charset="0"/>
               </a:rPr>
@@ -7108,27 +7901,17 @@
               <a:buFont typeface="Wingdings" panose="05000000000000000000" pitchFamily="2" charset="2"/>
               <a:buChar char="v"/>
             </a:pPr>
-            <a:endParaRPr lang="en-US" sz="2400" dirty="0">
+            <a:endParaRPr lang="en-US" sz="2000" dirty="0">
               <a:latin typeface="Times New Roman" pitchFamily="18" charset="0"/>
               <a:cs typeface="Times New Roman" pitchFamily="18" charset="0"/>
             </a:endParaRPr>
           </a:p>
-          <a:p>
-            <a:pPr marL="342900" indent="-342900" algn="l">
-              <a:buFont typeface="Wingdings" panose="05000000000000000000" pitchFamily="2" charset="2"/>
-              <a:buChar char="v"/>
-            </a:pPr>
-            <a:endParaRPr lang="en-IN" dirty="0">
-              <a:latin typeface="Times New Roman" panose="02020603050405020304" pitchFamily="18" charset="0"/>
-              <a:cs typeface="Times New Roman" panose="02020603050405020304" pitchFamily="18" charset="0"/>
-            </a:endParaRPr>
-          </a:p>
         </p:txBody>
       </p:sp>
     </p:spTree>
     <p:extLst>
       <p:ext uri="{BB962C8B-B14F-4D97-AF65-F5344CB8AC3E}">
-        <p14:creationId xmlns:p14="http://schemas.microsoft.com/office/powerpoint/2010/main" val="2328671709"/>
+        <p14:creationId xmlns:p14="http://schemas.microsoft.com/office/powerpoint/2010/main" val="85455474"/>
       </p:ext>
     </p:extLst>
   </p:cSld>
@@ -7160,7 +7943,7 @@
           <p:cNvPr id="2" name="Title 1">
             <a:extLst>
               <a:ext uri="{FF2B5EF4-FFF2-40B4-BE49-F238E27FC236}">
-                <a16:creationId xmlns:a16="http://schemas.microsoft.com/office/drawing/2014/main" id="{9BEC04E0-AEB6-42C8-BB37-14308A6AA17C}"/>
+                <a16:creationId xmlns:a16="http://schemas.microsoft.com/office/drawing/2014/main" id="{FF85ACC1-25A3-4E4B-ADD0-5182FC20C03D}"/>
               </a:ext>
             </a:extLst>
           </p:cNvPr>
@@ -7168,202 +7951,61 @@
             <a:spLocks noGrp="1"/>
           </p:cNvSpPr>
           <p:nvPr>
-            <p:ph type="ctrTitle"/>
-          </p:nvPr>
-        </p:nvSpPr>
-        <p:spPr>
-          <a:xfrm>
-            <a:off x="592093" y="208549"/>
-            <a:ext cx="9001462" cy="741948"/>
-          </a:xfrm>
-        </p:spPr>
-        <p:txBody>
-          <a:bodyPr>
-            <a:normAutofit fontScale="90000"/>
-          </a:bodyPr>
-          <a:lstStyle/>
-          <a:p>
-            <a:pPr algn="l"/>
-            <a:r>
-              <a:rPr lang="en-US" dirty="0"/>
-              <a:t>ALGORITHM</a:t>
-            </a:r>
-            <a:endParaRPr lang="en-IN" dirty="0"/>
-          </a:p>
-        </p:txBody>
-      </p:sp>
-      <p:sp>
-        <p:nvSpPr>
-          <p:cNvPr id="3" name="Subtitle 2">
+            <p:ph type="title"/>
+          </p:nvPr>
+        </p:nvSpPr>
+        <p:spPr>
+          <a:xfrm>
+            <a:off x="0" y="1"/>
+            <a:ext cx="4253948" cy="1364974"/>
+          </a:xfrm>
+        </p:spPr>
+        <p:txBody>
+          <a:bodyPr/>
+          <a:lstStyle/>
+          <a:p>
+            <a:r>
+              <a:rPr lang="en-IN" dirty="0"/>
+              <a:t>GANTT CHART</a:t>
+            </a:r>
+            <a:endParaRPr lang="en-US" dirty="0"/>
+          </a:p>
+        </p:txBody>
+      </p:sp>
+      <p:pic>
+        <p:nvPicPr>
+          <p:cNvPr id="4" name="Picture 3">
             <a:extLst>
               <a:ext uri="{FF2B5EF4-FFF2-40B4-BE49-F238E27FC236}">
-                <a16:creationId xmlns:a16="http://schemas.microsoft.com/office/drawing/2014/main" id="{CCE9CCB5-EF0E-4228-A209-2CE3723A9530}"/>
+                <a16:creationId xmlns:a16="http://schemas.microsoft.com/office/drawing/2014/main" id="{BA87D69D-25AA-4694-A189-E17E38C888DE}"/>
               </a:ext>
             </a:extLst>
           </p:cNvPr>
-          <p:cNvSpPr>
-            <a:spLocks noGrp="1"/>
-          </p:cNvSpPr>
-          <p:nvPr>
-            <p:ph type="subTitle" idx="1"/>
-          </p:nvPr>
-        </p:nvSpPr>
-        <p:spPr>
-          <a:xfrm>
-            <a:off x="592093" y="1276087"/>
-            <a:ext cx="9001462" cy="5373363"/>
-          </a:xfrm>
-        </p:spPr>
-        <p:txBody>
-          <a:bodyPr/>
-          <a:lstStyle/>
-          <a:p>
-            <a:pPr algn="l">
-              <a:buNone/>
-            </a:pPr>
-            <a:r>
-              <a:rPr lang="en-US" sz="2200" dirty="0">
-                <a:latin typeface="Times New Roman" pitchFamily="18" charset="0"/>
-                <a:cs typeface="Times New Roman" pitchFamily="18" charset="0"/>
-              </a:rPr>
-              <a:t>      LOGIN</a:t>
-            </a:r>
-          </a:p>
-          <a:p>
-            <a:pPr marL="800100" lvl="1" indent="-342900" algn="l">
-              <a:buFont typeface="Arial" panose="020B0604020202020204" pitchFamily="34" charset="0"/>
-              <a:buChar char="•"/>
-            </a:pPr>
-            <a:r>
-              <a:rPr lang="en-US" sz="2200" dirty="0">
-                <a:latin typeface="Times New Roman" pitchFamily="18" charset="0"/>
-                <a:cs typeface="Times New Roman" pitchFamily="18" charset="0"/>
-              </a:rPr>
-              <a:t>Get the email ID and password from admin</a:t>
-            </a:r>
-          </a:p>
-          <a:p>
-            <a:pPr marL="800100" lvl="1" indent="-342900" algn="l">
-              <a:buFont typeface="Arial" panose="020B0604020202020204" pitchFamily="34" charset="0"/>
-              <a:buChar char="•"/>
-            </a:pPr>
-            <a:r>
-              <a:rPr lang="en-US" sz="2200" dirty="0">
-                <a:latin typeface="Times New Roman" pitchFamily="18" charset="0"/>
-                <a:cs typeface="Times New Roman" pitchFamily="18" charset="0"/>
-              </a:rPr>
-              <a:t>If the email ID and password is valid</a:t>
-            </a:r>
-          </a:p>
-          <a:p>
-            <a:pPr marL="800100" lvl="1" indent="-342900" algn="l">
-              <a:buFont typeface="Arial" panose="020B0604020202020204" pitchFamily="34" charset="0"/>
-              <a:buChar char="•"/>
-            </a:pPr>
-            <a:r>
-              <a:rPr lang="en-US" sz="2200" dirty="0">
-                <a:latin typeface="Times New Roman" pitchFamily="18" charset="0"/>
-                <a:cs typeface="Times New Roman" pitchFamily="18" charset="0"/>
-              </a:rPr>
-              <a:t>Then login is successful</a:t>
-            </a:r>
-          </a:p>
-          <a:p>
-            <a:pPr marL="800100" lvl="1" indent="-342900" algn="l">
-              <a:buFont typeface="Arial" panose="020B0604020202020204" pitchFamily="34" charset="0"/>
-              <a:buChar char="•"/>
-            </a:pPr>
-            <a:r>
-              <a:rPr lang="en-US" sz="2200" dirty="0">
-                <a:latin typeface="Times New Roman" pitchFamily="18" charset="0"/>
-                <a:cs typeface="Times New Roman" pitchFamily="18" charset="0"/>
-              </a:rPr>
-              <a:t>Else invalid login</a:t>
-            </a:r>
-            <a:endParaRPr lang="en-IN" sz="2200" dirty="0">
-              <a:latin typeface="Times New Roman" panose="02020603050405020304" pitchFamily="18" charset="0"/>
-              <a:cs typeface="Times New Roman" panose="02020603050405020304" pitchFamily="18" charset="0"/>
-            </a:endParaRPr>
-          </a:p>
-          <a:p>
-            <a:pPr lvl="1" algn="l"/>
-            <a:endParaRPr lang="en-IN" sz="2200" dirty="0">
-              <a:latin typeface="Times New Roman" panose="02020603050405020304" pitchFamily="18" charset="0"/>
-              <a:cs typeface="Times New Roman" panose="02020603050405020304" pitchFamily="18" charset="0"/>
-            </a:endParaRPr>
-          </a:p>
-          <a:p>
-            <a:pPr lvl="1" algn="l"/>
-            <a:r>
-              <a:rPr lang="en-IN" sz="2200" dirty="0">
-                <a:latin typeface="Times New Roman" panose="02020603050405020304" pitchFamily="18" charset="0"/>
-                <a:cs typeface="Times New Roman" panose="02020603050405020304" pitchFamily="18" charset="0"/>
-              </a:rPr>
-              <a:t>SUBMIT LISTING</a:t>
-            </a:r>
-          </a:p>
-          <a:p>
-            <a:pPr marL="800100" lvl="1" indent="-342900" algn="l">
-              <a:buFont typeface="Arial" panose="020B0604020202020204" pitchFamily="34" charset="0"/>
-              <a:buChar char="•"/>
-            </a:pPr>
-            <a:r>
-              <a:rPr lang="en-IN" sz="2200" dirty="0">
-                <a:latin typeface="Times New Roman" panose="02020603050405020304" pitchFamily="18" charset="0"/>
-                <a:cs typeface="Times New Roman" panose="02020603050405020304" pitchFamily="18" charset="0"/>
-              </a:rPr>
-              <a:t>Get all the necessary details from the admin</a:t>
-            </a:r>
-          </a:p>
-          <a:p>
-            <a:pPr marL="800100" lvl="1" indent="-342900" algn="l">
-              <a:buFont typeface="Arial" panose="020B0604020202020204" pitchFamily="34" charset="0"/>
-              <a:buChar char="•"/>
-            </a:pPr>
-            <a:r>
-              <a:rPr lang="en-IN" sz="2200" dirty="0">
-                <a:latin typeface="Times New Roman" panose="02020603050405020304" pitchFamily="18" charset="0"/>
-                <a:cs typeface="Times New Roman" panose="02020603050405020304" pitchFamily="18" charset="0"/>
-              </a:rPr>
-              <a:t>If all the necessary fields are filled </a:t>
-            </a:r>
-          </a:p>
-          <a:p>
-            <a:pPr marL="800100" lvl="1" indent="-342900" algn="l">
-              <a:buFont typeface="Arial" panose="020B0604020202020204" pitchFamily="34" charset="0"/>
-              <a:buChar char="•"/>
-            </a:pPr>
-            <a:r>
-              <a:rPr lang="en-IN" sz="2200" dirty="0">
-                <a:latin typeface="Times New Roman" panose="02020603050405020304" pitchFamily="18" charset="0"/>
-                <a:cs typeface="Times New Roman" panose="02020603050405020304" pitchFamily="18" charset="0"/>
-              </a:rPr>
-              <a:t>Then submit listing</a:t>
-            </a:r>
-          </a:p>
-          <a:p>
-            <a:pPr marL="800100" lvl="1" indent="-342900" algn="l">
-              <a:buFont typeface="Arial" panose="020B0604020202020204" pitchFamily="34" charset="0"/>
-              <a:buChar char="•"/>
-            </a:pPr>
-            <a:r>
-              <a:rPr lang="en-IN" sz="2200" dirty="0">
-                <a:latin typeface="Times New Roman" panose="02020603050405020304" pitchFamily="18" charset="0"/>
-                <a:cs typeface="Times New Roman" panose="02020603050405020304" pitchFamily="18" charset="0"/>
-              </a:rPr>
-              <a:t>Else fill the necessary fields</a:t>
-            </a:r>
-            <a:endParaRPr lang="en-US" sz="2200" dirty="0">
-              <a:latin typeface="Times New Roman" pitchFamily="18" charset="0"/>
-              <a:cs typeface="Times New Roman" pitchFamily="18" charset="0"/>
-            </a:endParaRPr>
-          </a:p>
-        </p:txBody>
-      </p:sp>
+          <p:cNvPicPr>
+            <a:picLocks noChangeAspect="1"/>
+          </p:cNvPicPr>
+          <p:nvPr/>
+        </p:nvPicPr>
+        <p:blipFill>
+          <a:blip r:embed="rId2"/>
+          <a:stretch>
+            <a:fillRect/>
+          </a:stretch>
+        </p:blipFill>
+        <p:spPr>
+          <a:xfrm>
+            <a:off x="200749" y="1762538"/>
+            <a:ext cx="11790501" cy="4134678"/>
+          </a:xfrm>
+          <a:prstGeom prst="rect">
+            <a:avLst/>
+          </a:prstGeom>
+        </p:spPr>
+      </p:pic>
     </p:spTree>
     <p:extLst>
       <p:ext uri="{BB962C8B-B14F-4D97-AF65-F5344CB8AC3E}">
-        <p14:creationId xmlns:p14="http://schemas.microsoft.com/office/powerpoint/2010/main" val="65501474"/>
+        <p14:creationId xmlns:p14="http://schemas.microsoft.com/office/powerpoint/2010/main" val="709785574"/>
       </p:ext>
     </p:extLst>
   </p:cSld>
@@ -7395,7 +8037,7 @@
           <p:cNvPr id="2" name="Title 1">
             <a:extLst>
               <a:ext uri="{FF2B5EF4-FFF2-40B4-BE49-F238E27FC236}">
-                <a16:creationId xmlns:a16="http://schemas.microsoft.com/office/drawing/2014/main" id="{77B1A621-66E4-4BD4-BB96-3A1E58B116E7}"/>
+                <a16:creationId xmlns:a16="http://schemas.microsoft.com/office/drawing/2014/main" id="{89E07BB6-D575-4D58-89E5-6BD8F2FD0055}"/>
               </a:ext>
             </a:extLst>
           </p:cNvPr>
@@ -7403,98 +8045,61 @@
             <a:spLocks noGrp="1"/>
           </p:cNvSpPr>
           <p:nvPr>
-            <p:ph type="ctrTitle"/>
-          </p:nvPr>
-        </p:nvSpPr>
-        <p:spPr>
-          <a:xfrm>
-            <a:off x="716380" y="359469"/>
-            <a:ext cx="9001462" cy="892868"/>
+            <p:ph type="title"/>
+          </p:nvPr>
+        </p:nvSpPr>
+        <p:spPr>
+          <a:xfrm>
+            <a:off x="0" y="0"/>
+            <a:ext cx="6692953" cy="887896"/>
           </a:xfrm>
         </p:spPr>
         <p:txBody>
           <a:bodyPr/>
           <a:lstStyle/>
           <a:p>
-            <a:pPr algn="l"/>
-            <a:r>
-              <a:rPr lang="en-US" dirty="0"/>
-              <a:t>EXPECTED OUTCOMES</a:t>
-            </a:r>
-            <a:endParaRPr lang="en-IN" dirty="0"/>
-          </a:p>
-        </p:txBody>
-      </p:sp>
-      <p:sp>
-        <p:nvSpPr>
-          <p:cNvPr id="3" name="Subtitle 2">
+            <a:r>
+              <a:rPr lang="en-IN" dirty="0"/>
+              <a:t>ARCHITECTURAL DESIGN</a:t>
+            </a:r>
+            <a:endParaRPr lang="en-US" dirty="0"/>
+          </a:p>
+        </p:txBody>
+      </p:sp>
+      <p:pic>
+        <p:nvPicPr>
+          <p:cNvPr id="4" name="Picture 3">
             <a:extLst>
               <a:ext uri="{FF2B5EF4-FFF2-40B4-BE49-F238E27FC236}">
-                <a16:creationId xmlns:a16="http://schemas.microsoft.com/office/drawing/2014/main" id="{944E8CED-E341-4EA0-8A50-D49607D784C8}"/>
+                <a16:creationId xmlns:a16="http://schemas.microsoft.com/office/drawing/2014/main" id="{F4129559-B876-4BD2-8D2C-B6540CC93E25}"/>
               </a:ext>
             </a:extLst>
           </p:cNvPr>
-          <p:cNvSpPr>
-            <a:spLocks noGrp="1"/>
-          </p:cNvSpPr>
-          <p:nvPr>
-            <p:ph type="subTitle" idx="1"/>
-          </p:nvPr>
-        </p:nvSpPr>
-        <p:spPr>
-          <a:xfrm>
-            <a:off x="840667" y="1773238"/>
-            <a:ext cx="9001462" cy="4725293"/>
-          </a:xfrm>
-        </p:spPr>
-        <p:txBody>
-          <a:bodyPr/>
-          <a:lstStyle/>
-          <a:p>
-            <a:pPr algn="l"/>
-            <a:r>
-              <a:rPr lang="en-US" sz="2400" dirty="0">
-                <a:latin typeface="Times New Roman" pitchFamily="18" charset="0"/>
-                <a:cs typeface="Times New Roman" pitchFamily="18" charset="0"/>
-              </a:rPr>
-              <a:t>User friendly way to submit all the information needed for a record and a platform to access all the listing by admin in a single click.</a:t>
-            </a:r>
-            <a:endParaRPr lang="en-IN" dirty="0"/>
-          </a:p>
-          <a:p>
-            <a:pPr algn="l"/>
-            <a:endParaRPr lang="en-IN" dirty="0"/>
-          </a:p>
-          <a:p>
-            <a:pPr algn="l"/>
-            <a:endParaRPr lang="en-IN" dirty="0"/>
-          </a:p>
-          <a:p>
-            <a:pPr algn="l"/>
-            <a:endParaRPr lang="en-IN" dirty="0"/>
-          </a:p>
-          <a:p>
-            <a:pPr algn="l"/>
-            <a:endParaRPr lang="en-IN" dirty="0"/>
-          </a:p>
-          <a:p>
-            <a:pPr algn="l"/>
-            <a:endParaRPr lang="en-IN" dirty="0"/>
-          </a:p>
-          <a:p>
-            <a:pPr algn="l"/>
-            <a:endParaRPr lang="en-IN" dirty="0"/>
-          </a:p>
-          <a:p>
-            <a:pPr algn="l"/>
-            <a:endParaRPr lang="en-IN" dirty="0"/>
-          </a:p>
-        </p:txBody>
-      </p:sp>
+          <p:cNvPicPr>
+            <a:picLocks noChangeAspect="1"/>
+          </p:cNvPicPr>
+          <p:nvPr/>
+        </p:nvPicPr>
+        <p:blipFill>
+          <a:blip r:embed="rId2"/>
+          <a:stretch>
+            <a:fillRect/>
+          </a:stretch>
+        </p:blipFill>
+        <p:spPr>
+          <a:xfrm>
+            <a:off x="2007163" y="1106036"/>
+            <a:ext cx="8177673" cy="5557986"/>
+          </a:xfrm>
+          <a:prstGeom prst="rect">
+            <a:avLst/>
+          </a:prstGeom>
+        </p:spPr>
+      </p:pic>
     </p:spTree>
     <p:extLst>
       <p:ext uri="{BB962C8B-B14F-4D97-AF65-F5344CB8AC3E}">
-        <p14:creationId xmlns:p14="http://schemas.microsoft.com/office/powerpoint/2010/main" val="3672262143"/>
+        <p14:creationId xmlns:p14="http://schemas.microsoft.com/office/powerpoint/2010/main" val="3194309430"/>
       </p:ext>
     </p:extLst>
   </p:cSld>

--- a/20Y005-Review 1.pptx
+++ b/20Y005-Review 1.pptx
@@ -2,7 +2,7 @@
 <file path=ppt/presentation.xml><?xml version="1.0" encoding="utf-8"?>
 <p:presentation xmlns:a="http://schemas.openxmlformats.org/drawingml/2006/main" xmlns:r="http://schemas.openxmlformats.org/officeDocument/2006/relationships" xmlns:p="http://schemas.openxmlformats.org/presentationml/2006/main" autoCompressPictures="0">
   <p:sldMasterIdLst>
-    <p:sldMasterId id="2147483982" r:id="rId1"/>
+    <p:sldMasterId id="2147484000" r:id="rId1"/>
   </p:sldMasterIdLst>
   <p:sldIdLst>
     <p:sldId id="256" r:id="rId2"/>
@@ -12,15 +12,18 @@
     <p:sldId id="260" r:id="rId6"/>
     <p:sldId id="266" r:id="rId7"/>
     <p:sldId id="261" r:id="rId8"/>
-    <p:sldId id="267" r:id="rId9"/>
-    <p:sldId id="268" r:id="rId10"/>
-    <p:sldId id="269" r:id="rId11"/>
-    <p:sldId id="270" r:id="rId12"/>
-    <p:sldId id="271" r:id="rId13"/>
-    <p:sldId id="272" r:id="rId14"/>
-    <p:sldId id="273" r:id="rId15"/>
-    <p:sldId id="264" r:id="rId16"/>
-    <p:sldId id="265" r:id="rId17"/>
+    <p:sldId id="274" r:id="rId9"/>
+    <p:sldId id="267" r:id="rId10"/>
+    <p:sldId id="268" r:id="rId11"/>
+    <p:sldId id="269" r:id="rId12"/>
+    <p:sldId id="270" r:id="rId13"/>
+    <p:sldId id="271" r:id="rId14"/>
+    <p:sldId id="272" r:id="rId15"/>
+    <p:sldId id="273" r:id="rId16"/>
+    <p:sldId id="275" r:id="rId17"/>
+    <p:sldId id="276" r:id="rId18"/>
+    <p:sldId id="264" r:id="rId19"/>
+    <p:sldId id="265" r:id="rId20"/>
   </p:sldIdLst>
   <p:sldSz cx="12192000" cy="6858000"/>
   <p:notesSz cx="6858000" cy="9144000"/>
@@ -28,7 +31,7 @@
     <a:defPPr>
       <a:defRPr lang="en-US"/>
     </a:defPPr>
-    <a:lvl1pPr marL="0" algn="l" defTabSz="457200" rtl="0" eaLnBrk="1" latinLnBrk="0" hangingPunct="1">
+    <a:lvl1pPr marL="0" algn="l" defTabSz="914400" rtl="0" eaLnBrk="1" latinLnBrk="0" hangingPunct="1">
       <a:defRPr sz="1800" kern="1200">
         <a:solidFill>
           <a:schemeClr val="tx1"/>
@@ -38,7 +41,7 @@
         <a:cs typeface="+mn-cs"/>
       </a:defRPr>
     </a:lvl1pPr>
-    <a:lvl2pPr marL="457200" algn="l" defTabSz="457200" rtl="0" eaLnBrk="1" latinLnBrk="0" hangingPunct="1">
+    <a:lvl2pPr marL="457200" algn="l" defTabSz="914400" rtl="0" eaLnBrk="1" latinLnBrk="0" hangingPunct="1">
       <a:defRPr sz="1800" kern="1200">
         <a:solidFill>
           <a:schemeClr val="tx1"/>
@@ -48,7 +51,7 @@
         <a:cs typeface="+mn-cs"/>
       </a:defRPr>
     </a:lvl2pPr>
-    <a:lvl3pPr marL="914400" algn="l" defTabSz="457200" rtl="0" eaLnBrk="1" latinLnBrk="0" hangingPunct="1">
+    <a:lvl3pPr marL="914400" algn="l" defTabSz="914400" rtl="0" eaLnBrk="1" latinLnBrk="0" hangingPunct="1">
       <a:defRPr sz="1800" kern="1200">
         <a:solidFill>
           <a:schemeClr val="tx1"/>
@@ -58,7 +61,7 @@
         <a:cs typeface="+mn-cs"/>
       </a:defRPr>
     </a:lvl3pPr>
-    <a:lvl4pPr marL="1371600" algn="l" defTabSz="457200" rtl="0" eaLnBrk="1" latinLnBrk="0" hangingPunct="1">
+    <a:lvl4pPr marL="1371600" algn="l" defTabSz="914400" rtl="0" eaLnBrk="1" latinLnBrk="0" hangingPunct="1">
       <a:defRPr sz="1800" kern="1200">
         <a:solidFill>
           <a:schemeClr val="tx1"/>
@@ -68,7 +71,7 @@
         <a:cs typeface="+mn-cs"/>
       </a:defRPr>
     </a:lvl4pPr>
-    <a:lvl5pPr marL="1828800" algn="l" defTabSz="457200" rtl="0" eaLnBrk="1" latinLnBrk="0" hangingPunct="1">
+    <a:lvl5pPr marL="1828800" algn="l" defTabSz="914400" rtl="0" eaLnBrk="1" latinLnBrk="0" hangingPunct="1">
       <a:defRPr sz="1800" kern="1200">
         <a:solidFill>
           <a:schemeClr val="tx1"/>
@@ -78,7 +81,7 @@
         <a:cs typeface="+mn-cs"/>
       </a:defRPr>
     </a:lvl5pPr>
-    <a:lvl6pPr marL="2286000" algn="l" defTabSz="457200" rtl="0" eaLnBrk="1" latinLnBrk="0" hangingPunct="1">
+    <a:lvl6pPr marL="2286000" algn="l" defTabSz="914400" rtl="0" eaLnBrk="1" latinLnBrk="0" hangingPunct="1">
       <a:defRPr sz="1800" kern="1200">
         <a:solidFill>
           <a:schemeClr val="tx1"/>
@@ -88,7 +91,7 @@
         <a:cs typeface="+mn-cs"/>
       </a:defRPr>
     </a:lvl6pPr>
-    <a:lvl7pPr marL="2743200" algn="l" defTabSz="457200" rtl="0" eaLnBrk="1" latinLnBrk="0" hangingPunct="1">
+    <a:lvl7pPr marL="2743200" algn="l" defTabSz="914400" rtl="0" eaLnBrk="1" latinLnBrk="0" hangingPunct="1">
       <a:defRPr sz="1800" kern="1200">
         <a:solidFill>
           <a:schemeClr val="tx1"/>
@@ -98,7 +101,7 @@
         <a:cs typeface="+mn-cs"/>
       </a:defRPr>
     </a:lvl7pPr>
-    <a:lvl8pPr marL="3200400" algn="l" defTabSz="457200" rtl="0" eaLnBrk="1" latinLnBrk="0" hangingPunct="1">
+    <a:lvl8pPr marL="3200400" algn="l" defTabSz="914400" rtl="0" eaLnBrk="1" latinLnBrk="0" hangingPunct="1">
       <a:defRPr sz="1800" kern="1200">
         <a:solidFill>
           <a:schemeClr val="tx1"/>
@@ -108,7 +111,7 @@
         <a:cs typeface="+mn-cs"/>
       </a:defRPr>
     </a:lvl8pPr>
-    <a:lvl9pPr marL="3657600" algn="l" defTabSz="457200" rtl="0" eaLnBrk="1" latinLnBrk="0" hangingPunct="1">
+    <a:lvl9pPr marL="3657600" algn="l" defTabSz="914400" rtl="0" eaLnBrk="1" latinLnBrk="0" hangingPunct="1">
       <a:defRPr sz="1800" kern="1200">
         <a:solidFill>
           <a:schemeClr val="tx1"/>
@@ -146,7 +149,13 @@
       </p:grpSpPr>
       <p:sp>
         <p:nvSpPr>
-          <p:cNvPr id="2" name="Title 1"/>
+          <p:cNvPr id="2" name="Title 1">
+            <a:extLst>
+              <a:ext uri="{FF2B5EF4-FFF2-40B4-BE49-F238E27FC236}">
+                <a16:creationId xmlns:a16="http://schemas.microsoft.com/office/drawing/2014/main" id="{C1A218A9-F2C1-4152-9578-02813A965A8C}"/>
+              </a:ext>
+            </a:extLst>
+          </p:cNvPr>
           <p:cNvSpPr>
             <a:spLocks noGrp="1"/>
           </p:cNvSpPr>
@@ -156,17 +165,15 @@
         </p:nvSpPr>
         <p:spPr>
           <a:xfrm>
-            <a:off x="1595269" y="1122363"/>
-            <a:ext cx="9001462" cy="2387600"/>
+            <a:off x="1524000" y="1122363"/>
+            <a:ext cx="9144000" cy="2387600"/>
           </a:xfrm>
         </p:spPr>
         <p:txBody>
-          <a:bodyPr anchor="b">
-            <a:normAutofit/>
-          </a:bodyPr>
+          <a:bodyPr anchor="b"/>
           <a:lstStyle>
             <a:lvl1pPr algn="ctr">
-              <a:defRPr sz="4800"/>
+              <a:defRPr sz="6000"/>
             </a:lvl1pPr>
           </a:lstStyle>
           <a:p>
@@ -174,13 +181,19 @@
               <a:rPr lang="en-US"/>
               <a:t>Click to edit Master title style</a:t>
             </a:r>
-            <a:endParaRPr lang="en-US" dirty="0"/>
-          </a:p>
-        </p:txBody>
-      </p:sp>
-      <p:sp>
-        <p:nvSpPr>
-          <p:cNvPr id="3" name="Subtitle 2"/>
+            <a:endParaRPr lang="en-IN"/>
+          </a:p>
+        </p:txBody>
+      </p:sp>
+      <p:sp>
+        <p:nvSpPr>
+          <p:cNvPr id="3" name="Subtitle 2">
+            <a:extLst>
+              <a:ext uri="{FF2B5EF4-FFF2-40B4-BE49-F238E27FC236}">
+                <a16:creationId xmlns:a16="http://schemas.microsoft.com/office/drawing/2014/main" id="{354C30AD-8936-472C-8993-6909BB222CAD}"/>
+              </a:ext>
+            </a:extLst>
+          </p:cNvPr>
           <p:cNvSpPr>
             <a:spLocks noGrp="1"/>
           </p:cNvSpPr>
@@ -190,8 +203,8 @@
         </p:nvSpPr>
         <p:spPr>
           <a:xfrm>
-            <a:off x="1595269" y="3602038"/>
-            <a:ext cx="9001462" cy="1655762"/>
+            <a:off x="1524000" y="3602038"/>
+            <a:ext cx="9144000" cy="1655762"/>
           </a:xfrm>
         </p:spPr>
         <p:txBody>
@@ -239,13 +252,19 @@
               <a:rPr lang="en-US"/>
               <a:t>Click to edit Master subtitle style</a:t>
             </a:r>
-            <a:endParaRPr lang="en-US" dirty="0"/>
-          </a:p>
-        </p:txBody>
-      </p:sp>
-      <p:sp>
-        <p:nvSpPr>
-          <p:cNvPr id="4" name="Date Placeholder 3"/>
+            <a:endParaRPr lang="en-IN"/>
+          </a:p>
+        </p:txBody>
+      </p:sp>
+      <p:sp>
+        <p:nvSpPr>
+          <p:cNvPr id="4" name="Date Placeholder 3">
+            <a:extLst>
+              <a:ext uri="{FF2B5EF4-FFF2-40B4-BE49-F238E27FC236}">
+                <a16:creationId xmlns:a16="http://schemas.microsoft.com/office/drawing/2014/main" id="{3B51DC14-D9FF-4B56-B506-DCF46E298D36}"/>
+              </a:ext>
+            </a:extLst>
+          </p:cNvPr>
           <p:cNvSpPr>
             <a:spLocks noGrp="1"/>
           </p:cNvSpPr>
@@ -260,7 +279,7 @@
           <a:p>
             <a:fld id="{48A87A34-81AB-432B-8DAE-1953F412C126}" type="datetimeFigureOut">
               <a:rPr lang="en-US" smtClean="0"/>
-              <a:t>3/23/2022</a:t>
+              <a:t>3/24/2022</a:t>
             </a:fld>
             <a:endParaRPr lang="en-US" dirty="0"/>
           </a:p>
@@ -268,7 +287,13 @@
       </p:sp>
       <p:sp>
         <p:nvSpPr>
-          <p:cNvPr id="5" name="Footer Placeholder 4"/>
+          <p:cNvPr id="5" name="Footer Placeholder 4">
+            <a:extLst>
+              <a:ext uri="{FF2B5EF4-FFF2-40B4-BE49-F238E27FC236}">
+                <a16:creationId xmlns:a16="http://schemas.microsoft.com/office/drawing/2014/main" id="{E46CCA36-57EC-4D41-83E5-90E2ED872105}"/>
+              </a:ext>
+            </a:extLst>
+          </p:cNvPr>
           <p:cNvSpPr>
             <a:spLocks noGrp="1"/>
           </p:cNvSpPr>
@@ -287,7 +312,13 @@
       </p:sp>
       <p:sp>
         <p:nvSpPr>
-          <p:cNvPr id="6" name="Slide Number Placeholder 5"/>
+          <p:cNvPr id="6" name="Slide Number Placeholder 5">
+            <a:extLst>
+              <a:ext uri="{FF2B5EF4-FFF2-40B4-BE49-F238E27FC236}">
+                <a16:creationId xmlns:a16="http://schemas.microsoft.com/office/drawing/2014/main" id="{8CE0BF2F-8D3F-4F99-9472-7067F31837C9}"/>
+              </a:ext>
+            </a:extLst>
+          </p:cNvPr>
           <p:cNvSpPr>
             <a:spLocks noGrp="1"/>
           </p:cNvSpPr>
@@ -311,7 +342,7 @@
     </p:spTree>
     <p:extLst>
       <p:ext uri="{BB962C8B-B14F-4D97-AF65-F5344CB8AC3E}">
-        <p14:creationId xmlns:p14="http://schemas.microsoft.com/office/powerpoint/2010/main" val="2762413811"/>
+        <p14:creationId xmlns:p14="http://schemas.microsoft.com/office/powerpoint/2010/main" val="3429727529"/>
       </p:ext>
     </p:extLst>
   </p:cSld>
@@ -322,2568 +353,6 @@
 </file>
 
 <file path=ppt/slideLayouts/slideLayout10.xml><?xml version="1.0" encoding="utf-8"?>
-<p:sldLayout xmlns:a="http://schemas.openxmlformats.org/drawingml/2006/main" xmlns:r="http://schemas.openxmlformats.org/officeDocument/2006/relationships" xmlns:p="http://schemas.openxmlformats.org/presentationml/2006/main" preserve="1">
-  <p:cSld name="Panoramic Picture with Caption">
-    <p:spTree>
-      <p:nvGrpSpPr>
-        <p:cNvPr id="1" name=""/>
-        <p:cNvGrpSpPr/>
-        <p:nvPr/>
-      </p:nvGrpSpPr>
-      <p:grpSpPr>
-        <a:xfrm>
-          <a:off x="0" y="0"/>
-          <a:ext cx="0" cy="0"/>
-          <a:chOff x="0" y="0"/>
-          <a:chExt cx="0" cy="0"/>
-        </a:xfrm>
-      </p:grpSpPr>
-      <p:sp>
-        <p:nvSpPr>
-          <p:cNvPr id="2" name="Title 1"/>
-          <p:cNvSpPr>
-            <a:spLocks noGrp="1"/>
-          </p:cNvSpPr>
-          <p:nvPr>
-            <p:ph type="title"/>
-          </p:nvPr>
-        </p:nvSpPr>
-        <p:spPr>
-          <a:xfrm>
-            <a:off x="913806" y="4289372"/>
-            <a:ext cx="10367564" cy="819355"/>
-          </a:xfrm>
-        </p:spPr>
-        <p:txBody>
-          <a:bodyPr anchor="b">
-            <a:normAutofit/>
-          </a:bodyPr>
-          <a:lstStyle>
-            <a:lvl1pPr>
-              <a:defRPr sz="2800"/>
-            </a:lvl1pPr>
-          </a:lstStyle>
-          <a:p>
-            <a:r>
-              <a:rPr lang="en-US"/>
-              <a:t>Click to edit Master title style</a:t>
-            </a:r>
-            <a:endParaRPr lang="en-US" dirty="0"/>
-          </a:p>
-        </p:txBody>
-      </p:sp>
-      <p:sp>
-        <p:nvSpPr>
-          <p:cNvPr id="3" name="Picture Placeholder 2"/>
-          <p:cNvSpPr>
-            <a:spLocks noGrp="1" noChangeAspect="1"/>
-          </p:cNvSpPr>
-          <p:nvPr>
-            <p:ph type="pic" idx="1"/>
-          </p:nvPr>
-        </p:nvSpPr>
-        <p:spPr>
-          <a:xfrm>
-            <a:off x="913806" y="621321"/>
-            <a:ext cx="10367564" cy="3379735"/>
-          </a:xfrm>
-          <a:noFill/>
-          <a:ln w="190500" cap="sq">
-            <a:solidFill>
-              <a:srgbClr val="FFFFFF"/>
-            </a:solidFill>
-            <a:miter lim="800000"/>
-          </a:ln>
-          <a:effectLst>
-            <a:outerShdw blurRad="55000" dist="18000" dir="5400000" algn="tl" rotWithShape="0">
-              <a:srgbClr val="000000">
-                <a:alpha val="40000"/>
-              </a:srgbClr>
-            </a:outerShdw>
-          </a:effectLst>
-          <a:scene3d>
-            <a:camera prst="orthographicFront"/>
-            <a:lightRig rig="twoPt" dir="t">
-              <a:rot lat="0" lon="0" rev="7200000"/>
-            </a:lightRig>
-          </a:scene3d>
-          <a:sp3d>
-            <a:bevelT w="25400" h="19050"/>
-            <a:contourClr>
-              <a:srgbClr val="FFFFFF"/>
-            </a:contourClr>
-          </a:sp3d>
-        </p:spPr>
-        <p:txBody>
-          <a:bodyPr anchor="t"/>
-          <a:lstStyle>
-            <a:lvl1pPr marL="0" indent="0" algn="ctr">
-              <a:buNone/>
-              <a:defRPr sz="3200"/>
-            </a:lvl1pPr>
-            <a:lvl2pPr marL="457200" indent="0">
-              <a:buNone/>
-              <a:defRPr sz="2800"/>
-            </a:lvl2pPr>
-            <a:lvl3pPr marL="914400" indent="0">
-              <a:buNone/>
-              <a:defRPr sz="2400"/>
-            </a:lvl3pPr>
-            <a:lvl4pPr marL="1371600" indent="0">
-              <a:buNone/>
-              <a:defRPr sz="2000"/>
-            </a:lvl4pPr>
-            <a:lvl5pPr marL="1828800" indent="0">
-              <a:buNone/>
-              <a:defRPr sz="2000"/>
-            </a:lvl5pPr>
-            <a:lvl6pPr marL="2286000" indent="0">
-              <a:buNone/>
-              <a:defRPr sz="2000"/>
-            </a:lvl6pPr>
-            <a:lvl7pPr marL="2743200" indent="0">
-              <a:buNone/>
-              <a:defRPr sz="2000"/>
-            </a:lvl7pPr>
-            <a:lvl8pPr marL="3200400" indent="0">
-              <a:buNone/>
-              <a:defRPr sz="2000"/>
-            </a:lvl8pPr>
-            <a:lvl9pPr marL="3657600" indent="0">
-              <a:buNone/>
-              <a:defRPr sz="2000"/>
-            </a:lvl9pPr>
-          </a:lstStyle>
-          <a:p>
-            <a:r>
-              <a:rPr lang="en-US"/>
-              <a:t>Click icon to add picture</a:t>
-            </a:r>
-            <a:endParaRPr lang="en-US" dirty="0"/>
-          </a:p>
-        </p:txBody>
-      </p:sp>
-      <p:sp>
-        <p:nvSpPr>
-          <p:cNvPr id="4" name="Text Placeholder 3"/>
-          <p:cNvSpPr>
-            <a:spLocks noGrp="1"/>
-          </p:cNvSpPr>
-          <p:nvPr>
-            <p:ph type="body" sz="half" idx="2"/>
-          </p:nvPr>
-        </p:nvSpPr>
-        <p:spPr>
-          <a:xfrm>
-            <a:off x="913795" y="5108728"/>
-            <a:ext cx="10365998" cy="682472"/>
-          </a:xfrm>
-        </p:spPr>
-        <p:txBody>
-          <a:bodyPr>
-            <a:normAutofit/>
-          </a:bodyPr>
-          <a:lstStyle>
-            <a:lvl1pPr marL="0" indent="0" algn="ctr">
-              <a:buNone/>
-              <a:defRPr sz="1800"/>
-            </a:lvl1pPr>
-            <a:lvl2pPr marL="457200" indent="0">
-              <a:buNone/>
-              <a:defRPr sz="1400"/>
-            </a:lvl2pPr>
-            <a:lvl3pPr marL="914400" indent="0">
-              <a:buNone/>
-              <a:defRPr sz="1200"/>
-            </a:lvl3pPr>
-            <a:lvl4pPr marL="1371600" indent="0">
-              <a:buNone/>
-              <a:defRPr sz="1000"/>
-            </a:lvl4pPr>
-            <a:lvl5pPr marL="1828800" indent="0">
-              <a:buNone/>
-              <a:defRPr sz="1000"/>
-            </a:lvl5pPr>
-            <a:lvl6pPr marL="2286000" indent="0">
-              <a:buNone/>
-              <a:defRPr sz="1000"/>
-            </a:lvl6pPr>
-            <a:lvl7pPr marL="2743200" indent="0">
-              <a:buNone/>
-              <a:defRPr sz="1000"/>
-            </a:lvl7pPr>
-            <a:lvl8pPr marL="3200400" indent="0">
-              <a:buNone/>
-              <a:defRPr sz="1000"/>
-            </a:lvl8pPr>
-            <a:lvl9pPr marL="3657600" indent="0">
-              <a:buNone/>
-              <a:defRPr sz="1000"/>
-            </a:lvl9pPr>
-          </a:lstStyle>
-          <a:p>
-            <a:pPr lvl="0"/>
-            <a:r>
-              <a:rPr lang="en-US"/>
-              <a:t>Click to edit Master text styles</a:t>
-            </a:r>
-          </a:p>
-        </p:txBody>
-      </p:sp>
-      <p:sp>
-        <p:nvSpPr>
-          <p:cNvPr id="5" name="Date Placeholder 4"/>
-          <p:cNvSpPr>
-            <a:spLocks noGrp="1"/>
-          </p:cNvSpPr>
-          <p:nvPr>
-            <p:ph type="dt" sz="half" idx="10"/>
-          </p:nvPr>
-        </p:nvSpPr>
-        <p:spPr/>
-        <p:txBody>
-          <a:bodyPr/>
-          <a:lstStyle/>
-          <a:p>
-            <a:fld id="{48A87A34-81AB-432B-8DAE-1953F412C126}" type="datetimeFigureOut">
-              <a:rPr lang="en-US" smtClean="0"/>
-              <a:pPr/>
-              <a:t>3/23/2022</a:t>
-            </a:fld>
-            <a:endParaRPr lang="en-US" dirty="0"/>
-          </a:p>
-        </p:txBody>
-      </p:sp>
-      <p:sp>
-        <p:nvSpPr>
-          <p:cNvPr id="6" name="Footer Placeholder 5"/>
-          <p:cNvSpPr>
-            <a:spLocks noGrp="1"/>
-          </p:cNvSpPr>
-          <p:nvPr>
-            <p:ph type="ftr" sz="quarter" idx="11"/>
-          </p:nvPr>
-        </p:nvSpPr>
-        <p:spPr/>
-        <p:txBody>
-          <a:bodyPr/>
-          <a:lstStyle/>
-          <a:p>
-            <a:endParaRPr lang="en-US" dirty="0"/>
-          </a:p>
-        </p:txBody>
-      </p:sp>
-      <p:sp>
-        <p:nvSpPr>
-          <p:cNvPr id="7" name="Slide Number Placeholder 6"/>
-          <p:cNvSpPr>
-            <a:spLocks noGrp="1"/>
-          </p:cNvSpPr>
-          <p:nvPr>
-            <p:ph type="sldNum" sz="quarter" idx="12"/>
-          </p:nvPr>
-        </p:nvSpPr>
-        <p:spPr/>
-        <p:txBody>
-          <a:bodyPr/>
-          <a:lstStyle/>
-          <a:p>
-            <a:fld id="{6D22F896-40B5-4ADD-8801-0D06FADFA095}" type="slidenum">
-              <a:rPr lang="en-US" smtClean="0"/>
-              <a:pPr/>
-              <a:t>‹#›</a:t>
-            </a:fld>
-            <a:endParaRPr lang="en-US" dirty="0"/>
-          </a:p>
-        </p:txBody>
-      </p:sp>
-    </p:spTree>
-    <p:extLst>
-      <p:ext uri="{BB962C8B-B14F-4D97-AF65-F5344CB8AC3E}">
-        <p14:creationId xmlns:p14="http://schemas.microsoft.com/office/powerpoint/2010/main" val="1122193261"/>
-      </p:ext>
-    </p:extLst>
-  </p:cSld>
-  <p:clrMapOvr>
-    <a:masterClrMapping/>
-  </p:clrMapOvr>
-</p:sldLayout>
-</file>
-
-<file path=ppt/slideLayouts/slideLayout11.xml><?xml version="1.0" encoding="utf-8"?>
-<p:sldLayout xmlns:a="http://schemas.openxmlformats.org/drawingml/2006/main" xmlns:r="http://schemas.openxmlformats.org/officeDocument/2006/relationships" xmlns:p="http://schemas.openxmlformats.org/presentationml/2006/main" preserve="1">
-  <p:cSld name="Title and Caption">
-    <p:spTree>
-      <p:nvGrpSpPr>
-        <p:cNvPr id="1" name=""/>
-        <p:cNvGrpSpPr/>
-        <p:nvPr/>
-      </p:nvGrpSpPr>
-      <p:grpSpPr>
-        <a:xfrm>
-          <a:off x="0" y="0"/>
-          <a:ext cx="0" cy="0"/>
-          <a:chOff x="0" y="0"/>
-          <a:chExt cx="0" cy="0"/>
-        </a:xfrm>
-      </p:grpSpPr>
-      <p:sp>
-        <p:nvSpPr>
-          <p:cNvPr id="2" name="Title 1"/>
-          <p:cNvSpPr>
-            <a:spLocks noGrp="1"/>
-          </p:cNvSpPr>
-          <p:nvPr>
-            <p:ph type="title"/>
-          </p:nvPr>
-        </p:nvSpPr>
-        <p:spPr>
-          <a:xfrm>
-            <a:off x="913795" y="609600"/>
-            <a:ext cx="10353762" cy="3424859"/>
-          </a:xfrm>
-        </p:spPr>
-        <p:txBody>
-          <a:bodyPr anchor="ctr"/>
-          <a:lstStyle>
-            <a:lvl1pPr>
-              <a:defRPr sz="3200"/>
-            </a:lvl1pPr>
-          </a:lstStyle>
-          <a:p>
-            <a:r>
-              <a:rPr lang="en-US"/>
-              <a:t>Click to edit Master title style</a:t>
-            </a:r>
-            <a:endParaRPr lang="en-US" dirty="0"/>
-          </a:p>
-        </p:txBody>
-      </p:sp>
-      <p:sp>
-        <p:nvSpPr>
-          <p:cNvPr id="4" name="Text Placeholder 3"/>
-          <p:cNvSpPr>
-            <a:spLocks noGrp="1"/>
-          </p:cNvSpPr>
-          <p:nvPr>
-            <p:ph type="body" sz="half" idx="2"/>
-          </p:nvPr>
-        </p:nvSpPr>
-        <p:spPr>
-          <a:xfrm>
-            <a:off x="913795" y="4204820"/>
-            <a:ext cx="10353761" cy="1592186"/>
-          </a:xfrm>
-        </p:spPr>
-        <p:txBody>
-          <a:bodyPr anchor="ctr"/>
-          <a:lstStyle>
-            <a:lvl1pPr marL="0" indent="0" algn="ctr">
-              <a:buNone/>
-              <a:defRPr sz="1600"/>
-            </a:lvl1pPr>
-            <a:lvl2pPr marL="457200" indent="0">
-              <a:buNone/>
-              <a:defRPr sz="1400"/>
-            </a:lvl2pPr>
-            <a:lvl3pPr marL="914400" indent="0">
-              <a:buNone/>
-              <a:defRPr sz="1200"/>
-            </a:lvl3pPr>
-            <a:lvl4pPr marL="1371600" indent="0">
-              <a:buNone/>
-              <a:defRPr sz="1000"/>
-            </a:lvl4pPr>
-            <a:lvl5pPr marL="1828800" indent="0">
-              <a:buNone/>
-              <a:defRPr sz="1000"/>
-            </a:lvl5pPr>
-            <a:lvl6pPr marL="2286000" indent="0">
-              <a:buNone/>
-              <a:defRPr sz="1000"/>
-            </a:lvl6pPr>
-            <a:lvl7pPr marL="2743200" indent="0">
-              <a:buNone/>
-              <a:defRPr sz="1000"/>
-            </a:lvl7pPr>
-            <a:lvl8pPr marL="3200400" indent="0">
-              <a:buNone/>
-              <a:defRPr sz="1000"/>
-            </a:lvl8pPr>
-            <a:lvl9pPr marL="3657600" indent="0">
-              <a:buNone/>
-              <a:defRPr sz="1000"/>
-            </a:lvl9pPr>
-          </a:lstStyle>
-          <a:p>
-            <a:pPr lvl="0"/>
-            <a:r>
-              <a:rPr lang="en-US"/>
-              <a:t>Click to edit Master text styles</a:t>
-            </a:r>
-          </a:p>
-        </p:txBody>
-      </p:sp>
-      <p:sp>
-        <p:nvSpPr>
-          <p:cNvPr id="5" name="Date Placeholder 4"/>
-          <p:cNvSpPr>
-            <a:spLocks noGrp="1"/>
-          </p:cNvSpPr>
-          <p:nvPr>
-            <p:ph type="dt" sz="half" idx="10"/>
-          </p:nvPr>
-        </p:nvSpPr>
-        <p:spPr/>
-        <p:txBody>
-          <a:bodyPr/>
-          <a:lstStyle/>
-          <a:p>
-            <a:fld id="{48A87A34-81AB-432B-8DAE-1953F412C126}" type="datetimeFigureOut">
-              <a:rPr lang="en-US" smtClean="0"/>
-              <a:pPr/>
-              <a:t>3/23/2022</a:t>
-            </a:fld>
-            <a:endParaRPr lang="en-US" dirty="0"/>
-          </a:p>
-        </p:txBody>
-      </p:sp>
-      <p:sp>
-        <p:nvSpPr>
-          <p:cNvPr id="6" name="Footer Placeholder 5"/>
-          <p:cNvSpPr>
-            <a:spLocks noGrp="1"/>
-          </p:cNvSpPr>
-          <p:nvPr>
-            <p:ph type="ftr" sz="quarter" idx="11"/>
-          </p:nvPr>
-        </p:nvSpPr>
-        <p:spPr/>
-        <p:txBody>
-          <a:bodyPr/>
-          <a:lstStyle/>
-          <a:p>
-            <a:endParaRPr lang="en-US" dirty="0"/>
-          </a:p>
-        </p:txBody>
-      </p:sp>
-      <p:sp>
-        <p:nvSpPr>
-          <p:cNvPr id="7" name="Slide Number Placeholder 6"/>
-          <p:cNvSpPr>
-            <a:spLocks noGrp="1"/>
-          </p:cNvSpPr>
-          <p:nvPr>
-            <p:ph type="sldNum" sz="quarter" idx="12"/>
-          </p:nvPr>
-        </p:nvSpPr>
-        <p:spPr/>
-        <p:txBody>
-          <a:bodyPr/>
-          <a:lstStyle/>
-          <a:p>
-            <a:fld id="{6D22F896-40B5-4ADD-8801-0D06FADFA095}" type="slidenum">
-              <a:rPr lang="en-US" smtClean="0"/>
-              <a:pPr/>
-              <a:t>‹#›</a:t>
-            </a:fld>
-            <a:endParaRPr lang="en-US" dirty="0"/>
-          </a:p>
-        </p:txBody>
-      </p:sp>
-    </p:spTree>
-    <p:extLst>
-      <p:ext uri="{BB962C8B-B14F-4D97-AF65-F5344CB8AC3E}">
-        <p14:creationId xmlns:p14="http://schemas.microsoft.com/office/powerpoint/2010/main" val="928393079"/>
-      </p:ext>
-    </p:extLst>
-  </p:cSld>
-  <p:clrMapOvr>
-    <a:masterClrMapping/>
-  </p:clrMapOvr>
-</p:sldLayout>
-</file>
-
-<file path=ppt/slideLayouts/slideLayout12.xml><?xml version="1.0" encoding="utf-8"?>
-<p:sldLayout xmlns:a="http://schemas.openxmlformats.org/drawingml/2006/main" xmlns:r="http://schemas.openxmlformats.org/officeDocument/2006/relationships" xmlns:p="http://schemas.openxmlformats.org/presentationml/2006/main" preserve="1">
-  <p:cSld name="Quote with Caption">
-    <p:spTree>
-      <p:nvGrpSpPr>
-        <p:cNvPr id="1" name=""/>
-        <p:cNvGrpSpPr/>
-        <p:nvPr/>
-      </p:nvGrpSpPr>
-      <p:grpSpPr>
-        <a:xfrm>
-          <a:off x="0" y="0"/>
-          <a:ext cx="0" cy="0"/>
-          <a:chOff x="0" y="0"/>
-          <a:chExt cx="0" cy="0"/>
-        </a:xfrm>
-      </p:grpSpPr>
-      <p:sp>
-        <p:nvSpPr>
-          <p:cNvPr id="2" name="Title 1"/>
-          <p:cNvSpPr>
-            <a:spLocks noGrp="1"/>
-          </p:cNvSpPr>
-          <p:nvPr>
-            <p:ph type="title"/>
-          </p:nvPr>
-        </p:nvSpPr>
-        <p:spPr>
-          <a:xfrm>
-            <a:off x="1446212" y="609600"/>
-            <a:ext cx="9302752" cy="2992904"/>
-          </a:xfrm>
-        </p:spPr>
-        <p:txBody>
-          <a:bodyPr anchor="ctr"/>
-          <a:lstStyle>
-            <a:lvl1pPr>
-              <a:defRPr sz="3200"/>
-            </a:lvl1pPr>
-          </a:lstStyle>
-          <a:p>
-            <a:r>
-              <a:rPr lang="en-US"/>
-              <a:t>Click to edit Master title style</a:t>
-            </a:r>
-            <a:endParaRPr lang="en-US" dirty="0"/>
-          </a:p>
-        </p:txBody>
-      </p:sp>
-      <p:sp>
-        <p:nvSpPr>
-          <p:cNvPr id="12" name="Text Placeholder 3"/>
-          <p:cNvSpPr>
-            <a:spLocks noGrp="1"/>
-          </p:cNvSpPr>
-          <p:nvPr>
-            <p:ph type="body" sz="half" idx="13"/>
-          </p:nvPr>
-        </p:nvSpPr>
-        <p:spPr>
-          <a:xfrm>
-            <a:off x="1720644" y="3610032"/>
-            <a:ext cx="8752299" cy="426812"/>
-          </a:xfrm>
-        </p:spPr>
-        <p:txBody>
-          <a:bodyPr anchor="t">
-            <a:normAutofit/>
-          </a:bodyPr>
-          <a:lstStyle>
-            <a:lvl1pPr marL="0" indent="0" algn="r">
-              <a:buNone/>
-              <a:defRPr sz="1400"/>
-            </a:lvl1pPr>
-            <a:lvl2pPr marL="457200" indent="0">
-              <a:buNone/>
-              <a:defRPr sz="1400"/>
-            </a:lvl2pPr>
-            <a:lvl3pPr marL="914400" indent="0">
-              <a:buNone/>
-              <a:defRPr sz="1200"/>
-            </a:lvl3pPr>
-            <a:lvl4pPr marL="1371600" indent="0">
-              <a:buNone/>
-              <a:defRPr sz="1000"/>
-            </a:lvl4pPr>
-            <a:lvl5pPr marL="1828800" indent="0">
-              <a:buNone/>
-              <a:defRPr sz="1000"/>
-            </a:lvl5pPr>
-            <a:lvl6pPr marL="2286000" indent="0">
-              <a:buNone/>
-              <a:defRPr sz="1000"/>
-            </a:lvl6pPr>
-            <a:lvl7pPr marL="2743200" indent="0">
-              <a:buNone/>
-              <a:defRPr sz="1000"/>
-            </a:lvl7pPr>
-            <a:lvl8pPr marL="3200400" indent="0">
-              <a:buNone/>
-              <a:defRPr sz="1000"/>
-            </a:lvl8pPr>
-            <a:lvl9pPr marL="3657600" indent="0">
-              <a:buNone/>
-              <a:defRPr sz="1000"/>
-            </a:lvl9pPr>
-          </a:lstStyle>
-          <a:p>
-            <a:pPr lvl="0"/>
-            <a:r>
-              <a:rPr lang="en-US"/>
-              <a:t>Click to edit Master text styles</a:t>
-            </a:r>
-          </a:p>
-        </p:txBody>
-      </p:sp>
-      <p:sp>
-        <p:nvSpPr>
-          <p:cNvPr id="4" name="Text Placeholder 3"/>
-          <p:cNvSpPr>
-            <a:spLocks noGrp="1"/>
-          </p:cNvSpPr>
-          <p:nvPr>
-            <p:ph type="body" sz="half" idx="2"/>
-          </p:nvPr>
-        </p:nvSpPr>
-        <p:spPr>
-          <a:xfrm>
-            <a:off x="913794" y="4204821"/>
-            <a:ext cx="10353762" cy="1586380"/>
-          </a:xfrm>
-        </p:spPr>
-        <p:txBody>
-          <a:bodyPr anchor="ctr">
-            <a:normAutofit/>
-          </a:bodyPr>
-          <a:lstStyle>
-            <a:lvl1pPr marL="0" indent="0" algn="ctr">
-              <a:buNone/>
-              <a:defRPr sz="1600"/>
-            </a:lvl1pPr>
-            <a:lvl2pPr marL="457200" indent="0">
-              <a:buNone/>
-              <a:defRPr sz="1400"/>
-            </a:lvl2pPr>
-            <a:lvl3pPr marL="914400" indent="0">
-              <a:buNone/>
-              <a:defRPr sz="1200"/>
-            </a:lvl3pPr>
-            <a:lvl4pPr marL="1371600" indent="0">
-              <a:buNone/>
-              <a:defRPr sz="1000"/>
-            </a:lvl4pPr>
-            <a:lvl5pPr marL="1828800" indent="0">
-              <a:buNone/>
-              <a:defRPr sz="1000"/>
-            </a:lvl5pPr>
-            <a:lvl6pPr marL="2286000" indent="0">
-              <a:buNone/>
-              <a:defRPr sz="1000"/>
-            </a:lvl6pPr>
-            <a:lvl7pPr marL="2743200" indent="0">
-              <a:buNone/>
-              <a:defRPr sz="1000"/>
-            </a:lvl7pPr>
-            <a:lvl8pPr marL="3200400" indent="0">
-              <a:buNone/>
-              <a:defRPr sz="1000"/>
-            </a:lvl8pPr>
-            <a:lvl9pPr marL="3657600" indent="0">
-              <a:buNone/>
-              <a:defRPr sz="1000"/>
-            </a:lvl9pPr>
-          </a:lstStyle>
-          <a:p>
-            <a:pPr lvl="0"/>
-            <a:r>
-              <a:rPr lang="en-US"/>
-              <a:t>Click to edit Master text styles</a:t>
-            </a:r>
-          </a:p>
-        </p:txBody>
-      </p:sp>
-      <p:sp>
-        <p:nvSpPr>
-          <p:cNvPr id="5" name="Date Placeholder 4"/>
-          <p:cNvSpPr>
-            <a:spLocks noGrp="1"/>
-          </p:cNvSpPr>
-          <p:nvPr>
-            <p:ph type="dt" sz="half" idx="10"/>
-          </p:nvPr>
-        </p:nvSpPr>
-        <p:spPr/>
-        <p:txBody>
-          <a:bodyPr/>
-          <a:lstStyle/>
-          <a:p>
-            <a:fld id="{48A87A34-81AB-432B-8DAE-1953F412C126}" type="datetimeFigureOut">
-              <a:rPr lang="en-US" smtClean="0"/>
-              <a:pPr/>
-              <a:t>3/23/2022</a:t>
-            </a:fld>
-            <a:endParaRPr lang="en-US" dirty="0"/>
-          </a:p>
-        </p:txBody>
-      </p:sp>
-      <p:sp>
-        <p:nvSpPr>
-          <p:cNvPr id="6" name="Footer Placeholder 5"/>
-          <p:cNvSpPr>
-            <a:spLocks noGrp="1"/>
-          </p:cNvSpPr>
-          <p:nvPr>
-            <p:ph type="ftr" sz="quarter" idx="11"/>
-          </p:nvPr>
-        </p:nvSpPr>
-        <p:spPr/>
-        <p:txBody>
-          <a:bodyPr/>
-          <a:lstStyle/>
-          <a:p>
-            <a:endParaRPr lang="en-US" dirty="0"/>
-          </a:p>
-        </p:txBody>
-      </p:sp>
-      <p:sp>
-        <p:nvSpPr>
-          <p:cNvPr id="7" name="Slide Number Placeholder 6"/>
-          <p:cNvSpPr>
-            <a:spLocks noGrp="1"/>
-          </p:cNvSpPr>
-          <p:nvPr>
-            <p:ph type="sldNum" sz="quarter" idx="12"/>
-          </p:nvPr>
-        </p:nvSpPr>
-        <p:spPr/>
-        <p:txBody>
-          <a:bodyPr/>
-          <a:lstStyle/>
-          <a:p>
-            <a:fld id="{6D22F896-40B5-4ADD-8801-0D06FADFA095}" type="slidenum">
-              <a:rPr lang="en-US" smtClean="0"/>
-              <a:pPr/>
-              <a:t>‹#›</a:t>
-            </a:fld>
-            <a:endParaRPr lang="en-US" dirty="0"/>
-          </a:p>
-        </p:txBody>
-      </p:sp>
-      <p:sp>
-        <p:nvSpPr>
-          <p:cNvPr id="11" name="TextBox 10"/>
-          <p:cNvSpPr txBox="1"/>
-          <p:nvPr/>
-        </p:nvSpPr>
-        <p:spPr>
-          <a:xfrm>
-            <a:off x="836612" y="735241"/>
-            <a:ext cx="609600" cy="584776"/>
-          </a:xfrm>
-          <a:prstGeom prst="rect">
-            <a:avLst/>
-          </a:prstGeom>
-        </p:spPr>
-        <p:txBody>
-          <a:bodyPr vert="horz" lIns="91440" tIns="45720" rIns="91440" bIns="45720" rtlCol="0" anchor="ctr">
-            <a:noAutofit/>
-          </a:bodyPr>
-          <a:lstStyle>
-            <a:lvl1pPr>
-              <a:spcBef>
-                <a:spcPct val="0"/>
-              </a:spcBef>
-              <a:buNone/>
-              <a:defRPr sz="3200" b="0" cap="all">
-                <a:ln w="3175" cmpd="sng">
-                  <a:noFill/>
-                </a:ln>
-                <a:effectLst>
-                  <a:glow rad="38100">
-                    <a:schemeClr val="bg1">
-                      <a:lumMod val="65000"/>
-                      <a:lumOff val="35000"/>
-                      <a:alpha val="40000"/>
-                    </a:schemeClr>
-                  </a:glow>
-                  <a:outerShdw blurRad="28575" dist="38100" dir="14040000" algn="tl" rotWithShape="0">
-                    <a:srgbClr val="000000">
-                      <a:alpha val="25000"/>
-                    </a:srgbClr>
-                  </a:outerShdw>
-                </a:effectLst>
-              </a:defRPr>
-            </a:lvl1pPr>
-            <a:lvl2pPr>
-              <a:defRPr>
-                <a:solidFill>
-                  <a:schemeClr val="tx2"/>
-                </a:solidFill>
-              </a:defRPr>
-            </a:lvl2pPr>
-            <a:lvl3pPr>
-              <a:defRPr>
-                <a:solidFill>
-                  <a:schemeClr val="tx2"/>
-                </a:solidFill>
-              </a:defRPr>
-            </a:lvl3pPr>
-            <a:lvl4pPr>
-              <a:defRPr>
-                <a:solidFill>
-                  <a:schemeClr val="tx2"/>
-                </a:solidFill>
-              </a:defRPr>
-            </a:lvl4pPr>
-            <a:lvl5pPr>
-              <a:defRPr>
-                <a:solidFill>
-                  <a:schemeClr val="tx2"/>
-                </a:solidFill>
-              </a:defRPr>
-            </a:lvl5pPr>
-            <a:lvl6pPr>
-              <a:defRPr>
-                <a:solidFill>
-                  <a:schemeClr val="tx2"/>
-                </a:solidFill>
-              </a:defRPr>
-            </a:lvl6pPr>
-            <a:lvl7pPr>
-              <a:defRPr>
-                <a:solidFill>
-                  <a:schemeClr val="tx2"/>
-                </a:solidFill>
-              </a:defRPr>
-            </a:lvl7pPr>
-            <a:lvl8pPr>
-              <a:defRPr>
-                <a:solidFill>
-                  <a:schemeClr val="tx2"/>
-                </a:solidFill>
-              </a:defRPr>
-            </a:lvl8pPr>
-            <a:lvl9pPr>
-              <a:defRPr>
-                <a:solidFill>
-                  <a:schemeClr val="tx2"/>
-                </a:solidFill>
-              </a:defRPr>
-            </a:lvl9pPr>
-          </a:lstStyle>
-          <a:p>
-            <a:pPr lvl="0"/>
-            <a:r>
-              <a:rPr lang="en-US" sz="8000" dirty="0">
-                <a:solidFill>
-                  <a:schemeClr val="tx1"/>
-                </a:solidFill>
-                <a:effectLst/>
-              </a:rPr>
-              <a:t>“</a:t>
-            </a:r>
-          </a:p>
-        </p:txBody>
-      </p:sp>
-      <p:sp>
-        <p:nvSpPr>
-          <p:cNvPr id="13" name="TextBox 12"/>
-          <p:cNvSpPr txBox="1"/>
-          <p:nvPr/>
-        </p:nvSpPr>
-        <p:spPr>
-          <a:xfrm>
-            <a:off x="10657956" y="2972093"/>
-            <a:ext cx="609600" cy="584776"/>
-          </a:xfrm>
-          <a:prstGeom prst="rect">
-            <a:avLst/>
-          </a:prstGeom>
-        </p:spPr>
-        <p:txBody>
-          <a:bodyPr vert="horz" lIns="91440" tIns="45720" rIns="91440" bIns="45720" rtlCol="0" anchor="ctr">
-            <a:noAutofit/>
-          </a:bodyPr>
-          <a:lstStyle>
-            <a:lvl1pPr>
-              <a:spcBef>
-                <a:spcPct val="0"/>
-              </a:spcBef>
-              <a:buNone/>
-              <a:defRPr sz="3200" b="0" cap="all">
-                <a:ln w="3175" cmpd="sng">
-                  <a:noFill/>
-                </a:ln>
-                <a:effectLst>
-                  <a:glow rad="38100">
-                    <a:schemeClr val="bg1">
-                      <a:lumMod val="65000"/>
-                      <a:lumOff val="35000"/>
-                      <a:alpha val="40000"/>
-                    </a:schemeClr>
-                  </a:glow>
-                  <a:outerShdw blurRad="28575" dist="38100" dir="14040000" algn="tl" rotWithShape="0">
-                    <a:srgbClr val="000000">
-                      <a:alpha val="25000"/>
-                    </a:srgbClr>
-                  </a:outerShdw>
-                </a:effectLst>
-              </a:defRPr>
-            </a:lvl1pPr>
-            <a:lvl2pPr>
-              <a:defRPr>
-                <a:solidFill>
-                  <a:schemeClr val="tx2"/>
-                </a:solidFill>
-              </a:defRPr>
-            </a:lvl2pPr>
-            <a:lvl3pPr>
-              <a:defRPr>
-                <a:solidFill>
-                  <a:schemeClr val="tx2"/>
-                </a:solidFill>
-              </a:defRPr>
-            </a:lvl3pPr>
-            <a:lvl4pPr>
-              <a:defRPr>
-                <a:solidFill>
-                  <a:schemeClr val="tx2"/>
-                </a:solidFill>
-              </a:defRPr>
-            </a:lvl4pPr>
-            <a:lvl5pPr>
-              <a:defRPr>
-                <a:solidFill>
-                  <a:schemeClr val="tx2"/>
-                </a:solidFill>
-              </a:defRPr>
-            </a:lvl5pPr>
-            <a:lvl6pPr>
-              <a:defRPr>
-                <a:solidFill>
-                  <a:schemeClr val="tx2"/>
-                </a:solidFill>
-              </a:defRPr>
-            </a:lvl6pPr>
-            <a:lvl7pPr>
-              <a:defRPr>
-                <a:solidFill>
-                  <a:schemeClr val="tx2"/>
-                </a:solidFill>
-              </a:defRPr>
-            </a:lvl7pPr>
-            <a:lvl8pPr>
-              <a:defRPr>
-                <a:solidFill>
-                  <a:schemeClr val="tx2"/>
-                </a:solidFill>
-              </a:defRPr>
-            </a:lvl8pPr>
-            <a:lvl9pPr>
-              <a:defRPr>
-                <a:solidFill>
-                  <a:schemeClr val="tx2"/>
-                </a:solidFill>
-              </a:defRPr>
-            </a:lvl9pPr>
-          </a:lstStyle>
-          <a:p>
-            <a:pPr lvl="0" algn="r"/>
-            <a:r>
-              <a:rPr lang="en-US" sz="8000" dirty="0">
-                <a:solidFill>
-                  <a:schemeClr val="tx1"/>
-                </a:solidFill>
-                <a:effectLst/>
-              </a:rPr>
-              <a:t>”</a:t>
-            </a:r>
-          </a:p>
-        </p:txBody>
-      </p:sp>
-    </p:spTree>
-    <p:extLst>
-      <p:ext uri="{BB962C8B-B14F-4D97-AF65-F5344CB8AC3E}">
-        <p14:creationId xmlns:p14="http://schemas.microsoft.com/office/powerpoint/2010/main" val="822285444"/>
-      </p:ext>
-    </p:extLst>
-  </p:cSld>
-  <p:clrMapOvr>
-    <a:masterClrMapping/>
-  </p:clrMapOvr>
-</p:sldLayout>
-</file>
-
-<file path=ppt/slideLayouts/slideLayout13.xml><?xml version="1.0" encoding="utf-8"?>
-<p:sldLayout xmlns:a="http://schemas.openxmlformats.org/drawingml/2006/main" xmlns:r="http://schemas.openxmlformats.org/officeDocument/2006/relationships" xmlns:p="http://schemas.openxmlformats.org/presentationml/2006/main" preserve="1">
-  <p:cSld name="Name Card">
-    <p:spTree>
-      <p:nvGrpSpPr>
-        <p:cNvPr id="1" name=""/>
-        <p:cNvGrpSpPr/>
-        <p:nvPr/>
-      </p:nvGrpSpPr>
-      <p:grpSpPr>
-        <a:xfrm>
-          <a:off x="0" y="0"/>
-          <a:ext cx="0" cy="0"/>
-          <a:chOff x="0" y="0"/>
-          <a:chExt cx="0" cy="0"/>
-        </a:xfrm>
-      </p:grpSpPr>
-      <p:sp>
-        <p:nvSpPr>
-          <p:cNvPr id="2" name="Title 1"/>
-          <p:cNvSpPr>
-            <a:spLocks noGrp="1"/>
-          </p:cNvSpPr>
-          <p:nvPr>
-            <p:ph type="title"/>
-          </p:nvPr>
-        </p:nvSpPr>
-        <p:spPr>
-          <a:xfrm>
-            <a:off x="913806" y="2126942"/>
-            <a:ext cx="10355327" cy="2511835"/>
-          </a:xfrm>
-        </p:spPr>
-        <p:txBody>
-          <a:bodyPr anchor="b"/>
-          <a:lstStyle>
-            <a:lvl1pPr>
-              <a:defRPr sz="3200"/>
-            </a:lvl1pPr>
-          </a:lstStyle>
-          <a:p>
-            <a:r>
-              <a:rPr lang="en-US"/>
-              <a:t>Click to edit Master title style</a:t>
-            </a:r>
-            <a:endParaRPr lang="en-US" dirty="0"/>
-          </a:p>
-        </p:txBody>
-      </p:sp>
-      <p:sp>
-        <p:nvSpPr>
-          <p:cNvPr id="4" name="Text Placeholder 3"/>
-          <p:cNvSpPr>
-            <a:spLocks noGrp="1"/>
-          </p:cNvSpPr>
-          <p:nvPr>
-            <p:ph type="body" sz="half" idx="2"/>
-          </p:nvPr>
-        </p:nvSpPr>
-        <p:spPr>
-          <a:xfrm>
-            <a:off x="913794" y="4650556"/>
-            <a:ext cx="10353763" cy="1140644"/>
-          </a:xfrm>
-        </p:spPr>
-        <p:txBody>
-          <a:bodyPr anchor="t"/>
-          <a:lstStyle>
-            <a:lvl1pPr marL="0" indent="0" algn="ctr">
-              <a:buNone/>
-              <a:defRPr sz="1600"/>
-            </a:lvl1pPr>
-            <a:lvl2pPr marL="457200" indent="0">
-              <a:buNone/>
-              <a:defRPr sz="1400"/>
-            </a:lvl2pPr>
-            <a:lvl3pPr marL="914400" indent="0">
-              <a:buNone/>
-              <a:defRPr sz="1200"/>
-            </a:lvl3pPr>
-            <a:lvl4pPr marL="1371600" indent="0">
-              <a:buNone/>
-              <a:defRPr sz="1000"/>
-            </a:lvl4pPr>
-            <a:lvl5pPr marL="1828800" indent="0">
-              <a:buNone/>
-              <a:defRPr sz="1000"/>
-            </a:lvl5pPr>
-            <a:lvl6pPr marL="2286000" indent="0">
-              <a:buNone/>
-              <a:defRPr sz="1000"/>
-            </a:lvl6pPr>
-            <a:lvl7pPr marL="2743200" indent="0">
-              <a:buNone/>
-              <a:defRPr sz="1000"/>
-            </a:lvl7pPr>
-            <a:lvl8pPr marL="3200400" indent="0">
-              <a:buNone/>
-              <a:defRPr sz="1000"/>
-            </a:lvl8pPr>
-            <a:lvl9pPr marL="3657600" indent="0">
-              <a:buNone/>
-              <a:defRPr sz="1000"/>
-            </a:lvl9pPr>
-          </a:lstStyle>
-          <a:p>
-            <a:pPr lvl="0"/>
-            <a:r>
-              <a:rPr lang="en-US"/>
-              <a:t>Click to edit Master text styles</a:t>
-            </a:r>
-          </a:p>
-        </p:txBody>
-      </p:sp>
-      <p:sp>
-        <p:nvSpPr>
-          <p:cNvPr id="5" name="Date Placeholder 4"/>
-          <p:cNvSpPr>
-            <a:spLocks noGrp="1"/>
-          </p:cNvSpPr>
-          <p:nvPr>
-            <p:ph type="dt" sz="half" idx="10"/>
-          </p:nvPr>
-        </p:nvSpPr>
-        <p:spPr/>
-        <p:txBody>
-          <a:bodyPr/>
-          <a:lstStyle/>
-          <a:p>
-            <a:fld id="{48A87A34-81AB-432B-8DAE-1953F412C126}" type="datetimeFigureOut">
-              <a:rPr lang="en-US" smtClean="0"/>
-              <a:pPr/>
-              <a:t>3/23/2022</a:t>
-            </a:fld>
-            <a:endParaRPr lang="en-US" dirty="0"/>
-          </a:p>
-        </p:txBody>
-      </p:sp>
-      <p:sp>
-        <p:nvSpPr>
-          <p:cNvPr id="6" name="Footer Placeholder 5"/>
-          <p:cNvSpPr>
-            <a:spLocks noGrp="1"/>
-          </p:cNvSpPr>
-          <p:nvPr>
-            <p:ph type="ftr" sz="quarter" idx="11"/>
-          </p:nvPr>
-        </p:nvSpPr>
-        <p:spPr/>
-        <p:txBody>
-          <a:bodyPr/>
-          <a:lstStyle/>
-          <a:p>
-            <a:endParaRPr lang="en-US" dirty="0"/>
-          </a:p>
-        </p:txBody>
-      </p:sp>
-      <p:sp>
-        <p:nvSpPr>
-          <p:cNvPr id="7" name="Slide Number Placeholder 6"/>
-          <p:cNvSpPr>
-            <a:spLocks noGrp="1"/>
-          </p:cNvSpPr>
-          <p:nvPr>
-            <p:ph type="sldNum" sz="quarter" idx="12"/>
-          </p:nvPr>
-        </p:nvSpPr>
-        <p:spPr/>
-        <p:txBody>
-          <a:bodyPr/>
-          <a:lstStyle/>
-          <a:p>
-            <a:fld id="{6D22F896-40B5-4ADD-8801-0D06FADFA095}" type="slidenum">
-              <a:rPr lang="en-US" smtClean="0"/>
-              <a:pPr/>
-              <a:t>‹#›</a:t>
-            </a:fld>
-            <a:endParaRPr lang="en-US" dirty="0"/>
-          </a:p>
-        </p:txBody>
-      </p:sp>
-    </p:spTree>
-    <p:extLst>
-      <p:ext uri="{BB962C8B-B14F-4D97-AF65-F5344CB8AC3E}">
-        <p14:creationId xmlns:p14="http://schemas.microsoft.com/office/powerpoint/2010/main" val="1091873031"/>
-      </p:ext>
-    </p:extLst>
-  </p:cSld>
-  <p:clrMapOvr>
-    <a:masterClrMapping/>
-  </p:clrMapOvr>
-</p:sldLayout>
-</file>
-
-<file path=ppt/slideLayouts/slideLayout14.xml><?xml version="1.0" encoding="utf-8"?>
-<p:sldLayout xmlns:a="http://schemas.openxmlformats.org/drawingml/2006/main" xmlns:r="http://schemas.openxmlformats.org/officeDocument/2006/relationships" xmlns:p="http://schemas.openxmlformats.org/presentationml/2006/main" preserve="1">
-  <p:cSld name="3 Column">
-    <p:spTree>
-      <p:nvGrpSpPr>
-        <p:cNvPr id="1" name=""/>
-        <p:cNvGrpSpPr/>
-        <p:nvPr/>
-      </p:nvGrpSpPr>
-      <p:grpSpPr>
-        <a:xfrm>
-          <a:off x="0" y="0"/>
-          <a:ext cx="0" cy="0"/>
-          <a:chOff x="0" y="0"/>
-          <a:chExt cx="0" cy="0"/>
-        </a:xfrm>
-      </p:grpSpPr>
-      <p:sp>
-        <p:nvSpPr>
-          <p:cNvPr id="15" name="Title 1"/>
-          <p:cNvSpPr>
-            <a:spLocks noGrp="1"/>
-          </p:cNvSpPr>
-          <p:nvPr>
-            <p:ph type="title"/>
-          </p:nvPr>
-        </p:nvSpPr>
-        <p:spPr>
-          <a:xfrm>
-            <a:off x="913794" y="609600"/>
-            <a:ext cx="10353762" cy="1325563"/>
-          </a:xfrm>
-        </p:spPr>
-        <p:txBody>
-          <a:bodyPr/>
-          <a:lstStyle/>
-          <a:p>
-            <a:r>
-              <a:rPr lang="en-US"/>
-              <a:t>Click to edit Master title style</a:t>
-            </a:r>
-            <a:endParaRPr lang="en-US" dirty="0"/>
-          </a:p>
-        </p:txBody>
-      </p:sp>
-      <p:sp>
-        <p:nvSpPr>
-          <p:cNvPr id="7" name="Text Placeholder 2"/>
-          <p:cNvSpPr>
-            <a:spLocks noGrp="1"/>
-          </p:cNvSpPr>
-          <p:nvPr>
-            <p:ph type="body" idx="1"/>
-          </p:nvPr>
-        </p:nvSpPr>
-        <p:spPr>
-          <a:xfrm>
-            <a:off x="913794" y="2088319"/>
-            <a:ext cx="3298956" cy="823305"/>
-          </a:xfrm>
-        </p:spPr>
-        <p:txBody>
-          <a:bodyPr anchor="b">
-            <a:noAutofit/>
-          </a:bodyPr>
-          <a:lstStyle>
-            <a:lvl1pPr marL="0" indent="0" algn="ctr">
-              <a:lnSpc>
-                <a:spcPct val="100000"/>
-              </a:lnSpc>
-              <a:buNone/>
-              <a:defRPr sz="2400" b="0">
-                <a:solidFill>
-                  <a:schemeClr val="tx1"/>
-                </a:solidFill>
-              </a:defRPr>
-            </a:lvl1pPr>
-            <a:lvl2pPr marL="457200" indent="0">
-              <a:buNone/>
-              <a:defRPr sz="2000" b="1"/>
-            </a:lvl2pPr>
-            <a:lvl3pPr marL="914400" indent="0">
-              <a:buNone/>
-              <a:defRPr sz="1800" b="1"/>
-            </a:lvl3pPr>
-            <a:lvl4pPr marL="1371600" indent="0">
-              <a:buNone/>
-              <a:defRPr sz="1600" b="1"/>
-            </a:lvl4pPr>
-            <a:lvl5pPr marL="1828800" indent="0">
-              <a:buNone/>
-              <a:defRPr sz="1600" b="1"/>
-            </a:lvl5pPr>
-            <a:lvl6pPr marL="2286000" indent="0">
-              <a:buNone/>
-              <a:defRPr sz="1600" b="1"/>
-            </a:lvl6pPr>
-            <a:lvl7pPr marL="2743200" indent="0">
-              <a:buNone/>
-              <a:defRPr sz="1600" b="1"/>
-            </a:lvl7pPr>
-            <a:lvl8pPr marL="3200400" indent="0">
-              <a:buNone/>
-              <a:defRPr sz="1600" b="1"/>
-            </a:lvl8pPr>
-            <a:lvl9pPr marL="3657600" indent="0">
-              <a:buNone/>
-              <a:defRPr sz="1600" b="1"/>
-            </a:lvl9pPr>
-          </a:lstStyle>
-          <a:p>
-            <a:pPr lvl="0"/>
-            <a:r>
-              <a:rPr lang="en-US"/>
-              <a:t>Click to edit Master text styles</a:t>
-            </a:r>
-          </a:p>
-        </p:txBody>
-      </p:sp>
-      <p:sp>
-        <p:nvSpPr>
-          <p:cNvPr id="8" name="Text Placeholder 3"/>
-          <p:cNvSpPr>
-            <a:spLocks noGrp="1"/>
-          </p:cNvSpPr>
-          <p:nvPr>
-            <p:ph type="body" sz="half" idx="15"/>
-          </p:nvPr>
-        </p:nvSpPr>
-        <p:spPr>
-          <a:xfrm>
-            <a:off x="913794" y="2911624"/>
-            <a:ext cx="3298956" cy="2879576"/>
-          </a:xfrm>
-        </p:spPr>
-        <p:txBody>
-          <a:bodyPr anchor="t">
-            <a:normAutofit/>
-          </a:bodyPr>
-          <a:lstStyle>
-            <a:lvl1pPr marL="0" indent="0" algn="ctr">
-              <a:buNone/>
-              <a:defRPr sz="1400"/>
-            </a:lvl1pPr>
-            <a:lvl2pPr marL="457200" indent="0">
-              <a:buNone/>
-              <a:defRPr sz="1200"/>
-            </a:lvl2pPr>
-            <a:lvl3pPr marL="914400" indent="0">
-              <a:buNone/>
-              <a:defRPr sz="1000"/>
-            </a:lvl3pPr>
-            <a:lvl4pPr marL="1371600" indent="0">
-              <a:buNone/>
-              <a:defRPr sz="900"/>
-            </a:lvl4pPr>
-            <a:lvl5pPr marL="1828800" indent="0">
-              <a:buNone/>
-              <a:defRPr sz="900"/>
-            </a:lvl5pPr>
-            <a:lvl6pPr marL="2286000" indent="0">
-              <a:buNone/>
-              <a:defRPr sz="900"/>
-            </a:lvl6pPr>
-            <a:lvl7pPr marL="2743200" indent="0">
-              <a:buNone/>
-              <a:defRPr sz="900"/>
-            </a:lvl7pPr>
-            <a:lvl8pPr marL="3200400" indent="0">
-              <a:buNone/>
-              <a:defRPr sz="900"/>
-            </a:lvl8pPr>
-            <a:lvl9pPr marL="3657600" indent="0">
-              <a:buNone/>
-              <a:defRPr sz="900"/>
-            </a:lvl9pPr>
-          </a:lstStyle>
-          <a:p>
-            <a:pPr lvl="0"/>
-            <a:r>
-              <a:rPr lang="en-US"/>
-              <a:t>Click to edit Master text styles</a:t>
-            </a:r>
-          </a:p>
-        </p:txBody>
-      </p:sp>
-      <p:sp>
-        <p:nvSpPr>
-          <p:cNvPr id="9" name="Text Placeholder 4"/>
-          <p:cNvSpPr>
-            <a:spLocks noGrp="1"/>
-          </p:cNvSpPr>
-          <p:nvPr>
-            <p:ph type="body" sz="quarter" idx="3"/>
-          </p:nvPr>
-        </p:nvSpPr>
-        <p:spPr>
-          <a:xfrm>
-            <a:off x="4444878" y="2088320"/>
-            <a:ext cx="3298558" cy="823304"/>
-          </a:xfrm>
-        </p:spPr>
-        <p:txBody>
-          <a:bodyPr anchor="b">
-            <a:noAutofit/>
-          </a:bodyPr>
-          <a:lstStyle>
-            <a:lvl1pPr marL="0" indent="0" algn="ctr">
-              <a:lnSpc>
-                <a:spcPct val="100000"/>
-              </a:lnSpc>
-              <a:buNone/>
-              <a:defRPr sz="2400" b="0">
-                <a:solidFill>
-                  <a:schemeClr val="tx1"/>
-                </a:solidFill>
-              </a:defRPr>
-            </a:lvl1pPr>
-            <a:lvl2pPr marL="457200" indent="0">
-              <a:buNone/>
-              <a:defRPr sz="2000" b="1"/>
-            </a:lvl2pPr>
-            <a:lvl3pPr marL="914400" indent="0">
-              <a:buNone/>
-              <a:defRPr sz="1800" b="1"/>
-            </a:lvl3pPr>
-            <a:lvl4pPr marL="1371600" indent="0">
-              <a:buNone/>
-              <a:defRPr sz="1600" b="1"/>
-            </a:lvl4pPr>
-            <a:lvl5pPr marL="1828800" indent="0">
-              <a:buNone/>
-              <a:defRPr sz="1600" b="1"/>
-            </a:lvl5pPr>
-            <a:lvl6pPr marL="2286000" indent="0">
-              <a:buNone/>
-              <a:defRPr sz="1600" b="1"/>
-            </a:lvl6pPr>
-            <a:lvl7pPr marL="2743200" indent="0">
-              <a:buNone/>
-              <a:defRPr sz="1600" b="1"/>
-            </a:lvl7pPr>
-            <a:lvl8pPr marL="3200400" indent="0">
-              <a:buNone/>
-              <a:defRPr sz="1600" b="1"/>
-            </a:lvl8pPr>
-            <a:lvl9pPr marL="3657600" indent="0">
-              <a:buNone/>
-              <a:defRPr sz="1600" b="1"/>
-            </a:lvl9pPr>
-          </a:lstStyle>
-          <a:p>
-            <a:pPr lvl="0"/>
-            <a:r>
-              <a:rPr lang="en-US"/>
-              <a:t>Click to edit Master text styles</a:t>
-            </a:r>
-          </a:p>
-        </p:txBody>
-      </p:sp>
-      <p:sp>
-        <p:nvSpPr>
-          <p:cNvPr id="10" name="Text Placeholder 3"/>
-          <p:cNvSpPr>
-            <a:spLocks noGrp="1"/>
-          </p:cNvSpPr>
-          <p:nvPr>
-            <p:ph type="body" sz="half" idx="16"/>
-          </p:nvPr>
-        </p:nvSpPr>
-        <p:spPr>
-          <a:xfrm>
-            <a:off x="4444878" y="2911624"/>
-            <a:ext cx="3299821" cy="2879576"/>
-          </a:xfrm>
-        </p:spPr>
-        <p:txBody>
-          <a:bodyPr anchor="t">
-            <a:normAutofit/>
-          </a:bodyPr>
-          <a:lstStyle>
-            <a:lvl1pPr marL="0" indent="0" algn="ctr">
-              <a:buNone/>
-              <a:defRPr sz="1400"/>
-            </a:lvl1pPr>
-            <a:lvl2pPr marL="457200" indent="0">
-              <a:buNone/>
-              <a:defRPr sz="1200"/>
-            </a:lvl2pPr>
-            <a:lvl3pPr marL="914400" indent="0">
-              <a:buNone/>
-              <a:defRPr sz="1000"/>
-            </a:lvl3pPr>
-            <a:lvl4pPr marL="1371600" indent="0">
-              <a:buNone/>
-              <a:defRPr sz="900"/>
-            </a:lvl4pPr>
-            <a:lvl5pPr marL="1828800" indent="0">
-              <a:buNone/>
-              <a:defRPr sz="900"/>
-            </a:lvl5pPr>
-            <a:lvl6pPr marL="2286000" indent="0">
-              <a:buNone/>
-              <a:defRPr sz="900"/>
-            </a:lvl6pPr>
-            <a:lvl7pPr marL="2743200" indent="0">
-              <a:buNone/>
-              <a:defRPr sz="900"/>
-            </a:lvl7pPr>
-            <a:lvl8pPr marL="3200400" indent="0">
-              <a:buNone/>
-              <a:defRPr sz="900"/>
-            </a:lvl8pPr>
-            <a:lvl9pPr marL="3657600" indent="0">
-              <a:buNone/>
-              <a:defRPr sz="900"/>
-            </a:lvl9pPr>
-          </a:lstStyle>
-          <a:p>
-            <a:pPr lvl="0"/>
-            <a:r>
-              <a:rPr lang="en-US"/>
-              <a:t>Click to edit Master text styles</a:t>
-            </a:r>
-          </a:p>
-        </p:txBody>
-      </p:sp>
-      <p:sp>
-        <p:nvSpPr>
-          <p:cNvPr id="11" name="Text Placeholder 4"/>
-          <p:cNvSpPr>
-            <a:spLocks noGrp="1"/>
-          </p:cNvSpPr>
-          <p:nvPr>
-            <p:ph type="body" sz="quarter" idx="13"/>
-          </p:nvPr>
-        </p:nvSpPr>
-        <p:spPr>
-          <a:xfrm>
-            <a:off x="7973298" y="2088320"/>
-            <a:ext cx="3291211" cy="823304"/>
-          </a:xfrm>
-        </p:spPr>
-        <p:txBody>
-          <a:bodyPr anchor="b">
-            <a:noAutofit/>
-          </a:bodyPr>
-          <a:lstStyle>
-            <a:lvl1pPr marL="0" indent="0" algn="ctr">
-              <a:lnSpc>
-                <a:spcPct val="100000"/>
-              </a:lnSpc>
-              <a:buNone/>
-              <a:defRPr sz="2400" b="0">
-                <a:solidFill>
-                  <a:schemeClr val="tx1"/>
-                </a:solidFill>
-              </a:defRPr>
-            </a:lvl1pPr>
-            <a:lvl2pPr marL="457200" indent="0">
-              <a:buNone/>
-              <a:defRPr sz="2000" b="1"/>
-            </a:lvl2pPr>
-            <a:lvl3pPr marL="914400" indent="0">
-              <a:buNone/>
-              <a:defRPr sz="1800" b="1"/>
-            </a:lvl3pPr>
-            <a:lvl4pPr marL="1371600" indent="0">
-              <a:buNone/>
-              <a:defRPr sz="1600" b="1"/>
-            </a:lvl4pPr>
-            <a:lvl5pPr marL="1828800" indent="0">
-              <a:buNone/>
-              <a:defRPr sz="1600" b="1"/>
-            </a:lvl5pPr>
-            <a:lvl6pPr marL="2286000" indent="0">
-              <a:buNone/>
-              <a:defRPr sz="1600" b="1"/>
-            </a:lvl6pPr>
-            <a:lvl7pPr marL="2743200" indent="0">
-              <a:buNone/>
-              <a:defRPr sz="1600" b="1"/>
-            </a:lvl7pPr>
-            <a:lvl8pPr marL="3200400" indent="0">
-              <a:buNone/>
-              <a:defRPr sz="1600" b="1"/>
-            </a:lvl8pPr>
-            <a:lvl9pPr marL="3657600" indent="0">
-              <a:buNone/>
-              <a:defRPr sz="1600" b="1"/>
-            </a:lvl9pPr>
-          </a:lstStyle>
-          <a:p>
-            <a:pPr lvl="0"/>
-            <a:r>
-              <a:rPr lang="en-US"/>
-              <a:t>Click to edit Master text styles</a:t>
-            </a:r>
-          </a:p>
-        </p:txBody>
-      </p:sp>
-      <p:sp>
-        <p:nvSpPr>
-          <p:cNvPr id="12" name="Text Placeholder 3"/>
-          <p:cNvSpPr>
-            <a:spLocks noGrp="1"/>
-          </p:cNvSpPr>
-          <p:nvPr>
-            <p:ph type="body" sz="half" idx="17"/>
-          </p:nvPr>
-        </p:nvSpPr>
-        <p:spPr>
-          <a:xfrm>
-            <a:off x="7976346" y="2911624"/>
-            <a:ext cx="3291211" cy="2879576"/>
-          </a:xfrm>
-        </p:spPr>
-        <p:txBody>
-          <a:bodyPr anchor="t">
-            <a:normAutofit/>
-          </a:bodyPr>
-          <a:lstStyle>
-            <a:lvl1pPr marL="0" indent="0" algn="ctr">
-              <a:buNone/>
-              <a:defRPr sz="1400"/>
-            </a:lvl1pPr>
-            <a:lvl2pPr marL="457200" indent="0">
-              <a:buNone/>
-              <a:defRPr sz="1200"/>
-            </a:lvl2pPr>
-            <a:lvl3pPr marL="914400" indent="0">
-              <a:buNone/>
-              <a:defRPr sz="1000"/>
-            </a:lvl3pPr>
-            <a:lvl4pPr marL="1371600" indent="0">
-              <a:buNone/>
-              <a:defRPr sz="900"/>
-            </a:lvl4pPr>
-            <a:lvl5pPr marL="1828800" indent="0">
-              <a:buNone/>
-              <a:defRPr sz="900"/>
-            </a:lvl5pPr>
-            <a:lvl6pPr marL="2286000" indent="0">
-              <a:buNone/>
-              <a:defRPr sz="900"/>
-            </a:lvl6pPr>
-            <a:lvl7pPr marL="2743200" indent="0">
-              <a:buNone/>
-              <a:defRPr sz="900"/>
-            </a:lvl7pPr>
-            <a:lvl8pPr marL="3200400" indent="0">
-              <a:buNone/>
-              <a:defRPr sz="900"/>
-            </a:lvl8pPr>
-            <a:lvl9pPr marL="3657600" indent="0">
-              <a:buNone/>
-              <a:defRPr sz="900"/>
-            </a:lvl9pPr>
-          </a:lstStyle>
-          <a:p>
-            <a:pPr lvl="0"/>
-            <a:r>
-              <a:rPr lang="en-US"/>
-              <a:t>Click to edit Master text styles</a:t>
-            </a:r>
-          </a:p>
-        </p:txBody>
-      </p:sp>
-      <p:sp>
-        <p:nvSpPr>
-          <p:cNvPr id="3" name="Date Placeholder 2"/>
-          <p:cNvSpPr>
-            <a:spLocks noGrp="1"/>
-          </p:cNvSpPr>
-          <p:nvPr>
-            <p:ph type="dt" sz="half" idx="10"/>
-          </p:nvPr>
-        </p:nvSpPr>
-        <p:spPr/>
-        <p:txBody>
-          <a:bodyPr/>
-          <a:lstStyle/>
-          <a:p>
-            <a:fld id="{48A87A34-81AB-432B-8DAE-1953F412C126}" type="datetimeFigureOut">
-              <a:rPr lang="en-US" smtClean="0"/>
-              <a:pPr/>
-              <a:t>3/23/2022</a:t>
-            </a:fld>
-            <a:endParaRPr lang="en-US" dirty="0"/>
-          </a:p>
-        </p:txBody>
-      </p:sp>
-      <p:sp>
-        <p:nvSpPr>
-          <p:cNvPr id="4" name="Footer Placeholder 3"/>
-          <p:cNvSpPr>
-            <a:spLocks noGrp="1"/>
-          </p:cNvSpPr>
-          <p:nvPr>
-            <p:ph type="ftr" sz="quarter" idx="11"/>
-          </p:nvPr>
-        </p:nvSpPr>
-        <p:spPr/>
-        <p:txBody>
-          <a:bodyPr/>
-          <a:lstStyle/>
-          <a:p>
-            <a:endParaRPr lang="en-US" dirty="0"/>
-          </a:p>
-        </p:txBody>
-      </p:sp>
-      <p:sp>
-        <p:nvSpPr>
-          <p:cNvPr id="5" name="Slide Number Placeholder 4"/>
-          <p:cNvSpPr>
-            <a:spLocks noGrp="1"/>
-          </p:cNvSpPr>
-          <p:nvPr>
-            <p:ph type="sldNum" sz="quarter" idx="12"/>
-          </p:nvPr>
-        </p:nvSpPr>
-        <p:spPr/>
-        <p:txBody>
-          <a:bodyPr/>
-          <a:lstStyle/>
-          <a:p>
-            <a:fld id="{6D22F896-40B5-4ADD-8801-0D06FADFA095}" type="slidenum">
-              <a:rPr lang="en-US" smtClean="0"/>
-              <a:pPr/>
-              <a:t>‹#›</a:t>
-            </a:fld>
-            <a:endParaRPr lang="en-US" dirty="0"/>
-          </a:p>
-        </p:txBody>
-      </p:sp>
-    </p:spTree>
-    <p:extLst>
-      <p:ext uri="{BB962C8B-B14F-4D97-AF65-F5344CB8AC3E}">
-        <p14:creationId xmlns:p14="http://schemas.microsoft.com/office/powerpoint/2010/main" val="1508918267"/>
-      </p:ext>
-    </p:extLst>
-  </p:cSld>
-  <p:clrMapOvr>
-    <a:masterClrMapping/>
-  </p:clrMapOvr>
-</p:sldLayout>
-</file>
-
-<file path=ppt/slideLayouts/slideLayout15.xml><?xml version="1.0" encoding="utf-8"?>
-<p:sldLayout xmlns:a="http://schemas.openxmlformats.org/drawingml/2006/main" xmlns:r="http://schemas.openxmlformats.org/officeDocument/2006/relationships" xmlns:p="http://schemas.openxmlformats.org/presentationml/2006/main" preserve="1">
-  <p:cSld name="3 Picture Column">
-    <p:spTree>
-      <p:nvGrpSpPr>
-        <p:cNvPr id="1" name=""/>
-        <p:cNvGrpSpPr/>
-        <p:nvPr/>
-      </p:nvGrpSpPr>
-      <p:grpSpPr>
-        <a:xfrm>
-          <a:off x="0" y="0"/>
-          <a:ext cx="0" cy="0"/>
-          <a:chOff x="0" y="0"/>
-          <a:chExt cx="0" cy="0"/>
-        </a:xfrm>
-      </p:grpSpPr>
-      <p:sp>
-        <p:nvSpPr>
-          <p:cNvPr id="30" name="Title 1"/>
-          <p:cNvSpPr>
-            <a:spLocks noGrp="1"/>
-          </p:cNvSpPr>
-          <p:nvPr>
-            <p:ph type="title"/>
-          </p:nvPr>
-        </p:nvSpPr>
-        <p:spPr>
-          <a:xfrm>
-            <a:off x="913795" y="609600"/>
-            <a:ext cx="10353762" cy="1325563"/>
-          </a:xfrm>
-        </p:spPr>
-        <p:txBody>
-          <a:bodyPr/>
-          <a:lstStyle/>
-          <a:p>
-            <a:r>
-              <a:rPr lang="en-US"/>
-              <a:t>Click to edit Master title style</a:t>
-            </a:r>
-            <a:endParaRPr lang="en-US" dirty="0"/>
-          </a:p>
-        </p:txBody>
-      </p:sp>
-      <p:sp>
-        <p:nvSpPr>
-          <p:cNvPr id="19" name="Text Placeholder 2"/>
-          <p:cNvSpPr>
-            <a:spLocks noGrp="1"/>
-          </p:cNvSpPr>
-          <p:nvPr>
-            <p:ph type="body" idx="1"/>
-          </p:nvPr>
-        </p:nvSpPr>
-        <p:spPr>
-          <a:xfrm>
-            <a:off x="913795" y="4195899"/>
-            <a:ext cx="3298955" cy="576262"/>
-          </a:xfrm>
-        </p:spPr>
-        <p:txBody>
-          <a:bodyPr anchor="b">
-            <a:noAutofit/>
-          </a:bodyPr>
-          <a:lstStyle>
-            <a:lvl1pPr marL="0" indent="0" algn="ctr">
-              <a:lnSpc>
-                <a:spcPct val="100000"/>
-              </a:lnSpc>
-              <a:buNone/>
-              <a:defRPr sz="2000" b="0">
-                <a:solidFill>
-                  <a:schemeClr val="tx1"/>
-                </a:solidFill>
-              </a:defRPr>
-            </a:lvl1pPr>
-            <a:lvl2pPr marL="457200" indent="0">
-              <a:buNone/>
-              <a:defRPr sz="2000" b="1"/>
-            </a:lvl2pPr>
-            <a:lvl3pPr marL="914400" indent="0">
-              <a:buNone/>
-              <a:defRPr sz="1800" b="1"/>
-            </a:lvl3pPr>
-            <a:lvl4pPr marL="1371600" indent="0">
-              <a:buNone/>
-              <a:defRPr sz="1600" b="1"/>
-            </a:lvl4pPr>
-            <a:lvl5pPr marL="1828800" indent="0">
-              <a:buNone/>
-              <a:defRPr sz="1600" b="1"/>
-            </a:lvl5pPr>
-            <a:lvl6pPr marL="2286000" indent="0">
-              <a:buNone/>
-              <a:defRPr sz="1600" b="1"/>
-            </a:lvl6pPr>
-            <a:lvl7pPr marL="2743200" indent="0">
-              <a:buNone/>
-              <a:defRPr sz="1600" b="1"/>
-            </a:lvl7pPr>
-            <a:lvl8pPr marL="3200400" indent="0">
-              <a:buNone/>
-              <a:defRPr sz="1600" b="1"/>
-            </a:lvl8pPr>
-            <a:lvl9pPr marL="3657600" indent="0">
-              <a:buNone/>
-              <a:defRPr sz="1600" b="1"/>
-            </a:lvl9pPr>
-          </a:lstStyle>
-          <a:p>
-            <a:pPr lvl="0"/>
-            <a:r>
-              <a:rPr lang="en-US"/>
-              <a:t>Click to edit Master text styles</a:t>
-            </a:r>
-          </a:p>
-        </p:txBody>
-      </p:sp>
-      <p:sp>
-        <p:nvSpPr>
-          <p:cNvPr id="20" name="Picture Placeholder 2"/>
-          <p:cNvSpPr>
-            <a:spLocks noGrp="1" noChangeAspect="1"/>
-          </p:cNvSpPr>
-          <p:nvPr>
-            <p:ph type="pic" idx="15"/>
-          </p:nvPr>
-        </p:nvSpPr>
-        <p:spPr>
-          <a:xfrm>
-            <a:off x="1092020" y="2298987"/>
-            <a:ext cx="2940050" cy="1524000"/>
-          </a:xfrm>
-          <a:prstGeom prst="roundRect">
-            <a:avLst>
-              <a:gd name="adj" fmla="val 0"/>
-            </a:avLst>
-          </a:prstGeom>
-          <a:noFill/>
-          <a:ln w="146050" cap="sq">
-            <a:solidFill>
-              <a:srgbClr val="FFFFFF"/>
-            </a:solidFill>
-            <a:miter lim="800000"/>
-          </a:ln>
-          <a:effectLst>
-            <a:outerShdw blurRad="55000" dist="18000" dir="5400000" algn="tl" rotWithShape="0">
-              <a:srgbClr val="000000">
-                <a:alpha val="40000"/>
-              </a:srgbClr>
-            </a:outerShdw>
-          </a:effectLst>
-          <a:scene3d>
-            <a:camera prst="orthographicFront"/>
-            <a:lightRig rig="twoPt" dir="t">
-              <a:rot lat="0" lon="0" rev="7200000"/>
-            </a:lightRig>
-          </a:scene3d>
-          <a:sp3d>
-            <a:bevelT w="25400" h="19050"/>
-            <a:contourClr>
-              <a:srgbClr val="FFFFFF"/>
-            </a:contourClr>
-          </a:sp3d>
-        </p:spPr>
-        <p:txBody>
-          <a:bodyPr anchor="t">
-            <a:normAutofit/>
-          </a:bodyPr>
-          <a:lstStyle>
-            <a:lvl1pPr marL="0" indent="0" algn="ctr">
-              <a:buNone/>
-              <a:defRPr sz="1600"/>
-            </a:lvl1pPr>
-            <a:lvl2pPr marL="457200" indent="0">
-              <a:buNone/>
-              <a:defRPr sz="1600"/>
-            </a:lvl2pPr>
-            <a:lvl3pPr marL="914400" indent="0">
-              <a:buNone/>
-              <a:defRPr sz="1600"/>
-            </a:lvl3pPr>
-            <a:lvl4pPr marL="1371600" indent="0">
-              <a:buNone/>
-              <a:defRPr sz="1600"/>
-            </a:lvl4pPr>
-            <a:lvl5pPr marL="1828800" indent="0">
-              <a:buNone/>
-              <a:defRPr sz="1600"/>
-            </a:lvl5pPr>
-            <a:lvl6pPr marL="2286000" indent="0">
-              <a:buNone/>
-              <a:defRPr sz="1600"/>
-            </a:lvl6pPr>
-            <a:lvl7pPr marL="2743200" indent="0">
-              <a:buNone/>
-              <a:defRPr sz="1600"/>
-            </a:lvl7pPr>
-            <a:lvl8pPr marL="3200400" indent="0">
-              <a:buNone/>
-              <a:defRPr sz="1600"/>
-            </a:lvl8pPr>
-            <a:lvl9pPr marL="3657600" indent="0">
-              <a:buNone/>
-              <a:defRPr sz="1600"/>
-            </a:lvl9pPr>
-          </a:lstStyle>
-          <a:p>
-            <a:r>
-              <a:rPr lang="en-US"/>
-              <a:t>Click icon to add picture</a:t>
-            </a:r>
-            <a:endParaRPr lang="en-US" dirty="0"/>
-          </a:p>
-        </p:txBody>
-      </p:sp>
-      <p:sp>
-        <p:nvSpPr>
-          <p:cNvPr id="21" name="Text Placeholder 3"/>
-          <p:cNvSpPr>
-            <a:spLocks noGrp="1"/>
-          </p:cNvSpPr>
-          <p:nvPr>
-            <p:ph type="body" sz="half" idx="18"/>
-          </p:nvPr>
-        </p:nvSpPr>
-        <p:spPr>
-          <a:xfrm>
-            <a:off x="913795" y="4772161"/>
-            <a:ext cx="3298955" cy="1019038"/>
-          </a:xfrm>
-        </p:spPr>
-        <p:txBody>
-          <a:bodyPr anchor="t">
-            <a:normAutofit/>
-          </a:bodyPr>
-          <a:lstStyle>
-            <a:lvl1pPr marL="0" indent="0" algn="ctr">
-              <a:buNone/>
-              <a:defRPr sz="1400"/>
-            </a:lvl1pPr>
-            <a:lvl2pPr marL="457200" indent="0">
-              <a:buNone/>
-              <a:defRPr sz="1200"/>
-            </a:lvl2pPr>
-            <a:lvl3pPr marL="914400" indent="0">
-              <a:buNone/>
-              <a:defRPr sz="1000"/>
-            </a:lvl3pPr>
-            <a:lvl4pPr marL="1371600" indent="0">
-              <a:buNone/>
-              <a:defRPr sz="900"/>
-            </a:lvl4pPr>
-            <a:lvl5pPr marL="1828800" indent="0">
-              <a:buNone/>
-              <a:defRPr sz="900"/>
-            </a:lvl5pPr>
-            <a:lvl6pPr marL="2286000" indent="0">
-              <a:buNone/>
-              <a:defRPr sz="900"/>
-            </a:lvl6pPr>
-            <a:lvl7pPr marL="2743200" indent="0">
-              <a:buNone/>
-              <a:defRPr sz="900"/>
-            </a:lvl7pPr>
-            <a:lvl8pPr marL="3200400" indent="0">
-              <a:buNone/>
-              <a:defRPr sz="900"/>
-            </a:lvl8pPr>
-            <a:lvl9pPr marL="3657600" indent="0">
-              <a:buNone/>
-              <a:defRPr sz="900"/>
-            </a:lvl9pPr>
-          </a:lstStyle>
-          <a:p>
-            <a:pPr lvl="0"/>
-            <a:r>
-              <a:rPr lang="en-US"/>
-              <a:t>Click to edit Master text styles</a:t>
-            </a:r>
-          </a:p>
-        </p:txBody>
-      </p:sp>
-      <p:sp>
-        <p:nvSpPr>
-          <p:cNvPr id="22" name="Text Placeholder 4"/>
-          <p:cNvSpPr>
-            <a:spLocks noGrp="1"/>
-          </p:cNvSpPr>
-          <p:nvPr>
-            <p:ph type="body" sz="quarter" idx="3"/>
-          </p:nvPr>
-        </p:nvSpPr>
-        <p:spPr>
-          <a:xfrm>
-            <a:off x="4442701" y="4195899"/>
-            <a:ext cx="3298983" cy="576262"/>
-          </a:xfrm>
-        </p:spPr>
-        <p:txBody>
-          <a:bodyPr anchor="b">
-            <a:noAutofit/>
-          </a:bodyPr>
-          <a:lstStyle>
-            <a:lvl1pPr marL="0" indent="0" algn="ctr">
-              <a:lnSpc>
-                <a:spcPct val="100000"/>
-              </a:lnSpc>
-              <a:buNone/>
-              <a:defRPr sz="2000" b="0">
-                <a:solidFill>
-                  <a:schemeClr val="tx1"/>
-                </a:solidFill>
-              </a:defRPr>
-            </a:lvl1pPr>
-            <a:lvl2pPr marL="457200" indent="0">
-              <a:buNone/>
-              <a:defRPr sz="2000" b="1"/>
-            </a:lvl2pPr>
-            <a:lvl3pPr marL="914400" indent="0">
-              <a:buNone/>
-              <a:defRPr sz="1800" b="1"/>
-            </a:lvl3pPr>
-            <a:lvl4pPr marL="1371600" indent="0">
-              <a:buNone/>
-              <a:defRPr sz="1600" b="1"/>
-            </a:lvl4pPr>
-            <a:lvl5pPr marL="1828800" indent="0">
-              <a:buNone/>
-              <a:defRPr sz="1600" b="1"/>
-            </a:lvl5pPr>
-            <a:lvl6pPr marL="2286000" indent="0">
-              <a:buNone/>
-              <a:defRPr sz="1600" b="1"/>
-            </a:lvl6pPr>
-            <a:lvl7pPr marL="2743200" indent="0">
-              <a:buNone/>
-              <a:defRPr sz="1600" b="1"/>
-            </a:lvl7pPr>
-            <a:lvl8pPr marL="3200400" indent="0">
-              <a:buNone/>
-              <a:defRPr sz="1600" b="1"/>
-            </a:lvl8pPr>
-            <a:lvl9pPr marL="3657600" indent="0">
-              <a:buNone/>
-              <a:defRPr sz="1600" b="1"/>
-            </a:lvl9pPr>
-          </a:lstStyle>
-          <a:p>
-            <a:pPr lvl="0"/>
-            <a:r>
-              <a:rPr lang="en-US"/>
-              <a:t>Click to edit Master text styles</a:t>
-            </a:r>
-          </a:p>
-        </p:txBody>
-      </p:sp>
-      <p:sp>
-        <p:nvSpPr>
-          <p:cNvPr id="23" name="Picture Placeholder 2"/>
-          <p:cNvSpPr>
-            <a:spLocks noGrp="1" noChangeAspect="1"/>
-          </p:cNvSpPr>
-          <p:nvPr>
-            <p:ph type="pic" idx="21"/>
-          </p:nvPr>
-        </p:nvSpPr>
-        <p:spPr>
-          <a:xfrm>
-            <a:off x="4568996" y="2298987"/>
-            <a:ext cx="2930525" cy="1524000"/>
-          </a:xfrm>
-          <a:prstGeom prst="roundRect">
-            <a:avLst>
-              <a:gd name="adj" fmla="val 0"/>
-            </a:avLst>
-          </a:prstGeom>
-          <a:noFill/>
-          <a:ln w="146050" cap="sq">
-            <a:solidFill>
-              <a:srgbClr val="FFFFFF"/>
-            </a:solidFill>
-            <a:miter lim="800000"/>
-          </a:ln>
-          <a:effectLst>
-            <a:outerShdw blurRad="55000" dist="18000" dir="5400000" algn="tl" rotWithShape="0">
-              <a:srgbClr val="000000">
-                <a:alpha val="40000"/>
-              </a:srgbClr>
-            </a:outerShdw>
-          </a:effectLst>
-          <a:scene3d>
-            <a:camera prst="orthographicFront"/>
-            <a:lightRig rig="twoPt" dir="t">
-              <a:rot lat="0" lon="0" rev="7200000"/>
-            </a:lightRig>
-          </a:scene3d>
-          <a:sp3d>
-            <a:bevelT w="25400" h="19050"/>
-            <a:contourClr>
-              <a:srgbClr val="FFFFFF"/>
-            </a:contourClr>
-          </a:sp3d>
-        </p:spPr>
-        <p:txBody>
-          <a:bodyPr anchor="t">
-            <a:normAutofit/>
-          </a:bodyPr>
-          <a:lstStyle>
-            <a:lvl1pPr marL="0" indent="0" algn="ctr">
-              <a:buNone/>
-              <a:defRPr sz="1600"/>
-            </a:lvl1pPr>
-            <a:lvl2pPr marL="457200" indent="0">
-              <a:buNone/>
-              <a:defRPr sz="1600"/>
-            </a:lvl2pPr>
-            <a:lvl3pPr marL="914400" indent="0">
-              <a:buNone/>
-              <a:defRPr sz="1600"/>
-            </a:lvl3pPr>
-            <a:lvl4pPr marL="1371600" indent="0">
-              <a:buNone/>
-              <a:defRPr sz="1600"/>
-            </a:lvl4pPr>
-            <a:lvl5pPr marL="1828800" indent="0">
-              <a:buNone/>
-              <a:defRPr sz="1600"/>
-            </a:lvl5pPr>
-            <a:lvl6pPr marL="2286000" indent="0">
-              <a:buNone/>
-              <a:defRPr sz="1600"/>
-            </a:lvl6pPr>
-            <a:lvl7pPr marL="2743200" indent="0">
-              <a:buNone/>
-              <a:defRPr sz="1600"/>
-            </a:lvl7pPr>
-            <a:lvl8pPr marL="3200400" indent="0">
-              <a:buNone/>
-              <a:defRPr sz="1600"/>
-            </a:lvl8pPr>
-            <a:lvl9pPr marL="3657600" indent="0">
-              <a:buNone/>
-              <a:defRPr sz="1600"/>
-            </a:lvl9pPr>
-          </a:lstStyle>
-          <a:p>
-            <a:r>
-              <a:rPr lang="en-US"/>
-              <a:t>Click icon to add picture</a:t>
-            </a:r>
-            <a:endParaRPr lang="en-US" dirty="0"/>
-          </a:p>
-        </p:txBody>
-      </p:sp>
-      <p:sp>
-        <p:nvSpPr>
-          <p:cNvPr id="24" name="Text Placeholder 3"/>
-          <p:cNvSpPr>
-            <a:spLocks noGrp="1"/>
-          </p:cNvSpPr>
-          <p:nvPr>
-            <p:ph type="body" sz="half" idx="19"/>
-          </p:nvPr>
-        </p:nvSpPr>
-        <p:spPr>
-          <a:xfrm>
-            <a:off x="4441348" y="4772160"/>
-            <a:ext cx="3300336" cy="1019038"/>
-          </a:xfrm>
-        </p:spPr>
-        <p:txBody>
-          <a:bodyPr anchor="t">
-            <a:normAutofit/>
-          </a:bodyPr>
-          <a:lstStyle>
-            <a:lvl1pPr marL="0" indent="0" algn="ctr">
-              <a:buNone/>
-              <a:defRPr sz="1400"/>
-            </a:lvl1pPr>
-            <a:lvl2pPr marL="457200" indent="0">
-              <a:buNone/>
-              <a:defRPr sz="1200"/>
-            </a:lvl2pPr>
-            <a:lvl3pPr marL="914400" indent="0">
-              <a:buNone/>
-              <a:defRPr sz="1000"/>
-            </a:lvl3pPr>
-            <a:lvl4pPr marL="1371600" indent="0">
-              <a:buNone/>
-              <a:defRPr sz="900"/>
-            </a:lvl4pPr>
-            <a:lvl5pPr marL="1828800" indent="0">
-              <a:buNone/>
-              <a:defRPr sz="900"/>
-            </a:lvl5pPr>
-            <a:lvl6pPr marL="2286000" indent="0">
-              <a:buNone/>
-              <a:defRPr sz="900"/>
-            </a:lvl6pPr>
-            <a:lvl7pPr marL="2743200" indent="0">
-              <a:buNone/>
-              <a:defRPr sz="900"/>
-            </a:lvl7pPr>
-            <a:lvl8pPr marL="3200400" indent="0">
-              <a:buNone/>
-              <a:defRPr sz="900"/>
-            </a:lvl8pPr>
-            <a:lvl9pPr marL="3657600" indent="0">
-              <a:buNone/>
-              <a:defRPr sz="900"/>
-            </a:lvl9pPr>
-          </a:lstStyle>
-          <a:p>
-            <a:pPr lvl="0"/>
-            <a:r>
-              <a:rPr lang="en-US"/>
-              <a:t>Click to edit Master text styles</a:t>
-            </a:r>
-          </a:p>
-        </p:txBody>
-      </p:sp>
-      <p:sp>
-        <p:nvSpPr>
-          <p:cNvPr id="25" name="Text Placeholder 4"/>
-          <p:cNvSpPr>
-            <a:spLocks noGrp="1"/>
-          </p:cNvSpPr>
-          <p:nvPr>
-            <p:ph type="body" sz="quarter" idx="13"/>
-          </p:nvPr>
-        </p:nvSpPr>
-        <p:spPr>
-          <a:xfrm>
-            <a:off x="7973423" y="4195899"/>
-            <a:ext cx="3289900" cy="576262"/>
-          </a:xfrm>
-        </p:spPr>
-        <p:txBody>
-          <a:bodyPr anchor="b">
-            <a:noAutofit/>
-          </a:bodyPr>
-          <a:lstStyle>
-            <a:lvl1pPr marL="0" indent="0" algn="ctr">
-              <a:lnSpc>
-                <a:spcPct val="100000"/>
-              </a:lnSpc>
-              <a:buNone/>
-              <a:defRPr sz="2000" b="0">
-                <a:solidFill>
-                  <a:schemeClr val="tx1"/>
-                </a:solidFill>
-              </a:defRPr>
-            </a:lvl1pPr>
-            <a:lvl2pPr marL="457200" indent="0">
-              <a:buNone/>
-              <a:defRPr sz="2000" b="1"/>
-            </a:lvl2pPr>
-            <a:lvl3pPr marL="914400" indent="0">
-              <a:buNone/>
-              <a:defRPr sz="1800" b="1"/>
-            </a:lvl3pPr>
-            <a:lvl4pPr marL="1371600" indent="0">
-              <a:buNone/>
-              <a:defRPr sz="1600" b="1"/>
-            </a:lvl4pPr>
-            <a:lvl5pPr marL="1828800" indent="0">
-              <a:buNone/>
-              <a:defRPr sz="1600" b="1"/>
-            </a:lvl5pPr>
-            <a:lvl6pPr marL="2286000" indent="0">
-              <a:buNone/>
-              <a:defRPr sz="1600" b="1"/>
-            </a:lvl6pPr>
-            <a:lvl7pPr marL="2743200" indent="0">
-              <a:buNone/>
-              <a:defRPr sz="1600" b="1"/>
-            </a:lvl7pPr>
-            <a:lvl8pPr marL="3200400" indent="0">
-              <a:buNone/>
-              <a:defRPr sz="1600" b="1"/>
-            </a:lvl8pPr>
-            <a:lvl9pPr marL="3657600" indent="0">
-              <a:buNone/>
-              <a:defRPr sz="1600" b="1"/>
-            </a:lvl9pPr>
-          </a:lstStyle>
-          <a:p>
-            <a:pPr lvl="0"/>
-            <a:r>
-              <a:rPr lang="en-US"/>
-              <a:t>Click to edit Master text styles</a:t>
-            </a:r>
-          </a:p>
-        </p:txBody>
-      </p:sp>
-      <p:sp>
-        <p:nvSpPr>
-          <p:cNvPr id="26" name="Picture Placeholder 2"/>
-          <p:cNvSpPr>
-            <a:spLocks noGrp="1" noChangeAspect="1"/>
-          </p:cNvSpPr>
-          <p:nvPr>
-            <p:ph type="pic" idx="22"/>
-          </p:nvPr>
-        </p:nvSpPr>
-        <p:spPr>
-          <a:xfrm>
-            <a:off x="8152803" y="2298987"/>
-            <a:ext cx="2932113" cy="1524000"/>
-          </a:xfrm>
-          <a:prstGeom prst="roundRect">
-            <a:avLst>
-              <a:gd name="adj" fmla="val 0"/>
-            </a:avLst>
-          </a:prstGeom>
-          <a:noFill/>
-          <a:ln w="146050" cap="sq">
-            <a:solidFill>
-              <a:srgbClr val="FFFFFF"/>
-            </a:solidFill>
-            <a:miter lim="800000"/>
-          </a:ln>
-          <a:effectLst>
-            <a:outerShdw blurRad="55000" dist="18000" dir="5400000" algn="tl" rotWithShape="0">
-              <a:srgbClr val="000000">
-                <a:alpha val="40000"/>
-              </a:srgbClr>
-            </a:outerShdw>
-          </a:effectLst>
-          <a:scene3d>
-            <a:camera prst="orthographicFront"/>
-            <a:lightRig rig="twoPt" dir="t">
-              <a:rot lat="0" lon="0" rev="7200000"/>
-            </a:lightRig>
-          </a:scene3d>
-          <a:sp3d>
-            <a:bevelT w="25400" h="19050"/>
-            <a:contourClr>
-              <a:srgbClr val="FFFFFF"/>
-            </a:contourClr>
-          </a:sp3d>
-        </p:spPr>
-        <p:txBody>
-          <a:bodyPr anchor="t">
-            <a:normAutofit/>
-          </a:bodyPr>
-          <a:lstStyle>
-            <a:lvl1pPr marL="0" indent="0" algn="ctr">
-              <a:buNone/>
-              <a:defRPr sz="1600"/>
-            </a:lvl1pPr>
-            <a:lvl2pPr marL="457200" indent="0">
-              <a:buNone/>
-              <a:defRPr sz="1600"/>
-            </a:lvl2pPr>
-            <a:lvl3pPr marL="914400" indent="0">
-              <a:buNone/>
-              <a:defRPr sz="1600"/>
-            </a:lvl3pPr>
-            <a:lvl4pPr marL="1371600" indent="0">
-              <a:buNone/>
-              <a:defRPr sz="1600"/>
-            </a:lvl4pPr>
-            <a:lvl5pPr marL="1828800" indent="0">
-              <a:buNone/>
-              <a:defRPr sz="1600"/>
-            </a:lvl5pPr>
-            <a:lvl6pPr marL="2286000" indent="0">
-              <a:buNone/>
-              <a:defRPr sz="1600"/>
-            </a:lvl6pPr>
-            <a:lvl7pPr marL="2743200" indent="0">
-              <a:buNone/>
-              <a:defRPr sz="1600"/>
-            </a:lvl7pPr>
-            <a:lvl8pPr marL="3200400" indent="0">
-              <a:buNone/>
-              <a:defRPr sz="1600"/>
-            </a:lvl8pPr>
-            <a:lvl9pPr marL="3657600" indent="0">
-              <a:buNone/>
-              <a:defRPr sz="1600"/>
-            </a:lvl9pPr>
-          </a:lstStyle>
-          <a:p>
-            <a:r>
-              <a:rPr lang="en-US"/>
-              <a:t>Click icon to add picture</a:t>
-            </a:r>
-            <a:endParaRPr lang="en-US" dirty="0"/>
-          </a:p>
-        </p:txBody>
-      </p:sp>
-      <p:sp>
-        <p:nvSpPr>
-          <p:cNvPr id="27" name="Text Placeholder 3"/>
-          <p:cNvSpPr>
-            <a:spLocks noGrp="1"/>
-          </p:cNvSpPr>
-          <p:nvPr>
-            <p:ph type="body" sz="half" idx="20"/>
-          </p:nvPr>
-        </p:nvSpPr>
-        <p:spPr>
-          <a:xfrm>
-            <a:off x="7973298" y="4772161"/>
-            <a:ext cx="3294258" cy="1019037"/>
-          </a:xfrm>
-        </p:spPr>
-        <p:txBody>
-          <a:bodyPr anchor="t">
-            <a:normAutofit/>
-          </a:bodyPr>
-          <a:lstStyle>
-            <a:lvl1pPr marL="0" indent="0" algn="ctr">
-              <a:buNone/>
-              <a:defRPr sz="1400"/>
-            </a:lvl1pPr>
-            <a:lvl2pPr marL="457200" indent="0">
-              <a:buNone/>
-              <a:defRPr sz="1200"/>
-            </a:lvl2pPr>
-            <a:lvl3pPr marL="914400" indent="0">
-              <a:buNone/>
-              <a:defRPr sz="1000"/>
-            </a:lvl3pPr>
-            <a:lvl4pPr marL="1371600" indent="0">
-              <a:buNone/>
-              <a:defRPr sz="900"/>
-            </a:lvl4pPr>
-            <a:lvl5pPr marL="1828800" indent="0">
-              <a:buNone/>
-              <a:defRPr sz="900"/>
-            </a:lvl5pPr>
-            <a:lvl6pPr marL="2286000" indent="0">
-              <a:buNone/>
-              <a:defRPr sz="900"/>
-            </a:lvl6pPr>
-            <a:lvl7pPr marL="2743200" indent="0">
-              <a:buNone/>
-              <a:defRPr sz="900"/>
-            </a:lvl7pPr>
-            <a:lvl8pPr marL="3200400" indent="0">
-              <a:buNone/>
-              <a:defRPr sz="900"/>
-            </a:lvl8pPr>
-            <a:lvl9pPr marL="3657600" indent="0">
-              <a:buNone/>
-              <a:defRPr sz="900"/>
-            </a:lvl9pPr>
-          </a:lstStyle>
-          <a:p>
-            <a:pPr lvl="0"/>
-            <a:r>
-              <a:rPr lang="en-US"/>
-              <a:t>Click to edit Master text styles</a:t>
-            </a:r>
-          </a:p>
-        </p:txBody>
-      </p:sp>
-      <p:sp>
-        <p:nvSpPr>
-          <p:cNvPr id="3" name="Date Placeholder 2"/>
-          <p:cNvSpPr>
-            <a:spLocks noGrp="1"/>
-          </p:cNvSpPr>
-          <p:nvPr>
-            <p:ph type="dt" sz="half" idx="10"/>
-          </p:nvPr>
-        </p:nvSpPr>
-        <p:spPr/>
-        <p:txBody>
-          <a:bodyPr/>
-          <a:lstStyle/>
-          <a:p>
-            <a:fld id="{48A87A34-81AB-432B-8DAE-1953F412C126}" type="datetimeFigureOut">
-              <a:rPr lang="en-US" smtClean="0"/>
-              <a:pPr/>
-              <a:t>3/23/2022</a:t>
-            </a:fld>
-            <a:endParaRPr lang="en-US" dirty="0"/>
-          </a:p>
-        </p:txBody>
-      </p:sp>
-      <p:sp>
-        <p:nvSpPr>
-          <p:cNvPr id="4" name="Footer Placeholder 3"/>
-          <p:cNvSpPr>
-            <a:spLocks noGrp="1"/>
-          </p:cNvSpPr>
-          <p:nvPr>
-            <p:ph type="ftr" sz="quarter" idx="11"/>
-          </p:nvPr>
-        </p:nvSpPr>
-        <p:spPr/>
-        <p:txBody>
-          <a:bodyPr/>
-          <a:lstStyle/>
-          <a:p>
-            <a:endParaRPr lang="en-US" dirty="0"/>
-          </a:p>
-        </p:txBody>
-      </p:sp>
-      <p:sp>
-        <p:nvSpPr>
-          <p:cNvPr id="5" name="Slide Number Placeholder 4"/>
-          <p:cNvSpPr>
-            <a:spLocks noGrp="1"/>
-          </p:cNvSpPr>
-          <p:nvPr>
-            <p:ph type="sldNum" sz="quarter" idx="12"/>
-          </p:nvPr>
-        </p:nvSpPr>
-        <p:spPr/>
-        <p:txBody>
-          <a:bodyPr/>
-          <a:lstStyle/>
-          <a:p>
-            <a:fld id="{6D22F896-40B5-4ADD-8801-0D06FADFA095}" type="slidenum">
-              <a:rPr lang="en-US" smtClean="0"/>
-              <a:pPr/>
-              <a:t>‹#›</a:t>
-            </a:fld>
-            <a:endParaRPr lang="en-US" dirty="0"/>
-          </a:p>
-        </p:txBody>
-      </p:sp>
-    </p:spTree>
-    <p:extLst>
-      <p:ext uri="{BB962C8B-B14F-4D97-AF65-F5344CB8AC3E}">
-        <p14:creationId xmlns:p14="http://schemas.microsoft.com/office/powerpoint/2010/main" val="598762269"/>
-      </p:ext>
-    </p:extLst>
-  </p:cSld>
-  <p:clrMapOvr>
-    <a:masterClrMapping/>
-  </p:clrMapOvr>
-</p:sldLayout>
-</file>
-
-<file path=ppt/slideLayouts/slideLayout16.xml><?xml version="1.0" encoding="utf-8"?>
 <p:sldLayout xmlns:a="http://schemas.openxmlformats.org/drawingml/2006/main" xmlns:r="http://schemas.openxmlformats.org/officeDocument/2006/relationships" xmlns:p="http://schemas.openxmlformats.org/presentationml/2006/main" type="vertTx" preserve="1">
   <p:cSld name="Title and Vertical Text">
     <p:spTree>
@@ -2902,7 +371,13 @@
       </p:grpSpPr>
       <p:sp>
         <p:nvSpPr>
-          <p:cNvPr id="2" name="Title 1"/>
+          <p:cNvPr id="2" name="Title 1">
+            <a:extLst>
+              <a:ext uri="{FF2B5EF4-FFF2-40B4-BE49-F238E27FC236}">
+                <a16:creationId xmlns:a16="http://schemas.microsoft.com/office/drawing/2014/main" id="{1156EC21-74FC-42D9-9676-D66261609167}"/>
+              </a:ext>
+            </a:extLst>
+          </p:cNvPr>
           <p:cNvSpPr>
             <a:spLocks noGrp="1"/>
           </p:cNvSpPr>
@@ -2919,13 +394,19 @@
               <a:rPr lang="en-US"/>
               <a:t>Click to edit Master title style</a:t>
             </a:r>
-            <a:endParaRPr lang="en-US" dirty="0"/>
-          </a:p>
-        </p:txBody>
-      </p:sp>
-      <p:sp>
-        <p:nvSpPr>
-          <p:cNvPr id="3" name="Vertical Text Placeholder 2"/>
+            <a:endParaRPr lang="en-IN"/>
+          </a:p>
+        </p:txBody>
+      </p:sp>
+      <p:sp>
+        <p:nvSpPr>
+          <p:cNvPr id="3" name="Vertical Text Placeholder 2">
+            <a:extLst>
+              <a:ext uri="{FF2B5EF4-FFF2-40B4-BE49-F238E27FC236}">
+                <a16:creationId xmlns:a16="http://schemas.microsoft.com/office/drawing/2014/main" id="{127615E4-A551-4A5F-BBE2-3F0617EE255F}"/>
+              </a:ext>
+            </a:extLst>
+          </p:cNvPr>
           <p:cNvSpPr>
             <a:spLocks noGrp="1"/>
           </p:cNvSpPr>
@@ -2971,13 +452,19 @@
               <a:rPr lang="en-US"/>
               <a:t>Fifth level</a:t>
             </a:r>
-            <a:endParaRPr lang="en-US" dirty="0"/>
-          </a:p>
-        </p:txBody>
-      </p:sp>
-      <p:sp>
-        <p:nvSpPr>
-          <p:cNvPr id="4" name="Date Placeholder 3"/>
+            <a:endParaRPr lang="en-IN"/>
+          </a:p>
+        </p:txBody>
+      </p:sp>
+      <p:sp>
+        <p:nvSpPr>
+          <p:cNvPr id="4" name="Date Placeholder 3">
+            <a:extLst>
+              <a:ext uri="{FF2B5EF4-FFF2-40B4-BE49-F238E27FC236}">
+                <a16:creationId xmlns:a16="http://schemas.microsoft.com/office/drawing/2014/main" id="{3D4BD3E7-CDAC-47C6-A347-96122FF79BFD}"/>
+              </a:ext>
+            </a:extLst>
+          </p:cNvPr>
           <p:cNvSpPr>
             <a:spLocks noGrp="1"/>
           </p:cNvSpPr>
@@ -2992,7 +479,7 @@
           <a:p>
             <a:fld id="{48A87A34-81AB-432B-8DAE-1953F412C126}" type="datetimeFigureOut">
               <a:rPr lang="en-US" smtClean="0"/>
-              <a:t>3/23/2022</a:t>
+              <a:t>3/24/2022</a:t>
             </a:fld>
             <a:endParaRPr lang="en-US" dirty="0"/>
           </a:p>
@@ -3000,7 +487,13 @@
       </p:sp>
       <p:sp>
         <p:nvSpPr>
-          <p:cNvPr id="5" name="Footer Placeholder 4"/>
+          <p:cNvPr id="5" name="Footer Placeholder 4">
+            <a:extLst>
+              <a:ext uri="{FF2B5EF4-FFF2-40B4-BE49-F238E27FC236}">
+                <a16:creationId xmlns:a16="http://schemas.microsoft.com/office/drawing/2014/main" id="{67CEC273-6146-4939-AC4D-F31D6527B7F5}"/>
+              </a:ext>
+            </a:extLst>
+          </p:cNvPr>
           <p:cNvSpPr>
             <a:spLocks noGrp="1"/>
           </p:cNvSpPr>
@@ -3019,7 +512,13 @@
       </p:sp>
       <p:sp>
         <p:nvSpPr>
-          <p:cNvPr id="6" name="Slide Number Placeholder 5"/>
+          <p:cNvPr id="6" name="Slide Number Placeholder 5">
+            <a:extLst>
+              <a:ext uri="{FF2B5EF4-FFF2-40B4-BE49-F238E27FC236}">
+                <a16:creationId xmlns:a16="http://schemas.microsoft.com/office/drawing/2014/main" id="{033CA984-36CD-492A-B0DB-BC66F631B061}"/>
+              </a:ext>
+            </a:extLst>
+          </p:cNvPr>
           <p:cNvSpPr>
             <a:spLocks noGrp="1"/>
           </p:cNvSpPr>
@@ -3043,7 +542,7 @@
     </p:spTree>
     <p:extLst>
       <p:ext uri="{BB962C8B-B14F-4D97-AF65-F5344CB8AC3E}">
-        <p14:creationId xmlns:p14="http://schemas.microsoft.com/office/powerpoint/2010/main" val="286539178"/>
+        <p14:creationId xmlns:p14="http://schemas.microsoft.com/office/powerpoint/2010/main" val="539727196"/>
       </p:ext>
     </p:extLst>
   </p:cSld>
@@ -3053,7 +552,7 @@
 </p:sldLayout>
 </file>
 
-<file path=ppt/slideLayouts/slideLayout17.xml><?xml version="1.0" encoding="utf-8"?>
+<file path=ppt/slideLayouts/slideLayout11.xml><?xml version="1.0" encoding="utf-8"?>
 <p:sldLayout xmlns:a="http://schemas.openxmlformats.org/drawingml/2006/main" xmlns:r="http://schemas.openxmlformats.org/officeDocument/2006/relationships" xmlns:p="http://schemas.openxmlformats.org/presentationml/2006/main" type="vertTitleAndTx" preserve="1">
   <p:cSld name="Vertical Title and Text">
     <p:spTree>
@@ -3072,7 +571,13 @@
       </p:grpSpPr>
       <p:sp>
         <p:nvSpPr>
-          <p:cNvPr id="2" name="Vertical Title 1"/>
+          <p:cNvPr id="2" name="Vertical Title 1">
+            <a:extLst>
+              <a:ext uri="{FF2B5EF4-FFF2-40B4-BE49-F238E27FC236}">
+                <a16:creationId xmlns:a16="http://schemas.microsoft.com/office/drawing/2014/main" id="{F593D0BD-C7B0-49A2-94E0-4C6DD97C8831}"/>
+              </a:ext>
+            </a:extLst>
+          </p:cNvPr>
           <p:cNvSpPr>
             <a:spLocks noGrp="1"/>
           </p:cNvSpPr>
@@ -3082,29 +587,31 @@
         </p:nvSpPr>
         <p:spPr>
           <a:xfrm>
-            <a:off x="8724900" y="609599"/>
-            <a:ext cx="2542657" cy="5181601"/>
+            <a:off x="8724900" y="365125"/>
+            <a:ext cx="2628900" cy="5811838"/>
           </a:xfrm>
         </p:spPr>
         <p:txBody>
           <a:bodyPr vert="eaVert"/>
-          <a:lstStyle>
-            <a:lvl1pPr algn="l">
-              <a:defRPr/>
-            </a:lvl1pPr>
-          </a:lstStyle>
+          <a:lstStyle/>
           <a:p>
             <a:r>
               <a:rPr lang="en-US"/>
               <a:t>Click to edit Master title style</a:t>
             </a:r>
-            <a:endParaRPr lang="en-US" dirty="0"/>
-          </a:p>
-        </p:txBody>
-      </p:sp>
-      <p:sp>
-        <p:nvSpPr>
-          <p:cNvPr id="3" name="Vertical Text Placeholder 2"/>
+            <a:endParaRPr lang="en-IN"/>
+          </a:p>
+        </p:txBody>
+      </p:sp>
+      <p:sp>
+        <p:nvSpPr>
+          <p:cNvPr id="3" name="Vertical Text Placeholder 2">
+            <a:extLst>
+              <a:ext uri="{FF2B5EF4-FFF2-40B4-BE49-F238E27FC236}">
+                <a16:creationId xmlns:a16="http://schemas.microsoft.com/office/drawing/2014/main" id="{882EE6B6-8B00-45DA-893B-7268DB86B724}"/>
+              </a:ext>
+            </a:extLst>
+          </p:cNvPr>
           <p:cNvSpPr>
             <a:spLocks noGrp="1"/>
           </p:cNvSpPr>
@@ -3114,8 +621,8 @@
         </p:nvSpPr>
         <p:spPr>
           <a:xfrm>
-            <a:off x="913794" y="609599"/>
-            <a:ext cx="7658705" cy="5181601"/>
+            <a:off x="838200" y="365125"/>
+            <a:ext cx="7734300" cy="5811838"/>
           </a:xfrm>
         </p:spPr>
         <p:txBody>
@@ -3155,13 +662,19 @@
               <a:rPr lang="en-US"/>
               <a:t>Fifth level</a:t>
             </a:r>
-            <a:endParaRPr lang="en-US" dirty="0"/>
-          </a:p>
-        </p:txBody>
-      </p:sp>
-      <p:sp>
-        <p:nvSpPr>
-          <p:cNvPr id="4" name="Date Placeholder 3"/>
+            <a:endParaRPr lang="en-IN"/>
+          </a:p>
+        </p:txBody>
+      </p:sp>
+      <p:sp>
+        <p:nvSpPr>
+          <p:cNvPr id="4" name="Date Placeholder 3">
+            <a:extLst>
+              <a:ext uri="{FF2B5EF4-FFF2-40B4-BE49-F238E27FC236}">
+                <a16:creationId xmlns:a16="http://schemas.microsoft.com/office/drawing/2014/main" id="{D9028396-EC9E-46AD-AEE3-124A52DB38B3}"/>
+              </a:ext>
+            </a:extLst>
+          </p:cNvPr>
           <p:cNvSpPr>
             <a:spLocks noGrp="1"/>
           </p:cNvSpPr>
@@ -3176,7 +689,7 @@
           <a:p>
             <a:fld id="{48A87A34-81AB-432B-8DAE-1953F412C126}" type="datetimeFigureOut">
               <a:rPr lang="en-US" smtClean="0"/>
-              <a:t>3/23/2022</a:t>
+              <a:t>3/24/2022</a:t>
             </a:fld>
             <a:endParaRPr lang="en-US" dirty="0"/>
           </a:p>
@@ -3184,7 +697,13 @@
       </p:sp>
       <p:sp>
         <p:nvSpPr>
-          <p:cNvPr id="5" name="Footer Placeholder 4"/>
+          <p:cNvPr id="5" name="Footer Placeholder 4">
+            <a:extLst>
+              <a:ext uri="{FF2B5EF4-FFF2-40B4-BE49-F238E27FC236}">
+                <a16:creationId xmlns:a16="http://schemas.microsoft.com/office/drawing/2014/main" id="{3FB6AC60-EC4D-40EC-B93C-64549E8099CF}"/>
+              </a:ext>
+            </a:extLst>
+          </p:cNvPr>
           <p:cNvSpPr>
             <a:spLocks noGrp="1"/>
           </p:cNvSpPr>
@@ -3203,7 +722,13 @@
       </p:sp>
       <p:sp>
         <p:nvSpPr>
-          <p:cNvPr id="6" name="Slide Number Placeholder 5"/>
+          <p:cNvPr id="6" name="Slide Number Placeholder 5">
+            <a:extLst>
+              <a:ext uri="{FF2B5EF4-FFF2-40B4-BE49-F238E27FC236}">
+                <a16:creationId xmlns:a16="http://schemas.microsoft.com/office/drawing/2014/main" id="{86093383-36E4-49DF-947A-78CE3521B89E}"/>
+              </a:ext>
+            </a:extLst>
+          </p:cNvPr>
           <p:cNvSpPr>
             <a:spLocks noGrp="1"/>
           </p:cNvSpPr>
@@ -3227,7 +752,7 @@
     </p:spTree>
     <p:extLst>
       <p:ext uri="{BB962C8B-B14F-4D97-AF65-F5344CB8AC3E}">
-        <p14:creationId xmlns:p14="http://schemas.microsoft.com/office/powerpoint/2010/main" val="1497611593"/>
+        <p14:creationId xmlns:p14="http://schemas.microsoft.com/office/powerpoint/2010/main" val="1866400724"/>
       </p:ext>
     </p:extLst>
   </p:cSld>
@@ -3256,7 +781,13 @@
       </p:grpSpPr>
       <p:sp>
         <p:nvSpPr>
-          <p:cNvPr id="2" name="Title 1"/>
+          <p:cNvPr id="2" name="Title 1">
+            <a:extLst>
+              <a:ext uri="{FF2B5EF4-FFF2-40B4-BE49-F238E27FC236}">
+                <a16:creationId xmlns:a16="http://schemas.microsoft.com/office/drawing/2014/main" id="{93528930-6AD4-49BC-8977-5E83EB4F7157}"/>
+              </a:ext>
+            </a:extLst>
+          </p:cNvPr>
           <p:cNvSpPr>
             <a:spLocks noGrp="1"/>
           </p:cNvSpPr>
@@ -3273,13 +804,19 @@
               <a:rPr lang="en-US"/>
               <a:t>Click to edit Master title style</a:t>
             </a:r>
-            <a:endParaRPr lang="en-US" dirty="0"/>
-          </a:p>
-        </p:txBody>
-      </p:sp>
-      <p:sp>
-        <p:nvSpPr>
-          <p:cNvPr id="3" name="Content Placeholder 2"/>
+            <a:endParaRPr lang="en-IN"/>
+          </a:p>
+        </p:txBody>
+      </p:sp>
+      <p:sp>
+        <p:nvSpPr>
+          <p:cNvPr id="3" name="Content Placeholder 2">
+            <a:extLst>
+              <a:ext uri="{FF2B5EF4-FFF2-40B4-BE49-F238E27FC236}">
+                <a16:creationId xmlns:a16="http://schemas.microsoft.com/office/drawing/2014/main" id="{F87FB1B4-8B26-4A0D-91D1-C43A458A6EA1}"/>
+              </a:ext>
+            </a:extLst>
+          </p:cNvPr>
           <p:cNvSpPr>
             <a:spLocks noGrp="1"/>
           </p:cNvSpPr>
@@ -3325,13 +862,19 @@
               <a:rPr lang="en-US"/>
               <a:t>Fifth level</a:t>
             </a:r>
-            <a:endParaRPr lang="en-US" dirty="0"/>
-          </a:p>
-        </p:txBody>
-      </p:sp>
-      <p:sp>
-        <p:nvSpPr>
-          <p:cNvPr id="4" name="Date Placeholder 3"/>
+            <a:endParaRPr lang="en-IN"/>
+          </a:p>
+        </p:txBody>
+      </p:sp>
+      <p:sp>
+        <p:nvSpPr>
+          <p:cNvPr id="4" name="Date Placeholder 3">
+            <a:extLst>
+              <a:ext uri="{FF2B5EF4-FFF2-40B4-BE49-F238E27FC236}">
+                <a16:creationId xmlns:a16="http://schemas.microsoft.com/office/drawing/2014/main" id="{D2E52632-22BE-47E6-8023-F4BF9E218E12}"/>
+              </a:ext>
+            </a:extLst>
+          </p:cNvPr>
           <p:cNvSpPr>
             <a:spLocks noGrp="1"/>
           </p:cNvSpPr>
@@ -3346,7 +889,7 @@
           <a:p>
             <a:fld id="{48A87A34-81AB-432B-8DAE-1953F412C126}" type="datetimeFigureOut">
               <a:rPr lang="en-US" smtClean="0"/>
-              <a:t>3/23/2022</a:t>
+              <a:t>3/24/2022</a:t>
             </a:fld>
             <a:endParaRPr lang="en-US" dirty="0"/>
           </a:p>
@@ -3354,7 +897,13 @@
       </p:sp>
       <p:sp>
         <p:nvSpPr>
-          <p:cNvPr id="5" name="Footer Placeholder 4"/>
+          <p:cNvPr id="5" name="Footer Placeholder 4">
+            <a:extLst>
+              <a:ext uri="{FF2B5EF4-FFF2-40B4-BE49-F238E27FC236}">
+                <a16:creationId xmlns:a16="http://schemas.microsoft.com/office/drawing/2014/main" id="{78B28B87-CB09-4E7C-A5E9-34DBDDBEE4A9}"/>
+              </a:ext>
+            </a:extLst>
+          </p:cNvPr>
           <p:cNvSpPr>
             <a:spLocks noGrp="1"/>
           </p:cNvSpPr>
@@ -3373,7 +922,13 @@
       </p:sp>
       <p:sp>
         <p:nvSpPr>
-          <p:cNvPr id="6" name="Slide Number Placeholder 5"/>
+          <p:cNvPr id="6" name="Slide Number Placeholder 5">
+            <a:extLst>
+              <a:ext uri="{FF2B5EF4-FFF2-40B4-BE49-F238E27FC236}">
+                <a16:creationId xmlns:a16="http://schemas.microsoft.com/office/drawing/2014/main" id="{FD76883C-7887-4266-93AC-B452D3922404}"/>
+              </a:ext>
+            </a:extLst>
+          </p:cNvPr>
           <p:cNvSpPr>
             <a:spLocks noGrp="1"/>
           </p:cNvSpPr>
@@ -3397,7 +952,7 @@
     </p:spTree>
     <p:extLst>
       <p:ext uri="{BB962C8B-B14F-4D97-AF65-F5344CB8AC3E}">
-        <p14:creationId xmlns:p14="http://schemas.microsoft.com/office/powerpoint/2010/main" val="2502756822"/>
+        <p14:creationId xmlns:p14="http://schemas.microsoft.com/office/powerpoint/2010/main" val="266223184"/>
       </p:ext>
     </p:extLst>
   </p:cSld>
@@ -3426,7 +981,13 @@
       </p:grpSpPr>
       <p:sp>
         <p:nvSpPr>
-          <p:cNvPr id="2" name="Title 1"/>
+          <p:cNvPr id="2" name="Title 1">
+            <a:extLst>
+              <a:ext uri="{FF2B5EF4-FFF2-40B4-BE49-F238E27FC236}">
+                <a16:creationId xmlns:a16="http://schemas.microsoft.com/office/drawing/2014/main" id="{DF37CF6E-D8E4-4FA7-953B-DA22FD4D1522}"/>
+              </a:ext>
+            </a:extLst>
+          </p:cNvPr>
           <p:cNvSpPr>
             <a:spLocks noGrp="1"/>
           </p:cNvSpPr>
@@ -3436,17 +997,15 @@
         </p:nvSpPr>
         <p:spPr>
           <a:xfrm>
-            <a:off x="1229244" y="657226"/>
-            <a:ext cx="9733512" cy="2852737"/>
+            <a:off x="831850" y="1709738"/>
+            <a:ext cx="10515600" cy="2852737"/>
           </a:xfrm>
         </p:spPr>
         <p:txBody>
-          <a:bodyPr anchor="b">
-            <a:normAutofit/>
-          </a:bodyPr>
+          <a:bodyPr anchor="b"/>
           <a:lstStyle>
             <a:lvl1pPr>
-              <a:defRPr sz="3400"/>
+              <a:defRPr sz="6000"/>
             </a:lvl1pPr>
           </a:lstStyle>
           <a:p>
@@ -3454,13 +1013,19 @@
               <a:rPr lang="en-US"/>
               <a:t>Click to edit Master title style</a:t>
             </a:r>
-            <a:endParaRPr lang="en-US" dirty="0"/>
-          </a:p>
-        </p:txBody>
-      </p:sp>
-      <p:sp>
-        <p:nvSpPr>
-          <p:cNvPr id="3" name="Text Placeholder 2"/>
+            <a:endParaRPr lang="en-IN"/>
+          </a:p>
+        </p:txBody>
+      </p:sp>
+      <p:sp>
+        <p:nvSpPr>
+          <p:cNvPr id="3" name="Text Placeholder 2">
+            <a:extLst>
+              <a:ext uri="{FF2B5EF4-FFF2-40B4-BE49-F238E27FC236}">
+                <a16:creationId xmlns:a16="http://schemas.microsoft.com/office/drawing/2014/main" id="{C6111975-03BF-4CF8-BC0A-C4AA8A9C65D3}"/>
+              </a:ext>
+            </a:extLst>
+          </p:cNvPr>
           <p:cNvSpPr>
             <a:spLocks noGrp="1"/>
           </p:cNvSpPr>
@@ -3470,14 +1035,14 @@
         </p:nvSpPr>
         <p:spPr>
           <a:xfrm>
-            <a:off x="1229244" y="3602038"/>
-            <a:ext cx="9733512" cy="1500187"/>
+            <a:off x="831850" y="4589463"/>
+            <a:ext cx="10515600" cy="1500187"/>
           </a:xfrm>
         </p:spPr>
         <p:txBody>
           <a:bodyPr/>
           <a:lstStyle>
-            <a:lvl1pPr marL="0" indent="0" algn="ctr">
+            <a:lvl1pPr marL="0" indent="0">
               <a:buNone/>
               <a:defRPr sz="2400">
                 <a:solidFill>
@@ -3579,7 +1144,13 @@
       </p:sp>
       <p:sp>
         <p:nvSpPr>
-          <p:cNvPr id="4" name="Date Placeholder 3"/>
+          <p:cNvPr id="4" name="Date Placeholder 3">
+            <a:extLst>
+              <a:ext uri="{FF2B5EF4-FFF2-40B4-BE49-F238E27FC236}">
+                <a16:creationId xmlns:a16="http://schemas.microsoft.com/office/drawing/2014/main" id="{59CBA36C-415E-42D8-80E9-97C1003513BB}"/>
+              </a:ext>
+            </a:extLst>
+          </p:cNvPr>
           <p:cNvSpPr>
             <a:spLocks noGrp="1"/>
           </p:cNvSpPr>
@@ -3594,7 +1165,7 @@
           <a:p>
             <a:fld id="{48A87A34-81AB-432B-8DAE-1953F412C126}" type="datetimeFigureOut">
               <a:rPr lang="en-US" smtClean="0"/>
-              <a:t>3/23/2022</a:t>
+              <a:t>3/24/2022</a:t>
             </a:fld>
             <a:endParaRPr lang="en-US" dirty="0"/>
           </a:p>
@@ -3602,7 +1173,13 @@
       </p:sp>
       <p:sp>
         <p:nvSpPr>
-          <p:cNvPr id="5" name="Footer Placeholder 4"/>
+          <p:cNvPr id="5" name="Footer Placeholder 4">
+            <a:extLst>
+              <a:ext uri="{FF2B5EF4-FFF2-40B4-BE49-F238E27FC236}">
+                <a16:creationId xmlns:a16="http://schemas.microsoft.com/office/drawing/2014/main" id="{AC476E18-CBD9-454A-A249-55DFACC1985D}"/>
+              </a:ext>
+            </a:extLst>
+          </p:cNvPr>
           <p:cNvSpPr>
             <a:spLocks noGrp="1"/>
           </p:cNvSpPr>
@@ -3621,7 +1198,13 @@
       </p:sp>
       <p:sp>
         <p:nvSpPr>
-          <p:cNvPr id="6" name="Slide Number Placeholder 5"/>
+          <p:cNvPr id="6" name="Slide Number Placeholder 5">
+            <a:extLst>
+              <a:ext uri="{FF2B5EF4-FFF2-40B4-BE49-F238E27FC236}">
+                <a16:creationId xmlns:a16="http://schemas.microsoft.com/office/drawing/2014/main" id="{866B5DA8-29E5-4779-915B-4937643BE267}"/>
+              </a:ext>
+            </a:extLst>
+          </p:cNvPr>
           <p:cNvSpPr>
             <a:spLocks noGrp="1"/>
           </p:cNvSpPr>
@@ -3645,7 +1228,7 @@
     </p:spTree>
     <p:extLst>
       <p:ext uri="{BB962C8B-B14F-4D97-AF65-F5344CB8AC3E}">
-        <p14:creationId xmlns:p14="http://schemas.microsoft.com/office/powerpoint/2010/main" val="3876770471"/>
+        <p14:creationId xmlns:p14="http://schemas.microsoft.com/office/powerpoint/2010/main" val="3763729742"/>
       </p:ext>
     </p:extLst>
   </p:cSld>
@@ -3674,46 +1257,116 @@
       </p:grpSpPr>
       <p:sp>
         <p:nvSpPr>
-          <p:cNvPr id="2" name="Title 1"/>
+          <p:cNvPr id="2" name="Title 1">
+            <a:extLst>
+              <a:ext uri="{FF2B5EF4-FFF2-40B4-BE49-F238E27FC236}">
+                <a16:creationId xmlns:a16="http://schemas.microsoft.com/office/drawing/2014/main" id="{C7EC0053-C282-404B-A99F-16BE3226756E}"/>
+              </a:ext>
+            </a:extLst>
+          </p:cNvPr>
           <p:cNvSpPr>
             <a:spLocks noGrp="1"/>
           </p:cNvSpPr>
           <p:nvPr>
             <p:ph type="title"/>
+          </p:nvPr>
+        </p:nvSpPr>
+        <p:spPr/>
+        <p:txBody>
+          <a:bodyPr/>
+          <a:lstStyle/>
+          <a:p>
+            <a:r>
+              <a:rPr lang="en-US"/>
+              <a:t>Click to edit Master title style</a:t>
+            </a:r>
+            <a:endParaRPr lang="en-IN"/>
+          </a:p>
+        </p:txBody>
+      </p:sp>
+      <p:sp>
+        <p:nvSpPr>
+          <p:cNvPr id="3" name="Content Placeholder 2">
+            <a:extLst>
+              <a:ext uri="{FF2B5EF4-FFF2-40B4-BE49-F238E27FC236}">
+                <a16:creationId xmlns:a16="http://schemas.microsoft.com/office/drawing/2014/main" id="{A5B044DF-4915-44AA-8C0C-ADB73E771974}"/>
+              </a:ext>
+            </a:extLst>
+          </p:cNvPr>
+          <p:cNvSpPr>
+            <a:spLocks noGrp="1"/>
+          </p:cNvSpPr>
+          <p:nvPr>
+            <p:ph sz="half" idx="1"/>
           </p:nvPr>
         </p:nvSpPr>
         <p:spPr>
           <a:xfrm>
-            <a:off x="913795" y="609600"/>
-            <a:ext cx="10353761" cy="1326321"/>
+            <a:off x="838200" y="1825625"/>
+            <a:ext cx="5181600" cy="4351338"/>
           </a:xfrm>
         </p:spPr>
         <p:txBody>
           <a:bodyPr/>
           <a:lstStyle/>
           <a:p>
+            <a:pPr lvl="0"/>
             <a:r>
               <a:rPr lang="en-US"/>
-              <a:t>Click to edit Master title style</a:t>
-            </a:r>
-            <a:endParaRPr lang="en-US" dirty="0"/>
-          </a:p>
-        </p:txBody>
-      </p:sp>
-      <p:sp>
-        <p:nvSpPr>
-          <p:cNvPr id="3" name="Content Placeholder 2"/>
-          <p:cNvSpPr>
-            <a:spLocks noGrp="1"/>
-          </p:cNvSpPr>
-          <p:nvPr>
-            <p:ph sz="half" idx="1"/>
+              <a:t>Click to edit Master text styles</a:t>
+            </a:r>
+          </a:p>
+          <a:p>
+            <a:pPr lvl="1"/>
+            <a:r>
+              <a:rPr lang="en-US"/>
+              <a:t>Second level</a:t>
+            </a:r>
+          </a:p>
+          <a:p>
+            <a:pPr lvl="2"/>
+            <a:r>
+              <a:rPr lang="en-US"/>
+              <a:t>Third level</a:t>
+            </a:r>
+          </a:p>
+          <a:p>
+            <a:pPr lvl="3"/>
+            <a:r>
+              <a:rPr lang="en-US"/>
+              <a:t>Fourth level</a:t>
+            </a:r>
+          </a:p>
+          <a:p>
+            <a:pPr lvl="4"/>
+            <a:r>
+              <a:rPr lang="en-US"/>
+              <a:t>Fifth level</a:t>
+            </a:r>
+            <a:endParaRPr lang="en-IN"/>
+          </a:p>
+        </p:txBody>
+      </p:sp>
+      <p:sp>
+        <p:nvSpPr>
+          <p:cNvPr id="4" name="Content Placeholder 3">
+            <a:extLst>
+              <a:ext uri="{FF2B5EF4-FFF2-40B4-BE49-F238E27FC236}">
+                <a16:creationId xmlns:a16="http://schemas.microsoft.com/office/drawing/2014/main" id="{4CE371E1-A29E-4AFD-A38F-803C1828F49A}"/>
+              </a:ext>
+            </a:extLst>
+          </p:cNvPr>
+          <p:cNvSpPr>
+            <a:spLocks noGrp="1"/>
+          </p:cNvSpPr>
+          <p:nvPr>
+            <p:ph sz="half" idx="2"/>
           </p:nvPr>
         </p:nvSpPr>
         <p:spPr>
           <a:xfrm>
-            <a:off x="913795" y="2088319"/>
-            <a:ext cx="5106004" cy="3702881"/>
+            <a:off x="6172200" y="1825625"/>
+            <a:ext cx="5181600" cy="4351338"/>
           </a:xfrm>
         </p:spPr>
         <p:txBody>
@@ -3753,70 +1406,19 @@
               <a:rPr lang="en-US"/>
               <a:t>Fifth level</a:t>
             </a:r>
-            <a:endParaRPr lang="en-US" dirty="0"/>
-          </a:p>
-        </p:txBody>
-      </p:sp>
-      <p:sp>
-        <p:nvSpPr>
-          <p:cNvPr id="4" name="Content Placeholder 3"/>
-          <p:cNvSpPr>
-            <a:spLocks noGrp="1"/>
-          </p:cNvSpPr>
-          <p:nvPr>
-            <p:ph sz="half" idx="2"/>
-          </p:nvPr>
-        </p:nvSpPr>
-        <p:spPr>
-          <a:xfrm>
-            <a:off x="6173403" y="2088319"/>
-            <a:ext cx="5094154" cy="3702881"/>
-          </a:xfrm>
-        </p:spPr>
-        <p:txBody>
-          <a:bodyPr/>
-          <a:lstStyle/>
-          <a:p>
-            <a:pPr lvl="0"/>
-            <a:r>
-              <a:rPr lang="en-US"/>
-              <a:t>Click to edit Master text styles</a:t>
-            </a:r>
-          </a:p>
-          <a:p>
-            <a:pPr lvl="1"/>
-            <a:r>
-              <a:rPr lang="en-US"/>
-              <a:t>Second level</a:t>
-            </a:r>
-          </a:p>
-          <a:p>
-            <a:pPr lvl="2"/>
-            <a:r>
-              <a:rPr lang="en-US"/>
-              <a:t>Third level</a:t>
-            </a:r>
-          </a:p>
-          <a:p>
-            <a:pPr lvl="3"/>
-            <a:r>
-              <a:rPr lang="en-US"/>
-              <a:t>Fourth level</a:t>
-            </a:r>
-          </a:p>
-          <a:p>
-            <a:pPr lvl="4"/>
-            <a:r>
-              <a:rPr lang="en-US"/>
-              <a:t>Fifth level</a:t>
-            </a:r>
-            <a:endParaRPr lang="en-US" dirty="0"/>
-          </a:p>
-        </p:txBody>
-      </p:sp>
-      <p:sp>
-        <p:nvSpPr>
-          <p:cNvPr id="5" name="Date Placeholder 4"/>
+            <a:endParaRPr lang="en-IN"/>
+          </a:p>
+        </p:txBody>
+      </p:sp>
+      <p:sp>
+        <p:nvSpPr>
+          <p:cNvPr id="5" name="Date Placeholder 4">
+            <a:extLst>
+              <a:ext uri="{FF2B5EF4-FFF2-40B4-BE49-F238E27FC236}">
+                <a16:creationId xmlns:a16="http://schemas.microsoft.com/office/drawing/2014/main" id="{2C2DD582-A3F5-412D-AE1D-5D4E79D037D1}"/>
+              </a:ext>
+            </a:extLst>
+          </p:cNvPr>
           <p:cNvSpPr>
             <a:spLocks noGrp="1"/>
           </p:cNvSpPr>
@@ -3831,7 +1433,7 @@
           <a:p>
             <a:fld id="{48A87A34-81AB-432B-8DAE-1953F412C126}" type="datetimeFigureOut">
               <a:rPr lang="en-US" smtClean="0"/>
-              <a:t>3/23/2022</a:t>
+              <a:t>3/24/2022</a:t>
             </a:fld>
             <a:endParaRPr lang="en-US" dirty="0"/>
           </a:p>
@@ -3839,7 +1441,13 @@
       </p:sp>
       <p:sp>
         <p:nvSpPr>
-          <p:cNvPr id="6" name="Footer Placeholder 5"/>
+          <p:cNvPr id="6" name="Footer Placeholder 5">
+            <a:extLst>
+              <a:ext uri="{FF2B5EF4-FFF2-40B4-BE49-F238E27FC236}">
+                <a16:creationId xmlns:a16="http://schemas.microsoft.com/office/drawing/2014/main" id="{A9AB76AD-5E30-4DBB-8DC5-E44E21CDE3D9}"/>
+              </a:ext>
+            </a:extLst>
+          </p:cNvPr>
           <p:cNvSpPr>
             <a:spLocks noGrp="1"/>
           </p:cNvSpPr>
@@ -3858,7 +1466,13 @@
       </p:sp>
       <p:sp>
         <p:nvSpPr>
-          <p:cNvPr id="7" name="Slide Number Placeholder 6"/>
+          <p:cNvPr id="7" name="Slide Number Placeholder 6">
+            <a:extLst>
+              <a:ext uri="{FF2B5EF4-FFF2-40B4-BE49-F238E27FC236}">
+                <a16:creationId xmlns:a16="http://schemas.microsoft.com/office/drawing/2014/main" id="{85356E54-CC7C-4AD0-BEEC-EA0FB944E4B9}"/>
+              </a:ext>
+            </a:extLst>
+          </p:cNvPr>
           <p:cNvSpPr>
             <a:spLocks noGrp="1"/>
           </p:cNvSpPr>
@@ -3882,7 +1496,7 @@
     </p:spTree>
     <p:extLst>
       <p:ext uri="{BB962C8B-B14F-4D97-AF65-F5344CB8AC3E}">
-        <p14:creationId xmlns:p14="http://schemas.microsoft.com/office/powerpoint/2010/main" val="1623786782"/>
+        <p14:creationId xmlns:p14="http://schemas.microsoft.com/office/powerpoint/2010/main" val="2484609765"/>
       </p:ext>
     </p:extLst>
   </p:cSld>
@@ -3911,7 +1525,13 @@
       </p:grpSpPr>
       <p:sp>
         <p:nvSpPr>
-          <p:cNvPr id="2" name="Title 1"/>
+          <p:cNvPr id="2" name="Title 1">
+            <a:extLst>
+              <a:ext uri="{FF2B5EF4-FFF2-40B4-BE49-F238E27FC236}">
+                <a16:creationId xmlns:a16="http://schemas.microsoft.com/office/drawing/2014/main" id="{4536A786-B5DE-456C-9AC4-28D2921BD0CF}"/>
+              </a:ext>
+            </a:extLst>
+          </p:cNvPr>
           <p:cNvSpPr>
             <a:spLocks noGrp="1"/>
           </p:cNvSpPr>
@@ -3921,8 +1541,8 @@
         </p:nvSpPr>
         <p:spPr>
           <a:xfrm>
-            <a:off x="913795" y="609600"/>
-            <a:ext cx="10353761" cy="1325563"/>
+            <a:off x="839788" y="365125"/>
+            <a:ext cx="10515600" cy="1325563"/>
           </a:xfrm>
         </p:spPr>
         <p:txBody>
@@ -3933,13 +1553,19 @@
               <a:rPr lang="en-US"/>
               <a:t>Click to edit Master title style</a:t>
             </a:r>
-            <a:endParaRPr lang="en-US" dirty="0"/>
-          </a:p>
-        </p:txBody>
-      </p:sp>
-      <p:sp>
-        <p:nvSpPr>
-          <p:cNvPr id="3" name="Text Placeholder 2"/>
+            <a:endParaRPr lang="en-IN"/>
+          </a:p>
+        </p:txBody>
+      </p:sp>
+      <p:sp>
+        <p:nvSpPr>
+          <p:cNvPr id="3" name="Text Placeholder 2">
+            <a:extLst>
+              <a:ext uri="{FF2B5EF4-FFF2-40B4-BE49-F238E27FC236}">
+                <a16:creationId xmlns:a16="http://schemas.microsoft.com/office/drawing/2014/main" id="{364C83B9-EE02-499B-807A-175807969710}"/>
+              </a:ext>
+            </a:extLst>
+          </p:cNvPr>
           <p:cNvSpPr>
             <a:spLocks noGrp="1"/>
           </p:cNvSpPr>
@@ -3949,17 +1575,14 @@
         </p:nvSpPr>
         <p:spPr>
           <a:xfrm>
-            <a:off x="1141804" y="2088320"/>
-            <a:ext cx="4879199" cy="823912"/>
+            <a:off x="839788" y="1681163"/>
+            <a:ext cx="5157787" cy="823912"/>
           </a:xfrm>
         </p:spPr>
         <p:txBody>
           <a:bodyPr anchor="b"/>
           <a:lstStyle>
             <a:lvl1pPr marL="0" indent="0">
-              <a:lnSpc>
-                <a:spcPct val="100000"/>
-              </a:lnSpc>
               <a:buNone/>
               <a:defRPr sz="2400" b="1"/>
             </a:lvl1pPr>
@@ -4007,7 +1630,13 @@
       </p:sp>
       <p:sp>
         <p:nvSpPr>
-          <p:cNvPr id="4" name="Content Placeholder 3"/>
+          <p:cNvPr id="4" name="Content Placeholder 3">
+            <a:extLst>
+              <a:ext uri="{FF2B5EF4-FFF2-40B4-BE49-F238E27FC236}">
+                <a16:creationId xmlns:a16="http://schemas.microsoft.com/office/drawing/2014/main" id="{6863DD44-1F51-4F34-88E0-286EC74B0294}"/>
+              </a:ext>
+            </a:extLst>
+          </p:cNvPr>
           <p:cNvSpPr>
             <a:spLocks noGrp="1"/>
           </p:cNvSpPr>
@@ -4017,8 +1646,8 @@
         </p:nvSpPr>
         <p:spPr>
           <a:xfrm>
-            <a:off x="913795" y="2912232"/>
-            <a:ext cx="5107208" cy="2878968"/>
+            <a:off x="839788" y="2505075"/>
+            <a:ext cx="5157787" cy="3684588"/>
           </a:xfrm>
         </p:spPr>
         <p:txBody>
@@ -4058,13 +1687,19 @@
               <a:rPr lang="en-US"/>
               <a:t>Fifth level</a:t>
             </a:r>
-            <a:endParaRPr lang="en-US" dirty="0"/>
-          </a:p>
-        </p:txBody>
-      </p:sp>
-      <p:sp>
-        <p:nvSpPr>
-          <p:cNvPr id="5" name="Text Placeholder 4"/>
+            <a:endParaRPr lang="en-IN"/>
+          </a:p>
+        </p:txBody>
+      </p:sp>
+      <p:sp>
+        <p:nvSpPr>
+          <p:cNvPr id="5" name="Text Placeholder 4">
+            <a:extLst>
+              <a:ext uri="{FF2B5EF4-FFF2-40B4-BE49-F238E27FC236}">
+                <a16:creationId xmlns:a16="http://schemas.microsoft.com/office/drawing/2014/main" id="{9EEEA1A7-14F4-40A0-B2D9-AF3A59CCAF78}"/>
+              </a:ext>
+            </a:extLst>
+          </p:cNvPr>
           <p:cNvSpPr>
             <a:spLocks noGrp="1"/>
           </p:cNvSpPr>
@@ -4074,17 +1709,14 @@
         </p:nvSpPr>
         <p:spPr>
           <a:xfrm>
-            <a:off x="6402003" y="2088320"/>
-            <a:ext cx="4865554" cy="823912"/>
+            <a:off x="6172200" y="1681163"/>
+            <a:ext cx="5183188" cy="823912"/>
           </a:xfrm>
         </p:spPr>
         <p:txBody>
           <a:bodyPr anchor="b"/>
           <a:lstStyle>
             <a:lvl1pPr marL="0" indent="0">
-              <a:lnSpc>
-                <a:spcPct val="100000"/>
-              </a:lnSpc>
               <a:buNone/>
               <a:defRPr sz="2400" b="1"/>
             </a:lvl1pPr>
@@ -4132,7 +1764,13 @@
       </p:sp>
       <p:sp>
         <p:nvSpPr>
-          <p:cNvPr id="6" name="Content Placeholder 5"/>
+          <p:cNvPr id="6" name="Content Placeholder 5">
+            <a:extLst>
+              <a:ext uri="{FF2B5EF4-FFF2-40B4-BE49-F238E27FC236}">
+                <a16:creationId xmlns:a16="http://schemas.microsoft.com/office/drawing/2014/main" id="{3D7CB65E-51BD-4D16-8254-D293E8C3B8F9}"/>
+              </a:ext>
+            </a:extLst>
+          </p:cNvPr>
           <p:cNvSpPr>
             <a:spLocks noGrp="1"/>
           </p:cNvSpPr>
@@ -4142,8 +1780,8 @@
         </p:nvSpPr>
         <p:spPr>
           <a:xfrm>
-            <a:off x="6172200" y="2912232"/>
-            <a:ext cx="5095357" cy="2878968"/>
+            <a:off x="6172200" y="2505075"/>
+            <a:ext cx="5183188" cy="3684588"/>
           </a:xfrm>
         </p:spPr>
         <p:txBody>
@@ -4183,13 +1821,19 @@
               <a:rPr lang="en-US"/>
               <a:t>Fifth level</a:t>
             </a:r>
-            <a:endParaRPr lang="en-US" dirty="0"/>
-          </a:p>
-        </p:txBody>
-      </p:sp>
-      <p:sp>
-        <p:nvSpPr>
-          <p:cNvPr id="7" name="Date Placeholder 6"/>
+            <a:endParaRPr lang="en-IN"/>
+          </a:p>
+        </p:txBody>
+      </p:sp>
+      <p:sp>
+        <p:nvSpPr>
+          <p:cNvPr id="7" name="Date Placeholder 6">
+            <a:extLst>
+              <a:ext uri="{FF2B5EF4-FFF2-40B4-BE49-F238E27FC236}">
+                <a16:creationId xmlns:a16="http://schemas.microsoft.com/office/drawing/2014/main" id="{E348BFF2-F128-406A-8AC2-F4CB54DBAE17}"/>
+              </a:ext>
+            </a:extLst>
+          </p:cNvPr>
           <p:cNvSpPr>
             <a:spLocks noGrp="1"/>
           </p:cNvSpPr>
@@ -4204,7 +1848,7 @@
           <a:p>
             <a:fld id="{48A87A34-81AB-432B-8DAE-1953F412C126}" type="datetimeFigureOut">
               <a:rPr lang="en-US" smtClean="0"/>
-              <a:t>3/23/2022</a:t>
+              <a:t>3/24/2022</a:t>
             </a:fld>
             <a:endParaRPr lang="en-US" dirty="0"/>
           </a:p>
@@ -4212,7 +1856,13 @@
       </p:sp>
       <p:sp>
         <p:nvSpPr>
-          <p:cNvPr id="8" name="Footer Placeholder 7"/>
+          <p:cNvPr id="8" name="Footer Placeholder 7">
+            <a:extLst>
+              <a:ext uri="{FF2B5EF4-FFF2-40B4-BE49-F238E27FC236}">
+                <a16:creationId xmlns:a16="http://schemas.microsoft.com/office/drawing/2014/main" id="{32EB4984-4FF7-4F51-AFAE-CF7E738F0486}"/>
+              </a:ext>
+            </a:extLst>
+          </p:cNvPr>
           <p:cNvSpPr>
             <a:spLocks noGrp="1"/>
           </p:cNvSpPr>
@@ -4231,7 +1881,13 @@
       </p:sp>
       <p:sp>
         <p:nvSpPr>
-          <p:cNvPr id="9" name="Slide Number Placeholder 8"/>
+          <p:cNvPr id="9" name="Slide Number Placeholder 8">
+            <a:extLst>
+              <a:ext uri="{FF2B5EF4-FFF2-40B4-BE49-F238E27FC236}">
+                <a16:creationId xmlns:a16="http://schemas.microsoft.com/office/drawing/2014/main" id="{EDD0B57C-60EF-4C0C-A632-39A8578BE72A}"/>
+              </a:ext>
+            </a:extLst>
+          </p:cNvPr>
           <p:cNvSpPr>
             <a:spLocks noGrp="1"/>
           </p:cNvSpPr>
@@ -4255,7 +1911,7 @@
     </p:spTree>
     <p:extLst>
       <p:ext uri="{BB962C8B-B14F-4D97-AF65-F5344CB8AC3E}">
-        <p14:creationId xmlns:p14="http://schemas.microsoft.com/office/powerpoint/2010/main" val="3059697700"/>
+        <p14:creationId xmlns:p14="http://schemas.microsoft.com/office/powerpoint/2010/main" val="426056549"/>
       </p:ext>
     </p:extLst>
   </p:cSld>
@@ -4284,7 +1940,13 @@
       </p:grpSpPr>
       <p:sp>
         <p:nvSpPr>
-          <p:cNvPr id="2" name="Title 1"/>
+          <p:cNvPr id="2" name="Title 1">
+            <a:extLst>
+              <a:ext uri="{FF2B5EF4-FFF2-40B4-BE49-F238E27FC236}">
+                <a16:creationId xmlns:a16="http://schemas.microsoft.com/office/drawing/2014/main" id="{FC192DC5-8134-4504-8BB8-DDCCB4369BB8}"/>
+              </a:ext>
+            </a:extLst>
+          </p:cNvPr>
           <p:cNvSpPr>
             <a:spLocks noGrp="1"/>
           </p:cNvSpPr>
@@ -4301,13 +1963,19 @@
               <a:rPr lang="en-US"/>
               <a:t>Click to edit Master title style</a:t>
             </a:r>
-            <a:endParaRPr lang="en-US" dirty="0"/>
-          </a:p>
-        </p:txBody>
-      </p:sp>
-      <p:sp>
-        <p:nvSpPr>
-          <p:cNvPr id="3" name="Date Placeholder 2"/>
+            <a:endParaRPr lang="en-IN"/>
+          </a:p>
+        </p:txBody>
+      </p:sp>
+      <p:sp>
+        <p:nvSpPr>
+          <p:cNvPr id="3" name="Date Placeholder 2">
+            <a:extLst>
+              <a:ext uri="{FF2B5EF4-FFF2-40B4-BE49-F238E27FC236}">
+                <a16:creationId xmlns:a16="http://schemas.microsoft.com/office/drawing/2014/main" id="{C1C3DBA7-A269-4445-94FC-A5B95F3088F4}"/>
+              </a:ext>
+            </a:extLst>
+          </p:cNvPr>
           <p:cNvSpPr>
             <a:spLocks noGrp="1"/>
           </p:cNvSpPr>
@@ -4322,7 +1990,7 @@
           <a:p>
             <a:fld id="{48A87A34-81AB-432B-8DAE-1953F412C126}" type="datetimeFigureOut">
               <a:rPr lang="en-US" smtClean="0"/>
-              <a:t>3/23/2022</a:t>
+              <a:t>3/24/2022</a:t>
             </a:fld>
             <a:endParaRPr lang="en-US" dirty="0"/>
           </a:p>
@@ -4330,7 +1998,13 @@
       </p:sp>
       <p:sp>
         <p:nvSpPr>
-          <p:cNvPr id="4" name="Footer Placeholder 3"/>
+          <p:cNvPr id="4" name="Footer Placeholder 3">
+            <a:extLst>
+              <a:ext uri="{FF2B5EF4-FFF2-40B4-BE49-F238E27FC236}">
+                <a16:creationId xmlns:a16="http://schemas.microsoft.com/office/drawing/2014/main" id="{D3416745-22D9-4954-ACE6-896D301C0732}"/>
+              </a:ext>
+            </a:extLst>
+          </p:cNvPr>
           <p:cNvSpPr>
             <a:spLocks noGrp="1"/>
           </p:cNvSpPr>
@@ -4349,7 +2023,13 @@
       </p:sp>
       <p:sp>
         <p:nvSpPr>
-          <p:cNvPr id="5" name="Slide Number Placeholder 4"/>
+          <p:cNvPr id="5" name="Slide Number Placeholder 4">
+            <a:extLst>
+              <a:ext uri="{FF2B5EF4-FFF2-40B4-BE49-F238E27FC236}">
+                <a16:creationId xmlns:a16="http://schemas.microsoft.com/office/drawing/2014/main" id="{C4D0902F-B32D-4BE8-96D6-D1FEE95149E2}"/>
+              </a:ext>
+            </a:extLst>
+          </p:cNvPr>
           <p:cNvSpPr>
             <a:spLocks noGrp="1"/>
           </p:cNvSpPr>
@@ -4373,7 +2053,7 @@
     </p:spTree>
     <p:extLst>
       <p:ext uri="{BB962C8B-B14F-4D97-AF65-F5344CB8AC3E}">
-        <p14:creationId xmlns:p14="http://schemas.microsoft.com/office/powerpoint/2010/main" val="2219227023"/>
+        <p14:creationId xmlns:p14="http://schemas.microsoft.com/office/powerpoint/2010/main" val="980219251"/>
       </p:ext>
     </p:extLst>
   </p:cSld>
@@ -4402,7 +2082,13 @@
       </p:grpSpPr>
       <p:sp>
         <p:nvSpPr>
-          <p:cNvPr id="2" name="Date Placeholder 1"/>
+          <p:cNvPr id="2" name="Date Placeholder 1">
+            <a:extLst>
+              <a:ext uri="{FF2B5EF4-FFF2-40B4-BE49-F238E27FC236}">
+                <a16:creationId xmlns:a16="http://schemas.microsoft.com/office/drawing/2014/main" id="{302E01A8-4A46-46C2-9E69-718C5B6209F9}"/>
+              </a:ext>
+            </a:extLst>
+          </p:cNvPr>
           <p:cNvSpPr>
             <a:spLocks noGrp="1"/>
           </p:cNvSpPr>
@@ -4417,7 +2103,7 @@
           <a:p>
             <a:fld id="{48A87A34-81AB-432B-8DAE-1953F412C126}" type="datetimeFigureOut">
               <a:rPr lang="en-US" smtClean="0"/>
-              <a:t>3/23/2022</a:t>
+              <a:t>3/24/2022</a:t>
             </a:fld>
             <a:endParaRPr lang="en-US" dirty="0"/>
           </a:p>
@@ -4425,7 +2111,13 @@
       </p:sp>
       <p:sp>
         <p:nvSpPr>
-          <p:cNvPr id="3" name="Footer Placeholder 2"/>
+          <p:cNvPr id="3" name="Footer Placeholder 2">
+            <a:extLst>
+              <a:ext uri="{FF2B5EF4-FFF2-40B4-BE49-F238E27FC236}">
+                <a16:creationId xmlns:a16="http://schemas.microsoft.com/office/drawing/2014/main" id="{05445F8B-40E2-4808-96DE-A732EF89519E}"/>
+              </a:ext>
+            </a:extLst>
+          </p:cNvPr>
           <p:cNvSpPr>
             <a:spLocks noGrp="1"/>
           </p:cNvSpPr>
@@ -4444,7 +2136,13 @@
       </p:sp>
       <p:sp>
         <p:nvSpPr>
-          <p:cNvPr id="4" name="Slide Number Placeholder 3"/>
+          <p:cNvPr id="4" name="Slide Number Placeholder 3">
+            <a:extLst>
+              <a:ext uri="{FF2B5EF4-FFF2-40B4-BE49-F238E27FC236}">
+                <a16:creationId xmlns:a16="http://schemas.microsoft.com/office/drawing/2014/main" id="{79E1C7DF-52CD-42BF-92F3-4D2C52FDA300}"/>
+              </a:ext>
+            </a:extLst>
+          </p:cNvPr>
           <p:cNvSpPr>
             <a:spLocks noGrp="1"/>
           </p:cNvSpPr>
@@ -4468,7 +2166,7 @@
     </p:spTree>
     <p:extLst>
       <p:ext uri="{BB962C8B-B14F-4D97-AF65-F5344CB8AC3E}">
-        <p14:creationId xmlns:p14="http://schemas.microsoft.com/office/powerpoint/2010/main" val="4196466577"/>
+        <p14:creationId xmlns:p14="http://schemas.microsoft.com/office/powerpoint/2010/main" val="2427835582"/>
       </p:ext>
     </p:extLst>
   </p:cSld>
@@ -4497,7 +2195,13 @@
       </p:grpSpPr>
       <p:sp>
         <p:nvSpPr>
-          <p:cNvPr id="2" name="Title 1"/>
+          <p:cNvPr id="2" name="Title 1">
+            <a:extLst>
+              <a:ext uri="{FF2B5EF4-FFF2-40B4-BE49-F238E27FC236}">
+                <a16:creationId xmlns:a16="http://schemas.microsoft.com/office/drawing/2014/main" id="{A29DD38F-6176-4DAD-9918-8D934C1424D2}"/>
+              </a:ext>
+            </a:extLst>
+          </p:cNvPr>
           <p:cNvSpPr>
             <a:spLocks noGrp="1"/>
           </p:cNvSpPr>
@@ -4507,17 +2211,15 @@
         </p:nvSpPr>
         <p:spPr>
           <a:xfrm>
-            <a:off x="917228" y="609600"/>
-            <a:ext cx="3932237" cy="2362200"/>
+            <a:off x="839788" y="457200"/>
+            <a:ext cx="3932237" cy="1600200"/>
           </a:xfrm>
         </p:spPr>
         <p:txBody>
-          <a:bodyPr anchor="b">
-            <a:normAutofit/>
-          </a:bodyPr>
+          <a:bodyPr anchor="b"/>
           <a:lstStyle>
             <a:lvl1pPr>
-              <a:defRPr sz="2800"/>
+              <a:defRPr sz="3200"/>
             </a:lvl1pPr>
           </a:lstStyle>
           <a:p>
@@ -4525,13 +2227,19 @@
               <a:rPr lang="en-US"/>
               <a:t>Click to edit Master title style</a:t>
             </a:r>
-            <a:endParaRPr lang="en-US" dirty="0"/>
-          </a:p>
-        </p:txBody>
-      </p:sp>
-      <p:sp>
-        <p:nvSpPr>
-          <p:cNvPr id="3" name="Content Placeholder 2"/>
+            <a:endParaRPr lang="en-IN"/>
+          </a:p>
+        </p:txBody>
+      </p:sp>
+      <p:sp>
+        <p:nvSpPr>
+          <p:cNvPr id="3" name="Content Placeholder 2">
+            <a:extLst>
+              <a:ext uri="{FF2B5EF4-FFF2-40B4-BE49-F238E27FC236}">
+                <a16:creationId xmlns:a16="http://schemas.microsoft.com/office/drawing/2014/main" id="{D34A1189-7CC0-4D88-8CF7-CEAF1A0AFFA5}"/>
+              </a:ext>
+            </a:extLst>
+          </p:cNvPr>
           <p:cNvSpPr>
             <a:spLocks noGrp="1"/>
           </p:cNvSpPr>
@@ -4541,13 +2249,41 @@
         </p:nvSpPr>
         <p:spPr>
           <a:xfrm>
-            <a:off x="5078064" y="609600"/>
-            <a:ext cx="6189492" cy="5181600"/>
+            <a:off x="5183188" y="987425"/>
+            <a:ext cx="6172200" cy="4873625"/>
           </a:xfrm>
         </p:spPr>
         <p:txBody>
-          <a:bodyPr anchor="ctr"/>
-          <a:lstStyle/>
+          <a:bodyPr/>
+          <a:lstStyle>
+            <a:lvl1pPr>
+              <a:defRPr sz="3200"/>
+            </a:lvl1pPr>
+            <a:lvl2pPr>
+              <a:defRPr sz="2800"/>
+            </a:lvl2pPr>
+            <a:lvl3pPr>
+              <a:defRPr sz="2400"/>
+            </a:lvl3pPr>
+            <a:lvl4pPr>
+              <a:defRPr sz="2000"/>
+            </a:lvl4pPr>
+            <a:lvl5pPr>
+              <a:defRPr sz="2000"/>
+            </a:lvl5pPr>
+            <a:lvl6pPr>
+              <a:defRPr sz="2000"/>
+            </a:lvl6pPr>
+            <a:lvl7pPr>
+              <a:defRPr sz="2000"/>
+            </a:lvl7pPr>
+            <a:lvl8pPr>
+              <a:defRPr sz="2000"/>
+            </a:lvl8pPr>
+            <a:lvl9pPr>
+              <a:defRPr sz="2000"/>
+            </a:lvl9pPr>
+          </a:lstStyle>
           <a:p>
             <a:pPr lvl="0"/>
             <a:r>
@@ -4582,13 +2318,19 @@
               <a:rPr lang="en-US"/>
               <a:t>Fifth level</a:t>
             </a:r>
-            <a:endParaRPr lang="en-US" dirty="0"/>
-          </a:p>
-        </p:txBody>
-      </p:sp>
-      <p:sp>
-        <p:nvSpPr>
-          <p:cNvPr id="4" name="Text Placeholder 3"/>
+            <a:endParaRPr lang="en-IN"/>
+          </a:p>
+        </p:txBody>
+      </p:sp>
+      <p:sp>
+        <p:nvSpPr>
+          <p:cNvPr id="4" name="Text Placeholder 3">
+            <a:extLst>
+              <a:ext uri="{FF2B5EF4-FFF2-40B4-BE49-F238E27FC236}">
+                <a16:creationId xmlns:a16="http://schemas.microsoft.com/office/drawing/2014/main" id="{B3E8699C-C4F1-49A7-8B91-98355200E9B7}"/>
+              </a:ext>
+            </a:extLst>
+          </p:cNvPr>
           <p:cNvSpPr>
             <a:spLocks noGrp="1"/>
           </p:cNvSpPr>
@@ -4598,14 +2340,14 @@
         </p:nvSpPr>
         <p:spPr>
           <a:xfrm>
-            <a:off x="917228" y="2971800"/>
-            <a:ext cx="3932237" cy="2819399"/>
+            <a:off x="839788" y="2057400"/>
+            <a:ext cx="3932237" cy="3811588"/>
           </a:xfrm>
         </p:spPr>
         <p:txBody>
           <a:bodyPr/>
           <a:lstStyle>
-            <a:lvl1pPr marL="0" indent="0" algn="ctr">
+            <a:lvl1pPr marL="0" indent="0">
               <a:buNone/>
               <a:defRPr sz="1600"/>
             </a:lvl1pPr>
@@ -4653,7 +2395,13 @@
       </p:sp>
       <p:sp>
         <p:nvSpPr>
-          <p:cNvPr id="5" name="Date Placeholder 4"/>
+          <p:cNvPr id="5" name="Date Placeholder 4">
+            <a:extLst>
+              <a:ext uri="{FF2B5EF4-FFF2-40B4-BE49-F238E27FC236}">
+                <a16:creationId xmlns:a16="http://schemas.microsoft.com/office/drawing/2014/main" id="{0F9CCC2A-F3C0-429A-945B-F4AE88D83553}"/>
+              </a:ext>
+            </a:extLst>
+          </p:cNvPr>
           <p:cNvSpPr>
             <a:spLocks noGrp="1"/>
           </p:cNvSpPr>
@@ -4668,7 +2416,7 @@
           <a:p>
             <a:fld id="{48A87A34-81AB-432B-8DAE-1953F412C126}" type="datetimeFigureOut">
               <a:rPr lang="en-US" smtClean="0"/>
-              <a:t>3/23/2022</a:t>
+              <a:t>3/24/2022</a:t>
             </a:fld>
             <a:endParaRPr lang="en-US" dirty="0"/>
           </a:p>
@@ -4676,7 +2424,13 @@
       </p:sp>
       <p:sp>
         <p:nvSpPr>
-          <p:cNvPr id="6" name="Footer Placeholder 5"/>
+          <p:cNvPr id="6" name="Footer Placeholder 5">
+            <a:extLst>
+              <a:ext uri="{FF2B5EF4-FFF2-40B4-BE49-F238E27FC236}">
+                <a16:creationId xmlns:a16="http://schemas.microsoft.com/office/drawing/2014/main" id="{0DF8EE1D-C6D3-4563-BE17-EAD05DF8A3BD}"/>
+              </a:ext>
+            </a:extLst>
+          </p:cNvPr>
           <p:cNvSpPr>
             <a:spLocks noGrp="1"/>
           </p:cNvSpPr>
@@ -4695,7 +2449,13 @@
       </p:sp>
       <p:sp>
         <p:nvSpPr>
-          <p:cNvPr id="7" name="Slide Number Placeholder 6"/>
+          <p:cNvPr id="7" name="Slide Number Placeholder 6">
+            <a:extLst>
+              <a:ext uri="{FF2B5EF4-FFF2-40B4-BE49-F238E27FC236}">
+                <a16:creationId xmlns:a16="http://schemas.microsoft.com/office/drawing/2014/main" id="{4CD7A0A3-EA8A-472C-BE51-51905B4C8C43}"/>
+              </a:ext>
+            </a:extLst>
+          </p:cNvPr>
           <p:cNvSpPr>
             <a:spLocks noGrp="1"/>
           </p:cNvSpPr>
@@ -4719,7 +2479,7 @@
     </p:spTree>
     <p:extLst>
       <p:ext uri="{BB962C8B-B14F-4D97-AF65-F5344CB8AC3E}">
-        <p14:creationId xmlns:p14="http://schemas.microsoft.com/office/powerpoint/2010/main" val="324449198"/>
+        <p14:creationId xmlns:p14="http://schemas.microsoft.com/office/powerpoint/2010/main" val="3041852883"/>
       </p:ext>
     </p:extLst>
   </p:cSld>
@@ -4748,7 +2508,13 @@
       </p:grpSpPr>
       <p:sp>
         <p:nvSpPr>
-          <p:cNvPr id="2" name="Title 1"/>
+          <p:cNvPr id="2" name="Title 1">
+            <a:extLst>
+              <a:ext uri="{FF2B5EF4-FFF2-40B4-BE49-F238E27FC236}">
+                <a16:creationId xmlns:a16="http://schemas.microsoft.com/office/drawing/2014/main" id="{5C8A325B-839E-4E6B-A1FA-7D0D2D2AA7DF}"/>
+              </a:ext>
+            </a:extLst>
+          </p:cNvPr>
           <p:cNvSpPr>
             <a:spLocks noGrp="1"/>
           </p:cNvSpPr>
@@ -4758,14 +2524,12 @@
         </p:nvSpPr>
         <p:spPr>
           <a:xfrm>
-            <a:off x="917227" y="609600"/>
-            <a:ext cx="5929773" cy="2362200"/>
+            <a:off x="839788" y="457200"/>
+            <a:ext cx="3932237" cy="1600200"/>
           </a:xfrm>
         </p:spPr>
         <p:txBody>
-          <a:bodyPr anchor="b">
-            <a:normAutofit/>
-          </a:bodyPr>
+          <a:bodyPr anchor="b"/>
           <a:lstStyle>
             <a:lvl1pPr>
               <a:defRPr sz="3200"/>
@@ -4776,15 +2540,21 @@
               <a:rPr lang="en-US"/>
               <a:t>Click to edit Master title style</a:t>
             </a:r>
-            <a:endParaRPr lang="en-US" dirty="0"/>
-          </a:p>
-        </p:txBody>
-      </p:sp>
-      <p:sp>
-        <p:nvSpPr>
-          <p:cNvPr id="3" name="Picture Placeholder 2"/>
-          <p:cNvSpPr>
-            <a:spLocks noGrp="1" noChangeAspect="1"/>
+            <a:endParaRPr lang="en-IN"/>
+          </a:p>
+        </p:txBody>
+      </p:sp>
+      <p:sp>
+        <p:nvSpPr>
+          <p:cNvPr id="3" name="Picture Placeholder 2">
+            <a:extLst>
+              <a:ext uri="{FF2B5EF4-FFF2-40B4-BE49-F238E27FC236}">
+                <a16:creationId xmlns:a16="http://schemas.microsoft.com/office/drawing/2014/main" id="{7567A81F-6C59-4AC7-A01E-C8556558075A}"/>
+              </a:ext>
+            </a:extLst>
+          </p:cNvPr>
+          <p:cNvSpPr>
+            <a:spLocks noGrp="1"/>
           </p:cNvSpPr>
           <p:nvPr>
             <p:ph type="pic" idx="1"/>
@@ -4792,40 +2562,14 @@
         </p:nvSpPr>
         <p:spPr>
           <a:xfrm>
-            <a:off x="7424804" y="758881"/>
-            <a:ext cx="3255356" cy="4883038"/>
+            <a:off x="5183188" y="987425"/>
+            <a:ext cx="6172200" cy="4873625"/>
           </a:xfrm>
-          <a:noFill/>
-          <a:ln w="190500" cap="sq">
-            <a:solidFill>
-              <a:srgbClr val="FFFFFF"/>
-            </a:solidFill>
-            <a:miter lim="800000"/>
-          </a:ln>
-          <a:effectLst>
-            <a:outerShdw blurRad="55000" dist="18000" dir="5400000" algn="tl" rotWithShape="0">
-              <a:srgbClr val="000000">
-                <a:alpha val="40000"/>
-              </a:srgbClr>
-            </a:outerShdw>
-          </a:effectLst>
-          <a:scene3d>
-            <a:camera prst="orthographicFront"/>
-            <a:lightRig rig="twoPt" dir="t">
-              <a:rot lat="0" lon="0" rev="7200000"/>
-            </a:lightRig>
-          </a:scene3d>
-          <a:sp3d>
-            <a:bevelT w="25400" h="19050"/>
-            <a:contourClr>
-              <a:srgbClr val="FFFFFF"/>
-            </a:contourClr>
-          </a:sp3d>
         </p:spPr>
         <p:txBody>
-          <a:bodyPr anchor="t"/>
+          <a:bodyPr/>
           <a:lstStyle>
-            <a:lvl1pPr marL="0" indent="0" algn="ctr">
+            <a:lvl1pPr marL="0" indent="0">
               <a:buNone/>
               <a:defRPr sz="3200"/>
             </a:lvl1pPr>
@@ -4863,17 +2607,19 @@
             </a:lvl9pPr>
           </a:lstStyle>
           <a:p>
-            <a:r>
-              <a:rPr lang="en-US"/>
-              <a:t>Click icon to add picture</a:t>
-            </a:r>
-            <a:endParaRPr lang="en-US" dirty="0"/>
-          </a:p>
-        </p:txBody>
-      </p:sp>
-      <p:sp>
-        <p:nvSpPr>
-          <p:cNvPr id="4" name="Text Placeholder 3"/>
+            <a:endParaRPr lang="en-IN" dirty="0"/>
+          </a:p>
+        </p:txBody>
+      </p:sp>
+      <p:sp>
+        <p:nvSpPr>
+          <p:cNvPr id="4" name="Text Placeholder 3">
+            <a:extLst>
+              <a:ext uri="{FF2B5EF4-FFF2-40B4-BE49-F238E27FC236}">
+                <a16:creationId xmlns:a16="http://schemas.microsoft.com/office/drawing/2014/main" id="{EDF0CC5C-C355-443E-8B65-8232A0BF3026}"/>
+              </a:ext>
+            </a:extLst>
+          </p:cNvPr>
           <p:cNvSpPr>
             <a:spLocks noGrp="1"/>
           </p:cNvSpPr>
@@ -4883,18 +2629,16 @@
         </p:nvSpPr>
         <p:spPr>
           <a:xfrm>
-            <a:off x="913794" y="2971800"/>
-            <a:ext cx="5934950" cy="2819400"/>
+            <a:off x="839788" y="2057400"/>
+            <a:ext cx="3932237" cy="3811588"/>
           </a:xfrm>
         </p:spPr>
         <p:txBody>
-          <a:bodyPr>
-            <a:normAutofit/>
-          </a:bodyPr>
+          <a:bodyPr/>
           <a:lstStyle>
-            <a:lvl1pPr marL="0" indent="0" algn="ctr">
-              <a:buNone/>
-              <a:defRPr sz="1800"/>
+            <a:lvl1pPr marL="0" indent="0">
+              <a:buNone/>
+              <a:defRPr sz="1600"/>
             </a:lvl1pPr>
             <a:lvl2pPr marL="457200" indent="0">
               <a:buNone/>
@@ -4940,7 +2684,13 @@
       </p:sp>
       <p:sp>
         <p:nvSpPr>
-          <p:cNvPr id="5" name="Date Placeholder 4"/>
+          <p:cNvPr id="5" name="Date Placeholder 4">
+            <a:extLst>
+              <a:ext uri="{FF2B5EF4-FFF2-40B4-BE49-F238E27FC236}">
+                <a16:creationId xmlns:a16="http://schemas.microsoft.com/office/drawing/2014/main" id="{30804A78-53C1-4BA3-B448-B38CDE47FA20}"/>
+              </a:ext>
+            </a:extLst>
+          </p:cNvPr>
           <p:cNvSpPr>
             <a:spLocks noGrp="1"/>
           </p:cNvSpPr>
@@ -4955,7 +2705,7 @@
           <a:p>
             <a:fld id="{48A87A34-81AB-432B-8DAE-1953F412C126}" type="datetimeFigureOut">
               <a:rPr lang="en-US" smtClean="0"/>
-              <a:t>3/23/2022</a:t>
+              <a:t>3/24/2022</a:t>
             </a:fld>
             <a:endParaRPr lang="en-US" dirty="0"/>
           </a:p>
@@ -4963,7 +2713,13 @@
       </p:sp>
       <p:sp>
         <p:nvSpPr>
-          <p:cNvPr id="6" name="Footer Placeholder 5"/>
+          <p:cNvPr id="6" name="Footer Placeholder 5">
+            <a:extLst>
+              <a:ext uri="{FF2B5EF4-FFF2-40B4-BE49-F238E27FC236}">
+                <a16:creationId xmlns:a16="http://schemas.microsoft.com/office/drawing/2014/main" id="{B5FA2C4B-20BD-4400-B34A-099BBF9300CD}"/>
+              </a:ext>
+            </a:extLst>
+          </p:cNvPr>
           <p:cNvSpPr>
             <a:spLocks noGrp="1"/>
           </p:cNvSpPr>
@@ -4982,7 +2738,13 @@
       </p:sp>
       <p:sp>
         <p:nvSpPr>
-          <p:cNvPr id="7" name="Slide Number Placeholder 6"/>
+          <p:cNvPr id="7" name="Slide Number Placeholder 6">
+            <a:extLst>
+              <a:ext uri="{FF2B5EF4-FFF2-40B4-BE49-F238E27FC236}">
+                <a16:creationId xmlns:a16="http://schemas.microsoft.com/office/drawing/2014/main" id="{A6B7D2A9-EF38-4521-951B-B8F50FC857E8}"/>
+              </a:ext>
+            </a:extLst>
+          </p:cNvPr>
           <p:cNvSpPr>
             <a:spLocks noGrp="1"/>
           </p:cNvSpPr>
@@ -5006,7 +2768,7 @@
     </p:spTree>
     <p:extLst>
       <p:ext uri="{BB962C8B-B14F-4D97-AF65-F5344CB8AC3E}">
-        <p14:creationId xmlns:p14="http://schemas.microsoft.com/office/powerpoint/2010/main" val="2965651045"/>
+        <p14:creationId xmlns:p14="http://schemas.microsoft.com/office/powerpoint/2010/main" val="2194007681"/>
       </p:ext>
     </p:extLst>
   </p:cSld>
@@ -5020,7 +2782,7 @@
 <p:sldMaster xmlns:a="http://schemas.openxmlformats.org/drawingml/2006/main" xmlns:r="http://schemas.openxmlformats.org/officeDocument/2006/relationships" xmlns:p="http://schemas.openxmlformats.org/presentationml/2006/main">
   <p:cSld>
     <p:bg>
-      <p:bgRef idx="1003">
+      <p:bgRef idx="1001">
         <a:schemeClr val="bg2"/>
       </p:bgRef>
     </p:bg>
@@ -5040,7 +2802,13 @@
       </p:grpSpPr>
       <p:sp>
         <p:nvSpPr>
-          <p:cNvPr id="2" name="Title Placeholder 1"/>
+          <p:cNvPr id="2" name="Title Placeholder 1">
+            <a:extLst>
+              <a:ext uri="{FF2B5EF4-FFF2-40B4-BE49-F238E27FC236}">
+                <a16:creationId xmlns:a16="http://schemas.microsoft.com/office/drawing/2014/main" id="{B7C38FEF-29AE-4A2B-9E44-CBA83446606D}"/>
+              </a:ext>
+            </a:extLst>
+          </p:cNvPr>
           <p:cNvSpPr>
             <a:spLocks noGrp="1"/>
           </p:cNvSpPr>
@@ -5050,8 +2818,8 @@
         </p:nvSpPr>
         <p:spPr>
           <a:xfrm>
-            <a:off x="913795" y="609600"/>
-            <a:ext cx="10353761" cy="1326321"/>
+            <a:off x="838200" y="365125"/>
+            <a:ext cx="10515600" cy="1325563"/>
           </a:xfrm>
           <a:prstGeom prst="rect">
             <a:avLst/>
@@ -5067,13 +2835,19 @@
               <a:rPr lang="en-US"/>
               <a:t>Click to edit Master title style</a:t>
             </a:r>
-            <a:endParaRPr lang="en-US" dirty="0"/>
-          </a:p>
-        </p:txBody>
-      </p:sp>
-      <p:sp>
-        <p:nvSpPr>
-          <p:cNvPr id="3" name="Text Placeholder 2"/>
+            <a:endParaRPr lang="en-IN"/>
+          </a:p>
+        </p:txBody>
+      </p:sp>
+      <p:sp>
+        <p:nvSpPr>
+          <p:cNvPr id="3" name="Text Placeholder 2">
+            <a:extLst>
+              <a:ext uri="{FF2B5EF4-FFF2-40B4-BE49-F238E27FC236}">
+                <a16:creationId xmlns:a16="http://schemas.microsoft.com/office/drawing/2014/main" id="{7D7B0A21-7C10-40FF-88D0-A05F2DEFD235}"/>
+              </a:ext>
+            </a:extLst>
+          </p:cNvPr>
           <p:cNvSpPr>
             <a:spLocks noGrp="1"/>
           </p:cNvSpPr>
@@ -5083,8 +2857,8 @@
         </p:nvSpPr>
         <p:spPr>
           <a:xfrm>
-            <a:off x="913795" y="2096064"/>
-            <a:ext cx="10353762" cy="3695136"/>
+            <a:off x="838200" y="1825625"/>
+            <a:ext cx="10515600" cy="4351338"/>
           </a:xfrm>
           <a:prstGeom prst="rect">
             <a:avLst/>
@@ -5129,13 +2903,19 @@
               <a:rPr lang="en-US"/>
               <a:t>Fifth level</a:t>
             </a:r>
-            <a:endParaRPr lang="en-US" dirty="0"/>
-          </a:p>
-        </p:txBody>
-      </p:sp>
-      <p:sp>
-        <p:nvSpPr>
-          <p:cNvPr id="4" name="Date Placeholder 3"/>
+            <a:endParaRPr lang="en-IN"/>
+          </a:p>
+        </p:txBody>
+      </p:sp>
+      <p:sp>
+        <p:nvSpPr>
+          <p:cNvPr id="4" name="Date Placeholder 3">
+            <a:extLst>
+              <a:ext uri="{FF2B5EF4-FFF2-40B4-BE49-F238E27FC236}">
+                <a16:creationId xmlns:a16="http://schemas.microsoft.com/office/drawing/2014/main" id="{83A8AA33-B5F7-4B36-B1A0-FEF3EDEFF982}"/>
+              </a:ext>
+            </a:extLst>
+          </p:cNvPr>
           <p:cNvSpPr>
             <a:spLocks noGrp="1"/>
           </p:cNvSpPr>
@@ -5145,7 +2925,7 @@
         </p:nvSpPr>
         <p:spPr>
           <a:xfrm>
-            <a:off x="7678736" y="5883275"/>
+            <a:off x="838200" y="6356350"/>
             <a:ext cx="2743200" cy="365125"/>
           </a:xfrm>
           <a:prstGeom prst="rect">
@@ -5155,8 +2935,8 @@
         <p:txBody>
           <a:bodyPr vert="horz" lIns="91440" tIns="45720" rIns="91440" bIns="45720" rtlCol="0" anchor="ctr"/>
           <a:lstStyle>
-            <a:lvl1pPr algn="r">
-              <a:defRPr sz="1000">
+            <a:lvl1pPr algn="l">
+              <a:defRPr sz="1200">
                 <a:solidFill>
                   <a:schemeClr val="tx1">
                     <a:tint val="75000"/>
@@ -5169,7 +2949,7 @@
             <a:fld id="{48A87A34-81AB-432B-8DAE-1953F412C126}" type="datetimeFigureOut">
               <a:rPr lang="en-US" smtClean="0"/>
               <a:pPr/>
-              <a:t>3/23/2022</a:t>
+              <a:t>3/24/2022</a:t>
             </a:fld>
             <a:endParaRPr lang="en-US" dirty="0"/>
           </a:p>
@@ -5177,7 +2957,13 @@
       </p:sp>
       <p:sp>
         <p:nvSpPr>
-          <p:cNvPr id="5" name="Footer Placeholder 4"/>
+          <p:cNvPr id="5" name="Footer Placeholder 4">
+            <a:extLst>
+              <a:ext uri="{FF2B5EF4-FFF2-40B4-BE49-F238E27FC236}">
+                <a16:creationId xmlns:a16="http://schemas.microsoft.com/office/drawing/2014/main" id="{9FBCB2F7-D2DB-4CB6-B0CE-E612F547FBAD}"/>
+              </a:ext>
+            </a:extLst>
+          </p:cNvPr>
           <p:cNvSpPr>
             <a:spLocks noGrp="1"/>
           </p:cNvSpPr>
@@ -5187,8 +2973,8 @@
         </p:nvSpPr>
         <p:spPr>
           <a:xfrm>
-            <a:off x="913794" y="5883275"/>
-            <a:ext cx="6672865" cy="365125"/>
+            <a:off x="4038600" y="6356350"/>
+            <a:ext cx="4114800" cy="365125"/>
           </a:xfrm>
           <a:prstGeom prst="rect">
             <a:avLst/>
@@ -5197,8 +2983,8 @@
         <p:txBody>
           <a:bodyPr vert="horz" lIns="91440" tIns="45720" rIns="91440" bIns="45720" rtlCol="0" anchor="ctr"/>
           <a:lstStyle>
-            <a:lvl1pPr algn="l">
-              <a:defRPr sz="1000">
+            <a:lvl1pPr algn="ctr">
+              <a:defRPr sz="1200">
                 <a:solidFill>
                   <a:schemeClr val="tx1">
                     <a:tint val="75000"/>
@@ -5214,7 +3000,13 @@
       </p:sp>
       <p:sp>
         <p:nvSpPr>
-          <p:cNvPr id="6" name="Slide Number Placeholder 5"/>
+          <p:cNvPr id="6" name="Slide Number Placeholder 5">
+            <a:extLst>
+              <a:ext uri="{FF2B5EF4-FFF2-40B4-BE49-F238E27FC236}">
+                <a16:creationId xmlns:a16="http://schemas.microsoft.com/office/drawing/2014/main" id="{925ED457-023B-43F6-9462-B60354FA6395}"/>
+              </a:ext>
+            </a:extLst>
+          </p:cNvPr>
           <p:cNvSpPr>
             <a:spLocks noGrp="1"/>
           </p:cNvSpPr>
@@ -5224,8 +3016,8 @@
         </p:nvSpPr>
         <p:spPr>
           <a:xfrm>
-            <a:off x="10514011" y="5883275"/>
-            <a:ext cx="753545" cy="365125"/>
+            <a:off x="8610600" y="6356350"/>
+            <a:ext cx="2743200" cy="365125"/>
           </a:xfrm>
           <a:prstGeom prst="rect">
             <a:avLst/>
@@ -5235,7 +3027,7 @@
           <a:bodyPr vert="horz" lIns="91440" tIns="45720" rIns="91440" bIns="45720" rtlCol="0" anchor="ctr"/>
           <a:lstStyle>
             <a:lvl1pPr algn="r">
-              <a:defRPr sz="1000">
+              <a:defRPr sz="1200">
                 <a:solidFill>
                   <a:schemeClr val="tx1">
                     <a:tint val="75000"/>
@@ -5257,33 +3049,27 @@
     </p:spTree>
     <p:extLst>
       <p:ext uri="{BB962C8B-B14F-4D97-AF65-F5344CB8AC3E}">
-        <p14:creationId xmlns:p14="http://schemas.microsoft.com/office/powerpoint/2010/main" val="2609976738"/>
+        <p14:creationId xmlns:p14="http://schemas.microsoft.com/office/powerpoint/2010/main" val="2275249127"/>
       </p:ext>
     </p:extLst>
   </p:cSld>
-  <p:clrMap bg1="dk1" tx1="lt1" bg2="dk2" tx2="lt2" accent1="accent1" accent2="accent2" accent3="accent3" accent4="accent4" accent5="accent5" accent6="accent6" hlink="hlink" folHlink="folHlink"/>
+  <p:clrMap bg1="lt1" tx1="dk1" bg2="lt2" tx2="dk2" accent1="accent1" accent2="accent2" accent3="accent3" accent4="accent4" accent5="accent5" accent6="accent6" hlink="hlink" folHlink="folHlink"/>
   <p:sldLayoutIdLst>
-    <p:sldLayoutId id="2147483983" r:id="rId1"/>
-    <p:sldLayoutId id="2147483984" r:id="rId2"/>
-    <p:sldLayoutId id="2147483985" r:id="rId3"/>
-    <p:sldLayoutId id="2147483986" r:id="rId4"/>
-    <p:sldLayoutId id="2147483987" r:id="rId5"/>
-    <p:sldLayoutId id="2147483988" r:id="rId6"/>
-    <p:sldLayoutId id="2147483989" r:id="rId7"/>
-    <p:sldLayoutId id="2147483990" r:id="rId8"/>
-    <p:sldLayoutId id="2147483991" r:id="rId9"/>
-    <p:sldLayoutId id="2147483992" r:id="rId10"/>
-    <p:sldLayoutId id="2147483993" r:id="rId11"/>
-    <p:sldLayoutId id="2147483994" r:id="rId12"/>
-    <p:sldLayoutId id="2147483995" r:id="rId13"/>
-    <p:sldLayoutId id="2147483996" r:id="rId14"/>
-    <p:sldLayoutId id="2147483997" r:id="rId15"/>
-    <p:sldLayoutId id="2147483998" r:id="rId16"/>
-    <p:sldLayoutId id="2147483999" r:id="rId17"/>
+    <p:sldLayoutId id="2147484001" r:id="rId1"/>
+    <p:sldLayoutId id="2147484002" r:id="rId2"/>
+    <p:sldLayoutId id="2147484003" r:id="rId3"/>
+    <p:sldLayoutId id="2147484004" r:id="rId4"/>
+    <p:sldLayoutId id="2147484005" r:id="rId5"/>
+    <p:sldLayoutId id="2147484006" r:id="rId6"/>
+    <p:sldLayoutId id="2147484007" r:id="rId7"/>
+    <p:sldLayoutId id="2147484008" r:id="rId8"/>
+    <p:sldLayoutId id="2147484009" r:id="rId9"/>
+    <p:sldLayoutId id="2147484010" r:id="rId10"/>
+    <p:sldLayoutId id="2147484011" r:id="rId11"/>
   </p:sldLayoutIdLst>
   <p:txStyles>
     <p:titleStyle>
-      <a:lvl1pPr algn="ctr" defTabSz="914400" rtl="0" eaLnBrk="1" latinLnBrk="0" hangingPunct="1">
+      <a:lvl1pPr algn="l" defTabSz="914400" rtl="0" eaLnBrk="1" latinLnBrk="0" hangingPunct="1">
         <a:lnSpc>
           <a:spcPct val="90000"/>
         </a:lnSpc>
@@ -5291,17 +3077,10 @@
           <a:spcPct val="0"/>
         </a:spcBef>
         <a:buNone/>
-        <a:defRPr sz="3400" b="1" i="0" kern="1200" cap="all">
+        <a:defRPr sz="4400" kern="1200">
           <a:solidFill>
             <a:schemeClr val="tx1"/>
           </a:solidFill>
-          <a:effectLst>
-            <a:outerShdw blurRad="50800" dist="63500" dir="2700000" algn="tl" rotWithShape="0">
-              <a:srgbClr val="000000">
-                <a:alpha val="48000"/>
-              </a:srgbClr>
-            </a:outerShdw>
-          </a:effectLst>
           <a:latin typeface="+mj-lt"/>
           <a:ea typeface="+mj-ea"/>
           <a:cs typeface="+mj-cs"/>
@@ -5311,10 +3090,46 @@
     <p:bodyStyle>
       <a:lvl1pPr marL="228600" indent="-228600" algn="l" defTabSz="914400" rtl="0" eaLnBrk="1" latinLnBrk="0" hangingPunct="1">
         <a:lnSpc>
-          <a:spcPct val="120000"/>
+          <a:spcPct val="90000"/>
         </a:lnSpc>
         <a:spcBef>
           <a:spcPts val="1000"/>
+        </a:spcBef>
+        <a:buFont typeface="Arial" panose="020B0604020202020204" pitchFamily="34" charset="0"/>
+        <a:buChar char="•"/>
+        <a:defRPr sz="2800" kern="1200">
+          <a:solidFill>
+            <a:schemeClr val="tx1"/>
+          </a:solidFill>
+          <a:latin typeface="+mn-lt"/>
+          <a:ea typeface="+mn-ea"/>
+          <a:cs typeface="+mn-cs"/>
+        </a:defRPr>
+      </a:lvl1pPr>
+      <a:lvl2pPr marL="685800" indent="-228600" algn="l" defTabSz="914400" rtl="0" eaLnBrk="1" latinLnBrk="0" hangingPunct="1">
+        <a:lnSpc>
+          <a:spcPct val="90000"/>
+        </a:lnSpc>
+        <a:spcBef>
+          <a:spcPts val="500"/>
+        </a:spcBef>
+        <a:buFont typeface="Arial" panose="020B0604020202020204" pitchFamily="34" charset="0"/>
+        <a:buChar char="•"/>
+        <a:defRPr sz="2400" kern="1200">
+          <a:solidFill>
+            <a:schemeClr val="tx1"/>
+          </a:solidFill>
+          <a:latin typeface="+mn-lt"/>
+          <a:ea typeface="+mn-ea"/>
+          <a:cs typeface="+mn-cs"/>
+        </a:defRPr>
+      </a:lvl2pPr>
+      <a:lvl3pPr marL="1143000" indent="-228600" algn="l" defTabSz="914400" rtl="0" eaLnBrk="1" latinLnBrk="0" hangingPunct="1">
+        <a:lnSpc>
+          <a:spcPct val="90000"/>
+        </a:lnSpc>
+        <a:spcBef>
+          <a:spcPts val="500"/>
         </a:spcBef>
         <a:buFont typeface="Arial" panose="020B0604020202020204" pitchFamily="34" charset="0"/>
         <a:buChar char="•"/>
@@ -5322,21 +3137,14 @@
           <a:solidFill>
             <a:schemeClr val="tx1"/>
           </a:solidFill>
-          <a:effectLst>
-            <a:outerShdw blurRad="50800" dist="38100" dir="2700000" algn="tl" rotWithShape="0">
-              <a:srgbClr val="000000">
-                <a:alpha val="48000"/>
-              </a:srgbClr>
-            </a:outerShdw>
-          </a:effectLst>
           <a:latin typeface="+mn-lt"/>
           <a:ea typeface="+mn-ea"/>
           <a:cs typeface="+mn-cs"/>
         </a:defRPr>
-      </a:lvl1pPr>
-      <a:lvl2pPr marL="685800" indent="-228600" algn="l" defTabSz="914400" rtl="0" eaLnBrk="1" latinLnBrk="0" hangingPunct="1">
+      </a:lvl3pPr>
+      <a:lvl4pPr marL="1600200" indent="-228600" algn="l" defTabSz="914400" rtl="0" eaLnBrk="1" latinLnBrk="0" hangingPunct="1">
         <a:lnSpc>
-          <a:spcPct val="120000"/>
+          <a:spcPct val="90000"/>
         </a:lnSpc>
         <a:spcBef>
           <a:spcPts val="500"/>
@@ -5347,63 +3155,6 @@
           <a:solidFill>
             <a:schemeClr val="tx1"/>
           </a:solidFill>
-          <a:effectLst>
-            <a:outerShdw blurRad="50800" dist="38100" dir="2700000" algn="tl" rotWithShape="0">
-              <a:srgbClr val="000000">
-                <a:alpha val="48000"/>
-              </a:srgbClr>
-            </a:outerShdw>
-          </a:effectLst>
-          <a:latin typeface="+mn-lt"/>
-          <a:ea typeface="+mn-ea"/>
-          <a:cs typeface="+mn-cs"/>
-        </a:defRPr>
-      </a:lvl2pPr>
-      <a:lvl3pPr marL="1143000" indent="-228600" algn="l" defTabSz="914400" rtl="0" eaLnBrk="1" latinLnBrk="0" hangingPunct="1">
-        <a:lnSpc>
-          <a:spcPct val="120000"/>
-        </a:lnSpc>
-        <a:spcBef>
-          <a:spcPts val="500"/>
-        </a:spcBef>
-        <a:buFont typeface="Arial" panose="020B0604020202020204" pitchFamily="34" charset="0"/>
-        <a:buChar char="•"/>
-        <a:defRPr sz="1600" kern="1200">
-          <a:solidFill>
-            <a:schemeClr val="tx1"/>
-          </a:solidFill>
-          <a:effectLst>
-            <a:outerShdw blurRad="50800" dist="38100" dir="2700000" algn="tl" rotWithShape="0">
-              <a:srgbClr val="000000">
-                <a:alpha val="48000"/>
-              </a:srgbClr>
-            </a:outerShdw>
-          </a:effectLst>
-          <a:latin typeface="+mn-lt"/>
-          <a:ea typeface="+mn-ea"/>
-          <a:cs typeface="+mn-cs"/>
-        </a:defRPr>
-      </a:lvl3pPr>
-      <a:lvl4pPr marL="1600200" indent="-228600" algn="l" defTabSz="914400" rtl="0" eaLnBrk="1" latinLnBrk="0" hangingPunct="1">
-        <a:lnSpc>
-          <a:spcPct val="120000"/>
-        </a:lnSpc>
-        <a:spcBef>
-          <a:spcPts val="500"/>
-        </a:spcBef>
-        <a:buFont typeface="Arial" panose="020B0604020202020204" pitchFamily="34" charset="0"/>
-        <a:buChar char="•"/>
-        <a:defRPr sz="1400" kern="1200">
-          <a:solidFill>
-            <a:schemeClr val="tx1"/>
-          </a:solidFill>
-          <a:effectLst>
-            <a:outerShdw blurRad="50800" dist="38100" dir="2700000" algn="tl" rotWithShape="0">
-              <a:srgbClr val="000000">
-                <a:alpha val="48000"/>
-              </a:srgbClr>
-            </a:outerShdw>
-          </a:effectLst>
           <a:latin typeface="+mn-lt"/>
           <a:ea typeface="+mn-ea"/>
           <a:cs typeface="+mn-cs"/>
@@ -5411,24 +3162,17 @@
       </a:lvl4pPr>
       <a:lvl5pPr marL="2057400" indent="-228600" algn="l" defTabSz="914400" rtl="0" eaLnBrk="1" latinLnBrk="0" hangingPunct="1">
         <a:lnSpc>
-          <a:spcPct val="120000"/>
+          <a:spcPct val="90000"/>
         </a:lnSpc>
         <a:spcBef>
           <a:spcPts val="500"/>
         </a:spcBef>
         <a:buFont typeface="Arial" panose="020B0604020202020204" pitchFamily="34" charset="0"/>
         <a:buChar char="•"/>
-        <a:defRPr sz="1200" kern="1200">
+        <a:defRPr sz="1800" kern="1200">
           <a:solidFill>
             <a:schemeClr val="tx1"/>
           </a:solidFill>
-          <a:effectLst>
-            <a:outerShdw blurRad="50800" dist="38100" dir="2700000" algn="tl" rotWithShape="0">
-              <a:srgbClr val="000000">
-                <a:alpha val="48000"/>
-              </a:srgbClr>
-            </a:outerShdw>
-          </a:effectLst>
           <a:latin typeface="+mn-lt"/>
           <a:ea typeface="+mn-ea"/>
           <a:cs typeface="+mn-cs"/>
@@ -5436,24 +3180,17 @@
       </a:lvl5pPr>
       <a:lvl6pPr marL="2514600" indent="-228600" algn="l" defTabSz="914400" rtl="0" eaLnBrk="1" latinLnBrk="0" hangingPunct="1">
         <a:lnSpc>
-          <a:spcPct val="120000"/>
+          <a:spcPct val="90000"/>
         </a:lnSpc>
         <a:spcBef>
           <a:spcPts val="500"/>
         </a:spcBef>
         <a:buFont typeface="Arial" panose="020B0604020202020204" pitchFamily="34" charset="0"/>
         <a:buChar char="•"/>
-        <a:defRPr sz="1200" kern="1200">
+        <a:defRPr sz="1800" kern="1200">
           <a:solidFill>
             <a:schemeClr val="tx1"/>
           </a:solidFill>
-          <a:effectLst>
-            <a:outerShdw blurRad="50800" dist="38100" dir="2700000" algn="tl" rotWithShape="0">
-              <a:srgbClr val="000000">
-                <a:alpha val="48000"/>
-              </a:srgbClr>
-            </a:outerShdw>
-          </a:effectLst>
           <a:latin typeface="+mn-lt"/>
           <a:ea typeface="+mn-ea"/>
           <a:cs typeface="+mn-cs"/>
@@ -5461,24 +3198,17 @@
       </a:lvl6pPr>
       <a:lvl7pPr marL="2971800" indent="-228600" algn="l" defTabSz="914400" rtl="0" eaLnBrk="1" latinLnBrk="0" hangingPunct="1">
         <a:lnSpc>
-          <a:spcPct val="120000"/>
+          <a:spcPct val="90000"/>
         </a:lnSpc>
         <a:spcBef>
           <a:spcPts val="500"/>
         </a:spcBef>
         <a:buFont typeface="Arial" panose="020B0604020202020204" pitchFamily="34" charset="0"/>
         <a:buChar char="•"/>
-        <a:defRPr sz="1200" kern="1200">
+        <a:defRPr sz="1800" kern="1200">
           <a:solidFill>
             <a:schemeClr val="tx1"/>
           </a:solidFill>
-          <a:effectLst>
-            <a:outerShdw blurRad="50800" dist="38100" dir="2700000" algn="tl" rotWithShape="0">
-              <a:srgbClr val="000000">
-                <a:alpha val="48000"/>
-              </a:srgbClr>
-            </a:outerShdw>
-          </a:effectLst>
           <a:latin typeface="+mn-lt"/>
           <a:ea typeface="+mn-ea"/>
           <a:cs typeface="+mn-cs"/>
@@ -5486,24 +3216,17 @@
       </a:lvl7pPr>
       <a:lvl8pPr marL="3429000" indent="-228600" algn="l" defTabSz="914400" rtl="0" eaLnBrk="1" latinLnBrk="0" hangingPunct="1">
         <a:lnSpc>
-          <a:spcPct val="120000"/>
+          <a:spcPct val="90000"/>
         </a:lnSpc>
         <a:spcBef>
           <a:spcPts val="500"/>
         </a:spcBef>
         <a:buFont typeface="Arial" panose="020B0604020202020204" pitchFamily="34" charset="0"/>
         <a:buChar char="•"/>
-        <a:defRPr sz="1200" kern="1200">
+        <a:defRPr sz="1800" kern="1200">
           <a:solidFill>
             <a:schemeClr val="tx1"/>
           </a:solidFill>
-          <a:effectLst>
-            <a:outerShdw blurRad="50800" dist="38100" dir="2700000" algn="tl" rotWithShape="0">
-              <a:srgbClr val="000000">
-                <a:alpha val="48000"/>
-              </a:srgbClr>
-            </a:outerShdw>
-          </a:effectLst>
           <a:latin typeface="+mn-lt"/>
           <a:ea typeface="+mn-ea"/>
           <a:cs typeface="+mn-cs"/>
@@ -5511,24 +3234,17 @@
       </a:lvl8pPr>
       <a:lvl9pPr marL="3886200" indent="-228600" algn="l" defTabSz="914400" rtl="0" eaLnBrk="1" latinLnBrk="0" hangingPunct="1">
         <a:lnSpc>
-          <a:spcPct val="120000"/>
+          <a:spcPct val="90000"/>
         </a:lnSpc>
         <a:spcBef>
           <a:spcPts val="500"/>
         </a:spcBef>
         <a:buFont typeface="Arial" panose="020B0604020202020204" pitchFamily="34" charset="0"/>
         <a:buChar char="•"/>
-        <a:defRPr sz="1200" kern="1200">
+        <a:defRPr sz="1800" kern="1200">
           <a:solidFill>
             <a:schemeClr val="tx1"/>
           </a:solidFill>
-          <a:effectLst>
-            <a:outerShdw blurRad="50800" dist="38100" dir="2700000" algn="tl" rotWithShape="0">
-              <a:srgbClr val="000000">
-                <a:alpha val="48000"/>
-              </a:srgbClr>
-            </a:outerShdw>
-          </a:effectLst>
           <a:latin typeface="+mn-lt"/>
           <a:ea typeface="+mn-ea"/>
           <a:cs typeface="+mn-cs"/>
@@ -5669,7 +3385,7 @@
         </p:nvSpPr>
         <p:spPr>
           <a:xfrm>
-            <a:off x="1595269" y="736846"/>
+            <a:off x="1592310" y="0"/>
             <a:ext cx="9001462" cy="1145219"/>
           </a:xfrm>
         </p:spPr>
@@ -5681,7 +3397,7 @@
           <a:p>
             <a:r>
               <a:rPr lang="en-US" sz="3600" dirty="0"/>
-              <a:t>Location Based Management system</a:t>
+              <a:t>WEB APPLICATION FOR LOCATION DIRECTORY</a:t>
             </a:r>
             <a:endParaRPr lang="en-IN" sz="3600" dirty="0"/>
           </a:p>
@@ -5705,13 +3421,13 @@
         </p:nvSpPr>
         <p:spPr>
           <a:xfrm>
-            <a:off x="1592310" y="2323654"/>
-            <a:ext cx="9001462" cy="4183678"/>
+            <a:off x="790113" y="1367161"/>
+            <a:ext cx="10919534" cy="5140171"/>
           </a:xfrm>
         </p:spPr>
         <p:txBody>
           <a:bodyPr>
-            <a:normAutofit fontScale="85000" lnSpcReduction="20000"/>
+            <a:normAutofit/>
           </a:bodyPr>
           <a:lstStyle/>
           <a:p>
@@ -5771,7 +3487,7 @@
                 <a:latin typeface="Times New Roman" pitchFamily="18" charset="0"/>
                 <a:cs typeface="Times New Roman" pitchFamily="18" charset="0"/>
               </a:rPr>
-              <a:t>	                                       </a:t>
+              <a:t>	                               </a:t>
             </a:r>
             <a:r>
               <a:rPr lang="en-US" sz="1600" b="1" dirty="0">
@@ -5794,21 +3510,21 @@
                 <a:latin typeface="Times New Roman" pitchFamily="18" charset="0"/>
                 <a:cs typeface="Times New Roman" pitchFamily="18" charset="0"/>
               </a:rPr>
-              <a:t>Prof.  </a:t>
-            </a:r>
-            <a:r>
-              <a:rPr lang="en-US" sz="1600" b="1" dirty="0" err="1">
+              <a:t>Prof.  N.Murali,                                                                   	                               </a:t>
+            </a:r>
+            <a:r>
+              <a:rPr lang="en-US" sz="1600" b="1" dirty="0">
                 <a:solidFill>
-                  <a:schemeClr val="tx1">
-                    <a:lumMod val="95000"/>
-                    <a:lumOff val="5000"/>
-                  </a:schemeClr>
+                  <a:schemeClr val="tx1"/>
                 </a:solidFill>
                 <a:latin typeface="Times New Roman" pitchFamily="18" charset="0"/>
                 <a:cs typeface="Times New Roman" pitchFamily="18" charset="0"/>
               </a:rPr>
-              <a:t>N.Murali</a:t>
-            </a:r>
+              <a:t>V.Prabhu,</a:t>
+            </a:r>
+          </a:p>
+          <a:p>
+            <a:pPr algn="l"/>
             <a:r>
               <a:rPr lang="en-US" sz="1600" b="1" dirty="0">
                 <a:solidFill>
@@ -5820,17 +3536,7 @@
                 <a:latin typeface="Times New Roman" pitchFamily="18" charset="0"/>
                 <a:cs typeface="Times New Roman" pitchFamily="18" charset="0"/>
               </a:rPr>
-              <a:t>,                                                                   	                                       </a:t>
-            </a:r>
-            <a:r>
-              <a:rPr lang="en-US" sz="1600" b="1" dirty="0" err="1">
-                <a:solidFill>
-                  <a:schemeClr val="tx1"/>
-                </a:solidFill>
-                <a:latin typeface="Times New Roman" pitchFamily="18" charset="0"/>
-                <a:cs typeface="Times New Roman" pitchFamily="18" charset="0"/>
-              </a:rPr>
-              <a:t>V.Prabhu</a:t>
+              <a:t>Assistant Professor,                                                                                                          </a:t>
             </a:r>
             <a:r>
               <a:rPr lang="en-US" sz="1600" b="1" dirty="0">
@@ -5840,7 +3546,7 @@
                 <a:latin typeface="Times New Roman" pitchFamily="18" charset="0"/>
                 <a:cs typeface="Times New Roman" pitchFamily="18" charset="0"/>
               </a:rPr>
-              <a:t>,</a:t>
+              <a:t>Technical Lead,</a:t>
             </a:r>
           </a:p>
           <a:p>
@@ -5856,17 +3562,7 @@
                 <a:latin typeface="Times New Roman" pitchFamily="18" charset="0"/>
                 <a:cs typeface="Times New Roman" pitchFamily="18" charset="0"/>
               </a:rPr>
-              <a:t>Assistant Professor,                                                                                                            </a:t>
-            </a:r>
-            <a:r>
-              <a:rPr lang="en-US" sz="1600" b="1" dirty="0">
-                <a:solidFill>
-                  <a:schemeClr val="tx1"/>
-                </a:solidFill>
-                <a:latin typeface="Times New Roman" pitchFamily="18" charset="0"/>
-                <a:cs typeface="Times New Roman" pitchFamily="18" charset="0"/>
-              </a:rPr>
-              <a:t>Technical Lead,</a:t>
+              <a:t>Department Of Computer Application,                                                                         AstroWeb Solutions, </a:t>
             </a:r>
           </a:p>
           <a:p>
@@ -5882,20 +3578,17 @@
                 <a:latin typeface="Times New Roman" pitchFamily="18" charset="0"/>
                 <a:cs typeface="Times New Roman" pitchFamily="18" charset="0"/>
               </a:rPr>
-              <a:t>Department Of Computer Application,                                                                            </a:t>
-            </a:r>
-            <a:r>
-              <a:rPr lang="en-US" sz="1600" b="1" dirty="0" err="1">
+              <a:t>Thiagarajar College Of Engineering</a:t>
+            </a:r>
+            <a:r>
+              <a:rPr lang="en-US" sz="1600" b="1" dirty="0">
                 <a:solidFill>
-                  <a:schemeClr val="tx1">
-                    <a:lumMod val="95000"/>
-                    <a:lumOff val="5000"/>
-                  </a:schemeClr>
+                  <a:schemeClr val="accent5"/>
                 </a:solidFill>
                 <a:latin typeface="Times New Roman" pitchFamily="18" charset="0"/>
                 <a:cs typeface="Times New Roman" pitchFamily="18" charset="0"/>
               </a:rPr>
-              <a:t>AstroWeb</a:t>
+              <a:t>                                                                              </a:t>
             </a:r>
             <a:r>
               <a:rPr lang="en-US" sz="1600" b="1" dirty="0">
@@ -5908,24 +3601,11 @@
                 <a:latin typeface="Times New Roman" pitchFamily="18" charset="0"/>
                 <a:cs typeface="Times New Roman" pitchFamily="18" charset="0"/>
               </a:rPr>
-              <a:t> Solutions, </a:t>
+              <a:t>Simmakkal,</a:t>
             </a:r>
           </a:p>
           <a:p>
             <a:pPr algn="l"/>
-            <a:r>
-              <a:rPr lang="en-US" sz="1600" b="1" dirty="0" err="1">
-                <a:solidFill>
-                  <a:schemeClr val="tx1">
-                    <a:lumMod val="95000"/>
-                    <a:lumOff val="5000"/>
-                  </a:schemeClr>
-                </a:solidFill>
-                <a:latin typeface="Times New Roman" pitchFamily="18" charset="0"/>
-                <a:cs typeface="Times New Roman" pitchFamily="18" charset="0"/>
-              </a:rPr>
-              <a:t>Thiagarajar</a:t>
-            </a:r>
             <a:r>
               <a:rPr lang="en-US" sz="1600" b="1" dirty="0">
                 <a:solidFill>
@@ -5937,59 +3617,7 @@
                 <a:latin typeface="Times New Roman" pitchFamily="18" charset="0"/>
                 <a:cs typeface="Times New Roman" pitchFamily="18" charset="0"/>
               </a:rPr>
-              <a:t> College Of Engineering</a:t>
-            </a:r>
-            <a:r>
-              <a:rPr lang="en-US" sz="1600" b="1" dirty="0">
-                <a:solidFill>
-                  <a:schemeClr val="accent5"/>
-                </a:solidFill>
-                <a:latin typeface="Times New Roman" pitchFamily="18" charset="0"/>
-                <a:cs typeface="Times New Roman" pitchFamily="18" charset="0"/>
-              </a:rPr>
-              <a:t>                                                                                </a:t>
-            </a:r>
-            <a:r>
-              <a:rPr lang="en-US" sz="1600" b="1" dirty="0" err="1">
-                <a:solidFill>
-                  <a:schemeClr val="tx1">
-                    <a:lumMod val="95000"/>
-                    <a:lumOff val="5000"/>
-                  </a:schemeClr>
-                </a:solidFill>
-                <a:latin typeface="Times New Roman" pitchFamily="18" charset="0"/>
-                <a:cs typeface="Times New Roman" pitchFamily="18" charset="0"/>
-              </a:rPr>
-              <a:t>Simmakkal</a:t>
-            </a:r>
-            <a:r>
-              <a:rPr lang="en-US" sz="1600" b="1" dirty="0">
-                <a:solidFill>
-                  <a:schemeClr val="tx1">
-                    <a:lumMod val="95000"/>
-                    <a:lumOff val="5000"/>
-                  </a:schemeClr>
-                </a:solidFill>
-                <a:latin typeface="Times New Roman" pitchFamily="18" charset="0"/>
-                <a:cs typeface="Times New Roman" pitchFamily="18" charset="0"/>
-              </a:rPr>
-              <a:t>,</a:t>
-            </a:r>
-          </a:p>
-          <a:p>
-            <a:pPr algn="l"/>
-            <a:r>
-              <a:rPr lang="en-US" sz="1600" b="1" dirty="0">
-                <a:solidFill>
-                  <a:schemeClr val="tx1">
-                    <a:lumMod val="95000"/>
-                    <a:lumOff val="5000"/>
-                  </a:schemeClr>
-                </a:solidFill>
-                <a:latin typeface="Times New Roman" pitchFamily="18" charset="0"/>
-                <a:cs typeface="Times New Roman" pitchFamily="18" charset="0"/>
-              </a:rPr>
-              <a:t>Madurai.                                                                                                                              Madurai.</a:t>
+              <a:t>Madurai.                                                                                                                            Madurai.</a:t>
             </a:r>
           </a:p>
           <a:p>
@@ -6018,6 +3646,100 @@
 </file>
 
 <file path=ppt/slides/slide10.xml><?xml version="1.0" encoding="utf-8"?>
+<p:sld xmlns:a="http://schemas.openxmlformats.org/drawingml/2006/main" xmlns:r="http://schemas.openxmlformats.org/officeDocument/2006/relationships" xmlns:p="http://schemas.openxmlformats.org/presentationml/2006/main">
+  <p:cSld>
+    <p:spTree>
+      <p:nvGrpSpPr>
+        <p:cNvPr id="1" name=""/>
+        <p:cNvGrpSpPr/>
+        <p:nvPr/>
+      </p:nvGrpSpPr>
+      <p:grpSpPr>
+        <a:xfrm>
+          <a:off x="0" y="0"/>
+          <a:ext cx="0" cy="0"/>
+          <a:chOff x="0" y="0"/>
+          <a:chExt cx="0" cy="0"/>
+        </a:xfrm>
+      </p:grpSpPr>
+      <p:sp>
+        <p:nvSpPr>
+          <p:cNvPr id="2" name="Title 1">
+            <a:extLst>
+              <a:ext uri="{FF2B5EF4-FFF2-40B4-BE49-F238E27FC236}">
+                <a16:creationId xmlns:a16="http://schemas.microsoft.com/office/drawing/2014/main" id="{89E07BB6-D575-4D58-89E5-6BD8F2FD0055}"/>
+              </a:ext>
+            </a:extLst>
+          </p:cNvPr>
+          <p:cNvSpPr>
+            <a:spLocks noGrp="1"/>
+          </p:cNvSpPr>
+          <p:nvPr>
+            <p:ph type="title"/>
+          </p:nvPr>
+        </p:nvSpPr>
+        <p:spPr>
+          <a:xfrm>
+            <a:off x="0" y="0"/>
+            <a:ext cx="6692953" cy="887896"/>
+          </a:xfrm>
+        </p:spPr>
+        <p:txBody>
+          <a:bodyPr/>
+          <a:lstStyle/>
+          <a:p>
+            <a:r>
+              <a:rPr lang="en-IN" dirty="0"/>
+              <a:t>ARCHITECTURAL DESIGN</a:t>
+            </a:r>
+            <a:endParaRPr lang="en-US" dirty="0"/>
+          </a:p>
+        </p:txBody>
+      </p:sp>
+      <p:pic>
+        <p:nvPicPr>
+          <p:cNvPr id="4" name="Picture 3">
+            <a:extLst>
+              <a:ext uri="{FF2B5EF4-FFF2-40B4-BE49-F238E27FC236}">
+                <a16:creationId xmlns:a16="http://schemas.microsoft.com/office/drawing/2014/main" id="{F4129559-B876-4BD2-8D2C-B6540CC93E25}"/>
+              </a:ext>
+            </a:extLst>
+          </p:cNvPr>
+          <p:cNvPicPr>
+            <a:picLocks noChangeAspect="1"/>
+          </p:cNvPicPr>
+          <p:nvPr/>
+        </p:nvPicPr>
+        <p:blipFill>
+          <a:blip r:embed="rId2"/>
+          <a:stretch>
+            <a:fillRect/>
+          </a:stretch>
+        </p:blipFill>
+        <p:spPr>
+          <a:xfrm>
+            <a:off x="2007163" y="1106036"/>
+            <a:ext cx="8177673" cy="5557986"/>
+          </a:xfrm>
+          <a:prstGeom prst="rect">
+            <a:avLst/>
+          </a:prstGeom>
+        </p:spPr>
+      </p:pic>
+    </p:spTree>
+    <p:extLst>
+      <p:ext uri="{BB962C8B-B14F-4D97-AF65-F5344CB8AC3E}">
+        <p14:creationId xmlns:p14="http://schemas.microsoft.com/office/powerpoint/2010/main" val="3194309430"/>
+      </p:ext>
+    </p:extLst>
+  </p:cSld>
+  <p:clrMapOvr>
+    <a:masterClrMapping/>
+  </p:clrMapOvr>
+</p:sld>
+</file>
+
+<file path=ppt/slides/slide11.xml><?xml version="1.0" encoding="utf-8"?>
 <p:sld xmlns:a="http://schemas.openxmlformats.org/drawingml/2006/main" xmlns:r="http://schemas.openxmlformats.org/officeDocument/2006/relationships" xmlns:p="http://schemas.openxmlformats.org/presentationml/2006/main">
   <p:cSld>
     <p:spTree>
@@ -6111,7 +3833,7 @@
 </p:sld>
 </file>
 
-<file path=ppt/slides/slide11.xml><?xml version="1.0" encoding="utf-8"?>
+<file path=ppt/slides/slide12.xml><?xml version="1.0" encoding="utf-8"?>
 <p:sld xmlns:a="http://schemas.openxmlformats.org/drawingml/2006/main" xmlns:r="http://schemas.openxmlformats.org/officeDocument/2006/relationships" xmlns:p="http://schemas.openxmlformats.org/presentationml/2006/main">
   <p:cSld>
     <p:spTree>
@@ -6207,7 +3929,7 @@
 </p:sld>
 </file>
 
-<file path=ppt/slides/slide12.xml><?xml version="1.0" encoding="utf-8"?>
+<file path=ppt/slides/slide13.xml><?xml version="1.0" encoding="utf-8"?>
 <p:sld xmlns:a="http://schemas.openxmlformats.org/drawingml/2006/main" xmlns:r="http://schemas.openxmlformats.org/officeDocument/2006/relationships" xmlns:p="http://schemas.openxmlformats.org/presentationml/2006/main">
   <p:cSld>
     <p:spTree>
@@ -6247,7 +3969,9 @@
           </a:xfrm>
         </p:spPr>
         <p:txBody>
-          <a:bodyPr/>
+          <a:bodyPr>
+            <a:normAutofit fontScale="90000"/>
+          </a:bodyPr>
           <a:lstStyle/>
           <a:p>
             <a:r>
@@ -6301,7 +4025,7 @@
 </p:sld>
 </file>
 
-<file path=ppt/slides/slide13.xml><?xml version="1.0" encoding="utf-8"?>
+<file path=ppt/slides/slide14.xml><?xml version="1.0" encoding="utf-8"?>
 <p:sld xmlns:a="http://schemas.openxmlformats.org/drawingml/2006/main" xmlns:r="http://schemas.openxmlformats.org/officeDocument/2006/relationships" xmlns:p="http://schemas.openxmlformats.org/presentationml/2006/main">
   <p:cSld>
     <p:spTree>
@@ -6395,7 +4119,7 @@
 </p:sld>
 </file>
 
-<file path=ppt/slides/slide14.xml><?xml version="1.0" encoding="utf-8"?>
+<file path=ppt/slides/slide15.xml><?xml version="1.0" encoding="utf-8"?>
 <p:sld xmlns:a="http://schemas.openxmlformats.org/drawingml/2006/main" xmlns:r="http://schemas.openxmlformats.org/officeDocument/2006/relationships" xmlns:p="http://schemas.openxmlformats.org/presentationml/2006/main">
   <p:cSld>
     <p:spTree>
@@ -6489,139 +4213,6 @@
 </p:sld>
 </file>
 
-<file path=ppt/slides/slide15.xml><?xml version="1.0" encoding="utf-8"?>
-<p:sld xmlns:a="http://schemas.openxmlformats.org/drawingml/2006/main" xmlns:r="http://schemas.openxmlformats.org/officeDocument/2006/relationships" xmlns:p="http://schemas.openxmlformats.org/presentationml/2006/main">
-  <p:cSld>
-    <p:spTree>
-      <p:nvGrpSpPr>
-        <p:cNvPr id="1" name=""/>
-        <p:cNvGrpSpPr/>
-        <p:nvPr/>
-      </p:nvGrpSpPr>
-      <p:grpSpPr>
-        <a:xfrm>
-          <a:off x="0" y="0"/>
-          <a:ext cx="0" cy="0"/>
-          <a:chOff x="0" y="0"/>
-          <a:chExt cx="0" cy="0"/>
-        </a:xfrm>
-      </p:grpSpPr>
-      <p:sp>
-        <p:nvSpPr>
-          <p:cNvPr id="2" name="Title 1">
-            <a:extLst>
-              <a:ext uri="{FF2B5EF4-FFF2-40B4-BE49-F238E27FC236}">
-                <a16:creationId xmlns:a16="http://schemas.microsoft.com/office/drawing/2014/main" id="{77B1A621-66E4-4BD4-BB96-3A1E58B116E7}"/>
-              </a:ext>
-            </a:extLst>
-          </p:cNvPr>
-          <p:cNvSpPr>
-            <a:spLocks noGrp="1"/>
-          </p:cNvSpPr>
-          <p:nvPr>
-            <p:ph type="ctrTitle"/>
-          </p:nvPr>
-        </p:nvSpPr>
-        <p:spPr>
-          <a:xfrm>
-            <a:off x="716380" y="359469"/>
-            <a:ext cx="9001462" cy="892868"/>
-          </a:xfrm>
-        </p:spPr>
-        <p:txBody>
-          <a:bodyPr>
-            <a:normAutofit/>
-          </a:bodyPr>
-          <a:lstStyle/>
-          <a:p>
-            <a:pPr algn="l"/>
-            <a:r>
-              <a:rPr lang="en-US" dirty="0"/>
-              <a:t>EXPECTED OUTCOMES</a:t>
-            </a:r>
-            <a:endParaRPr lang="en-IN" dirty="0"/>
-          </a:p>
-        </p:txBody>
-      </p:sp>
-      <p:sp>
-        <p:nvSpPr>
-          <p:cNvPr id="3" name="Subtitle 2">
-            <a:extLst>
-              <a:ext uri="{FF2B5EF4-FFF2-40B4-BE49-F238E27FC236}">
-                <a16:creationId xmlns:a16="http://schemas.microsoft.com/office/drawing/2014/main" id="{944E8CED-E341-4EA0-8A50-D49607D784C8}"/>
-              </a:ext>
-            </a:extLst>
-          </p:cNvPr>
-          <p:cNvSpPr>
-            <a:spLocks noGrp="1"/>
-          </p:cNvSpPr>
-          <p:nvPr>
-            <p:ph type="subTitle" idx="1"/>
-          </p:nvPr>
-        </p:nvSpPr>
-        <p:spPr>
-          <a:xfrm>
-            <a:off x="840667" y="1773238"/>
-            <a:ext cx="9001462" cy="4725293"/>
-          </a:xfrm>
-        </p:spPr>
-        <p:txBody>
-          <a:bodyPr/>
-          <a:lstStyle/>
-          <a:p>
-            <a:pPr algn="l"/>
-            <a:r>
-              <a:rPr lang="en-US" sz="2400" dirty="0">
-                <a:latin typeface="Times New Roman" pitchFamily="18" charset="0"/>
-                <a:cs typeface="Times New Roman" pitchFamily="18" charset="0"/>
-              </a:rPr>
-              <a:t>User friendly way to submit all the information needed for a record and a platform to access all the listing by admin.</a:t>
-            </a:r>
-            <a:endParaRPr lang="en-IN" dirty="0"/>
-          </a:p>
-          <a:p>
-            <a:pPr algn="l"/>
-            <a:endParaRPr lang="en-IN" dirty="0"/>
-          </a:p>
-          <a:p>
-            <a:pPr algn="l"/>
-            <a:endParaRPr lang="en-IN" dirty="0"/>
-          </a:p>
-          <a:p>
-            <a:pPr algn="l"/>
-            <a:endParaRPr lang="en-IN" dirty="0"/>
-          </a:p>
-          <a:p>
-            <a:pPr algn="l"/>
-            <a:endParaRPr lang="en-IN" dirty="0"/>
-          </a:p>
-          <a:p>
-            <a:pPr algn="l"/>
-            <a:endParaRPr lang="en-IN" dirty="0"/>
-          </a:p>
-          <a:p>
-            <a:pPr algn="l"/>
-            <a:endParaRPr lang="en-IN" dirty="0"/>
-          </a:p>
-          <a:p>
-            <a:pPr algn="l"/>
-            <a:endParaRPr lang="en-IN" dirty="0"/>
-          </a:p>
-        </p:txBody>
-      </p:sp>
-    </p:spTree>
-    <p:extLst>
-      <p:ext uri="{BB962C8B-B14F-4D97-AF65-F5344CB8AC3E}">
-        <p14:creationId xmlns:p14="http://schemas.microsoft.com/office/powerpoint/2010/main" val="3672262143"/>
-      </p:ext>
-    </p:extLst>
-  </p:cSld>
-  <p:clrMapOvr>
-    <a:masterClrMapping/>
-  </p:clrMapOvr>
-</p:sld>
-</file>
-
 <file path=ppt/slides/slide16.xml><?xml version="1.0" encoding="utf-8"?>
 <p:sld xmlns:a="http://schemas.openxmlformats.org/drawingml/2006/main" xmlns:r="http://schemas.openxmlformats.org/officeDocument/2006/relationships" xmlns:p="http://schemas.openxmlformats.org/presentationml/2006/main">
   <p:cSld>
@@ -6644,6 +4235,539 @@
           <p:cNvPr id="2" name="Title 1">
             <a:extLst>
               <a:ext uri="{FF2B5EF4-FFF2-40B4-BE49-F238E27FC236}">
+                <a16:creationId xmlns:a16="http://schemas.microsoft.com/office/drawing/2014/main" id="{881D54D2-260D-42B0-81F2-31544D42D20B}"/>
+              </a:ext>
+            </a:extLst>
+          </p:cNvPr>
+          <p:cNvSpPr>
+            <a:spLocks noGrp="1"/>
+          </p:cNvSpPr>
+          <p:nvPr>
+            <p:ph type="title"/>
+          </p:nvPr>
+        </p:nvSpPr>
+        <p:spPr>
+          <a:xfrm>
+            <a:off x="0" y="0"/>
+            <a:ext cx="10515600" cy="1325563"/>
+          </a:xfrm>
+        </p:spPr>
+        <p:txBody>
+          <a:bodyPr/>
+          <a:lstStyle/>
+          <a:p>
+            <a:r>
+              <a:rPr lang="en-US" sz="3600" b="1" dirty="0"/>
+              <a:t>Technologies</a:t>
+            </a:r>
+            <a:r>
+              <a:rPr lang="en-US" b="1" dirty="0"/>
+              <a:t> Used</a:t>
+            </a:r>
+            <a:endParaRPr lang="en-IN" b="1" dirty="0"/>
+          </a:p>
+        </p:txBody>
+      </p:sp>
+      <p:sp>
+        <p:nvSpPr>
+          <p:cNvPr id="3" name="Content Placeholder 2">
+            <a:extLst>
+              <a:ext uri="{FF2B5EF4-FFF2-40B4-BE49-F238E27FC236}">
+                <a16:creationId xmlns:a16="http://schemas.microsoft.com/office/drawing/2014/main" id="{BA005A53-8FF2-41D4-A321-5FF95E82F0D7}"/>
+              </a:ext>
+            </a:extLst>
+          </p:cNvPr>
+          <p:cNvSpPr>
+            <a:spLocks noGrp="1"/>
+          </p:cNvSpPr>
+          <p:nvPr>
+            <p:ph idx="1"/>
+          </p:nvPr>
+        </p:nvSpPr>
+        <p:spPr>
+          <a:xfrm>
+            <a:off x="133165" y="1038687"/>
+            <a:ext cx="11098937" cy="4978479"/>
+          </a:xfrm>
+        </p:spPr>
+        <p:txBody>
+          <a:bodyPr/>
+          <a:lstStyle/>
+          <a:p>
+            <a:pPr marL="0" indent="0">
+              <a:buNone/>
+            </a:pPr>
+            <a:r>
+              <a:rPr lang="en-US" sz="2400" dirty="0">
+                <a:latin typeface="Times New Roman" panose="02020603050405020304" pitchFamily="18" charset="0"/>
+                <a:cs typeface="Times New Roman" panose="02020603050405020304" pitchFamily="18" charset="0"/>
+              </a:rPr>
+              <a:t>Frontend - HTML5, CSS3, JS with Bootstrap.</a:t>
+            </a:r>
+          </a:p>
+          <a:p>
+            <a:pPr marL="0" indent="0">
+              <a:buNone/>
+            </a:pPr>
+            <a:r>
+              <a:rPr lang="en-US" sz="2400" dirty="0">
+                <a:latin typeface="Times New Roman" panose="02020603050405020304" pitchFamily="18" charset="0"/>
+                <a:cs typeface="Times New Roman" panose="02020603050405020304" pitchFamily="18" charset="0"/>
+              </a:rPr>
+              <a:t>Backend  - PHP, </a:t>
+            </a:r>
+            <a:r>
+              <a:rPr lang="en-US" sz="2400" dirty="0" err="1">
+                <a:latin typeface="Times New Roman" panose="02020603050405020304" pitchFamily="18" charset="0"/>
+                <a:cs typeface="Times New Roman" panose="02020603050405020304" pitchFamily="18" charset="0"/>
+              </a:rPr>
+              <a:t>Codeigniter</a:t>
+            </a:r>
+            <a:r>
+              <a:rPr lang="en-US" sz="2400" dirty="0">
+                <a:latin typeface="Times New Roman" panose="02020603050405020304" pitchFamily="18" charset="0"/>
+                <a:cs typeface="Times New Roman" panose="02020603050405020304" pitchFamily="18" charset="0"/>
+              </a:rPr>
+              <a:t>, MySQL.</a:t>
+            </a:r>
+          </a:p>
+          <a:p>
+            <a:pPr marL="0" indent="0">
+              <a:buNone/>
+            </a:pPr>
+            <a:endParaRPr lang="en-US" dirty="0"/>
+          </a:p>
+          <a:p>
+            <a:pPr marL="0" indent="0">
+              <a:buNone/>
+            </a:pPr>
+            <a:r>
+              <a:rPr lang="en-IN" sz="3600" dirty="0"/>
+              <a:t>Software Used</a:t>
+            </a:r>
+          </a:p>
+          <a:p>
+            <a:pPr marL="0" indent="0">
+              <a:buNone/>
+            </a:pPr>
+            <a:r>
+              <a:rPr lang="en-IN" sz="2400" dirty="0">
+                <a:latin typeface="Times New Roman" panose="02020603050405020304" pitchFamily="18" charset="0"/>
+                <a:cs typeface="Times New Roman" panose="02020603050405020304" pitchFamily="18" charset="0"/>
+              </a:rPr>
+              <a:t>Visual studio Code – IDE for Development</a:t>
+            </a:r>
+          </a:p>
+          <a:p>
+            <a:pPr marL="0" indent="0">
+              <a:buNone/>
+            </a:pPr>
+            <a:r>
+              <a:rPr lang="en-IN" sz="2400" dirty="0">
+                <a:latin typeface="Times New Roman" panose="02020603050405020304" pitchFamily="18" charset="0"/>
+                <a:cs typeface="Times New Roman" panose="02020603050405020304" pitchFamily="18" charset="0"/>
+              </a:rPr>
+              <a:t>Google Chrome – For running and testing the application.</a:t>
+            </a:r>
+          </a:p>
+        </p:txBody>
+      </p:sp>
+    </p:spTree>
+    <p:extLst>
+      <p:ext uri="{BB962C8B-B14F-4D97-AF65-F5344CB8AC3E}">
+        <p14:creationId xmlns:p14="http://schemas.microsoft.com/office/powerpoint/2010/main" val="3685121200"/>
+      </p:ext>
+    </p:extLst>
+  </p:cSld>
+  <p:clrMapOvr>
+    <a:masterClrMapping/>
+  </p:clrMapOvr>
+</p:sld>
+</file>
+
+<file path=ppt/slides/slide17.xml><?xml version="1.0" encoding="utf-8"?>
+<p:sld xmlns:a="http://schemas.openxmlformats.org/drawingml/2006/main" xmlns:r="http://schemas.openxmlformats.org/officeDocument/2006/relationships" xmlns:p="http://schemas.openxmlformats.org/presentationml/2006/main">
+  <p:cSld>
+    <p:spTree>
+      <p:nvGrpSpPr>
+        <p:cNvPr id="1" name=""/>
+        <p:cNvGrpSpPr/>
+        <p:nvPr/>
+      </p:nvGrpSpPr>
+      <p:grpSpPr>
+        <a:xfrm>
+          <a:off x="0" y="0"/>
+          <a:ext cx="0" cy="0"/>
+          <a:chOff x="0" y="0"/>
+          <a:chExt cx="0" cy="0"/>
+        </a:xfrm>
+      </p:grpSpPr>
+      <p:sp>
+        <p:nvSpPr>
+          <p:cNvPr id="2" name="Title 1">
+            <a:extLst>
+              <a:ext uri="{FF2B5EF4-FFF2-40B4-BE49-F238E27FC236}">
+                <a16:creationId xmlns:a16="http://schemas.microsoft.com/office/drawing/2014/main" id="{F319F076-99EE-4769-84F3-03D81052A99A}"/>
+              </a:ext>
+            </a:extLst>
+          </p:cNvPr>
+          <p:cNvSpPr>
+            <a:spLocks noGrp="1"/>
+          </p:cNvSpPr>
+          <p:nvPr>
+            <p:ph type="title"/>
+          </p:nvPr>
+        </p:nvSpPr>
+        <p:spPr>
+          <a:xfrm>
+            <a:off x="0" y="0"/>
+            <a:ext cx="9806126" cy="931015"/>
+          </a:xfrm>
+        </p:spPr>
+        <p:txBody>
+          <a:bodyPr/>
+          <a:lstStyle/>
+          <a:p>
+            <a:r>
+              <a:rPr lang="en-US" dirty="0"/>
+              <a:t>Sample Design</a:t>
+            </a:r>
+            <a:endParaRPr lang="en-IN" dirty="0"/>
+          </a:p>
+        </p:txBody>
+      </p:sp>
+      <p:sp>
+        <p:nvSpPr>
+          <p:cNvPr id="4" name="TextBox 3">
+            <a:extLst>
+              <a:ext uri="{FF2B5EF4-FFF2-40B4-BE49-F238E27FC236}">
+                <a16:creationId xmlns:a16="http://schemas.microsoft.com/office/drawing/2014/main" id="{E5A98A56-2F8D-4107-A98E-EE7E9D8EC6D4}"/>
+              </a:ext>
+            </a:extLst>
+          </p:cNvPr>
+          <p:cNvSpPr txBox="1"/>
+          <p:nvPr/>
+        </p:nvSpPr>
+        <p:spPr>
+          <a:xfrm>
+            <a:off x="177554" y="910830"/>
+            <a:ext cx="3471168" cy="861774"/>
+          </a:xfrm>
+          <a:prstGeom prst="rect">
+            <a:avLst/>
+          </a:prstGeom>
+          <a:noFill/>
+        </p:spPr>
+        <p:txBody>
+          <a:bodyPr wrap="square" rtlCol="0">
+            <a:spAutoFit/>
+          </a:bodyPr>
+          <a:lstStyle/>
+          <a:p>
+            <a:r>
+              <a:rPr lang="en-US" sz="3200" dirty="0"/>
+              <a:t>Admin Login</a:t>
+            </a:r>
+          </a:p>
+          <a:p>
+            <a:endParaRPr lang="en-IN" dirty="0"/>
+          </a:p>
+        </p:txBody>
+      </p:sp>
+      <p:pic>
+        <p:nvPicPr>
+          <p:cNvPr id="6" name="Picture 5">
+            <a:extLst>
+              <a:ext uri="{FF2B5EF4-FFF2-40B4-BE49-F238E27FC236}">
+                <a16:creationId xmlns:a16="http://schemas.microsoft.com/office/drawing/2014/main" id="{7857BAD3-2F89-410B-8D82-4CA2658AD968}"/>
+              </a:ext>
+            </a:extLst>
+          </p:cNvPr>
+          <p:cNvPicPr>
+            <a:picLocks noChangeAspect="1"/>
+          </p:cNvPicPr>
+          <p:nvPr/>
+        </p:nvPicPr>
+        <p:blipFill>
+          <a:blip r:embed="rId2"/>
+          <a:stretch>
+            <a:fillRect/>
+          </a:stretch>
+        </p:blipFill>
+        <p:spPr>
+          <a:xfrm>
+            <a:off x="88777" y="1557161"/>
+            <a:ext cx="3642676" cy="4595064"/>
+          </a:xfrm>
+          <a:prstGeom prst="rect">
+            <a:avLst/>
+          </a:prstGeom>
+        </p:spPr>
+      </p:pic>
+      <p:sp>
+        <p:nvSpPr>
+          <p:cNvPr id="7" name="TextBox 6">
+            <a:extLst>
+              <a:ext uri="{FF2B5EF4-FFF2-40B4-BE49-F238E27FC236}">
+                <a16:creationId xmlns:a16="http://schemas.microsoft.com/office/drawing/2014/main" id="{00314761-AD05-4002-AC92-DA1E18FC7FCD}"/>
+              </a:ext>
+            </a:extLst>
+          </p:cNvPr>
+          <p:cNvSpPr txBox="1"/>
+          <p:nvPr/>
+        </p:nvSpPr>
+        <p:spPr>
+          <a:xfrm>
+            <a:off x="4616388" y="972386"/>
+            <a:ext cx="4598633" cy="584775"/>
+          </a:xfrm>
+          <a:prstGeom prst="rect">
+            <a:avLst/>
+          </a:prstGeom>
+          <a:noFill/>
+        </p:spPr>
+        <p:txBody>
+          <a:bodyPr wrap="square" rtlCol="0">
+            <a:spAutoFit/>
+          </a:bodyPr>
+          <a:lstStyle/>
+          <a:p>
+            <a:r>
+              <a:rPr lang="en-US" sz="3200" dirty="0"/>
+              <a:t>User Registration / Login</a:t>
+            </a:r>
+            <a:endParaRPr lang="en-IN" sz="3200" dirty="0"/>
+          </a:p>
+        </p:txBody>
+      </p:sp>
+      <p:pic>
+        <p:nvPicPr>
+          <p:cNvPr id="9" name="Picture 8">
+            <a:extLst>
+              <a:ext uri="{FF2B5EF4-FFF2-40B4-BE49-F238E27FC236}">
+                <a16:creationId xmlns:a16="http://schemas.microsoft.com/office/drawing/2014/main" id="{B4B1D961-451E-42DC-905E-4046FF4FA8F3}"/>
+              </a:ext>
+            </a:extLst>
+          </p:cNvPr>
+          <p:cNvPicPr>
+            <a:picLocks noChangeAspect="1"/>
+          </p:cNvPicPr>
+          <p:nvPr/>
+        </p:nvPicPr>
+        <p:blipFill>
+          <a:blip r:embed="rId3"/>
+          <a:stretch>
+            <a:fillRect/>
+          </a:stretch>
+        </p:blipFill>
+        <p:spPr>
+          <a:xfrm>
+            <a:off x="8724021" y="1598532"/>
+            <a:ext cx="3467979" cy="4445972"/>
+          </a:xfrm>
+          <a:prstGeom prst="rect">
+            <a:avLst/>
+          </a:prstGeom>
+        </p:spPr>
+      </p:pic>
+      <p:pic>
+        <p:nvPicPr>
+          <p:cNvPr id="11" name="Picture 10">
+            <a:extLst>
+              <a:ext uri="{FF2B5EF4-FFF2-40B4-BE49-F238E27FC236}">
+                <a16:creationId xmlns:a16="http://schemas.microsoft.com/office/drawing/2014/main" id="{0BDD8964-66B4-4B7B-B73E-6ED874C6BB0F}"/>
+              </a:ext>
+            </a:extLst>
+          </p:cNvPr>
+          <p:cNvPicPr>
+            <a:picLocks noChangeAspect="1"/>
+          </p:cNvPicPr>
+          <p:nvPr/>
+        </p:nvPicPr>
+        <p:blipFill>
+          <a:blip r:embed="rId4"/>
+          <a:stretch>
+            <a:fillRect/>
+          </a:stretch>
+        </p:blipFill>
+        <p:spPr>
+          <a:xfrm>
+            <a:off x="4616388" y="1598532"/>
+            <a:ext cx="3953522" cy="4445972"/>
+          </a:xfrm>
+          <a:prstGeom prst="rect">
+            <a:avLst/>
+          </a:prstGeom>
+        </p:spPr>
+      </p:pic>
+    </p:spTree>
+    <p:extLst>
+      <p:ext uri="{BB962C8B-B14F-4D97-AF65-F5344CB8AC3E}">
+        <p14:creationId xmlns:p14="http://schemas.microsoft.com/office/powerpoint/2010/main" val="2182429539"/>
+      </p:ext>
+    </p:extLst>
+  </p:cSld>
+  <p:clrMapOvr>
+    <a:masterClrMapping/>
+  </p:clrMapOvr>
+</p:sld>
+</file>
+
+<file path=ppt/slides/slide18.xml><?xml version="1.0" encoding="utf-8"?>
+<p:sld xmlns:a="http://schemas.openxmlformats.org/drawingml/2006/main" xmlns:r="http://schemas.openxmlformats.org/officeDocument/2006/relationships" xmlns:p="http://schemas.openxmlformats.org/presentationml/2006/main">
+  <p:cSld>
+    <p:spTree>
+      <p:nvGrpSpPr>
+        <p:cNvPr id="1" name=""/>
+        <p:cNvGrpSpPr/>
+        <p:nvPr/>
+      </p:nvGrpSpPr>
+      <p:grpSpPr>
+        <a:xfrm>
+          <a:off x="0" y="0"/>
+          <a:ext cx="0" cy="0"/>
+          <a:chOff x="0" y="0"/>
+          <a:chExt cx="0" cy="0"/>
+        </a:xfrm>
+      </p:grpSpPr>
+      <p:sp>
+        <p:nvSpPr>
+          <p:cNvPr id="2" name="Title 1">
+            <a:extLst>
+              <a:ext uri="{FF2B5EF4-FFF2-40B4-BE49-F238E27FC236}">
+                <a16:creationId xmlns:a16="http://schemas.microsoft.com/office/drawing/2014/main" id="{77B1A621-66E4-4BD4-BB96-3A1E58B116E7}"/>
+              </a:ext>
+            </a:extLst>
+          </p:cNvPr>
+          <p:cNvSpPr>
+            <a:spLocks noGrp="1"/>
+          </p:cNvSpPr>
+          <p:nvPr>
+            <p:ph type="ctrTitle"/>
+          </p:nvPr>
+        </p:nvSpPr>
+        <p:spPr>
+          <a:xfrm>
+            <a:off x="716380" y="359469"/>
+            <a:ext cx="9001462" cy="892868"/>
+          </a:xfrm>
+        </p:spPr>
+        <p:txBody>
+          <a:bodyPr>
+            <a:normAutofit fontScale="90000"/>
+          </a:bodyPr>
+          <a:lstStyle/>
+          <a:p>
+            <a:pPr algn="l"/>
+            <a:r>
+              <a:rPr lang="en-US" dirty="0"/>
+              <a:t>EXPECTED OUTCOMES</a:t>
+            </a:r>
+            <a:endParaRPr lang="en-IN" dirty="0"/>
+          </a:p>
+        </p:txBody>
+      </p:sp>
+      <p:sp>
+        <p:nvSpPr>
+          <p:cNvPr id="3" name="Subtitle 2">
+            <a:extLst>
+              <a:ext uri="{FF2B5EF4-FFF2-40B4-BE49-F238E27FC236}">
+                <a16:creationId xmlns:a16="http://schemas.microsoft.com/office/drawing/2014/main" id="{944E8CED-E341-4EA0-8A50-D49607D784C8}"/>
+              </a:ext>
+            </a:extLst>
+          </p:cNvPr>
+          <p:cNvSpPr>
+            <a:spLocks noGrp="1"/>
+          </p:cNvSpPr>
+          <p:nvPr>
+            <p:ph type="subTitle" idx="1"/>
+          </p:nvPr>
+        </p:nvSpPr>
+        <p:spPr>
+          <a:xfrm>
+            <a:off x="840667" y="1773238"/>
+            <a:ext cx="9001462" cy="4725293"/>
+          </a:xfrm>
+        </p:spPr>
+        <p:txBody>
+          <a:bodyPr/>
+          <a:lstStyle/>
+          <a:p>
+            <a:pPr algn="l"/>
+            <a:r>
+              <a:rPr lang="en-US" sz="2400" dirty="0">
+                <a:latin typeface="Times New Roman" pitchFamily="18" charset="0"/>
+                <a:cs typeface="Times New Roman" pitchFamily="18" charset="0"/>
+              </a:rPr>
+              <a:t>User friendly and easy to use web application to submit all the information’s like Title, Description, Logo, Address, Location, Business Details, Social Media Links, video and images needed for a place and a platform to access all the listing of places.</a:t>
+            </a:r>
+            <a:endParaRPr lang="en-IN" dirty="0"/>
+          </a:p>
+          <a:p>
+            <a:pPr algn="l"/>
+            <a:endParaRPr lang="en-IN" dirty="0"/>
+          </a:p>
+          <a:p>
+            <a:pPr algn="l"/>
+            <a:endParaRPr lang="en-IN" dirty="0"/>
+          </a:p>
+          <a:p>
+            <a:pPr algn="l"/>
+            <a:endParaRPr lang="en-IN" dirty="0"/>
+          </a:p>
+          <a:p>
+            <a:pPr algn="l"/>
+            <a:endParaRPr lang="en-IN" dirty="0"/>
+          </a:p>
+          <a:p>
+            <a:pPr algn="l"/>
+            <a:endParaRPr lang="en-IN" dirty="0"/>
+          </a:p>
+          <a:p>
+            <a:pPr algn="l"/>
+            <a:endParaRPr lang="en-IN" dirty="0"/>
+          </a:p>
+          <a:p>
+            <a:pPr algn="l"/>
+            <a:endParaRPr lang="en-IN" dirty="0"/>
+          </a:p>
+        </p:txBody>
+      </p:sp>
+    </p:spTree>
+    <p:extLst>
+      <p:ext uri="{BB962C8B-B14F-4D97-AF65-F5344CB8AC3E}">
+        <p14:creationId xmlns:p14="http://schemas.microsoft.com/office/powerpoint/2010/main" val="3672262143"/>
+      </p:ext>
+    </p:extLst>
+  </p:cSld>
+  <p:clrMapOvr>
+    <a:masterClrMapping/>
+  </p:clrMapOvr>
+</p:sld>
+</file>
+
+<file path=ppt/slides/slide19.xml><?xml version="1.0" encoding="utf-8"?>
+<p:sld xmlns:a="http://schemas.openxmlformats.org/drawingml/2006/main" xmlns:r="http://schemas.openxmlformats.org/officeDocument/2006/relationships" xmlns:p="http://schemas.openxmlformats.org/presentationml/2006/main">
+  <p:cSld>
+    <p:spTree>
+      <p:nvGrpSpPr>
+        <p:cNvPr id="1" name=""/>
+        <p:cNvGrpSpPr/>
+        <p:nvPr/>
+      </p:nvGrpSpPr>
+      <p:grpSpPr>
+        <a:xfrm>
+          <a:off x="0" y="0"/>
+          <a:ext cx="0" cy="0"/>
+          <a:chOff x="0" y="0"/>
+          <a:chExt cx="0" cy="0"/>
+        </a:xfrm>
+      </p:grpSpPr>
+      <p:sp>
+        <p:nvSpPr>
+          <p:cNvPr id="2" name="Title 1">
+            <a:extLst>
+              <a:ext uri="{FF2B5EF4-FFF2-40B4-BE49-F238E27FC236}">
                 <a16:creationId xmlns:a16="http://schemas.microsoft.com/office/drawing/2014/main" id="{C935CCFD-ADCA-46EF-B716-BE78B70A516C}"/>
               </a:ext>
             </a:extLst>
@@ -6700,7 +4824,7 @@
         </p:spPr>
         <p:txBody>
           <a:bodyPr>
-            <a:normAutofit lnSpcReduction="10000"/>
+            <a:normAutofit/>
           </a:bodyPr>
           <a:lstStyle/>
           <a:p>
@@ -6960,6 +5084,19 @@
                 <a:latin typeface="Times New Roman" pitchFamily="18" charset="0"/>
                 <a:cs typeface="Times New Roman" pitchFamily="18" charset="0"/>
               </a:rPr>
+              <a:t>Technologies Used</a:t>
+            </a:r>
+          </a:p>
+          <a:p>
+            <a:pPr marL="342900" indent="-342900" algn="l">
+              <a:buFont typeface="Wingdings" panose="05000000000000000000" pitchFamily="2" charset="2"/>
+              <a:buChar char="v"/>
+            </a:pPr>
+            <a:r>
+              <a:rPr lang="en-US" sz="2400" dirty="0">
+                <a:latin typeface="Times New Roman" pitchFamily="18" charset="0"/>
+                <a:cs typeface="Times New Roman" pitchFamily="18" charset="0"/>
+              </a:rPr>
               <a:t>Expected Outcomes</a:t>
             </a:r>
           </a:p>
@@ -7030,13 +5167,13 @@
         </p:nvSpPr>
         <p:spPr>
           <a:xfrm>
-            <a:off x="671991" y="323372"/>
+            <a:off x="0" y="3776"/>
             <a:ext cx="9001462" cy="892868"/>
           </a:xfrm>
         </p:spPr>
         <p:txBody>
           <a:bodyPr>
-            <a:normAutofit fontScale="90000"/>
+            <a:normAutofit/>
           </a:bodyPr>
           <a:lstStyle/>
           <a:p>
@@ -7066,13 +5203,13 @@
         </p:nvSpPr>
         <p:spPr>
           <a:xfrm>
-            <a:off x="671990" y="1577929"/>
-            <a:ext cx="11095939" cy="4332541"/>
+            <a:off x="651276" y="1254557"/>
+            <a:ext cx="11095939" cy="5280071"/>
           </a:xfrm>
         </p:spPr>
         <p:txBody>
           <a:bodyPr>
-            <a:normAutofit/>
+            <a:normAutofit lnSpcReduction="10000"/>
           </a:bodyPr>
           <a:lstStyle/>
           <a:p>
@@ -7081,65 +5218,114 @@
               <a:buChar char="v"/>
             </a:pPr>
             <a:r>
-              <a:rPr lang="en-US" sz="2000" b="0" i="0" dirty="0" err="1">
-                <a:effectLst/>
-                <a:latin typeface="Times New Roman" panose="02020603050405020304" pitchFamily="18" charset="0"/>
-                <a:cs typeface="Times New Roman" panose="02020603050405020304" pitchFamily="18" charset="0"/>
-              </a:rPr>
-              <a:t>AstroWebSolution</a:t>
-            </a:r>
-            <a:r>
               <a:rPr lang="en-US" sz="2000" b="0" i="0" dirty="0">
                 <a:effectLst/>
                 <a:latin typeface="Times New Roman" panose="02020603050405020304" pitchFamily="18" charset="0"/>
                 <a:cs typeface="Times New Roman" panose="02020603050405020304" pitchFamily="18" charset="0"/>
               </a:rPr>
-              <a:t> is a software company in Madurai that expertise in custom design and apps development services.</a:t>
-            </a:r>
-          </a:p>
-          <a:p>
-            <a:pPr marL="342900" indent="-342900" algn="l">
+              <a:t>AstroWebSolution is a software company in Madurai that expertise in custom design and apps development services. It provides Services like</a:t>
+            </a:r>
+          </a:p>
+          <a:p>
+            <a:pPr marL="285750" indent="-285750" algn="l">
               <a:buFont typeface="Wingdings" panose="05000000000000000000" pitchFamily="2" charset="2"/>
-              <a:buChar char="v"/>
+              <a:buChar char="Ø"/>
             </a:pPr>
             <a:r>
-              <a:rPr lang="en-US" sz="2000" b="1" i="0" dirty="0">
+              <a:rPr lang="en-US" sz="1600" b="1" i="0" dirty="0">
+                <a:solidFill>
+                  <a:schemeClr val="tx1">
+                    <a:lumMod val="65000"/>
+                    <a:lumOff val="35000"/>
+                  </a:schemeClr>
+                </a:solidFill>
                 <a:effectLst/>
-                <a:latin typeface="Times New Roman" panose="02020603050405020304" pitchFamily="18" charset="0"/>
-                <a:cs typeface="Times New Roman" panose="02020603050405020304" pitchFamily="18" charset="0"/>
-              </a:rPr>
-              <a:t>Mission</a:t>
-            </a:r>
-          </a:p>
-          <a:p>
-            <a:pPr marL="342900" indent="-342900" algn="l">
+                <a:latin typeface="Poppins" panose="00000500000000000000" pitchFamily="2" charset="0"/>
+              </a:rPr>
+              <a:t>Custom Design</a:t>
+            </a:r>
+          </a:p>
+          <a:p>
+            <a:pPr marL="285750" indent="-285750" algn="l">
               <a:buFont typeface="Wingdings" panose="05000000000000000000" pitchFamily="2" charset="2"/>
-              <a:buChar char="v"/>
+              <a:buChar char="Ø"/>
             </a:pPr>
             <a:r>
-              <a:rPr lang="en-US" sz="2000" dirty="0">
+              <a:rPr lang="en-US" sz="1600" b="1" i="0" dirty="0">
+                <a:solidFill>
+                  <a:schemeClr val="tx1">
+                    <a:lumMod val="65000"/>
+                    <a:lumOff val="35000"/>
+                  </a:schemeClr>
+                </a:solidFill>
                 <a:effectLst/>
-                <a:latin typeface="Times New Roman" panose="02020603050405020304" pitchFamily="18" charset="0"/>
-                <a:cs typeface="Times New Roman" panose="02020603050405020304" pitchFamily="18" charset="0"/>
-              </a:rPr>
-              <a:t>Our mission is to provide innovative software solutions for excellence and enterprise  </a:t>
-            </a:r>
-            <a:r>
-              <a:rPr lang="en-US" sz="2000" dirty="0" err="1">
+                <a:latin typeface="Poppins" panose="00000500000000000000" pitchFamily="2" charset="0"/>
+              </a:rPr>
+              <a:t>Web &amp; Mobile App Development</a:t>
+            </a:r>
+          </a:p>
+          <a:p>
+            <a:pPr marL="285750" indent="-285750" algn="l">
+              <a:buFont typeface="Wingdings" panose="05000000000000000000" pitchFamily="2" charset="2"/>
+              <a:buChar char="Ø"/>
+            </a:pPr>
+            <a:r>
+              <a:rPr lang="en-US" sz="1600" b="1" i="0" dirty="0">
+                <a:solidFill>
+                  <a:schemeClr val="tx1">
+                    <a:lumMod val="65000"/>
+                    <a:lumOff val="35000"/>
+                  </a:schemeClr>
+                </a:solidFill>
                 <a:effectLst/>
-                <a:latin typeface="Times New Roman" panose="02020603050405020304" pitchFamily="18" charset="0"/>
-                <a:cs typeface="Times New Roman" panose="02020603050405020304" pitchFamily="18" charset="0"/>
-              </a:rPr>
-              <a:t>enterprise</a:t>
-            </a:r>
-            <a:r>
-              <a:rPr lang="en-US" sz="2000" dirty="0">
+                <a:latin typeface="Poppins" panose="00000500000000000000" pitchFamily="2" charset="0"/>
+              </a:rPr>
+              <a:t>Digital Transformation</a:t>
+            </a:r>
+          </a:p>
+          <a:p>
+            <a:pPr marL="285750" indent="-285750" algn="l">
+              <a:buFont typeface="Wingdings" panose="05000000000000000000" pitchFamily="2" charset="2"/>
+              <a:buChar char="Ø"/>
+            </a:pPr>
+            <a:r>
+              <a:rPr lang="en-US" sz="1600" b="1" i="0" dirty="0">
+                <a:solidFill>
+                  <a:schemeClr val="tx1">
+                    <a:lumMod val="65000"/>
+                    <a:lumOff val="35000"/>
+                  </a:schemeClr>
+                </a:solidFill>
                 <a:effectLst/>
-                <a:latin typeface="Times New Roman" panose="02020603050405020304" pitchFamily="18" charset="0"/>
-                <a:cs typeface="Times New Roman" panose="02020603050405020304" pitchFamily="18" charset="0"/>
-              </a:rPr>
-              <a:t> compliance.</a:t>
-            </a:r>
+                <a:latin typeface="Poppins" panose="00000500000000000000" pitchFamily="2" charset="0"/>
+              </a:rPr>
+              <a:t>IT Consultancy</a:t>
+            </a:r>
+          </a:p>
+          <a:p>
+            <a:pPr marL="285750" indent="-285750" algn="l">
+              <a:buFont typeface="Wingdings" panose="05000000000000000000" pitchFamily="2" charset="2"/>
+              <a:buChar char="Ø"/>
+            </a:pPr>
+            <a:r>
+              <a:rPr lang="en-US" sz="1600" b="1" i="0" dirty="0">
+                <a:solidFill>
+                  <a:schemeClr val="tx1">
+                    <a:lumMod val="65000"/>
+                    <a:lumOff val="35000"/>
+                  </a:schemeClr>
+                </a:solidFill>
+                <a:effectLst/>
+                <a:latin typeface="Poppins" panose="00000500000000000000" pitchFamily="2" charset="0"/>
+              </a:rPr>
+              <a:t>Digital Marketing</a:t>
+            </a:r>
+          </a:p>
+          <a:p>
+            <a:pPr marL="285750" indent="-285750" algn="l">
+              <a:buFont typeface="Wingdings" panose="05000000000000000000" pitchFamily="2" charset="2"/>
+              <a:buChar char="Ø"/>
+            </a:pPr>
             <a:endParaRPr lang="en-US" sz="2000" b="0" i="0" dirty="0">
               <a:effectLst/>
               <a:latin typeface="Times New Roman" panose="02020603050405020304" pitchFamily="18" charset="0"/>
@@ -7147,6 +5333,45 @@
             </a:endParaRPr>
           </a:p>
           <a:p>
+            <a:pPr marL="342900" indent="-342900" algn="l">
+              <a:buFont typeface="Wingdings" panose="05000000000000000000" pitchFamily="2" charset="2"/>
+              <a:buChar char="v"/>
+            </a:pPr>
+            <a:r>
+              <a:rPr lang="en-US" sz="2000" b="1" i="0" dirty="0">
+                <a:effectLst/>
+                <a:latin typeface="Times New Roman" panose="02020603050405020304" pitchFamily="18" charset="0"/>
+                <a:cs typeface="Times New Roman" panose="02020603050405020304" pitchFamily="18" charset="0"/>
+              </a:rPr>
+              <a:t>Mission</a:t>
+            </a:r>
+          </a:p>
+          <a:p>
+            <a:pPr marL="342900" indent="-342900" algn="l">
+              <a:buFont typeface="Wingdings" panose="05000000000000000000" pitchFamily="2" charset="2"/>
+              <a:buChar char="v"/>
+            </a:pPr>
+            <a:r>
+              <a:rPr lang="en-US" sz="2000" dirty="0">
+                <a:effectLst/>
+                <a:latin typeface="Times New Roman" panose="02020603050405020304" pitchFamily="18" charset="0"/>
+                <a:cs typeface="Times New Roman" panose="02020603050405020304" pitchFamily="18" charset="0"/>
+              </a:rPr>
+              <a:t>Our mission is to provide innovative software solutions for excellence and enterprise compliance.</a:t>
+            </a:r>
+          </a:p>
+          <a:p>
+            <a:pPr marL="342900" indent="-342900" algn="l">
+              <a:buFont typeface="Wingdings" panose="05000000000000000000" pitchFamily="2" charset="2"/>
+              <a:buChar char="v"/>
+            </a:pPr>
+            <a:endParaRPr lang="en-US" sz="2000" b="0" i="0" dirty="0">
+              <a:effectLst/>
+              <a:latin typeface="Times New Roman" panose="02020603050405020304" pitchFamily="18" charset="0"/>
+              <a:cs typeface="Times New Roman" panose="02020603050405020304" pitchFamily="18" charset="0"/>
+            </a:endParaRPr>
+          </a:p>
+          <a:p>
             <a:pPr marL="285750" indent="-285750" algn="l">
               <a:buFont typeface="Wingdings" panose="05000000000000000000" pitchFamily="2" charset="2"/>
               <a:buChar char="v"/>
@@ -7171,23 +5396,7 @@
                 <a:latin typeface="Times New Roman" panose="02020603050405020304" pitchFamily="18" charset="0"/>
                 <a:cs typeface="Times New Roman" panose="02020603050405020304" pitchFamily="18" charset="0"/>
               </a:rPr>
-              <a:t>Our vision is to become businesses’ first choice when it comes to software    development and maintenance. To accomplish this, we always try to exceed our client’s expectations. </a:t>
-            </a:r>
-            <a:r>
-              <a:rPr lang="en-US" sz="2000" b="0" i="0" dirty="0" err="1">
-                <a:effectLst/>
-                <a:latin typeface="Times New Roman" panose="02020603050405020304" pitchFamily="18" charset="0"/>
-                <a:cs typeface="Times New Roman" panose="02020603050405020304" pitchFamily="18" charset="0"/>
-              </a:rPr>
-              <a:t>AstroWebSolution</a:t>
-            </a:r>
-            <a:r>
-              <a:rPr lang="en-US" sz="2000" b="0" i="0" dirty="0">
-                <a:effectLst/>
-                <a:latin typeface="Times New Roman" panose="02020603050405020304" pitchFamily="18" charset="0"/>
-                <a:cs typeface="Times New Roman" panose="02020603050405020304" pitchFamily="18" charset="0"/>
-              </a:rPr>
-              <a:t> strives to build lasting partnerships and ensures client satisfaction.</a:t>
+              <a:t>Our vision is to become business first choice when it comes to software development and maintenance. To accomplish this, we always try to exceed our client’s expectations. AstroWebSolution strives to build lasting partnerships and ensures client satisfaction.</a:t>
             </a:r>
             <a:endParaRPr lang="en-US" sz="2000" dirty="0">
               <a:effectLst/>
@@ -7293,8 +5502,8 @@
         </p:nvSpPr>
         <p:spPr>
           <a:xfrm>
-            <a:off x="1083077" y="1109708"/>
-            <a:ext cx="9516862" cy="4838329"/>
+            <a:off x="444007" y="1109708"/>
+            <a:ext cx="10315729" cy="4838329"/>
           </a:xfrm>
         </p:spPr>
         <p:txBody>
@@ -7302,29 +5511,52 @@
           <a:lstStyle/>
           <a:p>
             <a:pPr algn="l"/>
-            <a:endParaRPr lang="en-US" dirty="0"/>
+            <a:r>
+              <a:rPr lang="en-IN" sz="2400" dirty="0">
+                <a:solidFill>
+                  <a:srgbClr val="000000"/>
+                </a:solidFill>
+                <a:effectLst/>
+                <a:latin typeface="Times New Roman" panose="02020603050405020304" pitchFamily="18" charset="0"/>
+                <a:ea typeface="Times New Roman" panose="02020603050405020304" pitchFamily="18" charset="0"/>
+              </a:rPr>
+              <a:t>The project is to be implemented on Madurai city in which it helps the user to find location based on various category. The goal of the project is to explore city with a Categorised web application. The prototype implemented includes basic functionalities of city guide such as showing a map, locating points of interest (POIs) on a map, locating location of a user, retrieving information of POIs, add reviews about POIs, plan a tour, support communication (e.g. phone, short message), show route direction to POIs, add reminder, and choose different kinds of POIs to show on map.</a:t>
+            </a:r>
+            <a:r>
+              <a:rPr lang="en-IN" sz="1800" dirty="0">
+                <a:solidFill>
+                  <a:srgbClr val="000000"/>
+                </a:solidFill>
+                <a:effectLst/>
+                <a:latin typeface="Times New Roman" panose="02020603050405020304" pitchFamily="18" charset="0"/>
+                <a:ea typeface="Times New Roman" panose="02020603050405020304" pitchFamily="18" charset="0"/>
+              </a:rPr>
+              <a:t> </a:t>
+            </a:r>
+            <a:r>
+              <a:rPr lang="en-IN" dirty="0">
+                <a:solidFill>
+                  <a:srgbClr val="000000"/>
+                </a:solidFill>
+                <a:effectLst/>
+                <a:latin typeface="Times New Roman" panose="02020603050405020304" pitchFamily="18" charset="0"/>
+                <a:ea typeface="Times New Roman" panose="02020603050405020304" pitchFamily="18" charset="0"/>
+                <a:cs typeface="Times New Roman" panose="02020603050405020304" pitchFamily="18" charset="0"/>
+              </a:rPr>
+              <a:t>Directories contain a large number of listings under different categories. It provide tools like searching, filtering, pictures, location information with maps, places information, contact details, and more.  It is community driven and  built on user generated content.  </a:t>
+            </a:r>
+            <a:endParaRPr lang="en-IN" dirty="0">
+              <a:solidFill>
+                <a:srgbClr val="000000"/>
+              </a:solidFill>
+              <a:effectLst/>
+              <a:latin typeface="Times New Roman" panose="02020603050405020304" pitchFamily="18" charset="0"/>
+              <a:ea typeface="Calibri" panose="020F0502020204030204" pitchFamily="34" charset="0"/>
+              <a:cs typeface="Times New Roman" panose="02020603050405020304" pitchFamily="18" charset="0"/>
+            </a:endParaRPr>
           </a:p>
           <a:p>
             <a:pPr algn="l"/>
-            <a:endParaRPr lang="en-IN" dirty="0"/>
-          </a:p>
-          <a:p>
-            <a:pPr algn="l"/>
-            <a:endParaRPr lang="en-IN" dirty="0"/>
-          </a:p>
-          <a:p>
-            <a:pPr algn="l"/>
-            <a:r>
-              <a:rPr lang="en-IN" dirty="0"/>
-              <a:t>A </a:t>
-            </a:r>
-            <a:r>
-              <a:rPr lang="en-IN" dirty="0">
-                <a:latin typeface="Times New Roman" panose="02020603050405020304" pitchFamily="18" charset="0"/>
-                <a:cs typeface="Times New Roman" panose="02020603050405020304" pitchFamily="18" charset="0"/>
-              </a:rPr>
-              <a:t>Generic UI Design to enter the new records with different components required for a specific location.</a:t>
-            </a:r>
             <a:endParaRPr lang="en-IN" dirty="0"/>
           </a:p>
         </p:txBody>
@@ -7389,8 +5621,8 @@
           <a:p>
             <a:pPr algn="l"/>
             <a:r>
-              <a:rPr lang="en-US" dirty="0" err="1"/>
-              <a:t>Introducton</a:t>
+              <a:rPr lang="en-US" dirty="0"/>
+              <a:t>Introduction</a:t>
             </a:r>
             <a:endParaRPr lang="en-IN" dirty="0"/>
           </a:p>
@@ -7414,80 +5646,66 @@
         </p:nvSpPr>
         <p:spPr>
           <a:xfrm>
-            <a:off x="796278" y="1657829"/>
-            <a:ext cx="9001462" cy="4441130"/>
+            <a:off x="355105" y="1083077"/>
+            <a:ext cx="11345663" cy="5637319"/>
           </a:xfrm>
         </p:spPr>
         <p:txBody>
-          <a:bodyPr/>
-          <a:lstStyle/>
-          <a:p>
-            <a:pPr marL="342900" indent="-342900" algn="l">
-              <a:buFont typeface="Wingdings" panose="05000000000000000000" pitchFamily="2" charset="2"/>
-              <a:buChar char="v"/>
+          <a:bodyPr>
+            <a:normAutofit/>
+          </a:bodyPr>
+          <a:lstStyle/>
+          <a:p>
+            <a:pPr marL="346075" marR="189230" indent="-6350" algn="just">
+              <a:lnSpc>
+                <a:spcPct val="148000"/>
+              </a:lnSpc>
+              <a:spcAft>
+                <a:spcPts val="65"/>
+              </a:spcAft>
             </a:pPr>
             <a:r>
-              <a:rPr lang="en-US" sz="2400" dirty="0">
+              <a:rPr lang="en-IN" sz="2000" dirty="0">
+                <a:solidFill>
+                  <a:srgbClr val="000000"/>
+                </a:solidFill>
+                <a:effectLst/>
+                <a:latin typeface="Times New Roman" panose="02020603050405020304" pitchFamily="18" charset="0"/>
+                <a:ea typeface="Times New Roman" panose="02020603050405020304" pitchFamily="18" charset="0"/>
+                <a:cs typeface="Times New Roman" panose="02020603050405020304" pitchFamily="18" charset="0"/>
+              </a:rPr>
+              <a:t>This project acts as an important role in helping people to locate to their places inside a city and promote their business. The project directory is developed so that users can view the detailed information about the particular city. The users are register by providing details such as Name, Mail id. The project also has a login page where the registered user can login.</a:t>
+            </a:r>
+          </a:p>
+          <a:p>
+            <a:pPr marL="346075" marR="189230" indent="-6350" algn="just">
+              <a:lnSpc>
+                <a:spcPct val="148000"/>
+              </a:lnSpc>
+              <a:spcAft>
+                <a:spcPts val="65"/>
+              </a:spcAft>
+            </a:pPr>
+            <a:r>
+              <a:rPr lang="en-IN" sz="2000" dirty="0">
+                <a:solidFill>
+                  <a:srgbClr val="000000"/>
+                </a:solidFill>
+                <a:effectLst/>
+                <a:latin typeface="Times New Roman" panose="02020603050405020304" pitchFamily="18" charset="0"/>
+                <a:ea typeface="Times New Roman" panose="02020603050405020304" pitchFamily="18" charset="0"/>
+                <a:cs typeface="Times New Roman" panose="02020603050405020304" pitchFamily="18" charset="0"/>
+              </a:rPr>
+              <a:t>User can explore popular places as categorised lists like tourist places, restaurant &amp; residency, jewellery, banking and finance, automobile, shops and they can also promote their shops using ads. Thus this application helps to select the location they need to explore in a efficient manner .The main aim of developing this application is to reduce the time and to give a accurate location in a city. Thus this application provides the required information for quicker decision making. </a:t>
+            </a:r>
+            <a:r>
+              <a:rPr lang="en-US" sz="2000" dirty="0">
                 <a:latin typeface="Times New Roman" pitchFamily="18" charset="0"/>
                 <a:cs typeface="Times New Roman" pitchFamily="18" charset="0"/>
               </a:rPr>
-              <a:t>User Interface plays major role in interaction with Users.</a:t>
-            </a:r>
-          </a:p>
-          <a:p>
-            <a:pPr marL="342900" indent="-342900" algn="l">
-              <a:buFont typeface="Wingdings" panose="05000000000000000000" pitchFamily="2" charset="2"/>
-              <a:buChar char="v"/>
-            </a:pPr>
-            <a:r>
-              <a:rPr lang="en-US" sz="2400" dirty="0">
-                <a:latin typeface="Times New Roman" pitchFamily="18" charset="0"/>
-                <a:cs typeface="Times New Roman" pitchFamily="18" charset="0"/>
-              </a:rPr>
-              <a:t>Users usually want a view which is more comfortable and easy access to everything.</a:t>
-            </a:r>
-          </a:p>
-          <a:p>
-            <a:pPr marL="342900" indent="-342900" algn="l">
-              <a:buFont typeface="Wingdings" panose="05000000000000000000" pitchFamily="2" charset="2"/>
-              <a:buChar char="v"/>
-            </a:pPr>
-            <a:r>
-              <a:rPr lang="en-US" sz="2400" dirty="0">
-                <a:latin typeface="Times New Roman" pitchFamily="18" charset="0"/>
-                <a:cs typeface="Times New Roman" pitchFamily="18" charset="0"/>
-              </a:rPr>
-              <a:t>To incorporate all these, a comparative study was done on websites such as Google Maps, Bing Maps, </a:t>
-            </a:r>
-            <a:r>
-              <a:rPr lang="en-US" sz="2400" dirty="0" err="1">
-                <a:latin typeface="Times New Roman" pitchFamily="18" charset="0"/>
-                <a:cs typeface="Times New Roman" pitchFamily="18" charset="0"/>
-              </a:rPr>
-              <a:t>Mapquests</a:t>
-            </a:r>
-            <a:r>
-              <a:rPr lang="en-US" sz="2400" dirty="0">
-                <a:latin typeface="Times New Roman" pitchFamily="18" charset="0"/>
-                <a:cs typeface="Times New Roman" pitchFamily="18" charset="0"/>
-              </a:rPr>
-              <a:t> </a:t>
-            </a:r>
-            <a:r>
-              <a:rPr lang="en-US" sz="2400" dirty="0" err="1">
-                <a:latin typeface="Times New Roman" pitchFamily="18" charset="0"/>
-                <a:cs typeface="Times New Roman" pitchFamily="18" charset="0"/>
-              </a:rPr>
-              <a:t>etc</a:t>
-            </a:r>
-            <a:r>
-              <a:rPr lang="en-US" sz="2400" dirty="0">
-                <a:latin typeface="Times New Roman" pitchFamily="18" charset="0"/>
-                <a:cs typeface="Times New Roman" pitchFamily="18" charset="0"/>
-              </a:rPr>
-              <a:t> based on standard metrics</a:t>
-            </a:r>
-            <a:endParaRPr lang="en-US" dirty="0"/>
+              <a:t>To incorporate all these, a comparative study was done on websites such as Google Maps, Bing Maps, MapQuest etc. based on standard metrics</a:t>
+            </a:r>
+            <a:endParaRPr lang="en-US" sz="2000" dirty="0"/>
           </a:p>
         </p:txBody>
       </p:sp>
@@ -7576,13 +5794,13 @@
         </p:nvSpPr>
         <p:spPr>
           <a:xfrm>
-            <a:off x="0" y="1139688"/>
+            <a:off x="92765" y="1121933"/>
             <a:ext cx="12006470" cy="5605670"/>
           </a:xfrm>
         </p:spPr>
         <p:txBody>
           <a:bodyPr>
-            <a:normAutofit/>
+            <a:normAutofit fontScale="85000" lnSpcReduction="20000"/>
           </a:bodyPr>
           <a:lstStyle/>
           <a:p>
@@ -7598,11 +5816,22 @@
             </a:pPr>
             <a:r>
               <a:rPr lang="en-IN" sz="2400" dirty="0">
+                <a:solidFill>
+                  <a:srgbClr val="000000"/>
+                </a:solidFill>
                 <a:effectLst/>
                 <a:latin typeface="Times New Roman" panose="02020603050405020304" pitchFamily="18" charset="0"/>
                 <a:ea typeface="Times New Roman" panose="02020603050405020304" pitchFamily="18" charset="0"/>
               </a:rPr>
-              <a:t>The motive of the proposed system is to provide a suggestion-based system determines the similarity  to users or items and produces a prediction for the user by taking the weighted average of all the ratings.  </a:t>
+              <a:t>The motive of the proposed system is to provide the most accurate route and reliable path to the user. </a:t>
+            </a:r>
+            <a:r>
+              <a:rPr lang="en-IN" sz="2400" dirty="0">
+                <a:effectLst/>
+                <a:latin typeface="Times New Roman" panose="02020603050405020304" pitchFamily="18" charset="0"/>
+                <a:ea typeface="Times New Roman" panose="02020603050405020304" pitchFamily="18" charset="0"/>
+              </a:rPr>
+              <a:t>A suggestion-based system determines the similarity to users and produces a prediction for the user by taking the weighted average of all the ratings.  </a:t>
             </a:r>
           </a:p>
           <a:p>
@@ -7622,23 +5851,7 @@
                 <a:latin typeface="Times New Roman" panose="02020603050405020304" pitchFamily="18" charset="0"/>
                 <a:ea typeface="Times New Roman" panose="02020603050405020304" pitchFamily="18" charset="0"/>
               </a:rPr>
-              <a:t>Therefore, we use some indexes which are appropriate to evaluate our approaches, such direction, Contact information ,reviews, updates. Then, we design several evaluation methods to </a:t>
-            </a:r>
-            <a:r>
-              <a:rPr lang="en-IN" sz="2400" dirty="0" err="1">
-                <a:effectLst/>
-                <a:latin typeface="Times New Roman" panose="02020603050405020304" pitchFamily="18" charset="0"/>
-                <a:ea typeface="Times New Roman" panose="02020603050405020304" pitchFamily="18" charset="0"/>
-              </a:rPr>
-              <a:t>analyze</a:t>
-            </a:r>
-            <a:r>
-              <a:rPr lang="en-IN" sz="2400" dirty="0">
-                <a:effectLst/>
-                <a:latin typeface="Times New Roman" panose="02020603050405020304" pitchFamily="18" charset="0"/>
-                <a:ea typeface="Times New Roman" panose="02020603050405020304" pitchFamily="18" charset="0"/>
-              </a:rPr>
-              <a:t> performance.  </a:t>
+              <a:t>Therefore, we use some indexes which are appropriate to evaluate our approaches, such direction, Contact information, Working hours, reviews, updates. Then, we design several evaluation methods to analyse performance.  </a:t>
             </a:r>
           </a:p>
           <a:p>
@@ -7658,24 +5871,113 @@
                 <a:latin typeface="Times New Roman" panose="02020603050405020304" pitchFamily="18" charset="0"/>
                 <a:ea typeface="Times New Roman" panose="02020603050405020304" pitchFamily="18" charset="0"/>
               </a:rPr>
-              <a:t>To predict a rating for an </a:t>
-            </a:r>
-            <a:r>
-              <a:rPr lang="en-IN" sz="2400" dirty="0" err="1">
+              <a:t>To predict a rating for an place, we calculate the overall review such as like, rating, comments. This enables users to find not only content items they are currently interested in, but also those in which they might become interested.  </a:t>
+            </a:r>
+          </a:p>
+          <a:p>
+            <a:pPr marL="681355" marR="3175" indent="-342900" algn="just">
+              <a:lnSpc>
+                <a:spcPct val="148000"/>
+              </a:lnSpc>
+              <a:spcAft>
+                <a:spcPts val="45"/>
+              </a:spcAft>
+              <a:buFont typeface="Wingdings" panose="05000000000000000000" pitchFamily="2" charset="2"/>
+              <a:buChar char="v"/>
+            </a:pPr>
+            <a:r>
+              <a:rPr lang="en-IN" sz="2400" u="none" strike="noStrike" dirty="0">
+                <a:solidFill>
+                  <a:srgbClr val="1C1E29"/>
+                </a:solidFill>
                 <a:effectLst/>
+                <a:uFill>
+                  <a:solidFill>
+                    <a:srgbClr val="000000"/>
+                  </a:solidFill>
+                </a:uFill>
                 <a:latin typeface="Times New Roman" panose="02020603050405020304" pitchFamily="18" charset="0"/>
                 <a:ea typeface="Times New Roman" panose="02020603050405020304" pitchFamily="18" charset="0"/>
               </a:rPr>
-              <a:t>place,we</a:t>
-            </a:r>
-            <a:r>
-              <a:rPr lang="en-IN" sz="2400" dirty="0">
+              <a:t>The current data of a place can be added easily and incrementally with an updated set of information.</a:t>
+            </a:r>
+            <a:r>
+              <a:rPr lang="en-IN" sz="2400" u="none" strike="noStrike" dirty="0">
+                <a:solidFill>
+                  <a:srgbClr val="000000"/>
+                </a:solidFill>
                 <a:effectLst/>
+                <a:uFill>
+                  <a:solidFill>
+                    <a:srgbClr val="000000"/>
+                  </a:solidFill>
+                </a:uFill>
                 <a:latin typeface="Times New Roman" panose="02020603050405020304" pitchFamily="18" charset="0"/>
                 <a:ea typeface="Times New Roman" panose="02020603050405020304" pitchFamily="18" charset="0"/>
               </a:rPr>
-              <a:t> calculate the overall review such as like comments. This enables users to find not only content items they are currently interested in, but also those in which they might become interested.  </a:t>
-            </a:r>
+              <a:t> </a:t>
+            </a:r>
+          </a:p>
+          <a:p>
+            <a:pPr marL="681355" marR="3175" indent="-342900" algn="just">
+              <a:lnSpc>
+                <a:spcPct val="148000"/>
+              </a:lnSpc>
+              <a:spcAft>
+                <a:spcPts val="45"/>
+              </a:spcAft>
+              <a:buFont typeface="Wingdings" panose="05000000000000000000" pitchFamily="2" charset="2"/>
+              <a:buChar char="v"/>
+            </a:pPr>
+            <a:r>
+              <a:rPr lang="en-IN" sz="2400" u="none" strike="noStrike" dirty="0">
+                <a:solidFill>
+                  <a:srgbClr val="1C1E29"/>
+                </a:solidFill>
+                <a:effectLst/>
+                <a:uFill>
+                  <a:solidFill>
+                    <a:srgbClr val="000000"/>
+                  </a:solidFill>
+                </a:uFill>
+                <a:latin typeface="Times New Roman" panose="02020603050405020304" pitchFamily="18" charset="0"/>
+                <a:ea typeface="Times New Roman" panose="02020603050405020304" pitchFamily="18" charset="0"/>
+              </a:rPr>
+              <a:t>It’s used for collecting and analysing a large amount of information on a user's behaviour, preference and predicting what users will like based on similarity to other users.</a:t>
+            </a:r>
+            <a:r>
+              <a:rPr lang="en-IN" sz="2400" u="none" strike="noStrike" dirty="0">
+                <a:solidFill>
+                  <a:srgbClr val="000000"/>
+                </a:solidFill>
+                <a:effectLst/>
+                <a:uFill>
+                  <a:solidFill>
+                    <a:srgbClr val="000000"/>
+                  </a:solidFill>
+                </a:uFill>
+                <a:latin typeface="Times New Roman" panose="02020603050405020304" pitchFamily="18" charset="0"/>
+                <a:ea typeface="Times New Roman" panose="02020603050405020304" pitchFamily="18" charset="0"/>
+              </a:rPr>
+              <a:t> </a:t>
+            </a:r>
+          </a:p>
+          <a:p>
+            <a:pPr marL="681355" marR="3175" indent="-342900" algn="just">
+              <a:lnSpc>
+                <a:spcPct val="148000"/>
+              </a:lnSpc>
+              <a:spcAft>
+                <a:spcPts val="45"/>
+              </a:spcAft>
+              <a:buFont typeface="Wingdings" panose="05000000000000000000" pitchFamily="2" charset="2"/>
+              <a:buChar char="v"/>
+            </a:pPr>
+            <a:endParaRPr lang="en-IN" sz="2400" dirty="0">
+              <a:effectLst/>
+              <a:latin typeface="Times New Roman" panose="02020603050405020304" pitchFamily="18" charset="0"/>
+              <a:ea typeface="Times New Roman" panose="02020603050405020304" pitchFamily="18" charset="0"/>
+            </a:endParaRPr>
           </a:p>
           <a:p>
             <a:endParaRPr lang="en-US" dirty="0"/>
@@ -7767,8 +6069,8 @@
         </p:nvSpPr>
         <p:spPr>
           <a:xfrm>
-            <a:off x="0" y="1070421"/>
-            <a:ext cx="11434439" cy="5330379"/>
+            <a:off x="463118" y="1233996"/>
+            <a:ext cx="11265763" cy="5264458"/>
           </a:xfrm>
         </p:spPr>
         <p:txBody>
@@ -7786,8 +6088,36 @@
                 <a:latin typeface="Times New Roman" pitchFamily="18" charset="0"/>
                 <a:cs typeface="Times New Roman" pitchFamily="18" charset="0"/>
               </a:rPr>
-              <a:t>ADMIN MODULE - Deals with login page UX design template.</a:t>
-            </a:r>
+              <a:t>Register / Login Module</a:t>
+            </a:r>
+          </a:p>
+          <a:p>
+            <a:pPr algn="l"/>
+            <a:r>
+              <a:rPr lang="en-US" sz="2000" dirty="0">
+                <a:latin typeface="Times New Roman" pitchFamily="18" charset="0"/>
+                <a:cs typeface="Times New Roman" pitchFamily="18" charset="0"/>
+              </a:rPr>
+              <a:t>            Deals with login page UX design template. </a:t>
+            </a:r>
+            <a:r>
+              <a:rPr lang="en-IN" sz="2000" dirty="0">
+                <a:solidFill>
+                  <a:srgbClr val="000000"/>
+                </a:solidFill>
+                <a:effectLst/>
+                <a:latin typeface="Times New Roman" panose="02020603050405020304" pitchFamily="18" charset="0"/>
+                <a:ea typeface="Times New Roman" panose="02020603050405020304" pitchFamily="18" charset="0"/>
+              </a:rPr>
+              <a:t>Register/ login account is about verification of user detail such as mail id and password. However, the authorization process of this is to give access in the form of approval to the user. So that after the approval the one can able to access the web app.</a:t>
+            </a:r>
+          </a:p>
+          <a:p>
+            <a:pPr algn="l"/>
+            <a:endParaRPr lang="en-US" sz="2200" dirty="0">
+              <a:latin typeface="Times New Roman" pitchFamily="18" charset="0"/>
+              <a:cs typeface="Times New Roman" pitchFamily="18" charset="0"/>
+            </a:endParaRPr>
           </a:p>
           <a:p>
             <a:pPr marL="342900" indent="-342900" algn="l">
@@ -7799,8 +6129,32 @@
                 <a:latin typeface="Times New Roman" pitchFamily="18" charset="0"/>
                 <a:cs typeface="Times New Roman" pitchFamily="18" charset="0"/>
               </a:rPr>
-              <a:t>DASHBOARD - It deals with the details of how many listings have published and how many of them are in pending.</a:t>
-            </a:r>
+              <a:t>DASHBOARD </a:t>
+            </a:r>
+          </a:p>
+          <a:p>
+            <a:pPr algn="l"/>
+            <a:r>
+              <a:rPr lang="en-US" sz="2200" dirty="0">
+                <a:latin typeface="Times New Roman" pitchFamily="18" charset="0"/>
+                <a:cs typeface="Times New Roman" pitchFamily="18" charset="0"/>
+              </a:rPr>
+              <a:t>           </a:t>
+            </a:r>
+            <a:r>
+              <a:rPr lang="en-US" sz="2000" dirty="0">
+                <a:latin typeface="Times New Roman" pitchFamily="18" charset="0"/>
+                <a:cs typeface="Times New Roman" pitchFamily="18" charset="0"/>
+              </a:rPr>
+              <a:t>It deals with the details of how many listings of places have published and how many of them are in pending.</a:t>
+            </a:r>
+          </a:p>
+          <a:p>
+            <a:pPr algn="l"/>
+            <a:endParaRPr lang="en-US" sz="2000" dirty="0">
+              <a:latin typeface="Times New Roman" pitchFamily="18" charset="0"/>
+              <a:cs typeface="Times New Roman" pitchFamily="18" charset="0"/>
+            </a:endParaRPr>
           </a:p>
           <a:p>
             <a:pPr marL="342900" indent="-342900" algn="l">
@@ -7812,89 +6166,25 @@
                 <a:latin typeface="Times New Roman" pitchFamily="18" charset="0"/>
                 <a:cs typeface="Times New Roman" pitchFamily="18" charset="0"/>
               </a:rPr>
-              <a:t>EDIT PROFILE – It is used to change the </a:t>
-            </a:r>
-            <a:r>
-              <a:rPr lang="en-US" sz="2200" dirty="0" err="1">
-                <a:latin typeface="Times New Roman" pitchFamily="18" charset="0"/>
-                <a:cs typeface="Times New Roman" pitchFamily="18" charset="0"/>
-              </a:rPr>
-              <a:t>gmail</a:t>
-            </a:r>
+              <a:t>EDIT PROFILE &amp; Change Password</a:t>
+            </a:r>
+          </a:p>
+          <a:p>
+            <a:pPr algn="l"/>
             <a:r>
               <a:rPr lang="en-US" sz="2200" dirty="0">
                 <a:latin typeface="Times New Roman" pitchFamily="18" charset="0"/>
                 <a:cs typeface="Times New Roman" pitchFamily="18" charset="0"/>
               </a:rPr>
-              <a:t> and phone number.</a:t>
-            </a:r>
-          </a:p>
-          <a:p>
-            <a:pPr marL="342900" indent="-342900" algn="l">
-              <a:buFont typeface="Wingdings" panose="05000000000000000000" pitchFamily="2" charset="2"/>
-              <a:buChar char="v"/>
-            </a:pPr>
-            <a:r>
-              <a:rPr lang="en-US" sz="2200" dirty="0">
-                <a:latin typeface="Times New Roman" pitchFamily="18" charset="0"/>
-                <a:cs typeface="Times New Roman" pitchFamily="18" charset="0"/>
-              </a:rPr>
-              <a:t>CHANGE PASSWORD – Used to change the current password to a new one.</a:t>
-            </a:r>
-          </a:p>
-          <a:p>
-            <a:pPr marL="342900" indent="-342900" algn="l">
-              <a:buFont typeface="Wingdings" panose="05000000000000000000" pitchFamily="2" charset="2"/>
-              <a:buChar char="v"/>
-            </a:pPr>
-            <a:r>
-              <a:rPr lang="en-US" sz="2200" dirty="0">
-                <a:latin typeface="Times New Roman" pitchFamily="18" charset="0"/>
-                <a:cs typeface="Times New Roman" pitchFamily="18" charset="0"/>
-              </a:rPr>
-              <a:t>MY LISTING – It is used to show all the listings that the admin has entered and the listings that are published.</a:t>
-            </a:r>
-          </a:p>
-          <a:p>
-            <a:pPr marL="342900" indent="-342900" algn="l">
-              <a:buFont typeface="Wingdings" panose="05000000000000000000" pitchFamily="2" charset="2"/>
-              <a:buChar char="v"/>
-            </a:pPr>
-            <a:r>
-              <a:rPr lang="en-US" sz="2200" dirty="0">
-                <a:latin typeface="Times New Roman" pitchFamily="18" charset="0"/>
-                <a:cs typeface="Times New Roman" pitchFamily="18" charset="0"/>
-              </a:rPr>
-              <a:t>SUBMIT LISTING  - This Module needs </a:t>
-            </a:r>
-            <a:r>
-              <a:rPr lang="en-US" sz="2200" dirty="0" err="1">
-                <a:latin typeface="Times New Roman" pitchFamily="18" charset="0"/>
-                <a:cs typeface="Times New Roman" pitchFamily="18" charset="0"/>
-              </a:rPr>
-              <a:t>informations</a:t>
-            </a:r>
-            <a:r>
-              <a:rPr lang="en-US" sz="2200" dirty="0">
-                <a:latin typeface="Times New Roman" pitchFamily="18" charset="0"/>
-                <a:cs typeface="Times New Roman" pitchFamily="18" charset="0"/>
-              </a:rPr>
-              <a:t> about a specific place like Title, Description, Logo, Location, Latitude and </a:t>
-            </a:r>
-            <a:r>
-              <a:rPr lang="en-US" sz="2200" dirty="0" err="1">
-                <a:latin typeface="Times New Roman" pitchFamily="18" charset="0"/>
-                <a:cs typeface="Times New Roman" pitchFamily="18" charset="0"/>
-              </a:rPr>
-              <a:t>Longitute</a:t>
-            </a:r>
-            <a:r>
-              <a:rPr lang="en-US" sz="2200" dirty="0">
-                <a:latin typeface="Times New Roman" pitchFamily="18" charset="0"/>
-                <a:cs typeface="Times New Roman" pitchFamily="18" charset="0"/>
-              </a:rPr>
-              <a:t> for a place provided by using map, Details, Social Media Links and Gallery</a:t>
-            </a:r>
+              <a:t>          It is used to update the Name, gmail and phone number and Used to change the current password to a new one.</a:t>
+            </a:r>
+          </a:p>
+          <a:p>
+            <a:pPr algn="l"/>
+            <a:endParaRPr lang="en-US" sz="2200" dirty="0">
+              <a:latin typeface="Times New Roman" pitchFamily="18" charset="0"/>
+              <a:cs typeface="Times New Roman" pitchFamily="18" charset="0"/>
+            </a:endParaRPr>
           </a:p>
           <a:p>
             <a:pPr marL="342900" indent="-342900" algn="l">
@@ -7922,6 +6212,140 @@
 </file>
 
 <file path=ppt/slides/slide8.xml><?xml version="1.0" encoding="utf-8"?>
+<p:sld xmlns:a="http://schemas.openxmlformats.org/drawingml/2006/main" xmlns:r="http://schemas.openxmlformats.org/officeDocument/2006/relationships" xmlns:p="http://schemas.openxmlformats.org/presentationml/2006/main">
+  <p:cSld>
+    <p:spTree>
+      <p:nvGrpSpPr>
+        <p:cNvPr id="1" name=""/>
+        <p:cNvGrpSpPr/>
+        <p:nvPr/>
+      </p:nvGrpSpPr>
+      <p:grpSpPr>
+        <a:xfrm>
+          <a:off x="0" y="0"/>
+          <a:ext cx="0" cy="0"/>
+          <a:chOff x="0" y="0"/>
+          <a:chExt cx="0" cy="0"/>
+        </a:xfrm>
+      </p:grpSpPr>
+      <p:sp>
+        <p:nvSpPr>
+          <p:cNvPr id="4" name="TextBox 3">
+            <a:extLst>
+              <a:ext uri="{FF2B5EF4-FFF2-40B4-BE49-F238E27FC236}">
+                <a16:creationId xmlns:a16="http://schemas.microsoft.com/office/drawing/2014/main" id="{98978030-B8F0-4356-AE43-BA1838DDDE7B}"/>
+              </a:ext>
+            </a:extLst>
+          </p:cNvPr>
+          <p:cNvSpPr txBox="1"/>
+          <p:nvPr/>
+        </p:nvSpPr>
+        <p:spPr>
+          <a:xfrm>
+            <a:off x="400975" y="461637"/>
+            <a:ext cx="10980198" cy="3877985"/>
+          </a:xfrm>
+          <a:prstGeom prst="rect">
+            <a:avLst/>
+          </a:prstGeom>
+          <a:noFill/>
+        </p:spPr>
+        <p:txBody>
+          <a:bodyPr wrap="square" rtlCol="0">
+            <a:spAutoFit/>
+          </a:bodyPr>
+          <a:lstStyle/>
+          <a:p>
+            <a:pPr marL="342900" indent="-342900" algn="l">
+              <a:buFont typeface="Wingdings" panose="05000000000000000000" pitchFamily="2" charset="2"/>
+              <a:buChar char="v"/>
+            </a:pPr>
+            <a:r>
+              <a:rPr lang="en-US" sz="2400" dirty="0">
+                <a:latin typeface="Times New Roman" pitchFamily="18" charset="0"/>
+                <a:cs typeface="Times New Roman" pitchFamily="18" charset="0"/>
+              </a:rPr>
+              <a:t>MY LISTING </a:t>
+            </a:r>
+          </a:p>
+          <a:p>
+            <a:pPr algn="l"/>
+            <a:r>
+              <a:rPr lang="en-US" sz="2000" dirty="0">
+                <a:latin typeface="Times New Roman" pitchFamily="18" charset="0"/>
+                <a:cs typeface="Times New Roman" pitchFamily="18" charset="0"/>
+              </a:rPr>
+              <a:t>             It is used to show all the places that are listed by the admin and the listings module can only be accessed by admin to proceed various activities like edit the information about a place, delete and publish a record.</a:t>
+            </a:r>
+          </a:p>
+          <a:p>
+            <a:pPr algn="l"/>
+            <a:endParaRPr lang="en-US" sz="2000" dirty="0">
+              <a:latin typeface="Times New Roman" pitchFamily="18" charset="0"/>
+              <a:cs typeface="Times New Roman" pitchFamily="18" charset="0"/>
+            </a:endParaRPr>
+          </a:p>
+          <a:p>
+            <a:pPr marL="342900" indent="-342900" algn="l">
+              <a:buFont typeface="Wingdings" panose="05000000000000000000" pitchFamily="2" charset="2"/>
+              <a:buChar char="v"/>
+            </a:pPr>
+            <a:r>
+              <a:rPr lang="en-US" sz="2400" dirty="0">
+                <a:latin typeface="Times New Roman" pitchFamily="18" charset="0"/>
+                <a:cs typeface="Times New Roman" pitchFamily="18" charset="0"/>
+              </a:rPr>
+              <a:t>SUBMIT LISTING  </a:t>
+            </a:r>
+          </a:p>
+          <a:p>
+            <a:pPr algn="l"/>
+            <a:r>
+              <a:rPr lang="en-US" sz="2000" dirty="0">
+                <a:latin typeface="Times New Roman" pitchFamily="18" charset="0"/>
+                <a:cs typeface="Times New Roman" pitchFamily="18" charset="0"/>
+              </a:rPr>
+              <a:t>             This Module needs information’s about a specific place like Title, Description, Logo, Address, Location, Latitude and Longitude for a place provided by using map, Business Details, Social Media Links, video and images about the place.</a:t>
+            </a:r>
+            <a:r>
+              <a:rPr lang="en-IN" sz="2000" dirty="0">
+                <a:solidFill>
+                  <a:srgbClr val="000000"/>
+                </a:solidFill>
+                <a:effectLst/>
+                <a:latin typeface="Times New Roman" panose="02020603050405020304" pitchFamily="18" charset="0"/>
+                <a:ea typeface="Times New Roman" panose="02020603050405020304" pitchFamily="18" charset="0"/>
+              </a:rPr>
+              <a:t>Submit listing is the process that will upload the new places to this application. The admin uploads the places. The uploaded articles can view by all users. User can search based on the categories, then it will show all the uploaded places to user.</a:t>
+            </a:r>
+            <a:endParaRPr lang="en-US" sz="2000" dirty="0">
+              <a:solidFill>
+                <a:schemeClr val="tx1"/>
+              </a:solidFill>
+              <a:latin typeface="Times New Roman" panose="02020603050405020304" pitchFamily="18" charset="0"/>
+              <a:ea typeface="Times New Roman" panose="02020603050405020304" pitchFamily="18" charset="0"/>
+              <a:cs typeface="Times New Roman" panose="02020603050405020304" pitchFamily="18" charset="0"/>
+            </a:endParaRPr>
+          </a:p>
+          <a:p>
+            <a:endParaRPr lang="en-IN" dirty="0"/>
+          </a:p>
+        </p:txBody>
+      </p:sp>
+    </p:spTree>
+    <p:extLst>
+      <p:ext uri="{BB962C8B-B14F-4D97-AF65-F5344CB8AC3E}">
+        <p14:creationId xmlns:p14="http://schemas.microsoft.com/office/powerpoint/2010/main" val="1172845532"/>
+      </p:ext>
+    </p:extLst>
+  </p:cSld>
+  <p:clrMapOvr>
+    <a:masterClrMapping/>
+  </p:clrMapOvr>
+</p:sld>
+</file>
+
+<file path=ppt/slides/slide9.xml><?xml version="1.0" encoding="utf-8"?>
 <p:sld xmlns:a="http://schemas.openxmlformats.org/drawingml/2006/main" xmlns:r="http://schemas.openxmlformats.org/officeDocument/2006/relationships" xmlns:p="http://schemas.openxmlformats.org/presentationml/2006/main">
   <p:cSld>
     <p:spTree>
@@ -8015,104 +6439,10 @@
 </p:sld>
 </file>
 
-<file path=ppt/slides/slide9.xml><?xml version="1.0" encoding="utf-8"?>
-<p:sld xmlns:a="http://schemas.openxmlformats.org/drawingml/2006/main" xmlns:r="http://schemas.openxmlformats.org/officeDocument/2006/relationships" xmlns:p="http://schemas.openxmlformats.org/presentationml/2006/main">
-  <p:cSld>
-    <p:spTree>
-      <p:nvGrpSpPr>
-        <p:cNvPr id="1" name=""/>
-        <p:cNvGrpSpPr/>
-        <p:nvPr/>
-      </p:nvGrpSpPr>
-      <p:grpSpPr>
-        <a:xfrm>
-          <a:off x="0" y="0"/>
-          <a:ext cx="0" cy="0"/>
-          <a:chOff x="0" y="0"/>
-          <a:chExt cx="0" cy="0"/>
-        </a:xfrm>
-      </p:grpSpPr>
-      <p:sp>
-        <p:nvSpPr>
-          <p:cNvPr id="2" name="Title 1">
-            <a:extLst>
-              <a:ext uri="{FF2B5EF4-FFF2-40B4-BE49-F238E27FC236}">
-                <a16:creationId xmlns:a16="http://schemas.microsoft.com/office/drawing/2014/main" id="{89E07BB6-D575-4D58-89E5-6BD8F2FD0055}"/>
-              </a:ext>
-            </a:extLst>
-          </p:cNvPr>
-          <p:cNvSpPr>
-            <a:spLocks noGrp="1"/>
-          </p:cNvSpPr>
-          <p:nvPr>
-            <p:ph type="title"/>
-          </p:nvPr>
-        </p:nvSpPr>
-        <p:spPr>
-          <a:xfrm>
-            <a:off x="0" y="0"/>
-            <a:ext cx="6692953" cy="887896"/>
-          </a:xfrm>
-        </p:spPr>
-        <p:txBody>
-          <a:bodyPr/>
-          <a:lstStyle/>
-          <a:p>
-            <a:r>
-              <a:rPr lang="en-IN" dirty="0"/>
-              <a:t>ARCHITECTURAL DESIGN</a:t>
-            </a:r>
-            <a:endParaRPr lang="en-US" dirty="0"/>
-          </a:p>
-        </p:txBody>
-      </p:sp>
-      <p:pic>
-        <p:nvPicPr>
-          <p:cNvPr id="4" name="Picture 3">
-            <a:extLst>
-              <a:ext uri="{FF2B5EF4-FFF2-40B4-BE49-F238E27FC236}">
-                <a16:creationId xmlns:a16="http://schemas.microsoft.com/office/drawing/2014/main" id="{F4129559-B876-4BD2-8D2C-B6540CC93E25}"/>
-              </a:ext>
-            </a:extLst>
-          </p:cNvPr>
-          <p:cNvPicPr>
-            <a:picLocks noChangeAspect="1"/>
-          </p:cNvPicPr>
-          <p:nvPr/>
-        </p:nvPicPr>
-        <p:blipFill>
-          <a:blip r:embed="rId2"/>
-          <a:stretch>
-            <a:fillRect/>
-          </a:stretch>
-        </p:blipFill>
-        <p:spPr>
-          <a:xfrm>
-            <a:off x="2007163" y="1106036"/>
-            <a:ext cx="8177673" cy="5557986"/>
-          </a:xfrm>
-          <a:prstGeom prst="rect">
-            <a:avLst/>
-          </a:prstGeom>
-        </p:spPr>
-      </p:pic>
-    </p:spTree>
-    <p:extLst>
-      <p:ext uri="{BB962C8B-B14F-4D97-AF65-F5344CB8AC3E}">
-        <p14:creationId xmlns:p14="http://schemas.microsoft.com/office/powerpoint/2010/main" val="3194309430"/>
-      </p:ext>
-    </p:extLst>
-  </p:cSld>
-  <p:clrMapOvr>
-    <a:masterClrMapping/>
-  </p:clrMapOvr>
-</p:sld>
-</file>
-
 <file path=ppt/theme/theme1.xml><?xml version="1.0" encoding="utf-8"?>
-<a:theme xmlns:a="http://schemas.openxmlformats.org/drawingml/2006/main" name="Damask">
+<a:theme xmlns:a="http://schemas.openxmlformats.org/drawingml/2006/main" name="Office Theme">
   <a:themeElements>
-    <a:clrScheme name="Damask">
+    <a:clrScheme name="Office">
       <a:dk1>
         <a:sysClr val="windowText" lastClr="000000"/>
       </a:dk1>
@@ -8120,44 +6450,44 @@
         <a:sysClr val="window" lastClr="FFFFFF"/>
       </a:lt1>
       <a:dk2>
-        <a:srgbClr val="2A5B7F"/>
+        <a:srgbClr val="44546A"/>
       </a:dk2>
       <a:lt2>
-        <a:srgbClr val="ABDAFC"/>
+        <a:srgbClr val="E7E6E6"/>
       </a:lt2>
       <a:accent1>
-        <a:srgbClr val="9EC544"/>
+        <a:srgbClr val="4472C4"/>
       </a:accent1>
       <a:accent2>
-        <a:srgbClr val="50BEA3"/>
+        <a:srgbClr val="ED7D31"/>
       </a:accent2>
       <a:accent3>
-        <a:srgbClr val="4A9CCC"/>
+        <a:srgbClr val="A5A5A5"/>
       </a:accent3>
       <a:accent4>
-        <a:srgbClr val="9A66CA"/>
+        <a:srgbClr val="FFC000"/>
       </a:accent4>
       <a:accent5>
-        <a:srgbClr val="C54F71"/>
+        <a:srgbClr val="5B9BD5"/>
       </a:accent5>
       <a:accent6>
-        <a:srgbClr val="DE9C3C"/>
+        <a:srgbClr val="70AD47"/>
       </a:accent6>
       <a:hlink>
-        <a:srgbClr val="6BA9DA"/>
+        <a:srgbClr val="0563C1"/>
       </a:hlink>
       <a:folHlink>
-        <a:srgbClr val="A0BCD3"/>
+        <a:srgbClr val="954F72"/>
       </a:folHlink>
     </a:clrScheme>
-    <a:fontScheme name="Damask">
+    <a:fontScheme name="Office">
       <a:majorFont>
-        <a:latin typeface="Bookman Old Style" panose="02050604050505020204"/>
+        <a:latin typeface="Calibri Light" panose="020F0302020204030204"/>
         <a:ea typeface=""/>
         <a:cs typeface=""/>
-        <a:font script="Jpan" typeface="ＭＳ Ｐゴシック"/>
+        <a:font script="Jpan" typeface="游ゴシック Light"/>
         <a:font script="Hang" typeface="맑은 고딕"/>
-        <a:font script="Hans" typeface="宋体"/>
+        <a:font script="Hans" typeface="等线 Light"/>
         <a:font script="Hant" typeface="新細明體"/>
         <a:font script="Arab" typeface="Times New Roman"/>
         <a:font script="Hebr" typeface="Times New Roman"/>
@@ -8185,14 +6515,31 @@
         <a:font script="Viet" typeface="Times New Roman"/>
         <a:font script="Uigh" typeface="Microsoft Uighur"/>
         <a:font script="Geor" typeface="Sylfaen"/>
+        <a:font script="Armn" typeface="Arial"/>
+        <a:font script="Bugi" typeface="Leelawadee UI"/>
+        <a:font script="Bopo" typeface="Microsoft JhengHei"/>
+        <a:font script="Java" typeface="Javanese Text"/>
+        <a:font script="Lisu" typeface="Segoe UI"/>
+        <a:font script="Mymr" typeface="Myanmar Text"/>
+        <a:font script="Nkoo" typeface="Ebrima"/>
+        <a:font script="Olck" typeface="Nirmala UI"/>
+        <a:font script="Osma" typeface="Ebrima"/>
+        <a:font script="Phag" typeface="Phagspa"/>
+        <a:font script="Syrn" typeface="Estrangelo Edessa"/>
+        <a:font script="Syrj" typeface="Estrangelo Edessa"/>
+        <a:font script="Syre" typeface="Estrangelo Edessa"/>
+        <a:font script="Sora" typeface="Nirmala UI"/>
+        <a:font script="Tale" typeface="Microsoft Tai Le"/>
+        <a:font script="Talu" typeface="Microsoft New Tai Lue"/>
+        <a:font script="Tfng" typeface="Ebrima"/>
       </a:majorFont>
       <a:minorFont>
-        <a:latin typeface="Rockwell" panose="02060603020205020403"/>
+        <a:latin typeface="Calibri" panose="020F0502020204030204"/>
         <a:ea typeface=""/>
         <a:cs typeface=""/>
-        <a:font script="Jpan" typeface="ＭＳ Ｐゴシック"/>
+        <a:font script="Jpan" typeface="游ゴシック"/>
         <a:font script="Hang" typeface="맑은 고딕"/>
-        <a:font script="Hans" typeface="宋体"/>
+        <a:font script="Hans" typeface="等线"/>
         <a:font script="Hant" typeface="新細明體"/>
         <a:font script="Arab" typeface="Arial"/>
         <a:font script="Hebr" typeface="Arial"/>
@@ -8220,9 +6567,26 @@
         <a:font script="Viet" typeface="Arial"/>
         <a:font script="Uigh" typeface="Microsoft Uighur"/>
         <a:font script="Geor" typeface="Sylfaen"/>
+        <a:font script="Armn" typeface="Arial"/>
+        <a:font script="Bugi" typeface="Leelawadee UI"/>
+        <a:font script="Bopo" typeface="Microsoft JhengHei"/>
+        <a:font script="Java" typeface="Javanese Text"/>
+        <a:font script="Lisu" typeface="Segoe UI"/>
+        <a:font script="Mymr" typeface="Myanmar Text"/>
+        <a:font script="Nkoo" typeface="Ebrima"/>
+        <a:font script="Olck" typeface="Nirmala UI"/>
+        <a:font script="Osma" typeface="Ebrima"/>
+        <a:font script="Phag" typeface="Phagspa"/>
+        <a:font script="Syrn" typeface="Estrangelo Edessa"/>
+        <a:font script="Syrj" typeface="Estrangelo Edessa"/>
+        <a:font script="Syre" typeface="Estrangelo Edessa"/>
+        <a:font script="Sora" typeface="Nirmala UI"/>
+        <a:font script="Tale" typeface="Microsoft Tai Le"/>
+        <a:font script="Talu" typeface="Microsoft New Tai Lue"/>
+        <a:font script="Tfng" typeface="Ebrima"/>
       </a:minorFont>
     </a:fontScheme>
-    <a:fmtScheme name="Damask">
+    <a:fmtScheme name="Office">
       <a:fillStyleLst>
         <a:solidFill>
           <a:schemeClr val="phClr"/>
@@ -8231,16 +6595,23 @@
           <a:gsLst>
             <a:gs pos="0">
               <a:schemeClr val="phClr">
-                <a:tint val="48000"/>
+                <a:lumMod val="110000"/>
                 <a:satMod val="105000"/>
-                <a:lumMod val="110000"/>
+                <a:tint val="67000"/>
+              </a:schemeClr>
+            </a:gs>
+            <a:gs pos="50000">
+              <a:schemeClr val="phClr">
+                <a:lumMod val="105000"/>
+                <a:satMod val="103000"/>
+                <a:tint val="73000"/>
               </a:schemeClr>
             </a:gs>
             <a:gs pos="100000">
               <a:schemeClr val="phClr">
-                <a:tint val="78000"/>
+                <a:lumMod val="105000"/>
                 <a:satMod val="109000"/>
-                <a:lumMod val="100000"/>
+                <a:tint val="81000"/>
               </a:schemeClr>
             </a:gs>
           </a:gsLst>
@@ -8250,23 +6621,23 @@
           <a:gsLst>
             <a:gs pos="0">
               <a:schemeClr val="phClr">
+                <a:satMod val="103000"/>
+                <a:lumMod val="102000"/>
                 <a:tint val="94000"/>
-                <a:satMod val="100000"/>
-                <a:lumMod val="104000"/>
               </a:schemeClr>
             </a:gs>
-            <a:gs pos="69000">
+            <a:gs pos="50000">
               <a:schemeClr val="phClr">
-                <a:shade val="86000"/>
-                <a:satMod val="130000"/>
-                <a:lumMod val="102000"/>
+                <a:satMod val="110000"/>
+                <a:lumMod val="100000"/>
+                <a:shade val="100000"/>
               </a:schemeClr>
             </a:gs>
             <a:gs pos="100000">
               <a:schemeClr val="phClr">
-                <a:shade val="72000"/>
-                <a:satMod val="130000"/>
-                <a:lumMod val="100000"/>
+                <a:lumMod val="99000"/>
+                <a:satMod val="120000"/>
+                <a:shade val="78000"/>
               </a:schemeClr>
             </a:gs>
           </a:gsLst>
@@ -8274,23 +6645,26 @@
         </a:gradFill>
       </a:fillStyleLst>
       <a:lnStyleLst>
+        <a:ln w="6350" cap="flat" cmpd="sng" algn="ctr">
+          <a:solidFill>
+            <a:schemeClr val="phClr"/>
+          </a:solidFill>
+          <a:prstDash val="solid"/>
+          <a:miter lim="800000"/>
+        </a:ln>
         <a:ln w="12700" cap="flat" cmpd="sng" algn="ctr">
           <a:solidFill>
             <a:schemeClr val="phClr"/>
           </a:solidFill>
           <a:prstDash val="solid"/>
+          <a:miter lim="800000"/>
         </a:ln>
         <a:ln w="19050" cap="flat" cmpd="sng" algn="ctr">
           <a:solidFill>
             <a:schemeClr val="phClr"/>
           </a:solidFill>
           <a:prstDash val="solid"/>
-        </a:ln>
-        <a:ln w="25400" cap="flat" cmpd="sng" algn="ctr">
-          <a:solidFill>
-            <a:schemeClr val="phClr"/>
-          </a:solidFill>
-          <a:prstDash val="solid"/>
+          <a:miter lim="800000"/>
         </a:ln>
       </a:lnStyleLst>
       <a:effectStyleLst>
@@ -8298,31 +6672,16 @@
           <a:effectLst/>
         </a:effectStyle>
         <a:effectStyle>
+          <a:effectLst/>
+        </a:effectStyle>
+        <a:effectStyle>
           <a:effectLst>
-            <a:outerShdw blurRad="50800" dist="38100" dir="5400000" sy="96000" rotWithShape="0">
+            <a:outerShdw blurRad="57150" dist="19050" dir="5400000" algn="ctr" rotWithShape="0">
               <a:srgbClr val="000000">
-                <a:alpha val="54000"/>
+                <a:alpha val="63000"/>
               </a:srgbClr>
             </a:outerShdw>
           </a:effectLst>
-        </a:effectStyle>
-        <a:effectStyle>
-          <a:effectLst>
-            <a:outerShdw blurRad="76200" dist="38100" dir="5400000" algn="ctr" rotWithShape="0">
-              <a:srgbClr val="000000">
-                <a:alpha val="76000"/>
-              </a:srgbClr>
-            </a:outerShdw>
-          </a:effectLst>
-          <a:scene3d>
-            <a:camera prst="orthographicFront">
-              <a:rot lat="0" lon="0" rev="0"/>
-            </a:camera>
-            <a:lightRig rig="balanced" dir="t"/>
-          </a:scene3d>
-          <a:sp3d prstMaterial="matte">
-            <a:bevelT w="25400" h="25400" prst="relaxedInset"/>
-          </a:sp3d>
         </a:effectStyle>
       </a:effectStyleLst>
       <a:bgFillStyleLst>
@@ -8335,23 +6694,33 @@
             <a:satMod val="170000"/>
           </a:schemeClr>
         </a:solidFill>
-        <a:blipFill rotWithShape="1">
-          <a:blip xmlns:r="http://schemas.openxmlformats.org/officeDocument/2006/relationships" r:embed="rId1">
-            <a:duotone>
+        <a:gradFill rotWithShape="1">
+          <a:gsLst>
+            <a:gs pos="0">
               <a:schemeClr val="phClr">
-                <a:shade val="18000"/>
-                <a:satMod val="160000"/>
-                <a:lumMod val="28000"/>
+                <a:tint val="93000"/>
+                <a:satMod val="150000"/>
+                <a:shade val="98000"/>
+                <a:lumMod val="102000"/>
               </a:schemeClr>
+            </a:gs>
+            <a:gs pos="50000">
               <a:schemeClr val="phClr">
-                <a:tint val="95000"/>
-                <a:satMod val="160000"/>
-                <a:lumMod val="116000"/>
+                <a:tint val="98000"/>
+                <a:satMod val="130000"/>
+                <a:shade val="90000"/>
+                <a:lumMod val="103000"/>
               </a:schemeClr>
-            </a:duotone>
-          </a:blip>
-          <a:stretch/>
-        </a:blipFill>
+            </a:gs>
+            <a:gs pos="100000">
+              <a:schemeClr val="phClr">
+                <a:shade val="63000"/>
+                <a:satMod val="120000"/>
+              </a:schemeClr>
+            </a:gs>
+          </a:gsLst>
+          <a:lin ang="5400000" scaled="0"/>
+        </a:gradFill>
       </a:bgFillStyleLst>
     </a:fmtScheme>
   </a:themeElements>
@@ -8359,7 +6728,7 @@
   <a:extraClrSchemeLst/>
   <a:extLst>
     <a:ext uri="{05A4C25C-085E-4340-85A3-A5531E510DB2}">
-      <thm15:themeFamily xmlns:thm15="http://schemas.microsoft.com/office/thememl/2012/main" name="Damask" id="{F9A299A0-33D0-4E0F-9F3F-7163E3744208}" vid="{746EEEEA-FB6A-406B-B510-531588D54811}"/>
+      <thm15:themeFamily xmlns:thm15="http://schemas.microsoft.com/office/thememl/2012/main" name="Office Theme" id="{62F939B6-93AF-4DB8-9C6B-D6C7DFDC589F}" vid="{4A3C46E8-61CC-4603-A589-7422A47A8E4A}"/>
     </a:ext>
   </a:extLst>
 </a:theme>

--- a/20Y005-Review 1.pptx
+++ b/20Y005-Review 1.pptx
@@ -279,7 +279,7 @@
           <a:p>
             <a:fld id="{48A87A34-81AB-432B-8DAE-1953F412C126}" type="datetimeFigureOut">
               <a:rPr lang="en-US" smtClean="0"/>
-              <a:t>3/24/2022</a:t>
+              <a:t>5/17/2022</a:t>
             </a:fld>
             <a:endParaRPr lang="en-US" dirty="0"/>
           </a:p>
@@ -479,7 +479,7 @@
           <a:p>
             <a:fld id="{48A87A34-81AB-432B-8DAE-1953F412C126}" type="datetimeFigureOut">
               <a:rPr lang="en-US" smtClean="0"/>
-              <a:t>3/24/2022</a:t>
+              <a:t>5/17/2022</a:t>
             </a:fld>
             <a:endParaRPr lang="en-US" dirty="0"/>
           </a:p>
@@ -689,7 +689,7 @@
           <a:p>
             <a:fld id="{48A87A34-81AB-432B-8DAE-1953F412C126}" type="datetimeFigureOut">
               <a:rPr lang="en-US" smtClean="0"/>
-              <a:t>3/24/2022</a:t>
+              <a:t>5/17/2022</a:t>
             </a:fld>
             <a:endParaRPr lang="en-US" dirty="0"/>
           </a:p>
@@ -889,7 +889,7 @@
           <a:p>
             <a:fld id="{48A87A34-81AB-432B-8DAE-1953F412C126}" type="datetimeFigureOut">
               <a:rPr lang="en-US" smtClean="0"/>
-              <a:t>3/24/2022</a:t>
+              <a:t>5/17/2022</a:t>
             </a:fld>
             <a:endParaRPr lang="en-US" dirty="0"/>
           </a:p>
@@ -1165,7 +1165,7 @@
           <a:p>
             <a:fld id="{48A87A34-81AB-432B-8DAE-1953F412C126}" type="datetimeFigureOut">
               <a:rPr lang="en-US" smtClean="0"/>
-              <a:t>3/24/2022</a:t>
+              <a:t>5/17/2022</a:t>
             </a:fld>
             <a:endParaRPr lang="en-US" dirty="0"/>
           </a:p>
@@ -1433,7 +1433,7 @@
           <a:p>
             <a:fld id="{48A87A34-81AB-432B-8DAE-1953F412C126}" type="datetimeFigureOut">
               <a:rPr lang="en-US" smtClean="0"/>
-              <a:t>3/24/2022</a:t>
+              <a:t>5/17/2022</a:t>
             </a:fld>
             <a:endParaRPr lang="en-US" dirty="0"/>
           </a:p>
@@ -1848,7 +1848,7 @@
           <a:p>
             <a:fld id="{48A87A34-81AB-432B-8DAE-1953F412C126}" type="datetimeFigureOut">
               <a:rPr lang="en-US" smtClean="0"/>
-              <a:t>3/24/2022</a:t>
+              <a:t>5/17/2022</a:t>
             </a:fld>
             <a:endParaRPr lang="en-US" dirty="0"/>
           </a:p>
@@ -1990,7 +1990,7 @@
           <a:p>
             <a:fld id="{48A87A34-81AB-432B-8DAE-1953F412C126}" type="datetimeFigureOut">
               <a:rPr lang="en-US" smtClean="0"/>
-              <a:t>3/24/2022</a:t>
+              <a:t>5/17/2022</a:t>
             </a:fld>
             <a:endParaRPr lang="en-US" dirty="0"/>
           </a:p>
@@ -2103,7 +2103,7 @@
           <a:p>
             <a:fld id="{48A87A34-81AB-432B-8DAE-1953F412C126}" type="datetimeFigureOut">
               <a:rPr lang="en-US" smtClean="0"/>
-              <a:t>3/24/2022</a:t>
+              <a:t>5/17/2022</a:t>
             </a:fld>
             <a:endParaRPr lang="en-US" dirty="0"/>
           </a:p>
@@ -2416,7 +2416,7 @@
           <a:p>
             <a:fld id="{48A87A34-81AB-432B-8DAE-1953F412C126}" type="datetimeFigureOut">
               <a:rPr lang="en-US" smtClean="0"/>
-              <a:t>3/24/2022</a:t>
+              <a:t>5/17/2022</a:t>
             </a:fld>
             <a:endParaRPr lang="en-US" dirty="0"/>
           </a:p>
@@ -2705,7 +2705,7 @@
           <a:p>
             <a:fld id="{48A87A34-81AB-432B-8DAE-1953F412C126}" type="datetimeFigureOut">
               <a:rPr lang="en-US" smtClean="0"/>
-              <a:t>3/24/2022</a:t>
+              <a:t>5/17/2022</a:t>
             </a:fld>
             <a:endParaRPr lang="en-US" dirty="0"/>
           </a:p>
@@ -2949,7 +2949,7 @@
             <a:fld id="{48A87A34-81AB-432B-8DAE-1953F412C126}" type="datetimeFigureOut">
               <a:rPr lang="en-US" smtClean="0"/>
               <a:pPr/>
-              <a:t>3/24/2022</a:t>
+              <a:t>5/17/2022</a:t>
             </a:fld>
             <a:endParaRPr lang="en-US" dirty="0"/>
           </a:p>
@@ -3526,6 +3526,19 @@
           <a:p>
             <a:pPr algn="l"/>
             <a:r>
+              <a:rPr lang="en-US" sz="1600" b="1">
+                <a:solidFill>
+                  <a:schemeClr val="tx1">
+                    <a:lumMod val="95000"/>
+                    <a:lumOff val="5000"/>
+                  </a:schemeClr>
+                </a:solidFill>
+                <a:latin typeface="Times New Roman" pitchFamily="18" charset="0"/>
+                <a:cs typeface="Times New Roman" pitchFamily="18" charset="0"/>
+              </a:rPr>
+              <a:t>Associate </a:t>
+            </a:r>
+            <a:r>
               <a:rPr lang="en-US" sz="1600" b="1" dirty="0">
                 <a:solidFill>
                   <a:schemeClr val="tx1">
@@ -3536,7 +3549,7 @@
                 <a:latin typeface="Times New Roman" pitchFamily="18" charset="0"/>
                 <a:cs typeface="Times New Roman" pitchFamily="18" charset="0"/>
               </a:rPr>
-              <a:t>Assistant Professor,                                                                                                          </a:t>
+              <a:t>Professor,                                                                                                          </a:t>
             </a:r>
             <a:r>
               <a:rPr lang="en-US" sz="1600" b="1" dirty="0">
@@ -3792,10 +3805,10 @@
       </p:sp>
       <p:pic>
         <p:nvPicPr>
-          <p:cNvPr id="4" name="Picture 3">
-            <a:extLst>
-              <a:ext uri="{FF2B5EF4-FFF2-40B4-BE49-F238E27FC236}">
-                <a16:creationId xmlns:a16="http://schemas.microsoft.com/office/drawing/2014/main" id="{F43ACC9B-0C66-4B30-927E-85D1619DAF35}"/>
+          <p:cNvPr id="5" name="Picture 4">
+            <a:extLst>
+              <a:ext uri="{FF2B5EF4-FFF2-40B4-BE49-F238E27FC236}">
+                <a16:creationId xmlns:a16="http://schemas.microsoft.com/office/drawing/2014/main" id="{5D5FB204-A84D-700D-8004-15939AC536B1}"/>
               </a:ext>
             </a:extLst>
           </p:cNvPr>
@@ -3812,8 +3825,8 @@
         </p:blipFill>
         <p:spPr>
           <a:xfrm>
-            <a:off x="1471233" y="1311965"/>
-            <a:ext cx="9249534" cy="5221691"/>
+            <a:off x="1347761" y="943093"/>
+            <a:ext cx="9015439" cy="5914907"/>
           </a:xfrm>
           <a:prstGeom prst="rect">
             <a:avLst/>
@@ -5520,18 +5533,7 @@
                 <a:latin typeface="Times New Roman" panose="02020603050405020304" pitchFamily="18" charset="0"/>
                 <a:ea typeface="Times New Roman" panose="02020603050405020304" pitchFamily="18" charset="0"/>
               </a:rPr>
-              <a:t>The project is to be implemented on Madurai city in which it helps the user to find location based on various category. The goal of the project is to explore city with a Categorised web application. The prototype implemented includes basic functionalities of city guide such as showing a map, locating points of interest (POIs) on a map, locating location of a user, retrieving information of POIs, add reviews about POIs, plan a tour, support communication (e.g. phone, short message), show route direction to POIs, add reminder, and choose different kinds of POIs to show on map.</a:t>
-            </a:r>
-            <a:r>
-              <a:rPr lang="en-IN" sz="1800" dirty="0">
-                <a:solidFill>
-                  <a:srgbClr val="000000"/>
-                </a:solidFill>
-                <a:effectLst/>
-                <a:latin typeface="Times New Roman" panose="02020603050405020304" pitchFamily="18" charset="0"/>
-                <a:ea typeface="Times New Roman" panose="02020603050405020304" pitchFamily="18" charset="0"/>
-              </a:rPr>
-              <a:t> </a:t>
+              <a:t>The project is to be implemented in Madurai city in which it helps the user to find location based on various category. The goal of the project is to explore city with a Categorised web application. </a:t>
             </a:r>
             <a:r>
               <a:rPr lang="en-IN" dirty="0">
@@ -5543,7 +5545,7 @@
                 <a:ea typeface="Times New Roman" panose="02020603050405020304" pitchFamily="18" charset="0"/>
                 <a:cs typeface="Times New Roman" panose="02020603050405020304" pitchFamily="18" charset="0"/>
               </a:rPr>
-              <a:t>Directories contain a large number of listings under different categories. It provide tools like searching, filtering, pictures, location information with maps, places information, contact details, and more.  It is community driven and  built on user generated content.  </a:t>
+              <a:t>Directories contain a large number of listings under different categories. It is community driven and  built on user generated content. </a:t>
             </a:r>
             <a:endParaRPr lang="en-IN" dirty="0">
               <a:solidFill>
@@ -5696,7 +5698,7 @@
                 <a:ea typeface="Times New Roman" panose="02020603050405020304" pitchFamily="18" charset="0"/>
                 <a:cs typeface="Times New Roman" panose="02020603050405020304" pitchFamily="18" charset="0"/>
               </a:rPr>
-              <a:t>User can explore popular places as categorised lists like tourist places, restaurant &amp; residency, jewellery, banking and finance, automobile, shops and they can also promote their shops using ads. Thus this application helps to select the location they need to explore in a efficient manner .The main aim of developing this application is to reduce the time and to give a accurate location in a city. Thus this application provides the required information for quicker decision making. </a:t>
+              <a:t>User can explore popular places as categorised lists like tourist places, restaurant &amp; residency, jewellery, banking and finance, automobile, shops and they can also promote their shops using ads. Thus this application helps to select the location they need to explore in a efficient manner . It provide tools like searching, filtering, pictures, location information with maps, places information, contact details, and more.  It is community driven and  built on user generated content. </a:t>
             </a:r>
             <a:r>
               <a:rPr lang="en-US" sz="2000" dirty="0">
